--- a/Courses/Computer-Modeling-and-IT/Computer-Modeling-and-IT-6-Class/18-Animation-Effects-and-Slide-Duration/18-Animation-Effects-and-Slide-Duration.pptx
+++ b/Courses/Computer-Modeling-and-IT/Computer-Modeling-and-IT-6-Class/18-Animation-Effects-and-Slide-Duration/18-Animation-Effects-and-Slide-Duration.pptx
@@ -5,18 +5,25 @@
     <p:sldMasterId id="2147483675" r:id="rId1"/>
   </p:sldMasterIdLst>
   <p:notesMasterIdLst>
-    <p:notesMasterId r:id="rId8"/>
+    <p:notesMasterId r:id="rId15"/>
   </p:notesMasterIdLst>
   <p:handoutMasterIdLst>
-    <p:handoutMasterId r:id="rId9"/>
+    <p:handoutMasterId r:id="rId16"/>
   </p:handoutMasterIdLst>
   <p:sldIdLst>
     <p:sldId id="503" r:id="rId2"/>
     <p:sldId id="276" r:id="rId3"/>
     <p:sldId id="587" r:id="rId4"/>
-    <p:sldId id="586" r:id="rId5"/>
-    <p:sldId id="504" r:id="rId6"/>
-    <p:sldId id="505" r:id="rId7"/>
+    <p:sldId id="588" r:id="rId5"/>
+    <p:sldId id="589" r:id="rId6"/>
+    <p:sldId id="590" r:id="rId7"/>
+    <p:sldId id="591" r:id="rId8"/>
+    <p:sldId id="592" r:id="rId9"/>
+    <p:sldId id="593" r:id="rId10"/>
+    <p:sldId id="594" r:id="rId11"/>
+    <p:sldId id="586" r:id="rId12"/>
+    <p:sldId id="504" r:id="rId13"/>
+    <p:sldId id="505" r:id="rId14"/>
   </p:sldIdLst>
   <p:sldSz cx="12192000" cy="6858000"/>
   <p:notesSz cx="6858000" cy="9144000"/>
@@ -127,6 +134,13 @@
         <p14:section name="͏͏Анимационни ефекти на елемент от слайд" id="{41D1F9D9-9EF7-4FF7-A9D6-FBA3D9DF3123}">
           <p14:sldIdLst>
             <p14:sldId id="587"/>
+            <p14:sldId id="588"/>
+            <p14:sldId id="589"/>
+            <p14:sldId id="590"/>
+            <p14:sldId id="591"/>
+            <p14:sldId id="592"/>
+            <p14:sldId id="593"/>
+            <p14:sldId id="594"/>
           </p14:sldIdLst>
         </p14:section>
         <p14:section name="Заключение" id="{E19D07F1-86E2-47E9-B2AB-7ADC4F89DC12}">
@@ -253,7 +267,7 @@
           <a:p>
             <a:fld id="{4E087215-0C8F-4762-A664-737A353EC9A4}" type="datetimeFigureOut">
               <a:rPr lang="bg-BG" smtClean="0"/>
-              <a:t>14.7.2024 г.</a:t>
+              <a:t>15.7.2024 г.</a:t>
             </a:fld>
             <a:endParaRPr lang="bg-BG"/>
           </a:p>
@@ -449,7 +463,7 @@
           <a:p>
             <a:fld id="{72D84649-876A-46C9-8472-14CB09C070D8}" type="datetimeFigureOut">
               <a:rPr lang="en-US" smtClean="0"/>
-              <a:t>7/14/2024</a:t>
+              <a:t>7/15/2024</a:t>
             </a:fld>
             <a:endParaRPr lang="en-US"/>
           </a:p>
@@ -1169,6 +1183,248 @@
       </p:sp>
       <p:sp>
         <p:nvSpPr>
+          <p:cNvPr id="4" name="Slide Number Placeholder 3"/>
+          <p:cNvSpPr>
+            <a:spLocks noGrp="1"/>
+          </p:cNvSpPr>
+          <p:nvPr>
+            <p:ph type="sldNum" sz="quarter" idx="10"/>
+          </p:nvPr>
+        </p:nvSpPr>
+        <p:spPr/>
+        <p:txBody>
+          <a:bodyPr/>
+          <a:lstStyle/>
+          <a:p>
+            <a:fld id="{2BF067CD-8E6B-4360-9AA8-C5DF2A48A6D1}" type="slidenum">
+              <a:rPr lang="en-US" smtClean="0"/>
+              <a:t>4</a:t>
+            </a:fld>
+            <a:endParaRPr lang="en-US" dirty="0"/>
+          </a:p>
+        </p:txBody>
+      </p:sp>
+      <p:sp>
+        <p:nvSpPr>
+          <p:cNvPr id="5" name="Footer Placeholder 4"/>
+          <p:cNvSpPr>
+            <a:spLocks noGrp="1"/>
+          </p:cNvSpPr>
+          <p:nvPr>
+            <p:ph type="ftr" sz="quarter" idx="11"/>
+          </p:nvPr>
+        </p:nvSpPr>
+        <p:spPr/>
+        <p:txBody>
+          <a:bodyPr/>
+          <a:lstStyle/>
+          <a:p>
+            <a:r>
+              <a:rPr lang="bg-BG" sz="1100" smtClean="0"/>
+              <a:t>Работна група </a:t>
+            </a:r>
+            <a:r>
+              <a:rPr lang="bg-BG" smtClean="0"/>
+              <a:t>"Образование по програмиране и ИТ"</a:t>
+            </a:r>
+            <a:r>
+              <a:rPr lang="bg-BG" sz="1100" smtClean="0"/>
+              <a:t>, с подкрепата на </a:t>
+            </a:r>
+            <a:r>
+              <a:rPr lang="en-US" sz="1100" smtClean="0">
+                <a:hlinkClick r:id="rId3"/>
+              </a:rPr>
+              <a:t>SoftUni</a:t>
+            </a:r>
+            <a:endParaRPr lang="en-US" sz="1100" dirty="0"/>
+          </a:p>
+        </p:txBody>
+      </p:sp>
+    </p:spTree>
+    <p:extLst>
+      <p:ext uri="{BB962C8B-B14F-4D97-AF65-F5344CB8AC3E}">
+        <p14:creationId xmlns:p14="http://schemas.microsoft.com/office/powerpoint/2010/main" val="2832878322"/>
+      </p:ext>
+    </p:extLst>
+  </p:cSld>
+  <p:clrMapOvr>
+    <a:masterClrMapping/>
+  </p:clrMapOvr>
+</p:notes>
+</file>
+
+<file path=ppt/notesSlides/notesSlide4.xml><?xml version="1.0" encoding="utf-8"?>
+<p:notes xmlns:a="http://schemas.openxmlformats.org/drawingml/2006/main" xmlns:r="http://schemas.openxmlformats.org/officeDocument/2006/relationships" xmlns:p="http://schemas.openxmlformats.org/presentationml/2006/main">
+  <p:cSld>
+    <p:spTree>
+      <p:nvGrpSpPr>
+        <p:cNvPr id="1" name=""/>
+        <p:cNvGrpSpPr/>
+        <p:nvPr/>
+      </p:nvGrpSpPr>
+      <p:grpSpPr>
+        <a:xfrm>
+          <a:off x="0" y="0"/>
+          <a:ext cx="0" cy="0"/>
+          <a:chOff x="0" y="0"/>
+          <a:chExt cx="0" cy="0"/>
+        </a:xfrm>
+      </p:grpSpPr>
+      <p:sp>
+        <p:nvSpPr>
+          <p:cNvPr id="2" name="Slide Image Placeholder 1"/>
+          <p:cNvSpPr>
+            <a:spLocks noGrp="1" noRot="1" noChangeAspect="1"/>
+          </p:cNvSpPr>
+          <p:nvPr>
+            <p:ph type="sldImg"/>
+          </p:nvPr>
+        </p:nvSpPr>
+        <p:spPr/>
+      </p:sp>
+      <p:sp>
+        <p:nvSpPr>
+          <p:cNvPr id="3" name="Notes Placeholder 2"/>
+          <p:cNvSpPr>
+            <a:spLocks noGrp="1"/>
+          </p:cNvSpPr>
+          <p:nvPr>
+            <p:ph type="body" idx="1"/>
+          </p:nvPr>
+        </p:nvSpPr>
+        <p:spPr/>
+        <p:txBody>
+          <a:bodyPr/>
+          <a:lstStyle/>
+          <a:p>
+            <a:endParaRPr lang="en-US" dirty="0"/>
+          </a:p>
+        </p:txBody>
+      </p:sp>
+      <p:sp>
+        <p:nvSpPr>
+          <p:cNvPr id="4" name="Slide Number Placeholder 3"/>
+          <p:cNvSpPr>
+            <a:spLocks noGrp="1"/>
+          </p:cNvSpPr>
+          <p:nvPr>
+            <p:ph type="sldNum" sz="quarter" idx="10"/>
+          </p:nvPr>
+        </p:nvSpPr>
+        <p:spPr/>
+        <p:txBody>
+          <a:bodyPr/>
+          <a:lstStyle/>
+          <a:p>
+            <a:fld id="{2BF067CD-8E6B-4360-9AA8-C5DF2A48A6D1}" type="slidenum">
+              <a:rPr lang="en-US" smtClean="0"/>
+              <a:t>7</a:t>
+            </a:fld>
+            <a:endParaRPr lang="en-US" dirty="0"/>
+          </a:p>
+        </p:txBody>
+      </p:sp>
+      <p:sp>
+        <p:nvSpPr>
+          <p:cNvPr id="5" name="Footer Placeholder 4"/>
+          <p:cNvSpPr>
+            <a:spLocks noGrp="1"/>
+          </p:cNvSpPr>
+          <p:nvPr>
+            <p:ph type="ftr" sz="quarter" idx="11"/>
+          </p:nvPr>
+        </p:nvSpPr>
+        <p:spPr/>
+        <p:txBody>
+          <a:bodyPr/>
+          <a:lstStyle/>
+          <a:p>
+            <a:r>
+              <a:rPr lang="bg-BG" sz="1100" smtClean="0"/>
+              <a:t>Работна група </a:t>
+            </a:r>
+            <a:r>
+              <a:rPr lang="bg-BG" smtClean="0"/>
+              <a:t>"Образование по програмиране и ИТ"</a:t>
+            </a:r>
+            <a:r>
+              <a:rPr lang="bg-BG" sz="1100" smtClean="0"/>
+              <a:t>, с подкрепата на </a:t>
+            </a:r>
+            <a:r>
+              <a:rPr lang="en-US" sz="1100" smtClean="0">
+                <a:hlinkClick r:id="rId3"/>
+              </a:rPr>
+              <a:t>SoftUni</a:t>
+            </a:r>
+            <a:endParaRPr lang="en-US" sz="1100" dirty="0"/>
+          </a:p>
+        </p:txBody>
+      </p:sp>
+    </p:spTree>
+    <p:extLst>
+      <p:ext uri="{BB962C8B-B14F-4D97-AF65-F5344CB8AC3E}">
+        <p14:creationId xmlns:p14="http://schemas.microsoft.com/office/powerpoint/2010/main" val="493844413"/>
+      </p:ext>
+    </p:extLst>
+  </p:cSld>
+  <p:clrMapOvr>
+    <a:masterClrMapping/>
+  </p:clrMapOvr>
+</p:notes>
+</file>
+
+<file path=ppt/notesSlides/notesSlide5.xml><?xml version="1.0" encoding="utf-8"?>
+<p:notes xmlns:a="http://schemas.openxmlformats.org/drawingml/2006/main" xmlns:r="http://schemas.openxmlformats.org/officeDocument/2006/relationships" xmlns:p="http://schemas.openxmlformats.org/presentationml/2006/main">
+  <p:cSld>
+    <p:spTree>
+      <p:nvGrpSpPr>
+        <p:cNvPr id="1" name=""/>
+        <p:cNvGrpSpPr/>
+        <p:nvPr/>
+      </p:nvGrpSpPr>
+      <p:grpSpPr>
+        <a:xfrm>
+          <a:off x="0" y="0"/>
+          <a:ext cx="0" cy="0"/>
+          <a:chOff x="0" y="0"/>
+          <a:chExt cx="0" cy="0"/>
+        </a:xfrm>
+      </p:grpSpPr>
+      <p:sp>
+        <p:nvSpPr>
+          <p:cNvPr id="2" name="Slide Image Placeholder 1"/>
+          <p:cNvSpPr>
+            <a:spLocks noGrp="1" noRot="1" noChangeAspect="1"/>
+          </p:cNvSpPr>
+          <p:nvPr>
+            <p:ph type="sldImg"/>
+          </p:nvPr>
+        </p:nvSpPr>
+        <p:spPr/>
+      </p:sp>
+      <p:sp>
+        <p:nvSpPr>
+          <p:cNvPr id="3" name="Notes Placeholder 2"/>
+          <p:cNvSpPr>
+            <a:spLocks noGrp="1"/>
+          </p:cNvSpPr>
+          <p:nvPr>
+            <p:ph type="body" idx="1"/>
+          </p:nvPr>
+        </p:nvSpPr>
+        <p:spPr/>
+        <p:txBody>
+          <a:bodyPr/>
+          <a:lstStyle/>
+          <a:p>
+            <a:endParaRPr lang="en-US" dirty="0"/>
+          </a:p>
+        </p:txBody>
+      </p:sp>
+      <p:sp>
+        <p:nvSpPr>
           <p:cNvPr id="4" name="Footer Placeholder 3"/>
           <p:cNvSpPr>
             <a:spLocks noGrp="1"/>
@@ -1234,7 +1490,7 @@
             <a:fld id="{3EBA5BD7-F043-4D1B-AA17-CD412FC534DE}" type="slidenum">
               <a:rPr lang="en-US" smtClean="0"/>
               <a:pPr/>
-              <a:t>4</a:t>
+              <a:t>11</a:t>
             </a:fld>
             <a:endParaRPr lang="en-US" dirty="0"/>
           </a:p>
@@ -1253,7 +1509,7 @@
 </p:notes>
 </file>
 
-<file path=ppt/notesSlides/notesSlide4.xml><?xml version="1.0" encoding="utf-8"?>
+<file path=ppt/notesSlides/notesSlide6.xml><?xml version="1.0" encoding="utf-8"?>
 <p:notes xmlns:a="http://schemas.openxmlformats.org/drawingml/2006/main" xmlns:r="http://schemas.openxmlformats.org/officeDocument/2006/relationships" xmlns:p="http://schemas.openxmlformats.org/presentationml/2006/main">
   <p:cSld>
     <p:spTree>
@@ -1425,7 +1681,7 @@
             <a:fld id="{3EBA5BD7-F043-4D1B-AA17-CD412FC534DE}" type="slidenum">
               <a:rPr lang="en-US" smtClean="0"/>
               <a:pPr/>
-              <a:t>5</a:t>
+              <a:t>12</a:t>
             </a:fld>
             <a:endParaRPr lang="en-US" dirty="0"/>
           </a:p>
@@ -1483,7 +1739,7 @@
 </p:notes>
 </file>
 
-<file path=ppt/notesSlides/notesSlide5.xml><?xml version="1.0" encoding="utf-8"?>
+<file path=ppt/notesSlides/notesSlide7.xml><?xml version="1.0" encoding="utf-8"?>
 <p:notes xmlns:a="http://schemas.openxmlformats.org/drawingml/2006/main" xmlns:r="http://schemas.openxmlformats.org/officeDocument/2006/relationships" xmlns:p="http://schemas.openxmlformats.org/presentationml/2006/main">
   <p:cSld>
     <p:spTree>
@@ -1655,7 +1911,7 @@
             <a:fld id="{3EBA5BD7-F043-4D1B-AA17-CD412FC534DE}" type="slidenum">
               <a:rPr lang="en-US" smtClean="0"/>
               <a:pPr/>
-              <a:t>6</a:t>
+              <a:t>13</a:t>
             </a:fld>
             <a:endParaRPr lang="en-US" dirty="0"/>
           </a:p>
@@ -7025,7 +7281,7 @@
 </p:sld>
 </file>
 
-<file path=ppt/slides/slide2.xml><?xml version="1.0" encoding="utf-8"?>
+<file path=ppt/slides/slide10.xml><?xml version="1.0" encoding="utf-8"?>
 <p:sld xmlns:a="http://schemas.openxmlformats.org/drawingml/2006/main" xmlns:r="http://schemas.openxmlformats.org/officeDocument/2006/relationships" xmlns:p="http://schemas.openxmlformats.org/presentationml/2006/main">
   <p:cSld>
     <p:spTree>
@@ -7044,259 +7300,115 @@
       </p:grpSpPr>
       <p:sp>
         <p:nvSpPr>
-          <p:cNvPr id="5" name="Slide Number">
-            <a:extLst>
-              <a:ext uri="{FF2B5EF4-FFF2-40B4-BE49-F238E27FC236}">
-                <a16:creationId xmlns:a16="http://schemas.microsoft.com/office/drawing/2014/main" id="{6A760D59-0056-4F39-B077-DBDBE3D2927E}"/>
-              </a:ext>
-            </a:extLst>
-          </p:cNvPr>
-          <p:cNvSpPr txBox="1">
-            <a:spLocks/>
-          </p:cNvSpPr>
-          <p:nvPr/>
-        </p:nvSpPr>
-        <p:spPr>
-          <a:xfrm>
-            <a:off x="11753030" y="6507000"/>
-            <a:ext cx="367414" cy="297000"/>
-          </a:xfrm>
-          <a:prstGeom prst="rect">
-            <a:avLst/>
-          </a:prstGeom>
-        </p:spPr>
-        <p:txBody>
-          <a:bodyPr vert="horz" lIns="91440" tIns="45720" rIns="91440" bIns="45720" rtlCol="0" anchor="b"/>
-          <a:lstStyle>
-            <a:defPPr>
-              <a:defRPr lang="en-US"/>
-            </a:defPPr>
-            <a:lvl1pPr marL="0" algn="r" defTabSz="914400" rtl="0" eaLnBrk="1" latinLnBrk="0" hangingPunct="1">
-              <a:defRPr sz="1000" kern="1200">
-                <a:solidFill>
-                  <a:schemeClr val="tx1"/>
-                </a:solidFill>
-                <a:latin typeface="+mn-lt"/>
-                <a:ea typeface="+mn-ea"/>
-                <a:cs typeface="+mn-cs"/>
-              </a:defRPr>
-            </a:lvl1pPr>
-            <a:lvl2pPr marL="457200" algn="l" defTabSz="914400" rtl="0" eaLnBrk="1" latinLnBrk="0" hangingPunct="1">
-              <a:defRPr sz="1800" kern="1200">
-                <a:solidFill>
-                  <a:schemeClr val="tx1"/>
-                </a:solidFill>
-                <a:latin typeface="+mn-lt"/>
-                <a:ea typeface="+mn-ea"/>
-                <a:cs typeface="+mn-cs"/>
-              </a:defRPr>
-            </a:lvl2pPr>
-            <a:lvl3pPr marL="914400" algn="l" defTabSz="914400" rtl="0" eaLnBrk="1" latinLnBrk="0" hangingPunct="1">
-              <a:defRPr sz="1800" kern="1200">
-                <a:solidFill>
-                  <a:schemeClr val="tx1"/>
-                </a:solidFill>
-                <a:latin typeface="+mn-lt"/>
-                <a:ea typeface="+mn-ea"/>
-                <a:cs typeface="+mn-cs"/>
-              </a:defRPr>
-            </a:lvl3pPr>
-            <a:lvl4pPr marL="1371600" algn="l" defTabSz="914400" rtl="0" eaLnBrk="1" latinLnBrk="0" hangingPunct="1">
-              <a:defRPr sz="1800" kern="1200">
-                <a:solidFill>
-                  <a:schemeClr val="tx1"/>
-                </a:solidFill>
-                <a:latin typeface="+mn-lt"/>
-                <a:ea typeface="+mn-ea"/>
-                <a:cs typeface="+mn-cs"/>
-              </a:defRPr>
-            </a:lvl4pPr>
-            <a:lvl5pPr marL="1828800" algn="l" defTabSz="914400" rtl="0" eaLnBrk="1" latinLnBrk="0" hangingPunct="1">
-              <a:defRPr sz="1800" kern="1200">
-                <a:solidFill>
-                  <a:schemeClr val="tx1"/>
-                </a:solidFill>
-                <a:latin typeface="+mn-lt"/>
-                <a:ea typeface="+mn-ea"/>
-                <a:cs typeface="+mn-cs"/>
-              </a:defRPr>
-            </a:lvl5pPr>
-            <a:lvl6pPr marL="2286000" algn="l" defTabSz="914400" rtl="0" eaLnBrk="1" latinLnBrk="0" hangingPunct="1">
-              <a:defRPr sz="1800" kern="1200">
-                <a:solidFill>
-                  <a:schemeClr val="tx1"/>
-                </a:solidFill>
-                <a:latin typeface="+mn-lt"/>
-                <a:ea typeface="+mn-ea"/>
-                <a:cs typeface="+mn-cs"/>
-              </a:defRPr>
-            </a:lvl6pPr>
-            <a:lvl7pPr marL="2743200" algn="l" defTabSz="914400" rtl="0" eaLnBrk="1" latinLnBrk="0" hangingPunct="1">
-              <a:defRPr sz="1800" kern="1200">
-                <a:solidFill>
-                  <a:schemeClr val="tx1"/>
-                </a:solidFill>
-                <a:latin typeface="+mn-lt"/>
-                <a:ea typeface="+mn-ea"/>
-                <a:cs typeface="+mn-cs"/>
-              </a:defRPr>
-            </a:lvl7pPr>
-            <a:lvl8pPr marL="3200400" algn="l" defTabSz="914400" rtl="0" eaLnBrk="1" latinLnBrk="0" hangingPunct="1">
-              <a:defRPr sz="1800" kern="1200">
-                <a:solidFill>
-                  <a:schemeClr val="tx1"/>
-                </a:solidFill>
-                <a:latin typeface="+mn-lt"/>
-                <a:ea typeface="+mn-ea"/>
-                <a:cs typeface="+mn-cs"/>
-              </a:defRPr>
-            </a:lvl8pPr>
-            <a:lvl9pPr marL="3657600" algn="l" defTabSz="914400" rtl="0" eaLnBrk="1" latinLnBrk="0" hangingPunct="1">
-              <a:defRPr sz="1800" kern="1200">
-                <a:solidFill>
-                  <a:schemeClr val="tx1"/>
-                </a:solidFill>
-                <a:latin typeface="+mn-lt"/>
-                <a:ea typeface="+mn-ea"/>
-                <a:cs typeface="+mn-cs"/>
-              </a:defRPr>
-            </a:lvl9pPr>
-          </a:lstStyle>
-          <a:p>
-            <a:fld id="{2BF067CD-8E6B-4360-9AA8-C5DF2A48A6D1}" type="slidenum">
-              <a:rPr lang="en-US" smtClean="0"/>
-              <a:pPr/>
-              <a:t>2</a:t>
-            </a:fld>
-            <a:endParaRPr lang="en-US" dirty="0"/>
-          </a:p>
-        </p:txBody>
-      </p:sp>
-      <p:sp>
-        <p:nvSpPr>
-          <p:cNvPr id="444419" name="Slide Body"/>
+          <p:cNvPr id="2" name="Slide Number Placeholder 1"/>
           <p:cNvSpPr>
-            <a:spLocks noGrp="1" noChangeArrowheads="1"/>
+            <a:spLocks noGrp="1"/>
           </p:cNvSpPr>
           <p:nvPr>
-            <p:ph type="body" sz="quarter" idx="13"/>
+            <p:ph type="sldNum" sz="quarter" idx="5"/>
           </p:nvPr>
         </p:nvSpPr>
-        <p:spPr>
-          <a:xfrm>
-            <a:off x="196766" y="1371604"/>
-            <a:ext cx="9679234" cy="5207396"/>
-          </a:xfrm>
-        </p:spPr>
+        <p:spPr/>
         <p:txBody>
           <a:bodyPr/>
           <a:lstStyle/>
           <a:p>
+            <a:fld id="{2BF067CD-8E6B-4360-9AA8-C5DF2A48A6D1}" type="slidenum">
+              <a:rPr lang="en-US" noProof="0" smtClean="0"/>
+              <a:pPr/>
+              <a:t>10</a:t>
+            </a:fld>
+            <a:endParaRPr lang="en-US" noProof="0" dirty="0"/>
+          </a:p>
+        </p:txBody>
+      </p:sp>
+      <p:sp>
+        <p:nvSpPr>
+          <p:cNvPr id="3" name="Text Placeholder 2"/>
+          <p:cNvSpPr>
+            <a:spLocks noGrp="1"/>
+          </p:cNvSpPr>
+          <p:nvPr>
+            <p:ph type="body" sz="quarter" idx="10"/>
+          </p:nvPr>
+        </p:nvSpPr>
+        <p:spPr/>
+        <p:txBody>
+          <a:bodyPr/>
+          <a:lstStyle/>
+          <a:p>
             <a:r>
               <a:rPr lang="bg-BG" dirty="0" smtClean="0"/>
-              <a:t>͏͏</a:t>
+              <a:t>Анимираните </a:t>
             </a:r>
             <a:r>
               <a:rPr lang="bg-BG" b="1" dirty="0" smtClean="0"/>
-              <a:t>Анимационни ефекти </a:t>
+              <a:t>обекти</a:t>
             </a:r>
             <a:r>
               <a:rPr lang="bg-BG" dirty="0" smtClean="0"/>
-              <a:t>на </a:t>
+              <a:t> се </a:t>
             </a:r>
             <a:r>
               <a:rPr lang="bg-BG" b="1" dirty="0" smtClean="0"/>
-              <a:t>елемент</a:t>
+              <a:t>движат</a:t>
             </a:r>
             <a:r>
               <a:rPr lang="bg-BG" dirty="0" smtClean="0"/>
-              <a:t> от слайд</a:t>
-            </a:r>
-          </a:p>
-          <a:p>
+              <a:t> по предварително </a:t>
+            </a:r>
+            <a:r>
+              <a:rPr lang="bg-BG" b="1" dirty="0" smtClean="0"/>
+              <a:t>зададена</a:t>
+            </a:r>
             <a:r>
               <a:rPr lang="bg-BG" dirty="0" smtClean="0"/>
-              <a:t>͏</a:t>
+              <a:t> </a:t>
             </a:r>
             <a:r>
               <a:rPr lang="bg-BG" b="1" dirty="0" smtClean="0"/>
-              <a:t>Анимационни ефекти</a:t>
-            </a:r>
-            <a:r>
-              <a:rPr lang="bg-BG" dirty="0" smtClean="0"/>
-              <a:t> между </a:t>
-            </a:r>
-            <a:r>
-              <a:rPr lang="bg-BG" b="1" dirty="0" smtClean="0"/>
-              <a:t>слайдове</a:t>
-            </a:r>
-            <a:endParaRPr lang="bg-BG" b="1" dirty="0" smtClean="0"/>
-          </a:p>
-          <a:p>
-            <a:endParaRPr lang="bg-BG" dirty="0"/>
+              <a:t>траектория</a:t>
+            </a:r>
+            <a:endParaRPr lang="en-US" b="1" dirty="0"/>
           </a:p>
         </p:txBody>
       </p:sp>
       <p:sp>
         <p:nvSpPr>
-          <p:cNvPr id="444418" name="Slide Title"/>
+          <p:cNvPr id="4" name="Title 3"/>
           <p:cNvSpPr>
-            <a:spLocks noGrp="1" noChangeArrowheads="1"/>
+            <a:spLocks noGrp="1"/>
           </p:cNvSpPr>
           <p:nvPr>
             <p:ph type="title"/>
           </p:nvPr>
         </p:nvSpPr>
-        <p:spPr>
-          <a:xfrm>
-            <a:off x="190406" y="100750"/>
-            <a:ext cx="10270594" cy="882654"/>
-          </a:xfrm>
-        </p:spPr>
+        <p:spPr/>
         <p:txBody>
           <a:bodyPr/>
           <a:lstStyle/>
           <a:p>
             <a:r>
-              <a:rPr lang="bg-BG"/>
-              <a:t>Съдържание</a:t>
-            </a:r>
-            <a:endParaRPr lang="bg-BG" dirty="0"/>
+              <a:rPr lang="en-US" dirty="0" smtClean="0"/>
+              <a:t>Motion paths</a:t>
+            </a:r>
+            <a:endParaRPr lang="en-US" dirty="0"/>
           </a:p>
         </p:txBody>
       </p:sp>
       <p:pic>
         <p:nvPicPr>
-          <p:cNvPr id="4" name="Picture 3">
-            <a:extLst>
-              <a:ext uri="{FF2B5EF4-FFF2-40B4-BE49-F238E27FC236}">
-                <a16:creationId xmlns:a16="http://schemas.microsoft.com/office/drawing/2014/main" id="{8835CDFB-0E94-0132-177D-CD4B4F85BF89}"/>
-              </a:ext>
-            </a:extLst>
-          </p:cNvPr>
+          <p:cNvPr id="5" name="Picture 4"/>
           <p:cNvPicPr>
             <a:picLocks noChangeAspect="1"/>
           </p:cNvPicPr>
           <p:nvPr/>
         </p:nvPicPr>
         <p:blipFill>
-          <a:blip r:embed="rId3">
-            <a:duotone>
-              <a:prstClr val="black"/>
-              <a:schemeClr val="accent1">
-                <a:tint val="45000"/>
-                <a:satMod val="400000"/>
-              </a:schemeClr>
-            </a:duotone>
+          <a:blip r:embed="rId2">
             <a:extLst>
-              <a:ext uri="{BEBA8EAE-BF5A-486C-A8C5-ECC9F3942E4B}">
-                <a14:imgProps xmlns:a14="http://schemas.microsoft.com/office/drawing/2010/main">
-                  <a14:imgLayer r:embed="rId4">
-                    <a14:imgEffect>
-                      <a14:brightnessContrast bright="30000"/>
-                    </a14:imgEffect>
-                  </a14:imgLayer>
-                </a14:imgProps>
+              <a:ext uri="{28A0092B-C50C-407E-A947-70E740481C1C}">
+                <a14:useLocalDpi xmlns:a14="http://schemas.microsoft.com/office/drawing/2010/main" val="0"/>
               </a:ext>
             </a:extLst>
           </a:blip>
@@ -7306,8 +7418,8 @@
         </p:blipFill>
         <p:spPr>
           <a:xfrm>
-            <a:off x="10011000" y="1584000"/>
-            <a:ext cx="1581246" cy="2115000"/>
+            <a:off x="11541000" y="3402120"/>
+            <a:ext cx="5829300" cy="3362325"/>
           </a:xfrm>
           <a:prstGeom prst="rect">
             <a:avLst/>
@@ -7317,7 +7429,7 @@
     </p:spTree>
     <p:extLst>
       <p:ext uri="{BB962C8B-B14F-4D97-AF65-F5344CB8AC3E}">
-        <p14:creationId xmlns:p14="http://schemas.microsoft.com/office/powerpoint/2010/main" val="1646986932"/>
+        <p14:creationId xmlns:p14="http://schemas.microsoft.com/office/powerpoint/2010/main" val="1127060684"/>
       </p:ext>
     </p:extLst>
   </p:cSld>
@@ -7353,33 +7465,24 @@
                             </p:stCondLst>
                             <p:childTnLst>
                               <p:par>
-                                <p:cTn id="5" presetID="1" presetClass="entr" presetSubtype="0" fill="hold" nodeType="clickEffect">
+                                <p:cTn id="5" presetID="0" presetClass="path" presetSubtype="0" accel="50000" decel="50000" fill="hold" nodeType="clickEffect">
                                   <p:stCondLst>
                                     <p:cond delay="0"/>
                                   </p:stCondLst>
                                   <p:childTnLst>
-                                    <p:set>
+                                    <p:animMotion origin="layout" path="M -0.00287 0.11436 L -0.25117 0.02361 L -0.74167 0.11436 L -1.26433 0.1088 L -1.36485 0.07732 " pathEditMode="relative" rAng="0" ptsTypes="AAAAA">
                                       <p:cBhvr>
-                                        <p:cTn id="6" dur="1" fill="hold">
-                                          <p:stCondLst>
-                                            <p:cond delay="0"/>
-                                          </p:stCondLst>
-                                        </p:cTn>
+                                        <p:cTn id="6" dur="2000" fill="hold"/>
                                         <p:tgtEl>
-                                          <p:spTgt spid="444419">
-                                            <p:txEl>
-                                              <p:pRg st="1" end="1"/>
-                                            </p:txEl>
-                                          </p:spTgt>
+                                          <p:spTgt spid="5"/>
                                         </p:tgtEl>
                                         <p:attrNameLst>
-                                          <p:attrName>style.visibility</p:attrName>
+                                          <p:attrName>ppt_x</p:attrName>
+                                          <p:attrName>ppt_y</p:attrName>
                                         </p:attrNameLst>
                                       </p:cBhvr>
-                                      <p:to>
-                                        <p:strVal val="visible"/>
-                                      </p:to>
-                                    </p:set>
+                                      <p:rCtr x="-68099" y="-4537"/>
+                                    </p:animMotion>
                                   </p:childTnLst>
                                 </p:cTn>
                               </p:par>
@@ -7414,136 +7517,7 @@
 </p:sld>
 </file>
 
-<file path=ppt/slides/slide3.xml><?xml version="1.0" encoding="utf-8"?>
-<p:sld xmlns:a="http://schemas.openxmlformats.org/drawingml/2006/main" xmlns:r="http://schemas.openxmlformats.org/officeDocument/2006/relationships" xmlns:p="http://schemas.openxmlformats.org/presentationml/2006/main">
-  <p:cSld>
-    <p:spTree>
-      <p:nvGrpSpPr>
-        <p:cNvPr id="1" name=""/>
-        <p:cNvGrpSpPr/>
-        <p:nvPr/>
-      </p:nvGrpSpPr>
-      <p:grpSpPr>
-        <a:xfrm>
-          <a:off x="0" y="0"/>
-          <a:ext cx="0" cy="0"/>
-          <a:chOff x="0" y="0"/>
-          <a:chExt cx="0" cy="0"/>
-        </a:xfrm>
-      </p:grpSpPr>
-      <p:sp>
-        <p:nvSpPr>
-          <p:cNvPr id="5" name="Title 4"/>
-          <p:cNvSpPr>
-            <a:spLocks noGrp="1"/>
-          </p:cNvSpPr>
-          <p:nvPr>
-            <p:ph type="title" sz="quarter" idx="10"/>
-          </p:nvPr>
-        </p:nvSpPr>
-        <p:spPr>
-          <a:xfrm>
-            <a:off x="615109" y="4704824"/>
-            <a:ext cx="10961783" cy="1739175"/>
-          </a:xfrm>
-        </p:spPr>
-        <p:txBody>
-          <a:bodyPr/>
-          <a:lstStyle/>
-          <a:p>
-            <a:r>
-              <a:rPr lang="ru-RU" dirty="0"/>
-              <a:t>͏͏Анимационни ефекти на </a:t>
-            </a:r>
-            <a:r>
-              <a:rPr lang="en-US" dirty="0" smtClean="0"/>
-              <a:t/>
-            </a:r>
-            <a:br>
-              <a:rPr lang="en-US" dirty="0" smtClean="0"/>
-            </a:br>
-            <a:r>
-              <a:rPr lang="ru-RU" dirty="0" smtClean="0"/>
-              <a:t>елемент </a:t>
-            </a:r>
-            <a:r>
-              <a:rPr lang="ru-RU" dirty="0"/>
-              <a:t>от слайд</a:t>
-            </a:r>
-            <a:endParaRPr lang="en-US" dirty="0"/>
-          </a:p>
-        </p:txBody>
-      </p:sp>
-      <p:pic>
-        <p:nvPicPr>
-          <p:cNvPr id="2050" name="Picture 2" descr="PowerPoint triggers: Make something happen | BrightCarbon"/>
-          <p:cNvPicPr>
-            <a:picLocks noChangeAspect="1" noChangeArrowheads="1"/>
-          </p:cNvPicPr>
-          <p:nvPr/>
-        </p:nvPicPr>
-        <p:blipFill>
-          <a:blip r:embed="rId2">
-            <a:extLst>
-              <a:ext uri="{28A0092B-C50C-407E-A947-70E740481C1C}">
-                <a14:useLocalDpi xmlns:a14="http://schemas.microsoft.com/office/drawing/2010/main" val="0"/>
-              </a:ext>
-            </a:extLst>
-          </a:blip>
-          <a:srcRect/>
-          <a:stretch>
-            <a:fillRect/>
-          </a:stretch>
-        </p:blipFill>
-        <p:spPr bwMode="auto">
-          <a:xfrm>
-            <a:off x="4257750" y="1584000"/>
-            <a:ext cx="3676500" cy="2137500"/>
-          </a:xfrm>
-          <a:prstGeom prst="rect">
-            <a:avLst/>
-          </a:prstGeom>
-          <a:noFill/>
-          <a:extLst>
-            <a:ext uri="{909E8E84-426E-40DD-AFC4-6F175D3DCCD1}">
-              <a14:hiddenFill xmlns:a14="http://schemas.microsoft.com/office/drawing/2010/main">
-                <a:solidFill>
-                  <a:srgbClr val="FFFFFF"/>
-                </a:solidFill>
-              </a14:hiddenFill>
-            </a:ext>
-          </a:extLst>
-        </p:spPr>
-      </p:pic>
-    </p:spTree>
-    <p:extLst>
-      <p:ext uri="{BB962C8B-B14F-4D97-AF65-F5344CB8AC3E}">
-        <p14:creationId xmlns:p14="http://schemas.microsoft.com/office/powerpoint/2010/main" val="2081712952"/>
-      </p:ext>
-    </p:extLst>
-  </p:cSld>
-  <p:clrMapOvr>
-    <a:masterClrMapping/>
-  </p:clrMapOvr>
-  <mc:AlternateContent xmlns:mc="http://schemas.openxmlformats.org/markup-compatibility/2006" xmlns:p14="http://schemas.microsoft.com/office/powerpoint/2010/main">
-    <mc:Choice Requires="p14">
-      <p:transition spd="slow" p14:dur="2000" advClick="0" advTm="5000"/>
-    </mc:Choice>
-    <mc:Fallback xmlns="">
-      <p:transition spd="slow" advClick="0" advTm="5000"/>
-    </mc:Fallback>
-  </mc:AlternateContent>
-  <p:timing>
-    <p:tnLst>
-      <p:par>
-        <p:cTn id="1" dur="indefinite" restart="never" nodeType="tmRoot"/>
-      </p:par>
-    </p:tnLst>
-  </p:timing>
-</p:sld>
-</file>
-
-<file path=ppt/slides/slide4.xml><?xml version="1.0" encoding="utf-8"?>
+<file path=ppt/slides/slide11.xml><?xml version="1.0" encoding="utf-8"?>
 <p:sld xmlns:a="http://schemas.openxmlformats.org/drawingml/2006/main" xmlns:r="http://schemas.openxmlformats.org/officeDocument/2006/relationships" xmlns:p="http://schemas.openxmlformats.org/presentationml/2006/main">
   <p:cSld>
     <p:spTree>
@@ -7805,7 +7779,7 @@
             <a:fld id="{C014DD1E-5D91-48A3-AD6D-45FBA980D106}" type="slidenum">
               <a:rPr lang="en-US" smtClean="0"/>
               <a:pPr/>
-              <a:t>4</a:t>
+              <a:t>11</a:t>
             </a:fld>
             <a:endParaRPr lang="en-US" dirty="0"/>
           </a:p>
@@ -8356,7 +8330,7 @@
 </p:sld>
 </file>
 
-<file path=ppt/slides/slide5.xml><?xml version="1.0" encoding="utf-8"?>
+<file path=ppt/slides/slide12.xml><?xml version="1.0" encoding="utf-8"?>
 <p:sld xmlns:a="http://schemas.openxmlformats.org/drawingml/2006/main" xmlns:r="http://schemas.openxmlformats.org/officeDocument/2006/relationships" xmlns:p="http://schemas.openxmlformats.org/presentationml/2006/main">
   <p:cSld>
     <p:spTree>
@@ -8470,7 +8444,7 @@
                 <a:hlinkClick r:id="rId3">
                   <a:extLst>
                     <a:ext uri="{A12FA001-AC4F-418D-AE19-62706E023703}">
-                      <ahyp:hlinkClr xmlns="" xmlns:ahyp="http://schemas.microsoft.com/office/drawing/2018/hyperlinkcolor" val="tx"/>
+                      <ahyp:hlinkClr xmlns:ahyp="http://schemas.microsoft.com/office/drawing/2018/hyperlinkcolor" xmlns="" val="tx"/>
                     </a:ext>
                   </a:extLst>
                 </a:hlinkClick>
@@ -8553,7 +8527,7 @@
 </p:sld>
 </file>
 
-<file path=ppt/slides/slide6.xml><?xml version="1.0" encoding="utf-8"?>
+<file path=ppt/slides/slide13.xml><?xml version="1.0" encoding="utf-8"?>
 <p:sld xmlns:a="http://schemas.openxmlformats.org/drawingml/2006/main" xmlns:r="http://schemas.openxmlformats.org/officeDocument/2006/relationships" xmlns:p="http://schemas.openxmlformats.org/presentationml/2006/main" show="0">
   <p:cSld>
     <p:spTree>
@@ -8606,7 +8580,7 @@
             <a:fld id="{2BF067CD-8E6B-4360-9AA8-C5DF2A48A6D1}" type="slidenum">
               <a:rPr lang="en-US" smtClean="0"/>
               <a:pPr/>
-              <a:t>6</a:t>
+              <a:t>13</a:t>
             </a:fld>
             <a:endParaRPr lang="en-US" dirty="0"/>
           </a:p>
@@ -8937,6 +8911,3633 @@
     <p:tnLst>
       <p:par>
         <p:cTn id="1" dur="indefinite" restart="never" nodeType="tmRoot"/>
+      </p:par>
+    </p:tnLst>
+  </p:timing>
+</p:sld>
+</file>
+
+<file path=ppt/slides/slide2.xml><?xml version="1.0" encoding="utf-8"?>
+<p:sld xmlns:a="http://schemas.openxmlformats.org/drawingml/2006/main" xmlns:r="http://schemas.openxmlformats.org/officeDocument/2006/relationships" xmlns:p="http://schemas.openxmlformats.org/presentationml/2006/main">
+  <p:cSld>
+    <p:spTree>
+      <p:nvGrpSpPr>
+        <p:cNvPr id="1" name=""/>
+        <p:cNvGrpSpPr/>
+        <p:nvPr/>
+      </p:nvGrpSpPr>
+      <p:grpSpPr>
+        <a:xfrm>
+          <a:off x="0" y="0"/>
+          <a:ext cx="0" cy="0"/>
+          <a:chOff x="0" y="0"/>
+          <a:chExt cx="0" cy="0"/>
+        </a:xfrm>
+      </p:grpSpPr>
+      <p:sp>
+        <p:nvSpPr>
+          <p:cNvPr id="5" name="Slide Number">
+            <a:extLst>
+              <a:ext uri="{FF2B5EF4-FFF2-40B4-BE49-F238E27FC236}">
+                <a16:creationId xmlns:a16="http://schemas.microsoft.com/office/drawing/2014/main" id="{6A760D59-0056-4F39-B077-DBDBE3D2927E}"/>
+              </a:ext>
+            </a:extLst>
+          </p:cNvPr>
+          <p:cNvSpPr txBox="1">
+            <a:spLocks/>
+          </p:cNvSpPr>
+          <p:nvPr/>
+        </p:nvSpPr>
+        <p:spPr>
+          <a:xfrm>
+            <a:off x="11753030" y="6507000"/>
+            <a:ext cx="367414" cy="297000"/>
+          </a:xfrm>
+          <a:prstGeom prst="rect">
+            <a:avLst/>
+          </a:prstGeom>
+        </p:spPr>
+        <p:txBody>
+          <a:bodyPr vert="horz" lIns="91440" tIns="45720" rIns="91440" bIns="45720" rtlCol="0" anchor="b"/>
+          <a:lstStyle>
+            <a:defPPr>
+              <a:defRPr lang="en-US"/>
+            </a:defPPr>
+            <a:lvl1pPr marL="0" algn="r" defTabSz="914400" rtl="0" eaLnBrk="1" latinLnBrk="0" hangingPunct="1">
+              <a:defRPr sz="1000" kern="1200">
+                <a:solidFill>
+                  <a:schemeClr val="tx1"/>
+                </a:solidFill>
+                <a:latin typeface="+mn-lt"/>
+                <a:ea typeface="+mn-ea"/>
+                <a:cs typeface="+mn-cs"/>
+              </a:defRPr>
+            </a:lvl1pPr>
+            <a:lvl2pPr marL="457200" algn="l" defTabSz="914400" rtl="0" eaLnBrk="1" latinLnBrk="0" hangingPunct="1">
+              <a:defRPr sz="1800" kern="1200">
+                <a:solidFill>
+                  <a:schemeClr val="tx1"/>
+                </a:solidFill>
+                <a:latin typeface="+mn-lt"/>
+                <a:ea typeface="+mn-ea"/>
+                <a:cs typeface="+mn-cs"/>
+              </a:defRPr>
+            </a:lvl2pPr>
+            <a:lvl3pPr marL="914400" algn="l" defTabSz="914400" rtl="0" eaLnBrk="1" latinLnBrk="0" hangingPunct="1">
+              <a:defRPr sz="1800" kern="1200">
+                <a:solidFill>
+                  <a:schemeClr val="tx1"/>
+                </a:solidFill>
+                <a:latin typeface="+mn-lt"/>
+                <a:ea typeface="+mn-ea"/>
+                <a:cs typeface="+mn-cs"/>
+              </a:defRPr>
+            </a:lvl3pPr>
+            <a:lvl4pPr marL="1371600" algn="l" defTabSz="914400" rtl="0" eaLnBrk="1" latinLnBrk="0" hangingPunct="1">
+              <a:defRPr sz="1800" kern="1200">
+                <a:solidFill>
+                  <a:schemeClr val="tx1"/>
+                </a:solidFill>
+                <a:latin typeface="+mn-lt"/>
+                <a:ea typeface="+mn-ea"/>
+                <a:cs typeface="+mn-cs"/>
+              </a:defRPr>
+            </a:lvl4pPr>
+            <a:lvl5pPr marL="1828800" algn="l" defTabSz="914400" rtl="0" eaLnBrk="1" latinLnBrk="0" hangingPunct="1">
+              <a:defRPr sz="1800" kern="1200">
+                <a:solidFill>
+                  <a:schemeClr val="tx1"/>
+                </a:solidFill>
+                <a:latin typeface="+mn-lt"/>
+                <a:ea typeface="+mn-ea"/>
+                <a:cs typeface="+mn-cs"/>
+              </a:defRPr>
+            </a:lvl5pPr>
+            <a:lvl6pPr marL="2286000" algn="l" defTabSz="914400" rtl="0" eaLnBrk="1" latinLnBrk="0" hangingPunct="1">
+              <a:defRPr sz="1800" kern="1200">
+                <a:solidFill>
+                  <a:schemeClr val="tx1"/>
+                </a:solidFill>
+                <a:latin typeface="+mn-lt"/>
+                <a:ea typeface="+mn-ea"/>
+                <a:cs typeface="+mn-cs"/>
+              </a:defRPr>
+            </a:lvl6pPr>
+            <a:lvl7pPr marL="2743200" algn="l" defTabSz="914400" rtl="0" eaLnBrk="1" latinLnBrk="0" hangingPunct="1">
+              <a:defRPr sz="1800" kern="1200">
+                <a:solidFill>
+                  <a:schemeClr val="tx1"/>
+                </a:solidFill>
+                <a:latin typeface="+mn-lt"/>
+                <a:ea typeface="+mn-ea"/>
+                <a:cs typeface="+mn-cs"/>
+              </a:defRPr>
+            </a:lvl7pPr>
+            <a:lvl8pPr marL="3200400" algn="l" defTabSz="914400" rtl="0" eaLnBrk="1" latinLnBrk="0" hangingPunct="1">
+              <a:defRPr sz="1800" kern="1200">
+                <a:solidFill>
+                  <a:schemeClr val="tx1"/>
+                </a:solidFill>
+                <a:latin typeface="+mn-lt"/>
+                <a:ea typeface="+mn-ea"/>
+                <a:cs typeface="+mn-cs"/>
+              </a:defRPr>
+            </a:lvl8pPr>
+            <a:lvl9pPr marL="3657600" algn="l" defTabSz="914400" rtl="0" eaLnBrk="1" latinLnBrk="0" hangingPunct="1">
+              <a:defRPr sz="1800" kern="1200">
+                <a:solidFill>
+                  <a:schemeClr val="tx1"/>
+                </a:solidFill>
+                <a:latin typeface="+mn-lt"/>
+                <a:ea typeface="+mn-ea"/>
+                <a:cs typeface="+mn-cs"/>
+              </a:defRPr>
+            </a:lvl9pPr>
+          </a:lstStyle>
+          <a:p>
+            <a:fld id="{2BF067CD-8E6B-4360-9AA8-C5DF2A48A6D1}" type="slidenum">
+              <a:rPr lang="en-US" smtClean="0"/>
+              <a:pPr/>
+              <a:t>2</a:t>
+            </a:fld>
+            <a:endParaRPr lang="en-US" dirty="0"/>
+          </a:p>
+        </p:txBody>
+      </p:sp>
+      <p:sp>
+        <p:nvSpPr>
+          <p:cNvPr id="444419" name="Slide Body"/>
+          <p:cNvSpPr>
+            <a:spLocks noGrp="1" noChangeArrowheads="1"/>
+          </p:cNvSpPr>
+          <p:nvPr>
+            <p:ph type="body" sz="quarter" idx="13"/>
+          </p:nvPr>
+        </p:nvSpPr>
+        <p:spPr>
+          <a:xfrm>
+            <a:off x="196766" y="1371604"/>
+            <a:ext cx="9679234" cy="5207396"/>
+          </a:xfrm>
+        </p:spPr>
+        <p:txBody>
+          <a:bodyPr/>
+          <a:lstStyle/>
+          <a:p>
+            <a:r>
+              <a:rPr lang="bg-BG" dirty="0" smtClean="0"/>
+              <a:t>͏͏</a:t>
+            </a:r>
+            <a:r>
+              <a:rPr lang="bg-BG" b="1" dirty="0" smtClean="0"/>
+              <a:t>Анимационни ефекти </a:t>
+            </a:r>
+            <a:r>
+              <a:rPr lang="bg-BG" dirty="0" smtClean="0"/>
+              <a:t>на </a:t>
+            </a:r>
+            <a:r>
+              <a:rPr lang="bg-BG" b="1" dirty="0" smtClean="0"/>
+              <a:t>елемент</a:t>
+            </a:r>
+            <a:r>
+              <a:rPr lang="bg-BG" dirty="0" smtClean="0"/>
+              <a:t> от слайд</a:t>
+            </a:r>
+          </a:p>
+          <a:p>
+            <a:r>
+              <a:rPr lang="bg-BG" dirty="0" smtClean="0"/>
+              <a:t>͏</a:t>
+            </a:r>
+            <a:r>
+              <a:rPr lang="bg-BG" b="1" dirty="0" smtClean="0"/>
+              <a:t>Анимационни ефекти</a:t>
+            </a:r>
+            <a:r>
+              <a:rPr lang="bg-BG" dirty="0" smtClean="0"/>
+              <a:t> между </a:t>
+            </a:r>
+            <a:r>
+              <a:rPr lang="bg-BG" b="1" dirty="0" smtClean="0"/>
+              <a:t>слайдове</a:t>
+            </a:r>
+          </a:p>
+          <a:p>
+            <a:endParaRPr lang="bg-BG" dirty="0"/>
+          </a:p>
+        </p:txBody>
+      </p:sp>
+      <p:sp>
+        <p:nvSpPr>
+          <p:cNvPr id="444418" name="Slide Title"/>
+          <p:cNvSpPr>
+            <a:spLocks noGrp="1" noChangeArrowheads="1"/>
+          </p:cNvSpPr>
+          <p:nvPr>
+            <p:ph type="title"/>
+          </p:nvPr>
+        </p:nvSpPr>
+        <p:spPr>
+          <a:xfrm>
+            <a:off x="190406" y="100750"/>
+            <a:ext cx="10270594" cy="882654"/>
+          </a:xfrm>
+        </p:spPr>
+        <p:txBody>
+          <a:bodyPr/>
+          <a:lstStyle/>
+          <a:p>
+            <a:r>
+              <a:rPr lang="bg-BG"/>
+              <a:t>Съдържание</a:t>
+            </a:r>
+            <a:endParaRPr lang="bg-BG" dirty="0"/>
+          </a:p>
+        </p:txBody>
+      </p:sp>
+      <p:pic>
+        <p:nvPicPr>
+          <p:cNvPr id="4" name="Picture 3">
+            <a:extLst>
+              <a:ext uri="{FF2B5EF4-FFF2-40B4-BE49-F238E27FC236}">
+                <a16:creationId xmlns:a16="http://schemas.microsoft.com/office/drawing/2014/main" id="{8835CDFB-0E94-0132-177D-CD4B4F85BF89}"/>
+              </a:ext>
+            </a:extLst>
+          </p:cNvPr>
+          <p:cNvPicPr>
+            <a:picLocks noChangeAspect="1"/>
+          </p:cNvPicPr>
+          <p:nvPr/>
+        </p:nvPicPr>
+        <p:blipFill>
+          <a:blip r:embed="rId3">
+            <a:duotone>
+              <a:prstClr val="black"/>
+              <a:schemeClr val="accent1">
+                <a:tint val="45000"/>
+                <a:satMod val="400000"/>
+              </a:schemeClr>
+            </a:duotone>
+            <a:extLst>
+              <a:ext uri="{BEBA8EAE-BF5A-486C-A8C5-ECC9F3942E4B}">
+                <a14:imgProps xmlns:a14="http://schemas.microsoft.com/office/drawing/2010/main">
+                  <a14:imgLayer r:embed="rId4">
+                    <a14:imgEffect>
+                      <a14:brightnessContrast bright="30000"/>
+                    </a14:imgEffect>
+                  </a14:imgLayer>
+                </a14:imgProps>
+              </a:ext>
+            </a:extLst>
+          </a:blip>
+          <a:stretch>
+            <a:fillRect/>
+          </a:stretch>
+        </p:blipFill>
+        <p:spPr>
+          <a:xfrm>
+            <a:off x="10011000" y="1584000"/>
+            <a:ext cx="1581246" cy="2115000"/>
+          </a:xfrm>
+          <a:prstGeom prst="rect">
+            <a:avLst/>
+          </a:prstGeom>
+        </p:spPr>
+      </p:pic>
+    </p:spTree>
+    <p:extLst>
+      <p:ext uri="{BB962C8B-B14F-4D97-AF65-F5344CB8AC3E}">
+        <p14:creationId xmlns:p14="http://schemas.microsoft.com/office/powerpoint/2010/main" val="1646986932"/>
+      </p:ext>
+    </p:extLst>
+  </p:cSld>
+  <p:clrMapOvr>
+    <a:masterClrMapping/>
+  </p:clrMapOvr>
+  <mc:AlternateContent xmlns:mc="http://schemas.openxmlformats.org/markup-compatibility/2006" xmlns:p14="http://schemas.microsoft.com/office/powerpoint/2010/main">
+    <mc:Choice Requires="p14">
+      <p:transition spd="slow" p14:dur="2000" advClick="0" advTm="5000"/>
+    </mc:Choice>
+    <mc:Fallback xmlns="">
+      <p:transition spd="slow" advClick="0" advTm="5000"/>
+    </mc:Fallback>
+  </mc:AlternateContent>
+  <p:timing>
+    <p:tnLst>
+      <p:par>
+        <p:cTn id="1" dur="indefinite" restart="never" nodeType="tmRoot">
+          <p:childTnLst>
+            <p:seq concurrent="1" nextAc="seek">
+              <p:cTn id="2" dur="indefinite" nodeType="mainSeq">
+                <p:childTnLst>
+                  <p:par>
+                    <p:cTn id="3" fill="hold">
+                      <p:stCondLst>
+                        <p:cond delay="indefinite"/>
+                      </p:stCondLst>
+                      <p:childTnLst>
+                        <p:par>
+                          <p:cTn id="4" fill="hold">
+                            <p:stCondLst>
+                              <p:cond delay="0"/>
+                            </p:stCondLst>
+                            <p:childTnLst>
+                              <p:par>
+                                <p:cTn id="5" presetID="1" presetClass="entr" presetSubtype="0" fill="hold" nodeType="clickEffect">
+                                  <p:stCondLst>
+                                    <p:cond delay="0"/>
+                                  </p:stCondLst>
+                                  <p:childTnLst>
+                                    <p:set>
+                                      <p:cBhvr>
+                                        <p:cTn id="6" dur="1" fill="hold">
+                                          <p:stCondLst>
+                                            <p:cond delay="0"/>
+                                          </p:stCondLst>
+                                        </p:cTn>
+                                        <p:tgtEl>
+                                          <p:spTgt spid="444419">
+                                            <p:txEl>
+                                              <p:pRg st="1" end="1"/>
+                                            </p:txEl>
+                                          </p:spTgt>
+                                        </p:tgtEl>
+                                        <p:attrNameLst>
+                                          <p:attrName>style.visibility</p:attrName>
+                                        </p:attrNameLst>
+                                      </p:cBhvr>
+                                      <p:to>
+                                        <p:strVal val="visible"/>
+                                      </p:to>
+                                    </p:set>
+                                  </p:childTnLst>
+                                </p:cTn>
+                              </p:par>
+                            </p:childTnLst>
+                          </p:cTn>
+                        </p:par>
+                      </p:childTnLst>
+                    </p:cTn>
+                  </p:par>
+                </p:childTnLst>
+              </p:cTn>
+              <p:prevCondLst>
+                <p:cond evt="onPrev" delay="0">
+                  <p:tgtEl>
+                    <p:sldTgt/>
+                  </p:tgtEl>
+                </p:cond>
+              </p:prevCondLst>
+              <p:nextCondLst>
+                <p:cond evt="onNext" delay="0">
+                  <p:tgtEl>
+                    <p:sldTgt/>
+                  </p:tgtEl>
+                </p:cond>
+              </p:nextCondLst>
+            </p:seq>
+          </p:childTnLst>
+        </p:cTn>
+      </p:par>
+    </p:tnLst>
+  </p:timing>
+</p:sld>
+</file>
+
+<file path=ppt/slides/slide3.xml><?xml version="1.0" encoding="utf-8"?>
+<p:sld xmlns:a="http://schemas.openxmlformats.org/drawingml/2006/main" xmlns:r="http://schemas.openxmlformats.org/officeDocument/2006/relationships" xmlns:p="http://schemas.openxmlformats.org/presentationml/2006/main">
+  <p:cSld>
+    <p:spTree>
+      <p:nvGrpSpPr>
+        <p:cNvPr id="1" name=""/>
+        <p:cNvGrpSpPr/>
+        <p:nvPr/>
+      </p:nvGrpSpPr>
+      <p:grpSpPr>
+        <a:xfrm>
+          <a:off x="0" y="0"/>
+          <a:ext cx="0" cy="0"/>
+          <a:chOff x="0" y="0"/>
+          <a:chExt cx="0" cy="0"/>
+        </a:xfrm>
+      </p:grpSpPr>
+      <p:sp>
+        <p:nvSpPr>
+          <p:cNvPr id="5" name="Title 4"/>
+          <p:cNvSpPr>
+            <a:spLocks noGrp="1"/>
+          </p:cNvSpPr>
+          <p:nvPr>
+            <p:ph type="title" sz="quarter" idx="10"/>
+          </p:nvPr>
+        </p:nvSpPr>
+        <p:spPr>
+          <a:xfrm>
+            <a:off x="615109" y="4704824"/>
+            <a:ext cx="10961783" cy="1739175"/>
+          </a:xfrm>
+        </p:spPr>
+        <p:txBody>
+          <a:bodyPr/>
+          <a:lstStyle/>
+          <a:p>
+            <a:r>
+              <a:rPr lang="ru-RU" dirty="0"/>
+              <a:t>͏͏Анимационни ефекти на </a:t>
+            </a:r>
+            <a:r>
+              <a:rPr lang="en-US" dirty="0" smtClean="0"/>
+              <a:t/>
+            </a:r>
+            <a:br>
+              <a:rPr lang="en-US" dirty="0" smtClean="0"/>
+            </a:br>
+            <a:r>
+              <a:rPr lang="ru-RU" dirty="0" smtClean="0"/>
+              <a:t>елемент </a:t>
+            </a:r>
+            <a:r>
+              <a:rPr lang="ru-RU" dirty="0"/>
+              <a:t>от слайд</a:t>
+            </a:r>
+            <a:endParaRPr lang="en-US" dirty="0"/>
+          </a:p>
+        </p:txBody>
+      </p:sp>
+      <p:pic>
+        <p:nvPicPr>
+          <p:cNvPr id="2050" name="Picture 2" descr="PowerPoint triggers: Make something happen | BrightCarbon"/>
+          <p:cNvPicPr>
+            <a:picLocks noChangeAspect="1" noChangeArrowheads="1"/>
+          </p:cNvPicPr>
+          <p:nvPr/>
+        </p:nvPicPr>
+        <p:blipFill>
+          <a:blip r:embed="rId2">
+            <a:extLst>
+              <a:ext uri="{28A0092B-C50C-407E-A947-70E740481C1C}">
+                <a14:useLocalDpi xmlns:a14="http://schemas.microsoft.com/office/drawing/2010/main" val="0"/>
+              </a:ext>
+            </a:extLst>
+          </a:blip>
+          <a:srcRect/>
+          <a:stretch>
+            <a:fillRect/>
+          </a:stretch>
+        </p:blipFill>
+        <p:spPr bwMode="auto">
+          <a:xfrm>
+            <a:off x="4257750" y="1269000"/>
+            <a:ext cx="3676500" cy="2137500"/>
+          </a:xfrm>
+          <a:prstGeom prst="rect">
+            <a:avLst/>
+          </a:prstGeom>
+          <a:noFill/>
+          <a:extLst>
+            <a:ext uri="{909E8E84-426E-40DD-AFC4-6F175D3DCCD1}">
+              <a14:hiddenFill xmlns:a14="http://schemas.microsoft.com/office/drawing/2010/main">
+                <a:solidFill>
+                  <a:srgbClr val="FFFFFF"/>
+                </a:solidFill>
+              </a14:hiddenFill>
+            </a:ext>
+          </a:extLst>
+        </p:spPr>
+      </p:pic>
+    </p:spTree>
+    <p:extLst>
+      <p:ext uri="{BB962C8B-B14F-4D97-AF65-F5344CB8AC3E}">
+        <p14:creationId xmlns:p14="http://schemas.microsoft.com/office/powerpoint/2010/main" val="2081712952"/>
+      </p:ext>
+    </p:extLst>
+  </p:cSld>
+  <p:clrMapOvr>
+    <a:masterClrMapping/>
+  </p:clrMapOvr>
+  <mc:AlternateContent xmlns:mc="http://schemas.openxmlformats.org/markup-compatibility/2006" xmlns:p14="http://schemas.microsoft.com/office/powerpoint/2010/main">
+    <mc:Choice Requires="p14">
+      <p:transition spd="slow" p14:dur="2000" advClick="0" advTm="5000"/>
+    </mc:Choice>
+    <mc:Fallback xmlns="">
+      <p:transition spd="slow" advClick="0" advTm="5000"/>
+    </mc:Fallback>
+  </mc:AlternateContent>
+  <p:timing>
+    <p:tnLst>
+      <p:par>
+        <p:cTn id="1" dur="indefinite" restart="never" nodeType="tmRoot"/>
+      </p:par>
+    </p:tnLst>
+  </p:timing>
+</p:sld>
+</file>
+
+<file path=ppt/slides/slide4.xml><?xml version="1.0" encoding="utf-8"?>
+<p:sld xmlns:a="http://schemas.openxmlformats.org/drawingml/2006/main" xmlns:r="http://schemas.openxmlformats.org/officeDocument/2006/relationships" xmlns:p="http://schemas.openxmlformats.org/presentationml/2006/main">
+  <p:cSld>
+    <p:spTree>
+      <p:nvGrpSpPr>
+        <p:cNvPr id="1" name=""/>
+        <p:cNvGrpSpPr/>
+        <p:nvPr/>
+      </p:nvGrpSpPr>
+      <p:grpSpPr>
+        <a:xfrm>
+          <a:off x="0" y="0"/>
+          <a:ext cx="0" cy="0"/>
+          <a:chOff x="0" y="0"/>
+          <a:chExt cx="0" cy="0"/>
+        </a:xfrm>
+      </p:grpSpPr>
+      <p:pic>
+        <p:nvPicPr>
+          <p:cNvPr id="7" name="Picture 6"/>
+          <p:cNvPicPr>
+            <a:picLocks noChangeAspect="1"/>
+          </p:cNvPicPr>
+          <p:nvPr/>
+        </p:nvPicPr>
+        <p:blipFill>
+          <a:blip r:embed="rId3" cstate="hqprint">
+            <a:extLst>
+              <a:ext uri="{28A0092B-C50C-407E-A947-70E740481C1C}">
+                <a14:useLocalDpi xmlns:a14="http://schemas.microsoft.com/office/drawing/2010/main" val="0"/>
+              </a:ext>
+            </a:extLst>
+          </a:blip>
+          <a:stretch>
+            <a:fillRect/>
+          </a:stretch>
+        </p:blipFill>
+        <p:spPr>
+          <a:xfrm>
+            <a:off x="7695595" y="4829156"/>
+            <a:ext cx="760923" cy="1574475"/>
+          </a:xfrm>
+          <a:prstGeom prst="rect">
+            <a:avLst/>
+          </a:prstGeom>
+        </p:spPr>
+      </p:pic>
+      <p:grpSp>
+        <p:nvGrpSpPr>
+          <p:cNvPr id="10" name="Group 9"/>
+          <p:cNvGrpSpPr/>
+          <p:nvPr/>
+        </p:nvGrpSpPr>
+        <p:grpSpPr>
+          <a:xfrm>
+            <a:off x="-1491" y="3160516"/>
+            <a:ext cx="12201882" cy="3704879"/>
+            <a:chOff x="-1491" y="3160516"/>
+            <a:chExt cx="12201882" cy="3704879"/>
+          </a:xfrm>
+        </p:grpSpPr>
+        <p:pic>
+          <p:nvPicPr>
+            <p:cNvPr id="9" name="Picture 8"/>
+            <p:cNvPicPr>
+              <a:picLocks noChangeAspect="1"/>
+            </p:cNvPicPr>
+            <p:nvPr/>
+          </p:nvPicPr>
+          <p:blipFill>
+            <a:blip r:embed="rId4">
+              <a:extLst>
+                <a:ext uri="{28A0092B-C50C-407E-A947-70E740481C1C}">
+                  <a14:useLocalDpi xmlns:a14="http://schemas.microsoft.com/office/drawing/2010/main" val="0"/>
+                </a:ext>
+              </a:extLst>
+            </a:blip>
+            <a:stretch>
+              <a:fillRect/>
+            </a:stretch>
+          </p:blipFill>
+          <p:spPr>
+            <a:xfrm>
+              <a:off x="5613940" y="3160516"/>
+              <a:ext cx="6586451" cy="3704879"/>
+            </a:xfrm>
+            <a:prstGeom prst="rect">
+              <a:avLst/>
+            </a:prstGeom>
+          </p:spPr>
+        </p:pic>
+        <p:pic>
+          <p:nvPicPr>
+            <p:cNvPr id="8" name="Picture 7"/>
+            <p:cNvPicPr>
+              <a:picLocks noChangeAspect="1"/>
+            </p:cNvPicPr>
+            <p:nvPr/>
+          </p:nvPicPr>
+          <p:blipFill>
+            <a:blip r:embed="rId4">
+              <a:extLst>
+                <a:ext uri="{28A0092B-C50C-407E-A947-70E740481C1C}">
+                  <a14:useLocalDpi xmlns:a14="http://schemas.microsoft.com/office/drawing/2010/main" val="0"/>
+                </a:ext>
+              </a:extLst>
+            </a:blip>
+            <a:stretch>
+              <a:fillRect/>
+            </a:stretch>
+          </p:blipFill>
+          <p:spPr>
+            <a:xfrm>
+              <a:off x="-1491" y="3429000"/>
+              <a:ext cx="6109146" cy="3436395"/>
+            </a:xfrm>
+            <a:prstGeom prst="rect">
+              <a:avLst/>
+            </a:prstGeom>
+          </p:spPr>
+        </p:pic>
+      </p:grpSp>
+      <p:sp>
+        <p:nvSpPr>
+          <p:cNvPr id="5" name="Text Placeholder 4"/>
+          <p:cNvSpPr>
+            <a:spLocks noGrp="1"/>
+          </p:cNvSpPr>
+          <p:nvPr>
+            <p:ph type="body" sz="quarter" idx="10"/>
+          </p:nvPr>
+        </p:nvSpPr>
+        <p:spPr/>
+        <p:txBody>
+          <a:bodyPr/>
+          <a:lstStyle/>
+          <a:p>
+            <a:r>
+              <a:rPr lang="bg-BG" b="1" dirty="0" smtClean="0"/>
+              <a:t>Обектите</a:t>
+            </a:r>
+            <a:r>
+              <a:rPr lang="bg-BG" dirty="0" smtClean="0"/>
+              <a:t> на един слай могат да се </a:t>
+            </a:r>
+            <a:r>
+              <a:rPr lang="bg-BG" b="1" dirty="0" smtClean="0"/>
+              <a:t>появяват</a:t>
+            </a:r>
+            <a:r>
+              <a:rPr lang="bg-BG" dirty="0" smtClean="0"/>
+              <a:t> по </a:t>
+            </a:r>
+            <a:r>
+              <a:rPr lang="bg-BG" b="1" dirty="0" smtClean="0"/>
+              <a:t>различно време </a:t>
+            </a:r>
+            <a:r>
+              <a:rPr lang="bg-BG" dirty="0" smtClean="0"/>
+              <a:t>в него или да </a:t>
+            </a:r>
+            <a:r>
+              <a:rPr lang="bg-BG" b="1" dirty="0" smtClean="0"/>
+              <a:t>изменят положението </a:t>
+            </a:r>
+            <a:r>
+              <a:rPr lang="bg-BG" dirty="0" smtClean="0"/>
+              <a:t>си</a:t>
+            </a:r>
+          </a:p>
+          <a:p>
+            <a:r>
+              <a:rPr lang="bg-BG" dirty="0" smtClean="0"/>
+              <a:t>Тези </a:t>
+            </a:r>
+            <a:r>
+              <a:rPr lang="bg-BG" b="1" dirty="0" smtClean="0"/>
+              <a:t>движения</a:t>
+            </a:r>
+            <a:r>
+              <a:rPr lang="bg-BG" dirty="0" smtClean="0"/>
+              <a:t> се означават като използване на </a:t>
+            </a:r>
+            <a:r>
+              <a:rPr lang="bg-BG" b="1" dirty="0" smtClean="0">
+                <a:solidFill>
+                  <a:schemeClr val="bg1"/>
+                </a:solidFill>
+              </a:rPr>
+              <a:t>анимационни ефекти</a:t>
+            </a:r>
+            <a:endParaRPr lang="en-US" b="1" dirty="0">
+              <a:solidFill>
+                <a:schemeClr val="bg1"/>
+              </a:solidFill>
+            </a:endParaRPr>
+          </a:p>
+        </p:txBody>
+      </p:sp>
+      <p:sp>
+        <p:nvSpPr>
+          <p:cNvPr id="4" name="Title 3"/>
+          <p:cNvSpPr>
+            <a:spLocks noGrp="1"/>
+          </p:cNvSpPr>
+          <p:nvPr>
+            <p:ph type="title"/>
+          </p:nvPr>
+        </p:nvSpPr>
+        <p:spPr/>
+        <p:txBody>
+          <a:bodyPr/>
+          <a:lstStyle/>
+          <a:p>
+            <a:r>
+              <a:rPr lang="bg-BG" dirty="0" smtClean="0"/>
+              <a:t>Анимационни ефекти на елементи от слайд</a:t>
+            </a:r>
+            <a:endParaRPr lang="en-US" dirty="0"/>
+          </a:p>
+        </p:txBody>
+      </p:sp>
+      <p:pic>
+        <p:nvPicPr>
+          <p:cNvPr id="6" name="Picture 5"/>
+          <p:cNvPicPr>
+            <a:picLocks noChangeAspect="1"/>
+          </p:cNvPicPr>
+          <p:nvPr/>
+        </p:nvPicPr>
+        <p:blipFill rotWithShape="1">
+          <a:blip r:embed="rId5">
+            <a:extLst>
+              <a:ext uri="{28A0092B-C50C-407E-A947-70E740481C1C}">
+                <a14:useLocalDpi xmlns:a14="http://schemas.microsoft.com/office/drawing/2010/main" val="0"/>
+              </a:ext>
+            </a:extLst>
+          </a:blip>
+          <a:srcRect l="18462" t="9231" r="21538" b="10769"/>
+          <a:stretch/>
+        </p:blipFill>
+        <p:spPr>
+          <a:xfrm>
+            <a:off x="-1672961" y="3953508"/>
+            <a:ext cx="1755000" cy="2340000"/>
+          </a:xfrm>
+          <a:prstGeom prst="rect">
+            <a:avLst/>
+          </a:prstGeom>
+        </p:spPr>
+      </p:pic>
+    </p:spTree>
+    <p:extLst>
+      <p:ext uri="{BB962C8B-B14F-4D97-AF65-F5344CB8AC3E}">
+        <p14:creationId xmlns:p14="http://schemas.microsoft.com/office/powerpoint/2010/main" val="3493660337"/>
+      </p:ext>
+    </p:extLst>
+  </p:cSld>
+  <p:clrMapOvr>
+    <a:masterClrMapping/>
+  </p:clrMapOvr>
+  <mc:AlternateContent xmlns:mc="http://schemas.openxmlformats.org/markup-compatibility/2006" xmlns:p14="http://schemas.microsoft.com/office/powerpoint/2010/main">
+    <mc:Choice Requires="p14">
+      <p:transition spd="slow" p14:dur="2000" advClick="0" advTm="5000"/>
+    </mc:Choice>
+    <mc:Fallback xmlns="">
+      <p:transition spd="slow" advClick="0" advTm="5000"/>
+    </mc:Fallback>
+  </mc:AlternateContent>
+  <p:timing>
+    <p:tnLst>
+      <p:par>
+        <p:cTn id="1" dur="indefinite" restart="never" nodeType="tmRoot">
+          <p:childTnLst>
+            <p:seq concurrent="1" nextAc="seek">
+              <p:cTn id="2" dur="indefinite" nodeType="mainSeq">
+                <p:childTnLst>
+                  <p:par>
+                    <p:cTn id="3" fill="hold">
+                      <p:stCondLst>
+                        <p:cond delay="indefinite"/>
+                      </p:stCondLst>
+                      <p:childTnLst>
+                        <p:par>
+                          <p:cTn id="4" fill="hold">
+                            <p:stCondLst>
+                              <p:cond delay="0"/>
+                            </p:stCondLst>
+                            <p:childTnLst>
+                              <p:par>
+                                <p:cTn id="5" presetID="1" presetClass="entr" presetSubtype="0" fill="hold" nodeType="clickEffect">
+                                  <p:stCondLst>
+                                    <p:cond delay="0"/>
+                                  </p:stCondLst>
+                                  <p:childTnLst>
+                                    <p:set>
+                                      <p:cBhvr>
+                                        <p:cTn id="6" dur="1" fill="hold">
+                                          <p:stCondLst>
+                                            <p:cond delay="0"/>
+                                          </p:stCondLst>
+                                        </p:cTn>
+                                        <p:tgtEl>
+                                          <p:spTgt spid="5">
+                                            <p:txEl>
+                                              <p:pRg st="1" end="1"/>
+                                            </p:txEl>
+                                          </p:spTgt>
+                                        </p:tgtEl>
+                                        <p:attrNameLst>
+                                          <p:attrName>style.visibility</p:attrName>
+                                        </p:attrNameLst>
+                                      </p:cBhvr>
+                                      <p:to>
+                                        <p:strVal val="visible"/>
+                                      </p:to>
+                                    </p:set>
+                                  </p:childTnLst>
+                                </p:cTn>
+                              </p:par>
+                            </p:childTnLst>
+                          </p:cTn>
+                        </p:par>
+                      </p:childTnLst>
+                    </p:cTn>
+                  </p:par>
+                  <p:par>
+                    <p:cTn id="7" fill="hold">
+                      <p:stCondLst>
+                        <p:cond delay="indefinite"/>
+                      </p:stCondLst>
+                      <p:childTnLst>
+                        <p:par>
+                          <p:cTn id="8" fill="hold">
+                            <p:stCondLst>
+                              <p:cond delay="0"/>
+                            </p:stCondLst>
+                            <p:childTnLst>
+                              <p:par>
+                                <p:cTn id="9" presetID="42" presetClass="entr" presetSubtype="0" fill="hold" nodeType="clickEffect">
+                                  <p:stCondLst>
+                                    <p:cond delay="0"/>
+                                  </p:stCondLst>
+                                  <p:childTnLst>
+                                    <p:set>
+                                      <p:cBhvr>
+                                        <p:cTn id="10" dur="1" fill="hold">
+                                          <p:stCondLst>
+                                            <p:cond delay="0"/>
+                                          </p:stCondLst>
+                                        </p:cTn>
+                                        <p:tgtEl>
+                                          <p:spTgt spid="10"/>
+                                        </p:tgtEl>
+                                        <p:attrNameLst>
+                                          <p:attrName>style.visibility</p:attrName>
+                                        </p:attrNameLst>
+                                      </p:cBhvr>
+                                      <p:to>
+                                        <p:strVal val="visible"/>
+                                      </p:to>
+                                    </p:set>
+                                    <p:animEffect transition="in" filter="fade">
+                                      <p:cBhvr>
+                                        <p:cTn id="11" dur="1000"/>
+                                        <p:tgtEl>
+                                          <p:spTgt spid="10"/>
+                                        </p:tgtEl>
+                                      </p:cBhvr>
+                                    </p:animEffect>
+                                    <p:anim calcmode="lin" valueType="num">
+                                      <p:cBhvr>
+                                        <p:cTn id="12" dur="1000" fill="hold"/>
+                                        <p:tgtEl>
+                                          <p:spTgt spid="10"/>
+                                        </p:tgtEl>
+                                        <p:attrNameLst>
+                                          <p:attrName>ppt_x</p:attrName>
+                                        </p:attrNameLst>
+                                      </p:cBhvr>
+                                      <p:tavLst>
+                                        <p:tav tm="0">
+                                          <p:val>
+                                            <p:strVal val="#ppt_x"/>
+                                          </p:val>
+                                        </p:tav>
+                                        <p:tav tm="100000">
+                                          <p:val>
+                                            <p:strVal val="#ppt_x"/>
+                                          </p:val>
+                                        </p:tav>
+                                      </p:tavLst>
+                                    </p:anim>
+                                    <p:anim calcmode="lin" valueType="num">
+                                      <p:cBhvr>
+                                        <p:cTn id="13" dur="1000" fill="hold"/>
+                                        <p:tgtEl>
+                                          <p:spTgt spid="10"/>
+                                        </p:tgtEl>
+                                        <p:attrNameLst>
+                                          <p:attrName>ppt_y</p:attrName>
+                                        </p:attrNameLst>
+                                      </p:cBhvr>
+                                      <p:tavLst>
+                                        <p:tav tm="0">
+                                          <p:val>
+                                            <p:strVal val="#ppt_y+.1"/>
+                                          </p:val>
+                                        </p:tav>
+                                        <p:tav tm="100000">
+                                          <p:val>
+                                            <p:strVal val="#ppt_y"/>
+                                          </p:val>
+                                        </p:tav>
+                                      </p:tavLst>
+                                    </p:anim>
+                                  </p:childTnLst>
+                                </p:cTn>
+                              </p:par>
+                            </p:childTnLst>
+                          </p:cTn>
+                        </p:par>
+                        <p:par>
+                          <p:cTn id="14" fill="hold">
+                            <p:stCondLst>
+                              <p:cond delay="1000"/>
+                            </p:stCondLst>
+                            <p:childTnLst>
+                              <p:par>
+                                <p:cTn id="15" presetID="2" presetClass="entr" presetSubtype="4" fill="hold" nodeType="afterEffect">
+                                  <p:stCondLst>
+                                    <p:cond delay="0"/>
+                                  </p:stCondLst>
+                                  <p:childTnLst>
+                                    <p:set>
+                                      <p:cBhvr>
+                                        <p:cTn id="16" dur="1" fill="hold">
+                                          <p:stCondLst>
+                                            <p:cond delay="0"/>
+                                          </p:stCondLst>
+                                        </p:cTn>
+                                        <p:tgtEl>
+                                          <p:spTgt spid="7"/>
+                                        </p:tgtEl>
+                                        <p:attrNameLst>
+                                          <p:attrName>style.visibility</p:attrName>
+                                        </p:attrNameLst>
+                                      </p:cBhvr>
+                                      <p:to>
+                                        <p:strVal val="visible"/>
+                                      </p:to>
+                                    </p:set>
+                                    <p:anim calcmode="lin" valueType="num">
+                                      <p:cBhvr additive="base">
+                                        <p:cTn id="17" dur="500" fill="hold"/>
+                                        <p:tgtEl>
+                                          <p:spTgt spid="7"/>
+                                        </p:tgtEl>
+                                        <p:attrNameLst>
+                                          <p:attrName>ppt_x</p:attrName>
+                                        </p:attrNameLst>
+                                      </p:cBhvr>
+                                      <p:tavLst>
+                                        <p:tav tm="0">
+                                          <p:val>
+                                            <p:strVal val="#ppt_x"/>
+                                          </p:val>
+                                        </p:tav>
+                                        <p:tav tm="100000">
+                                          <p:val>
+                                            <p:strVal val="#ppt_x"/>
+                                          </p:val>
+                                        </p:tav>
+                                      </p:tavLst>
+                                    </p:anim>
+                                    <p:anim calcmode="lin" valueType="num">
+                                      <p:cBhvr additive="base">
+                                        <p:cTn id="18" dur="500" fill="hold"/>
+                                        <p:tgtEl>
+                                          <p:spTgt spid="7"/>
+                                        </p:tgtEl>
+                                        <p:attrNameLst>
+                                          <p:attrName>ppt_y</p:attrName>
+                                        </p:attrNameLst>
+                                      </p:cBhvr>
+                                      <p:tavLst>
+                                        <p:tav tm="0">
+                                          <p:val>
+                                            <p:strVal val="1+#ppt_h/2"/>
+                                          </p:val>
+                                        </p:tav>
+                                        <p:tav tm="100000">
+                                          <p:val>
+                                            <p:strVal val="#ppt_y"/>
+                                          </p:val>
+                                        </p:tav>
+                                      </p:tavLst>
+                                    </p:anim>
+                                  </p:childTnLst>
+                                </p:cTn>
+                              </p:par>
+                            </p:childTnLst>
+                          </p:cTn>
+                        </p:par>
+                        <p:par>
+                          <p:cTn id="19" fill="hold">
+                            <p:stCondLst>
+                              <p:cond delay="1500"/>
+                            </p:stCondLst>
+                            <p:childTnLst>
+                              <p:par>
+                                <p:cTn id="20" presetID="0" presetClass="path" presetSubtype="0" accel="50000" decel="50000" fill="hold" nodeType="afterEffect">
+                                  <p:stCondLst>
+                                    <p:cond delay="200"/>
+                                  </p:stCondLst>
+                                  <p:childTnLst>
+                                    <p:animMotion origin="layout" path="M 4.375E-6 -7.40741E-7 L 0.21224 0.08519 L 0.47122 0.0963 L 0.6875 0.03148 " pathEditMode="relative" rAng="0" ptsTypes="AAAA">
+                                      <p:cBhvr>
+                                        <p:cTn id="21" dur="2000" fill="hold"/>
+                                        <p:tgtEl>
+                                          <p:spTgt spid="6"/>
+                                        </p:tgtEl>
+                                        <p:attrNameLst>
+                                          <p:attrName>ppt_x</p:attrName>
+                                          <p:attrName>ppt_y</p:attrName>
+                                        </p:attrNameLst>
+                                      </p:cBhvr>
+                                      <p:rCtr x="34375" y="4815"/>
+                                    </p:animMotion>
+                                  </p:childTnLst>
+                                </p:cTn>
+                              </p:par>
+                            </p:childTnLst>
+                          </p:cTn>
+                        </p:par>
+                        <p:par>
+                          <p:cTn id="22" fill="hold">
+                            <p:stCondLst>
+                              <p:cond delay="3700"/>
+                            </p:stCondLst>
+                            <p:childTnLst>
+                              <p:par>
+                                <p:cTn id="23" presetID="1" presetClass="exit" presetSubtype="0" fill="hold" nodeType="afterEffect">
+                                  <p:stCondLst>
+                                    <p:cond delay="0"/>
+                                  </p:stCondLst>
+                                  <p:childTnLst>
+                                    <p:set>
+                                      <p:cBhvr>
+                                        <p:cTn id="24" dur="1" fill="hold">
+                                          <p:stCondLst>
+                                            <p:cond delay="0"/>
+                                          </p:stCondLst>
+                                        </p:cTn>
+                                        <p:tgtEl>
+                                          <p:spTgt spid="7"/>
+                                        </p:tgtEl>
+                                        <p:attrNameLst>
+                                          <p:attrName>style.visibility</p:attrName>
+                                        </p:attrNameLst>
+                                      </p:cBhvr>
+                                      <p:to>
+                                        <p:strVal val="hidden"/>
+                                      </p:to>
+                                    </p:set>
+                                  </p:childTnLst>
+                                </p:cTn>
+                              </p:par>
+                            </p:childTnLst>
+                          </p:cTn>
+                        </p:par>
+                      </p:childTnLst>
+                    </p:cTn>
+                  </p:par>
+                </p:childTnLst>
+              </p:cTn>
+              <p:prevCondLst>
+                <p:cond evt="onPrev" delay="0">
+                  <p:tgtEl>
+                    <p:sldTgt/>
+                  </p:tgtEl>
+                </p:cond>
+              </p:prevCondLst>
+              <p:nextCondLst>
+                <p:cond evt="onNext" delay="0">
+                  <p:tgtEl>
+                    <p:sldTgt/>
+                  </p:tgtEl>
+                </p:cond>
+              </p:nextCondLst>
+            </p:seq>
+          </p:childTnLst>
+        </p:cTn>
+      </p:par>
+    </p:tnLst>
+  </p:timing>
+</p:sld>
+</file>
+
+<file path=ppt/slides/slide5.xml><?xml version="1.0" encoding="utf-8"?>
+<p:sld xmlns:a="http://schemas.openxmlformats.org/drawingml/2006/main" xmlns:r="http://schemas.openxmlformats.org/officeDocument/2006/relationships" xmlns:p="http://schemas.openxmlformats.org/presentationml/2006/main">
+  <p:cSld>
+    <p:spTree>
+      <p:nvGrpSpPr>
+        <p:cNvPr id="1" name=""/>
+        <p:cNvGrpSpPr/>
+        <p:nvPr/>
+      </p:nvGrpSpPr>
+      <p:grpSpPr>
+        <a:xfrm>
+          <a:off x="0" y="0"/>
+          <a:ext cx="0" cy="0"/>
+          <a:chOff x="0" y="0"/>
+          <a:chExt cx="0" cy="0"/>
+        </a:xfrm>
+      </p:grpSpPr>
+      <p:sp>
+        <p:nvSpPr>
+          <p:cNvPr id="2" name="Slide Number Placeholder 1"/>
+          <p:cNvSpPr>
+            <a:spLocks noGrp="1"/>
+          </p:cNvSpPr>
+          <p:nvPr>
+            <p:ph type="sldNum" sz="quarter" idx="5"/>
+          </p:nvPr>
+        </p:nvSpPr>
+        <p:spPr/>
+        <p:txBody>
+          <a:bodyPr/>
+          <a:lstStyle/>
+          <a:p>
+            <a:fld id="{2BF067CD-8E6B-4360-9AA8-C5DF2A48A6D1}" type="slidenum">
+              <a:rPr lang="en-US" noProof="0" smtClean="0"/>
+              <a:pPr/>
+              <a:t>5</a:t>
+            </a:fld>
+            <a:endParaRPr lang="en-US" noProof="0" dirty="0"/>
+          </a:p>
+        </p:txBody>
+      </p:sp>
+      <p:sp>
+        <p:nvSpPr>
+          <p:cNvPr id="3" name="Text Placeholder 2"/>
+          <p:cNvSpPr>
+            <a:spLocks noGrp="1"/>
+          </p:cNvSpPr>
+          <p:nvPr>
+            <p:ph type="body" sz="quarter" idx="10"/>
+          </p:nvPr>
+        </p:nvSpPr>
+        <p:spPr/>
+        <p:txBody>
+          <a:bodyPr/>
+          <a:lstStyle/>
+          <a:p>
+            <a:r>
+              <a:rPr lang="bg-BG" dirty="0" smtClean="0"/>
+              <a:t>За да </a:t>
+            </a:r>
+            <a:r>
+              <a:rPr lang="bg-BG" b="1" dirty="0" smtClean="0"/>
+              <a:t>използвате анимация </a:t>
+            </a:r>
+            <a:r>
+              <a:rPr lang="bg-BG" dirty="0" smtClean="0"/>
+              <a:t>върху даден елемент от слайда, е необходимо той да бъде </a:t>
+            </a:r>
+            <a:r>
+              <a:rPr lang="bg-BG" b="1" dirty="0" smtClean="0"/>
+              <a:t>маркиран</a:t>
+            </a:r>
+          </a:p>
+          <a:p>
+            <a:r>
+              <a:rPr lang="bg-BG" dirty="0" smtClean="0"/>
+              <a:t>Анимационните ефекти се избират от </a:t>
+            </a:r>
+            <a:r>
+              <a:rPr lang="bg-BG" b="1" dirty="0" smtClean="0"/>
+              <a:t>панела </a:t>
+            </a:r>
+            <a:r>
+              <a:rPr lang="en-US" b="1" dirty="0" smtClean="0">
+                <a:solidFill>
+                  <a:schemeClr val="bg1"/>
+                </a:solidFill>
+              </a:rPr>
+              <a:t>Animation</a:t>
+            </a:r>
+            <a:r>
+              <a:rPr lang="en-US" dirty="0" smtClean="0"/>
+              <a:t> </a:t>
+            </a:r>
+            <a:r>
+              <a:rPr lang="bg-BG" dirty="0" smtClean="0"/>
+              <a:t>(</a:t>
+            </a:r>
+            <a:r>
+              <a:rPr lang="bg-BG" b="1" dirty="0" smtClean="0"/>
+              <a:t>Анимация</a:t>
+            </a:r>
+            <a:r>
+              <a:rPr lang="bg-BG" dirty="0" smtClean="0"/>
+              <a:t>) от </a:t>
+            </a:r>
+            <a:r>
+              <a:rPr lang="bg-BG" b="1" dirty="0" smtClean="0"/>
+              <a:t>менюто </a:t>
+            </a:r>
+            <a:r>
+              <a:rPr lang="en-US" b="1" dirty="0" smtClean="0">
+                <a:solidFill>
+                  <a:schemeClr val="bg1"/>
+                </a:solidFill>
+              </a:rPr>
+              <a:t>Animations</a:t>
+            </a:r>
+            <a:r>
+              <a:rPr lang="en-US" b="1" dirty="0" smtClean="0"/>
+              <a:t> </a:t>
+            </a:r>
+            <a:r>
+              <a:rPr lang="en-US" dirty="0" smtClean="0"/>
+              <a:t>(</a:t>
+            </a:r>
+            <a:r>
+              <a:rPr lang="bg-BG" b="1" dirty="0" smtClean="0"/>
+              <a:t>Анимации</a:t>
+            </a:r>
+            <a:r>
+              <a:rPr lang="en-US" dirty="0" smtClean="0"/>
+              <a:t>)</a:t>
+            </a:r>
+            <a:endParaRPr lang="bg-BG" dirty="0" smtClean="0"/>
+          </a:p>
+          <a:p>
+            <a:r>
+              <a:rPr lang="bg-BG" b="1" dirty="0" smtClean="0"/>
+              <a:t>Повече</a:t>
+            </a:r>
+            <a:r>
+              <a:rPr lang="bg-BG" dirty="0" smtClean="0"/>
+              <a:t> анимационни</a:t>
+            </a:r>
+            <a:r>
+              <a:rPr lang="bg-BG" b="1" dirty="0" smtClean="0"/>
+              <a:t> ефекти </a:t>
+            </a:r>
+            <a:r>
+              <a:rPr lang="bg-BG" dirty="0" smtClean="0"/>
+              <a:t>може да намерите от </a:t>
+            </a:r>
+            <a:r>
+              <a:rPr lang="bg-BG" b="1" dirty="0" smtClean="0"/>
+              <a:t>бутона</a:t>
+            </a:r>
+            <a:r>
+              <a:rPr lang="bg-BG" dirty="0" smtClean="0"/>
+              <a:t> </a:t>
+            </a:r>
+            <a:r>
+              <a:rPr lang="en-US" dirty="0" smtClean="0"/>
+              <a:t>[</a:t>
+            </a:r>
+            <a:r>
+              <a:rPr lang="en-US" b="1" dirty="0" smtClean="0">
+                <a:solidFill>
+                  <a:schemeClr val="bg1"/>
+                </a:solidFill>
+              </a:rPr>
+              <a:t>Add Animation</a:t>
+            </a:r>
+            <a:r>
+              <a:rPr lang="en-US" dirty="0" smtClean="0"/>
+              <a:t>] </a:t>
+            </a:r>
+            <a:r>
+              <a:rPr lang="bg-BG" dirty="0" smtClean="0"/>
+              <a:t>(</a:t>
+            </a:r>
+            <a:r>
+              <a:rPr lang="bg-BG" b="1" dirty="0" smtClean="0"/>
+              <a:t>Добавяне на анимации</a:t>
+            </a:r>
+            <a:r>
+              <a:rPr lang="bg-BG" dirty="0" smtClean="0"/>
+              <a:t>)</a:t>
+            </a:r>
+            <a:endParaRPr lang="en-US" dirty="0"/>
+          </a:p>
+        </p:txBody>
+      </p:sp>
+      <p:sp>
+        <p:nvSpPr>
+          <p:cNvPr id="4" name="Title 3"/>
+          <p:cNvSpPr>
+            <a:spLocks noGrp="1"/>
+          </p:cNvSpPr>
+          <p:nvPr>
+            <p:ph type="title"/>
+          </p:nvPr>
+        </p:nvSpPr>
+        <p:spPr/>
+        <p:txBody>
+          <a:bodyPr/>
+          <a:lstStyle/>
+          <a:p>
+            <a:r>
+              <a:rPr lang="bg-BG" dirty="0" smtClean="0"/>
+              <a:t>Използване на анимация</a:t>
+            </a:r>
+            <a:endParaRPr lang="en-US" dirty="0"/>
+          </a:p>
+        </p:txBody>
+      </p:sp>
+      <p:pic>
+        <p:nvPicPr>
+          <p:cNvPr id="5" name="Picture 4"/>
+          <p:cNvPicPr>
+            <a:picLocks noChangeAspect="1"/>
+          </p:cNvPicPr>
+          <p:nvPr/>
+        </p:nvPicPr>
+        <p:blipFill>
+          <a:blip r:embed="rId2"/>
+          <a:stretch>
+            <a:fillRect/>
+          </a:stretch>
+        </p:blipFill>
+        <p:spPr>
+          <a:xfrm>
+            <a:off x="350668" y="5252578"/>
+            <a:ext cx="11490665" cy="1236422"/>
+          </a:xfrm>
+          <a:prstGeom prst="rect">
+            <a:avLst/>
+          </a:prstGeom>
+          <a:ln>
+            <a:solidFill>
+              <a:schemeClr val="bg2">
+                <a:lumMod val="75000"/>
+              </a:schemeClr>
+            </a:solidFill>
+          </a:ln>
+        </p:spPr>
+      </p:pic>
+      <p:sp>
+        <p:nvSpPr>
+          <p:cNvPr id="6" name="Rectangle 5"/>
+          <p:cNvSpPr/>
+          <p:nvPr/>
+        </p:nvSpPr>
+        <p:spPr bwMode="auto">
+          <a:xfrm>
+            <a:off x="1056000" y="5252578"/>
+            <a:ext cx="4455000" cy="1236422"/>
+          </a:xfrm>
+          <a:prstGeom prst="rect">
+            <a:avLst/>
+          </a:prstGeom>
+          <a:noFill/>
+          <a:ln w="38100">
+            <a:solidFill>
+              <a:schemeClr val="tx1">
+                <a:lumMod val="75000"/>
+                <a:alpha val="80000"/>
+              </a:schemeClr>
+            </a:solidFill>
+          </a:ln>
+          <a:effectLst/>
+        </p:spPr>
+        <p:style>
+          <a:lnRef idx="2">
+            <a:schemeClr val="accent1">
+              <a:shade val="50000"/>
+            </a:schemeClr>
+          </a:lnRef>
+          <a:fillRef idx="1001">
+            <a:schemeClr val="dk2"/>
+          </a:fillRef>
+          <a:effectRef idx="0">
+            <a:schemeClr val="accent1"/>
+          </a:effectRef>
+          <a:fontRef idx="minor">
+            <a:schemeClr val="lt1"/>
+          </a:fontRef>
+        </p:style>
+        <p:txBody>
+          <a:bodyPr rot="0" spcFirstLastPara="0" vertOverflow="overflow" horzOverflow="overflow" vert="horz" wrap="square" lIns="91440" tIns="45720" rIns="91440" bIns="45720" numCol="1" spcCol="0" rtlCol="0" fromWordArt="0" anchor="ctr" anchorCtr="0" forceAA="0" compatLnSpc="1">
+            <a:prstTxWarp prst="textNoShape">
+              <a:avLst/>
+            </a:prstTxWarp>
+            <a:noAutofit/>
+          </a:bodyPr>
+          <a:lstStyle/>
+          <a:p>
+            <a:pPr algn="ctr"/>
+            <a:endParaRPr lang="en-US" sz="2800" b="1" dirty="0">
+              <a:solidFill>
+                <a:srgbClr val="FFFFFF"/>
+              </a:solidFill>
+              <a:effectLst>
+                <a:outerShdw blurRad="38100" dist="38100" dir="2700000" algn="tl">
+                  <a:srgbClr val="000000">
+                    <a:alpha val="43137"/>
+                  </a:srgbClr>
+                </a:outerShdw>
+              </a:effectLst>
+            </a:endParaRPr>
+          </a:p>
+        </p:txBody>
+      </p:sp>
+      <p:sp>
+        <p:nvSpPr>
+          <p:cNvPr id="7" name="Rectangle 6"/>
+          <p:cNvSpPr/>
+          <p:nvPr/>
+        </p:nvSpPr>
+        <p:spPr bwMode="auto">
+          <a:xfrm>
+            <a:off x="5511000" y="5252578"/>
+            <a:ext cx="990000" cy="1236422"/>
+          </a:xfrm>
+          <a:prstGeom prst="rect">
+            <a:avLst/>
+          </a:prstGeom>
+          <a:noFill/>
+          <a:ln w="38100">
+            <a:solidFill>
+              <a:schemeClr val="tx1">
+                <a:lumMod val="75000"/>
+                <a:alpha val="80000"/>
+              </a:schemeClr>
+            </a:solidFill>
+          </a:ln>
+          <a:effectLst/>
+        </p:spPr>
+        <p:style>
+          <a:lnRef idx="2">
+            <a:schemeClr val="accent1">
+              <a:shade val="50000"/>
+            </a:schemeClr>
+          </a:lnRef>
+          <a:fillRef idx="1001">
+            <a:schemeClr val="dk2"/>
+          </a:fillRef>
+          <a:effectRef idx="0">
+            <a:schemeClr val="accent1"/>
+          </a:effectRef>
+          <a:fontRef idx="minor">
+            <a:schemeClr val="lt1"/>
+          </a:fontRef>
+        </p:style>
+        <p:txBody>
+          <a:bodyPr rot="0" spcFirstLastPara="0" vertOverflow="overflow" horzOverflow="overflow" vert="horz" wrap="square" lIns="91440" tIns="45720" rIns="91440" bIns="45720" numCol="1" spcCol="0" rtlCol="0" fromWordArt="0" anchor="ctr" anchorCtr="0" forceAA="0" compatLnSpc="1">
+            <a:prstTxWarp prst="textNoShape">
+              <a:avLst/>
+            </a:prstTxWarp>
+            <a:noAutofit/>
+          </a:bodyPr>
+          <a:lstStyle/>
+          <a:p>
+            <a:pPr algn="ctr"/>
+            <a:endParaRPr lang="en-US" sz="2800" b="1" dirty="0">
+              <a:solidFill>
+                <a:srgbClr val="FFFFFF"/>
+              </a:solidFill>
+              <a:effectLst>
+                <a:outerShdw blurRad="38100" dist="38100" dir="2700000" algn="tl">
+                  <a:srgbClr val="000000">
+                    <a:alpha val="43137"/>
+                  </a:srgbClr>
+                </a:outerShdw>
+              </a:effectLst>
+            </a:endParaRPr>
+          </a:p>
+        </p:txBody>
+      </p:sp>
+    </p:spTree>
+    <p:extLst>
+      <p:ext uri="{BB962C8B-B14F-4D97-AF65-F5344CB8AC3E}">
+        <p14:creationId xmlns:p14="http://schemas.microsoft.com/office/powerpoint/2010/main" val="856272160"/>
+      </p:ext>
+    </p:extLst>
+  </p:cSld>
+  <p:clrMapOvr>
+    <a:masterClrMapping/>
+  </p:clrMapOvr>
+  <mc:AlternateContent xmlns:mc="http://schemas.openxmlformats.org/markup-compatibility/2006" xmlns:p14="http://schemas.microsoft.com/office/powerpoint/2010/main">
+    <mc:Choice Requires="p14">
+      <p:transition spd="slow" p14:dur="2000" advClick="0" advTm="5000"/>
+    </mc:Choice>
+    <mc:Fallback xmlns="">
+      <p:transition spd="slow" advClick="0" advTm="5000"/>
+    </mc:Fallback>
+  </mc:AlternateContent>
+  <p:timing>
+    <p:tnLst>
+      <p:par>
+        <p:cTn id="1" dur="indefinite" restart="never" nodeType="tmRoot">
+          <p:childTnLst>
+            <p:seq concurrent="1" nextAc="seek">
+              <p:cTn id="2" dur="indefinite" nodeType="mainSeq">
+                <p:childTnLst>
+                  <p:par>
+                    <p:cTn id="3" fill="hold">
+                      <p:stCondLst>
+                        <p:cond delay="indefinite"/>
+                      </p:stCondLst>
+                      <p:childTnLst>
+                        <p:par>
+                          <p:cTn id="4" fill="hold">
+                            <p:stCondLst>
+                              <p:cond delay="0"/>
+                            </p:stCondLst>
+                            <p:childTnLst>
+                              <p:par>
+                                <p:cTn id="5" presetID="1" presetClass="entr" presetSubtype="0" fill="hold" nodeType="clickEffect">
+                                  <p:stCondLst>
+                                    <p:cond delay="0"/>
+                                  </p:stCondLst>
+                                  <p:childTnLst>
+                                    <p:set>
+                                      <p:cBhvr>
+                                        <p:cTn id="6" dur="1" fill="hold">
+                                          <p:stCondLst>
+                                            <p:cond delay="0"/>
+                                          </p:stCondLst>
+                                        </p:cTn>
+                                        <p:tgtEl>
+                                          <p:spTgt spid="3">
+                                            <p:txEl>
+                                              <p:pRg st="1" end="1"/>
+                                            </p:txEl>
+                                          </p:spTgt>
+                                        </p:tgtEl>
+                                        <p:attrNameLst>
+                                          <p:attrName>style.visibility</p:attrName>
+                                        </p:attrNameLst>
+                                      </p:cBhvr>
+                                      <p:to>
+                                        <p:strVal val="visible"/>
+                                      </p:to>
+                                    </p:set>
+                                  </p:childTnLst>
+                                </p:cTn>
+                              </p:par>
+                              <p:par>
+                                <p:cTn id="7" presetID="1" presetClass="entr" presetSubtype="0" fill="hold" grpId="0" nodeType="withEffect">
+                                  <p:stCondLst>
+                                    <p:cond delay="0"/>
+                                  </p:stCondLst>
+                                  <p:childTnLst>
+                                    <p:set>
+                                      <p:cBhvr>
+                                        <p:cTn id="8" dur="1" fill="hold">
+                                          <p:stCondLst>
+                                            <p:cond delay="0"/>
+                                          </p:stCondLst>
+                                        </p:cTn>
+                                        <p:tgtEl>
+                                          <p:spTgt spid="6"/>
+                                        </p:tgtEl>
+                                        <p:attrNameLst>
+                                          <p:attrName>style.visibility</p:attrName>
+                                        </p:attrNameLst>
+                                      </p:cBhvr>
+                                      <p:to>
+                                        <p:strVal val="visible"/>
+                                      </p:to>
+                                    </p:set>
+                                  </p:childTnLst>
+                                </p:cTn>
+                              </p:par>
+                            </p:childTnLst>
+                          </p:cTn>
+                        </p:par>
+                      </p:childTnLst>
+                    </p:cTn>
+                  </p:par>
+                  <p:par>
+                    <p:cTn id="9" fill="hold">
+                      <p:stCondLst>
+                        <p:cond delay="indefinite"/>
+                      </p:stCondLst>
+                      <p:childTnLst>
+                        <p:par>
+                          <p:cTn id="10" fill="hold">
+                            <p:stCondLst>
+                              <p:cond delay="0"/>
+                            </p:stCondLst>
+                            <p:childTnLst>
+                              <p:par>
+                                <p:cTn id="11" presetID="1" presetClass="entr" presetSubtype="0" fill="hold" nodeType="clickEffect">
+                                  <p:stCondLst>
+                                    <p:cond delay="0"/>
+                                  </p:stCondLst>
+                                  <p:childTnLst>
+                                    <p:set>
+                                      <p:cBhvr>
+                                        <p:cTn id="12" dur="1" fill="hold">
+                                          <p:stCondLst>
+                                            <p:cond delay="0"/>
+                                          </p:stCondLst>
+                                        </p:cTn>
+                                        <p:tgtEl>
+                                          <p:spTgt spid="3">
+                                            <p:txEl>
+                                              <p:pRg st="2" end="2"/>
+                                            </p:txEl>
+                                          </p:spTgt>
+                                        </p:tgtEl>
+                                        <p:attrNameLst>
+                                          <p:attrName>style.visibility</p:attrName>
+                                        </p:attrNameLst>
+                                      </p:cBhvr>
+                                      <p:to>
+                                        <p:strVal val="visible"/>
+                                      </p:to>
+                                    </p:set>
+                                  </p:childTnLst>
+                                </p:cTn>
+                              </p:par>
+                              <p:par>
+                                <p:cTn id="13" presetID="1" presetClass="entr" presetSubtype="0" fill="hold" grpId="0" nodeType="withEffect">
+                                  <p:stCondLst>
+                                    <p:cond delay="0"/>
+                                  </p:stCondLst>
+                                  <p:childTnLst>
+                                    <p:set>
+                                      <p:cBhvr>
+                                        <p:cTn id="14" dur="1" fill="hold">
+                                          <p:stCondLst>
+                                            <p:cond delay="0"/>
+                                          </p:stCondLst>
+                                        </p:cTn>
+                                        <p:tgtEl>
+                                          <p:spTgt spid="7"/>
+                                        </p:tgtEl>
+                                        <p:attrNameLst>
+                                          <p:attrName>style.visibility</p:attrName>
+                                        </p:attrNameLst>
+                                      </p:cBhvr>
+                                      <p:to>
+                                        <p:strVal val="visible"/>
+                                      </p:to>
+                                    </p:set>
+                                  </p:childTnLst>
+                                </p:cTn>
+                              </p:par>
+                            </p:childTnLst>
+                          </p:cTn>
+                        </p:par>
+                      </p:childTnLst>
+                    </p:cTn>
+                  </p:par>
+                </p:childTnLst>
+              </p:cTn>
+              <p:prevCondLst>
+                <p:cond evt="onPrev" delay="0">
+                  <p:tgtEl>
+                    <p:sldTgt/>
+                  </p:tgtEl>
+                </p:cond>
+              </p:prevCondLst>
+              <p:nextCondLst>
+                <p:cond evt="onNext" delay="0">
+                  <p:tgtEl>
+                    <p:sldTgt/>
+                  </p:tgtEl>
+                </p:cond>
+              </p:nextCondLst>
+            </p:seq>
+          </p:childTnLst>
+        </p:cTn>
+      </p:par>
+    </p:tnLst>
+    <p:bldLst>
+      <p:bldP spid="6" grpId="0" animBg="1"/>
+      <p:bldP spid="7" grpId="0" animBg="1"/>
+    </p:bldLst>
+  </p:timing>
+</p:sld>
+</file>
+
+<file path=ppt/slides/slide6.xml><?xml version="1.0" encoding="utf-8"?>
+<p:sld xmlns:a="http://schemas.openxmlformats.org/drawingml/2006/main" xmlns:r="http://schemas.openxmlformats.org/officeDocument/2006/relationships" xmlns:p="http://schemas.openxmlformats.org/presentationml/2006/main">
+  <p:cSld>
+    <p:spTree>
+      <p:nvGrpSpPr>
+        <p:cNvPr id="1" name=""/>
+        <p:cNvGrpSpPr/>
+        <p:nvPr/>
+      </p:nvGrpSpPr>
+      <p:grpSpPr>
+        <a:xfrm>
+          <a:off x="0" y="0"/>
+          <a:ext cx="0" cy="0"/>
+          <a:chOff x="0" y="0"/>
+          <a:chExt cx="0" cy="0"/>
+        </a:xfrm>
+      </p:grpSpPr>
+      <p:sp>
+        <p:nvSpPr>
+          <p:cNvPr id="2" name="Slide Number Placeholder 1"/>
+          <p:cNvSpPr>
+            <a:spLocks noGrp="1"/>
+          </p:cNvSpPr>
+          <p:nvPr>
+            <p:ph type="sldNum" sz="quarter" idx="5"/>
+          </p:nvPr>
+        </p:nvSpPr>
+        <p:spPr/>
+        <p:txBody>
+          <a:bodyPr/>
+          <a:lstStyle/>
+          <a:p>
+            <a:fld id="{2BF067CD-8E6B-4360-9AA8-C5DF2A48A6D1}" type="slidenum">
+              <a:rPr lang="en-US" noProof="0" smtClean="0"/>
+              <a:pPr/>
+              <a:t>6</a:t>
+            </a:fld>
+            <a:endParaRPr lang="en-US" noProof="0" dirty="0"/>
+          </a:p>
+        </p:txBody>
+      </p:sp>
+      <p:sp>
+        <p:nvSpPr>
+          <p:cNvPr id="3" name="Text Placeholder 2"/>
+          <p:cNvSpPr>
+            <a:spLocks noGrp="1"/>
+          </p:cNvSpPr>
+          <p:nvPr>
+            <p:ph type="body" sz="quarter" idx="10"/>
+          </p:nvPr>
+        </p:nvSpPr>
+        <p:spPr>
+          <a:xfrm>
+            <a:off x="190402" y="1196125"/>
+            <a:ext cx="7660598" cy="5528766"/>
+          </a:xfrm>
+        </p:spPr>
+        <p:txBody>
+          <a:bodyPr/>
+          <a:lstStyle/>
+          <a:p>
+            <a:r>
+              <a:rPr lang="bg-BG" dirty="0" smtClean="0"/>
+              <a:t>Като изберете </a:t>
+            </a:r>
+            <a:r>
+              <a:rPr lang="bg-BG" b="1" dirty="0" smtClean="0"/>
+              <a:t>бутона</a:t>
+            </a:r>
+            <a:r>
+              <a:rPr lang="bg-BG" dirty="0" smtClean="0"/>
+              <a:t> </a:t>
+            </a:r>
+            <a:r>
+              <a:rPr lang="en-US" dirty="0" smtClean="0"/>
+              <a:t>[</a:t>
+            </a:r>
+            <a:r>
+              <a:rPr lang="en-US" b="1" dirty="0" smtClean="0">
+                <a:solidFill>
+                  <a:schemeClr val="bg1"/>
+                </a:solidFill>
+              </a:rPr>
+              <a:t>Add Animation</a:t>
+            </a:r>
+            <a:r>
+              <a:rPr lang="en-US" dirty="0" smtClean="0"/>
+              <a:t>] </a:t>
+            </a:r>
+            <a:r>
+              <a:rPr lang="bg-BG" dirty="0" smtClean="0"/>
+              <a:t>се отваря </a:t>
+            </a:r>
+            <a:r>
+              <a:rPr lang="bg-BG" b="1" dirty="0" smtClean="0"/>
+              <a:t>меню</a:t>
+            </a:r>
+            <a:r>
+              <a:rPr lang="bg-BG" dirty="0" smtClean="0"/>
+              <a:t>, в което </a:t>
+            </a:r>
+            <a:r>
+              <a:rPr lang="bg-BG" b="1" dirty="0" smtClean="0"/>
+              <a:t>ефектите</a:t>
+            </a:r>
+            <a:r>
+              <a:rPr lang="bg-BG" dirty="0" smtClean="0"/>
+              <a:t> са събрани в </a:t>
+            </a:r>
+            <a:r>
+              <a:rPr lang="bg-BG" b="1" dirty="0" smtClean="0"/>
+              <a:t>четири групи</a:t>
+            </a:r>
+            <a:r>
+              <a:rPr lang="bg-BG" dirty="0" smtClean="0"/>
+              <a:t>:</a:t>
+            </a:r>
+          </a:p>
+          <a:p>
+            <a:pPr lvl="1"/>
+            <a:r>
+              <a:rPr lang="en-US" b="1" dirty="0" smtClean="0"/>
+              <a:t>͏</a:t>
+            </a:r>
+            <a:r>
+              <a:rPr lang="en-US" b="1" dirty="0" smtClean="0">
+                <a:solidFill>
+                  <a:schemeClr val="bg1"/>
+                </a:solidFill>
+              </a:rPr>
+              <a:t>Entrance</a:t>
+            </a:r>
+            <a:r>
+              <a:rPr lang="en-US" dirty="0" smtClean="0"/>
+              <a:t> (</a:t>
+            </a:r>
+            <a:r>
+              <a:rPr lang="bg-BG" b="1" dirty="0" smtClean="0"/>
+              <a:t>въвеждащи</a:t>
+            </a:r>
+            <a:r>
+              <a:rPr lang="en-US" dirty="0" smtClean="0"/>
+              <a:t>)</a:t>
+            </a:r>
+          </a:p>
+          <a:p>
+            <a:pPr lvl="1"/>
+            <a:r>
+              <a:rPr lang="en-US" b="1" dirty="0" smtClean="0"/>
+              <a:t>͏</a:t>
+            </a:r>
+            <a:r>
+              <a:rPr lang="en-US" b="1" dirty="0" smtClean="0">
+                <a:solidFill>
+                  <a:schemeClr val="bg1"/>
+                </a:solidFill>
+              </a:rPr>
+              <a:t>Emphasis</a:t>
+            </a:r>
+            <a:r>
+              <a:rPr lang="en-US" dirty="0" smtClean="0"/>
+              <a:t> (</a:t>
+            </a:r>
+            <a:r>
+              <a:rPr lang="bg-BG" b="1" dirty="0" smtClean="0"/>
+              <a:t>акцентиращи</a:t>
+            </a:r>
+            <a:r>
+              <a:rPr lang="en-US" dirty="0" smtClean="0"/>
+              <a:t>)</a:t>
+            </a:r>
+          </a:p>
+          <a:p>
+            <a:pPr lvl="1"/>
+            <a:r>
+              <a:rPr lang="en-US" b="1" dirty="0" smtClean="0"/>
+              <a:t>͏</a:t>
+            </a:r>
+            <a:r>
+              <a:rPr lang="en-US" b="1" dirty="0" smtClean="0">
+                <a:solidFill>
+                  <a:schemeClr val="bg1"/>
+                </a:solidFill>
+              </a:rPr>
+              <a:t>Exit</a:t>
+            </a:r>
+            <a:r>
+              <a:rPr lang="en-US" dirty="0" smtClean="0"/>
+              <a:t> (</a:t>
+            </a:r>
+            <a:r>
+              <a:rPr lang="bg-BG" b="1" dirty="0" smtClean="0"/>
+              <a:t>завършващи</a:t>
+            </a:r>
+            <a:r>
+              <a:rPr lang="en-US" dirty="0" smtClean="0"/>
+              <a:t>)</a:t>
+            </a:r>
+          </a:p>
+          <a:p>
+            <a:pPr lvl="1"/>
+            <a:r>
+              <a:rPr lang="en-US" b="1" dirty="0" smtClean="0"/>
+              <a:t>͏</a:t>
+            </a:r>
+            <a:r>
+              <a:rPr lang="en-US" b="1" dirty="0" smtClean="0">
+                <a:solidFill>
+                  <a:schemeClr val="bg1"/>
+                </a:solidFill>
+              </a:rPr>
+              <a:t>Motion paths</a:t>
+            </a:r>
+            <a:r>
+              <a:rPr lang="en-US" dirty="0" smtClean="0">
+                <a:solidFill>
+                  <a:schemeClr val="bg1"/>
+                </a:solidFill>
+              </a:rPr>
+              <a:t> </a:t>
+            </a:r>
+            <a:r>
+              <a:rPr lang="en-US" dirty="0" smtClean="0"/>
+              <a:t>(</a:t>
+            </a:r>
+            <a:r>
+              <a:rPr lang="bg-BG" b="1" dirty="0" smtClean="0"/>
+              <a:t>траектории на движение</a:t>
+            </a:r>
+            <a:r>
+              <a:rPr lang="en-US" dirty="0" smtClean="0"/>
+              <a:t>)</a:t>
+            </a:r>
+          </a:p>
+          <a:p>
+            <a:pPr lvl="1"/>
+            <a:endParaRPr lang="en-US" dirty="0"/>
+          </a:p>
+        </p:txBody>
+      </p:sp>
+      <p:sp>
+        <p:nvSpPr>
+          <p:cNvPr id="4" name="Title 3"/>
+          <p:cNvSpPr>
+            <a:spLocks noGrp="1"/>
+          </p:cNvSpPr>
+          <p:nvPr>
+            <p:ph type="title"/>
+          </p:nvPr>
+        </p:nvSpPr>
+        <p:spPr/>
+        <p:txBody>
+          <a:bodyPr/>
+          <a:lstStyle/>
+          <a:p>
+            <a:r>
+              <a:rPr lang="en-US" dirty="0" smtClean="0"/>
+              <a:t>Add Animation</a:t>
+            </a:r>
+            <a:endParaRPr lang="en-US" dirty="0"/>
+          </a:p>
+        </p:txBody>
+      </p:sp>
+      <p:pic>
+        <p:nvPicPr>
+          <p:cNvPr id="5" name="Picture 4"/>
+          <p:cNvPicPr>
+            <a:picLocks noChangeAspect="1"/>
+          </p:cNvPicPr>
+          <p:nvPr/>
+        </p:nvPicPr>
+        <p:blipFill rotWithShape="1">
+          <a:blip r:embed="rId2"/>
+          <a:srcRect b="15930"/>
+          <a:stretch/>
+        </p:blipFill>
+        <p:spPr>
+          <a:xfrm>
+            <a:off x="7941000" y="1259853"/>
+            <a:ext cx="3375000" cy="5457463"/>
+          </a:xfrm>
+          <a:prstGeom prst="rect">
+            <a:avLst/>
+          </a:prstGeom>
+          <a:ln>
+            <a:solidFill>
+              <a:schemeClr val="bg2">
+                <a:lumMod val="75000"/>
+              </a:schemeClr>
+            </a:solidFill>
+          </a:ln>
+        </p:spPr>
+      </p:pic>
+    </p:spTree>
+    <p:extLst>
+      <p:ext uri="{BB962C8B-B14F-4D97-AF65-F5344CB8AC3E}">
+        <p14:creationId xmlns:p14="http://schemas.microsoft.com/office/powerpoint/2010/main" val="2159145826"/>
+      </p:ext>
+    </p:extLst>
+  </p:cSld>
+  <p:clrMapOvr>
+    <a:masterClrMapping/>
+  </p:clrMapOvr>
+  <mc:AlternateContent xmlns:mc="http://schemas.openxmlformats.org/markup-compatibility/2006" xmlns:p14="http://schemas.microsoft.com/office/powerpoint/2010/main">
+    <mc:Choice Requires="p14">
+      <p:transition spd="slow" p14:dur="2000" advClick="0" advTm="5000"/>
+    </mc:Choice>
+    <mc:Fallback xmlns="">
+      <p:transition spd="slow" advClick="0" advTm="5000"/>
+    </mc:Fallback>
+  </mc:AlternateContent>
+  <p:timing>
+    <p:tnLst>
+      <p:par>
+        <p:cTn id="1" dur="indefinite" restart="never" nodeType="tmRoot"/>
+      </p:par>
+    </p:tnLst>
+  </p:timing>
+</p:sld>
+</file>
+
+<file path=ppt/slides/slide7.xml><?xml version="1.0" encoding="utf-8"?>
+<p:sld xmlns:a="http://schemas.openxmlformats.org/drawingml/2006/main" xmlns:r="http://schemas.openxmlformats.org/officeDocument/2006/relationships" xmlns:p="http://schemas.openxmlformats.org/presentationml/2006/main">
+  <p:cSld>
+    <p:spTree>
+      <p:nvGrpSpPr>
+        <p:cNvPr id="1" name=""/>
+        <p:cNvGrpSpPr/>
+        <p:nvPr/>
+      </p:nvGrpSpPr>
+      <p:grpSpPr>
+        <a:xfrm>
+          <a:off x="0" y="0"/>
+          <a:ext cx="0" cy="0"/>
+          <a:chOff x="0" y="0"/>
+          <a:chExt cx="0" cy="0"/>
+        </a:xfrm>
+      </p:grpSpPr>
+      <p:sp>
+        <p:nvSpPr>
+          <p:cNvPr id="2" name="Slide Number Placeholder 1"/>
+          <p:cNvSpPr>
+            <a:spLocks noGrp="1"/>
+          </p:cNvSpPr>
+          <p:nvPr>
+            <p:ph type="sldNum" sz="quarter" idx="5"/>
+          </p:nvPr>
+        </p:nvSpPr>
+        <p:spPr/>
+        <p:txBody>
+          <a:bodyPr/>
+          <a:lstStyle/>
+          <a:p>
+            <a:fld id="{2BF067CD-8E6B-4360-9AA8-C5DF2A48A6D1}" type="slidenum">
+              <a:rPr lang="en-US" noProof="0" smtClean="0"/>
+              <a:pPr/>
+              <a:t>7</a:t>
+            </a:fld>
+            <a:endParaRPr lang="en-US" noProof="0" dirty="0"/>
+          </a:p>
+        </p:txBody>
+      </p:sp>
+      <p:sp>
+        <p:nvSpPr>
+          <p:cNvPr id="3" name="Text Placeholder 2"/>
+          <p:cNvSpPr>
+            <a:spLocks noGrp="1"/>
+          </p:cNvSpPr>
+          <p:nvPr>
+            <p:ph type="body" sz="quarter" idx="10"/>
+          </p:nvPr>
+        </p:nvSpPr>
+        <p:spPr/>
+        <p:txBody>
+          <a:bodyPr/>
+          <a:lstStyle/>
+          <a:p>
+            <a:r>
+              <a:rPr lang="bg-BG" dirty="0" smtClean="0"/>
+              <a:t>При въвеждащите ефекти </a:t>
+            </a:r>
+            <a:r>
+              <a:rPr lang="bg-BG" b="1" dirty="0" smtClean="0"/>
+              <a:t>обектите</a:t>
+            </a:r>
+            <a:r>
+              <a:rPr lang="bg-BG" dirty="0" smtClean="0"/>
+              <a:t> се </a:t>
+            </a:r>
+            <a:r>
+              <a:rPr lang="bg-BG" b="1" dirty="0" smtClean="0"/>
+              <a:t>появяват отвън </a:t>
+            </a:r>
+            <a:r>
+              <a:rPr lang="bg-BG" dirty="0" smtClean="0"/>
+              <a:t>на </a:t>
+            </a:r>
+            <a:r>
+              <a:rPr lang="bg-BG" b="1" dirty="0" smtClean="0"/>
+              <a:t>слайда</a:t>
+            </a:r>
+            <a:r>
+              <a:rPr lang="bg-BG" dirty="0" smtClean="0"/>
+              <a:t> и се </a:t>
+            </a:r>
+            <a:r>
+              <a:rPr lang="bg-BG" b="1" dirty="0" smtClean="0"/>
+              <a:t>движат</a:t>
+            </a:r>
+            <a:r>
+              <a:rPr lang="bg-BG" dirty="0" smtClean="0"/>
+              <a:t> към </a:t>
+            </a:r>
+            <a:r>
+              <a:rPr lang="bg-BG" b="1" dirty="0" smtClean="0"/>
+              <a:t>мястото</a:t>
+            </a:r>
+            <a:r>
+              <a:rPr lang="bg-BG" dirty="0" smtClean="0"/>
+              <a:t> си в него</a:t>
+            </a:r>
+            <a:endParaRPr lang="en-US" dirty="0"/>
+          </a:p>
+        </p:txBody>
+      </p:sp>
+      <p:sp>
+        <p:nvSpPr>
+          <p:cNvPr id="4" name="Title 3"/>
+          <p:cNvSpPr>
+            <a:spLocks noGrp="1"/>
+          </p:cNvSpPr>
+          <p:nvPr>
+            <p:ph type="title"/>
+          </p:nvPr>
+        </p:nvSpPr>
+        <p:spPr/>
+        <p:txBody>
+          <a:bodyPr/>
+          <a:lstStyle/>
+          <a:p>
+            <a:r>
+              <a:rPr lang="en-US" dirty="0" smtClean="0"/>
+              <a:t>Entrance</a:t>
+            </a:r>
+            <a:endParaRPr lang="en-US" dirty="0"/>
+          </a:p>
+        </p:txBody>
+      </p:sp>
+      <p:pic>
+        <p:nvPicPr>
+          <p:cNvPr id="6" name="Picture 5"/>
+          <p:cNvPicPr>
+            <a:picLocks noChangeAspect="1"/>
+          </p:cNvPicPr>
+          <p:nvPr/>
+        </p:nvPicPr>
+        <p:blipFill rotWithShape="1">
+          <a:blip r:embed="rId3">
+            <a:extLst>
+              <a:ext uri="{28A0092B-C50C-407E-A947-70E740481C1C}">
+                <a14:useLocalDpi xmlns:a14="http://schemas.microsoft.com/office/drawing/2010/main" val="0"/>
+              </a:ext>
+            </a:extLst>
+          </a:blip>
+          <a:srcRect t="7369" b="8295"/>
+          <a:stretch/>
+        </p:blipFill>
+        <p:spPr>
+          <a:xfrm>
+            <a:off x="2651211" y="3042340"/>
+            <a:ext cx="3427291" cy="3851660"/>
+          </a:xfrm>
+          <a:prstGeom prst="rect">
+            <a:avLst/>
+          </a:prstGeom>
+        </p:spPr>
+      </p:pic>
+      <p:pic>
+        <p:nvPicPr>
+          <p:cNvPr id="7" name="Picture 6"/>
+          <p:cNvPicPr>
+            <a:picLocks noChangeAspect="1"/>
+          </p:cNvPicPr>
+          <p:nvPr/>
+        </p:nvPicPr>
+        <p:blipFill rotWithShape="1">
+          <a:blip r:embed="rId4">
+            <a:extLst>
+              <a:ext uri="{28A0092B-C50C-407E-A947-70E740481C1C}">
+                <a14:useLocalDpi xmlns:a14="http://schemas.microsoft.com/office/drawing/2010/main" val="0"/>
+              </a:ext>
+            </a:extLst>
+          </a:blip>
+          <a:srcRect l="22047" t="14436" r="22310" b="16011"/>
+          <a:stretch/>
+        </p:blipFill>
+        <p:spPr>
+          <a:xfrm>
+            <a:off x="6906000" y="3519000"/>
+            <a:ext cx="2385000" cy="2385000"/>
+          </a:xfrm>
+          <a:prstGeom prst="rect">
+            <a:avLst/>
+          </a:prstGeom>
+        </p:spPr>
+      </p:pic>
+    </p:spTree>
+    <p:extLst>
+      <p:ext uri="{BB962C8B-B14F-4D97-AF65-F5344CB8AC3E}">
+        <p14:creationId xmlns:p14="http://schemas.microsoft.com/office/powerpoint/2010/main" val="11853343"/>
+      </p:ext>
+    </p:extLst>
+  </p:cSld>
+  <p:clrMapOvr>
+    <a:masterClrMapping/>
+  </p:clrMapOvr>
+  <mc:AlternateContent xmlns:mc="http://schemas.openxmlformats.org/markup-compatibility/2006" xmlns:p14="http://schemas.microsoft.com/office/powerpoint/2010/main">
+    <mc:Choice Requires="p14">
+      <p:transition spd="slow" p14:dur="2000" advClick="0" advTm="5000"/>
+    </mc:Choice>
+    <mc:Fallback xmlns="">
+      <p:transition spd="slow" advClick="0" advTm="5000"/>
+    </mc:Fallback>
+  </mc:AlternateContent>
+  <p:timing>
+    <p:tnLst>
+      <p:par>
+        <p:cTn id="1" dur="indefinite" restart="never" nodeType="tmRoot">
+          <p:childTnLst>
+            <p:seq concurrent="1" nextAc="seek">
+              <p:cTn id="2" dur="indefinite" nodeType="mainSeq">
+                <p:childTnLst>
+                  <p:par>
+                    <p:cTn id="3" fill="hold">
+                      <p:stCondLst>
+                        <p:cond delay="indefinite"/>
+                      </p:stCondLst>
+                      <p:childTnLst>
+                        <p:par>
+                          <p:cTn id="4" fill="hold">
+                            <p:stCondLst>
+                              <p:cond delay="0"/>
+                            </p:stCondLst>
+                            <p:childTnLst>
+                              <p:par>
+                                <p:cTn id="5" presetID="26" presetClass="entr" presetSubtype="0" fill="hold" nodeType="clickEffect">
+                                  <p:stCondLst>
+                                    <p:cond delay="0"/>
+                                  </p:stCondLst>
+                                  <p:childTnLst>
+                                    <p:set>
+                                      <p:cBhvr>
+                                        <p:cTn id="6" dur="1" fill="hold">
+                                          <p:stCondLst>
+                                            <p:cond delay="0"/>
+                                          </p:stCondLst>
+                                        </p:cTn>
+                                        <p:tgtEl>
+                                          <p:spTgt spid="6"/>
+                                        </p:tgtEl>
+                                        <p:attrNameLst>
+                                          <p:attrName>style.visibility</p:attrName>
+                                        </p:attrNameLst>
+                                      </p:cBhvr>
+                                      <p:to>
+                                        <p:strVal val="visible"/>
+                                      </p:to>
+                                    </p:set>
+                                    <p:animEffect transition="in" filter="wipe(down)">
+                                      <p:cBhvr>
+                                        <p:cTn id="7" dur="580">
+                                          <p:stCondLst>
+                                            <p:cond delay="0"/>
+                                          </p:stCondLst>
+                                        </p:cTn>
+                                        <p:tgtEl>
+                                          <p:spTgt spid="6"/>
+                                        </p:tgtEl>
+                                      </p:cBhvr>
+                                    </p:animEffect>
+                                    <p:anim calcmode="lin" valueType="num">
+                                      <p:cBhvr>
+                                        <p:cTn id="8" dur="1822" tmFilter="0,0; 0.14,0.36; 0.43,0.73; 0.71,0.91; 1.0,1.0">
+                                          <p:stCondLst>
+                                            <p:cond delay="0"/>
+                                          </p:stCondLst>
+                                        </p:cTn>
+                                        <p:tgtEl>
+                                          <p:spTgt spid="6"/>
+                                        </p:tgtEl>
+                                        <p:attrNameLst>
+                                          <p:attrName>ppt_x</p:attrName>
+                                        </p:attrNameLst>
+                                      </p:cBhvr>
+                                      <p:tavLst>
+                                        <p:tav tm="0">
+                                          <p:val>
+                                            <p:strVal val="#ppt_x-0.25"/>
+                                          </p:val>
+                                        </p:tav>
+                                        <p:tav tm="100000">
+                                          <p:val>
+                                            <p:strVal val="#ppt_x"/>
+                                          </p:val>
+                                        </p:tav>
+                                      </p:tavLst>
+                                    </p:anim>
+                                    <p:anim calcmode="lin" valueType="num">
+                                      <p:cBhvr>
+                                        <p:cTn id="9" dur="664" tmFilter="0.0,0.0; 0.25,0.07; 0.50,0.2; 0.75,0.467; 1.0,1.0">
+                                          <p:stCondLst>
+                                            <p:cond delay="0"/>
+                                          </p:stCondLst>
+                                        </p:cTn>
+                                        <p:tgtEl>
+                                          <p:spTgt spid="6"/>
+                                        </p:tgtEl>
+                                        <p:attrNameLst>
+                                          <p:attrName>ppt_y</p:attrName>
+                                        </p:attrNameLst>
+                                      </p:cBhvr>
+                                      <p:tavLst>
+                                        <p:tav tm="0" fmla="#ppt_y-sin(pi*$)/3">
+                                          <p:val>
+                                            <p:fltVal val="0.5"/>
+                                          </p:val>
+                                        </p:tav>
+                                        <p:tav tm="100000">
+                                          <p:val>
+                                            <p:fltVal val="1"/>
+                                          </p:val>
+                                        </p:tav>
+                                      </p:tavLst>
+                                    </p:anim>
+                                    <p:anim calcmode="lin" valueType="num">
+                                      <p:cBhvr>
+                                        <p:cTn id="10" dur="664" tmFilter="0, 0; 0.125,0.2665; 0.25,0.4; 0.375,0.465; 0.5,0.5;  0.625,0.535; 0.75,0.6; 0.875,0.7335; 1,1">
+                                          <p:stCondLst>
+                                            <p:cond delay="664"/>
+                                          </p:stCondLst>
+                                        </p:cTn>
+                                        <p:tgtEl>
+                                          <p:spTgt spid="6"/>
+                                        </p:tgtEl>
+                                        <p:attrNameLst>
+                                          <p:attrName>ppt_y</p:attrName>
+                                        </p:attrNameLst>
+                                      </p:cBhvr>
+                                      <p:tavLst>
+                                        <p:tav tm="0" fmla="#ppt_y-sin(pi*$)/9">
+                                          <p:val>
+                                            <p:fltVal val="0"/>
+                                          </p:val>
+                                        </p:tav>
+                                        <p:tav tm="100000">
+                                          <p:val>
+                                            <p:fltVal val="1"/>
+                                          </p:val>
+                                        </p:tav>
+                                      </p:tavLst>
+                                    </p:anim>
+                                    <p:anim calcmode="lin" valueType="num">
+                                      <p:cBhvr>
+                                        <p:cTn id="11" dur="332" tmFilter="0, 0; 0.125,0.2665; 0.25,0.4; 0.375,0.465; 0.5,0.5;  0.625,0.535; 0.75,0.6; 0.875,0.7335; 1,1">
+                                          <p:stCondLst>
+                                            <p:cond delay="1324"/>
+                                          </p:stCondLst>
+                                        </p:cTn>
+                                        <p:tgtEl>
+                                          <p:spTgt spid="6"/>
+                                        </p:tgtEl>
+                                        <p:attrNameLst>
+                                          <p:attrName>ppt_y</p:attrName>
+                                        </p:attrNameLst>
+                                      </p:cBhvr>
+                                      <p:tavLst>
+                                        <p:tav tm="0" fmla="#ppt_y-sin(pi*$)/27">
+                                          <p:val>
+                                            <p:fltVal val="0"/>
+                                          </p:val>
+                                        </p:tav>
+                                        <p:tav tm="100000">
+                                          <p:val>
+                                            <p:fltVal val="1"/>
+                                          </p:val>
+                                        </p:tav>
+                                      </p:tavLst>
+                                    </p:anim>
+                                    <p:anim calcmode="lin" valueType="num">
+                                      <p:cBhvr>
+                                        <p:cTn id="12" dur="164" tmFilter="0, 0; 0.125,0.2665; 0.25,0.4; 0.375,0.465; 0.5,0.5;  0.625,0.535; 0.75,0.6; 0.875,0.7335; 1,1">
+                                          <p:stCondLst>
+                                            <p:cond delay="1656"/>
+                                          </p:stCondLst>
+                                        </p:cTn>
+                                        <p:tgtEl>
+                                          <p:spTgt spid="6"/>
+                                        </p:tgtEl>
+                                        <p:attrNameLst>
+                                          <p:attrName>ppt_y</p:attrName>
+                                        </p:attrNameLst>
+                                      </p:cBhvr>
+                                      <p:tavLst>
+                                        <p:tav tm="0" fmla="#ppt_y-sin(pi*$)/81">
+                                          <p:val>
+                                            <p:fltVal val="0"/>
+                                          </p:val>
+                                        </p:tav>
+                                        <p:tav tm="100000">
+                                          <p:val>
+                                            <p:fltVal val="1"/>
+                                          </p:val>
+                                        </p:tav>
+                                      </p:tavLst>
+                                    </p:anim>
+                                    <p:animScale>
+                                      <p:cBhvr>
+                                        <p:cTn id="13" dur="26">
+                                          <p:stCondLst>
+                                            <p:cond delay="650"/>
+                                          </p:stCondLst>
+                                        </p:cTn>
+                                        <p:tgtEl>
+                                          <p:spTgt spid="6"/>
+                                        </p:tgtEl>
+                                      </p:cBhvr>
+                                      <p:to x="100000" y="60000"/>
+                                    </p:animScale>
+                                    <p:animScale>
+                                      <p:cBhvr>
+                                        <p:cTn id="14" dur="166" decel="50000">
+                                          <p:stCondLst>
+                                            <p:cond delay="676"/>
+                                          </p:stCondLst>
+                                        </p:cTn>
+                                        <p:tgtEl>
+                                          <p:spTgt spid="6"/>
+                                        </p:tgtEl>
+                                      </p:cBhvr>
+                                      <p:to x="100000" y="100000"/>
+                                    </p:animScale>
+                                    <p:animScale>
+                                      <p:cBhvr>
+                                        <p:cTn id="15" dur="26">
+                                          <p:stCondLst>
+                                            <p:cond delay="1312"/>
+                                          </p:stCondLst>
+                                        </p:cTn>
+                                        <p:tgtEl>
+                                          <p:spTgt spid="6"/>
+                                        </p:tgtEl>
+                                      </p:cBhvr>
+                                      <p:to x="100000" y="80000"/>
+                                    </p:animScale>
+                                    <p:animScale>
+                                      <p:cBhvr>
+                                        <p:cTn id="16" dur="166" decel="50000">
+                                          <p:stCondLst>
+                                            <p:cond delay="1338"/>
+                                          </p:stCondLst>
+                                        </p:cTn>
+                                        <p:tgtEl>
+                                          <p:spTgt spid="6"/>
+                                        </p:tgtEl>
+                                      </p:cBhvr>
+                                      <p:to x="100000" y="100000"/>
+                                    </p:animScale>
+                                    <p:animScale>
+                                      <p:cBhvr>
+                                        <p:cTn id="17" dur="26">
+                                          <p:stCondLst>
+                                            <p:cond delay="1642"/>
+                                          </p:stCondLst>
+                                        </p:cTn>
+                                        <p:tgtEl>
+                                          <p:spTgt spid="6"/>
+                                        </p:tgtEl>
+                                      </p:cBhvr>
+                                      <p:to x="100000" y="90000"/>
+                                    </p:animScale>
+                                    <p:animScale>
+                                      <p:cBhvr>
+                                        <p:cTn id="18" dur="166" decel="50000">
+                                          <p:stCondLst>
+                                            <p:cond delay="1668"/>
+                                          </p:stCondLst>
+                                        </p:cTn>
+                                        <p:tgtEl>
+                                          <p:spTgt spid="6"/>
+                                        </p:tgtEl>
+                                      </p:cBhvr>
+                                      <p:to x="100000" y="100000"/>
+                                    </p:animScale>
+                                    <p:animScale>
+                                      <p:cBhvr>
+                                        <p:cTn id="19" dur="26">
+                                          <p:stCondLst>
+                                            <p:cond delay="1808"/>
+                                          </p:stCondLst>
+                                        </p:cTn>
+                                        <p:tgtEl>
+                                          <p:spTgt spid="6"/>
+                                        </p:tgtEl>
+                                      </p:cBhvr>
+                                      <p:to x="100000" y="95000"/>
+                                    </p:animScale>
+                                    <p:animScale>
+                                      <p:cBhvr>
+                                        <p:cTn id="20" dur="166" decel="50000">
+                                          <p:stCondLst>
+                                            <p:cond delay="1834"/>
+                                          </p:stCondLst>
+                                        </p:cTn>
+                                        <p:tgtEl>
+                                          <p:spTgt spid="6"/>
+                                        </p:tgtEl>
+                                      </p:cBhvr>
+                                      <p:to x="100000" y="100000"/>
+                                    </p:animScale>
+                                  </p:childTnLst>
+                                </p:cTn>
+                              </p:par>
+                            </p:childTnLst>
+                          </p:cTn>
+                        </p:par>
+                      </p:childTnLst>
+                    </p:cTn>
+                  </p:par>
+                  <p:par>
+                    <p:cTn id="21" fill="hold">
+                      <p:stCondLst>
+                        <p:cond delay="indefinite"/>
+                      </p:stCondLst>
+                      <p:childTnLst>
+                        <p:par>
+                          <p:cTn id="22" fill="hold">
+                            <p:stCondLst>
+                              <p:cond delay="0"/>
+                            </p:stCondLst>
+                            <p:childTnLst>
+                              <p:par>
+                                <p:cTn id="23" presetID="45" presetClass="entr" presetSubtype="0" fill="hold" nodeType="clickEffect">
+                                  <p:stCondLst>
+                                    <p:cond delay="0"/>
+                                  </p:stCondLst>
+                                  <p:childTnLst>
+                                    <p:set>
+                                      <p:cBhvr>
+                                        <p:cTn id="24" dur="1" fill="hold">
+                                          <p:stCondLst>
+                                            <p:cond delay="0"/>
+                                          </p:stCondLst>
+                                        </p:cTn>
+                                        <p:tgtEl>
+                                          <p:spTgt spid="7"/>
+                                        </p:tgtEl>
+                                        <p:attrNameLst>
+                                          <p:attrName>style.visibility</p:attrName>
+                                        </p:attrNameLst>
+                                      </p:cBhvr>
+                                      <p:to>
+                                        <p:strVal val="visible"/>
+                                      </p:to>
+                                    </p:set>
+                                    <p:animEffect transition="in" filter="fade">
+                                      <p:cBhvr>
+                                        <p:cTn id="25" dur="2000"/>
+                                        <p:tgtEl>
+                                          <p:spTgt spid="7"/>
+                                        </p:tgtEl>
+                                      </p:cBhvr>
+                                    </p:animEffect>
+                                    <p:anim calcmode="lin" valueType="num">
+                                      <p:cBhvr>
+                                        <p:cTn id="26" dur="2000" fill="hold"/>
+                                        <p:tgtEl>
+                                          <p:spTgt spid="7"/>
+                                        </p:tgtEl>
+                                        <p:attrNameLst>
+                                          <p:attrName>ppt_w</p:attrName>
+                                        </p:attrNameLst>
+                                      </p:cBhvr>
+                                      <p:tavLst>
+                                        <p:tav tm="0" fmla="#ppt_w*sin(2.5*pi*$)">
+                                          <p:val>
+                                            <p:fltVal val="0"/>
+                                          </p:val>
+                                        </p:tav>
+                                        <p:tav tm="100000">
+                                          <p:val>
+                                            <p:fltVal val="1"/>
+                                          </p:val>
+                                        </p:tav>
+                                      </p:tavLst>
+                                    </p:anim>
+                                    <p:anim calcmode="lin" valueType="num">
+                                      <p:cBhvr>
+                                        <p:cTn id="27" dur="2000" fill="hold"/>
+                                        <p:tgtEl>
+                                          <p:spTgt spid="7"/>
+                                        </p:tgtEl>
+                                        <p:attrNameLst>
+                                          <p:attrName>ppt_h</p:attrName>
+                                        </p:attrNameLst>
+                                      </p:cBhvr>
+                                      <p:tavLst>
+                                        <p:tav tm="0">
+                                          <p:val>
+                                            <p:strVal val="#ppt_h"/>
+                                          </p:val>
+                                        </p:tav>
+                                        <p:tav tm="100000">
+                                          <p:val>
+                                            <p:strVal val="#ppt_h"/>
+                                          </p:val>
+                                        </p:tav>
+                                      </p:tavLst>
+                                    </p:anim>
+                                  </p:childTnLst>
+                                </p:cTn>
+                              </p:par>
+                            </p:childTnLst>
+                          </p:cTn>
+                        </p:par>
+                      </p:childTnLst>
+                    </p:cTn>
+                  </p:par>
+                </p:childTnLst>
+              </p:cTn>
+              <p:prevCondLst>
+                <p:cond evt="onPrev" delay="0">
+                  <p:tgtEl>
+                    <p:sldTgt/>
+                  </p:tgtEl>
+                </p:cond>
+              </p:prevCondLst>
+              <p:nextCondLst>
+                <p:cond evt="onNext" delay="0">
+                  <p:tgtEl>
+                    <p:sldTgt/>
+                  </p:tgtEl>
+                </p:cond>
+              </p:nextCondLst>
+            </p:seq>
+          </p:childTnLst>
+        </p:cTn>
+      </p:par>
+    </p:tnLst>
+  </p:timing>
+</p:sld>
+</file>
+
+<file path=ppt/slides/slide8.xml><?xml version="1.0" encoding="utf-8"?>
+<p:sld xmlns:a="http://schemas.openxmlformats.org/drawingml/2006/main" xmlns:r="http://schemas.openxmlformats.org/officeDocument/2006/relationships" xmlns:p="http://schemas.openxmlformats.org/presentationml/2006/main">
+  <p:cSld>
+    <p:spTree>
+      <p:nvGrpSpPr>
+        <p:cNvPr id="1" name=""/>
+        <p:cNvGrpSpPr/>
+        <p:nvPr/>
+      </p:nvGrpSpPr>
+      <p:grpSpPr>
+        <a:xfrm>
+          <a:off x="0" y="0"/>
+          <a:ext cx="0" cy="0"/>
+          <a:chOff x="0" y="0"/>
+          <a:chExt cx="0" cy="0"/>
+        </a:xfrm>
+      </p:grpSpPr>
+      <p:sp>
+        <p:nvSpPr>
+          <p:cNvPr id="2" name="Slide Number Placeholder 1"/>
+          <p:cNvSpPr>
+            <a:spLocks noGrp="1"/>
+          </p:cNvSpPr>
+          <p:nvPr>
+            <p:ph type="sldNum" sz="quarter" idx="5"/>
+          </p:nvPr>
+        </p:nvSpPr>
+        <p:spPr/>
+        <p:txBody>
+          <a:bodyPr/>
+          <a:lstStyle/>
+          <a:p>
+            <a:fld id="{2BF067CD-8E6B-4360-9AA8-C5DF2A48A6D1}" type="slidenum">
+              <a:rPr lang="en-US" noProof="0" smtClean="0"/>
+              <a:pPr/>
+              <a:t>8</a:t>
+            </a:fld>
+            <a:endParaRPr lang="en-US" noProof="0" dirty="0"/>
+          </a:p>
+        </p:txBody>
+      </p:sp>
+      <p:sp>
+        <p:nvSpPr>
+          <p:cNvPr id="3" name="Text Placeholder 2"/>
+          <p:cNvSpPr>
+            <a:spLocks noGrp="1"/>
+          </p:cNvSpPr>
+          <p:nvPr>
+            <p:ph type="body" sz="quarter" idx="10"/>
+          </p:nvPr>
+        </p:nvSpPr>
+        <p:spPr/>
+        <p:txBody>
+          <a:bodyPr/>
+          <a:lstStyle/>
+          <a:p>
+            <a:r>
+              <a:rPr lang="bg-BG" dirty="0"/>
+              <a:t>При </a:t>
+            </a:r>
+            <a:r>
+              <a:rPr lang="bg-BG" dirty="0" smtClean="0"/>
+              <a:t>акцентиращите </a:t>
+            </a:r>
+            <a:r>
+              <a:rPr lang="bg-BG" dirty="0"/>
+              <a:t>ефекти </a:t>
+            </a:r>
+            <a:r>
+              <a:rPr lang="bg-BG" b="1" dirty="0"/>
+              <a:t>обектите</a:t>
+            </a:r>
+            <a:r>
+              <a:rPr lang="bg-BG" dirty="0"/>
+              <a:t> се </a:t>
+            </a:r>
+            <a:r>
+              <a:rPr lang="bg-BG" b="1" dirty="0" smtClean="0"/>
+              <a:t>акцентират </a:t>
+            </a:r>
+            <a:r>
+              <a:rPr lang="bg-BG" dirty="0" smtClean="0"/>
+              <a:t>с цел </a:t>
+            </a:r>
+            <a:r>
+              <a:rPr lang="bg-BG" b="1" dirty="0" smtClean="0"/>
+              <a:t>привличане</a:t>
+            </a:r>
+            <a:r>
+              <a:rPr lang="bg-BG" dirty="0" smtClean="0"/>
+              <a:t> на </a:t>
+            </a:r>
+            <a:r>
+              <a:rPr lang="bg-BG" b="1" dirty="0" smtClean="0"/>
+              <a:t>вниманието </a:t>
+            </a:r>
+            <a:endParaRPr lang="en-US" b="1" dirty="0"/>
+          </a:p>
+          <a:p>
+            <a:endParaRPr lang="en-US" dirty="0"/>
+          </a:p>
+        </p:txBody>
+      </p:sp>
+      <p:sp>
+        <p:nvSpPr>
+          <p:cNvPr id="4" name="Title 3"/>
+          <p:cNvSpPr>
+            <a:spLocks noGrp="1"/>
+          </p:cNvSpPr>
+          <p:nvPr>
+            <p:ph type="title"/>
+          </p:nvPr>
+        </p:nvSpPr>
+        <p:spPr/>
+        <p:txBody>
+          <a:bodyPr/>
+          <a:lstStyle/>
+          <a:p>
+            <a:r>
+              <a:rPr lang="en-US" dirty="0" smtClean="0"/>
+              <a:t>Emphasis</a:t>
+            </a:r>
+            <a:endParaRPr lang="en-US" dirty="0"/>
+          </a:p>
+        </p:txBody>
+      </p:sp>
+      <p:pic>
+        <p:nvPicPr>
+          <p:cNvPr id="5" name="Picture 4"/>
+          <p:cNvPicPr>
+            <a:picLocks noChangeAspect="1"/>
+          </p:cNvPicPr>
+          <p:nvPr/>
+        </p:nvPicPr>
+        <p:blipFill rotWithShape="1">
+          <a:blip r:embed="rId2">
+            <a:extLst>
+              <a:ext uri="{28A0092B-C50C-407E-A947-70E740481C1C}">
+                <a14:useLocalDpi xmlns:a14="http://schemas.microsoft.com/office/drawing/2010/main" val="0"/>
+              </a:ext>
+            </a:extLst>
+          </a:blip>
+          <a:srcRect l="12162" t="15270" r="10811" b="17162"/>
+          <a:stretch/>
+        </p:blipFill>
+        <p:spPr>
+          <a:xfrm>
+            <a:off x="1416000" y="2864678"/>
+            <a:ext cx="4216050" cy="3698288"/>
+          </a:xfrm>
+          <a:prstGeom prst="rect">
+            <a:avLst/>
+          </a:prstGeom>
+        </p:spPr>
+      </p:pic>
+      <p:pic>
+        <p:nvPicPr>
+          <p:cNvPr id="6" name="Picture 5"/>
+          <p:cNvPicPr>
+            <a:picLocks noChangeAspect="1"/>
+          </p:cNvPicPr>
+          <p:nvPr/>
+        </p:nvPicPr>
+        <p:blipFill>
+          <a:blip r:embed="rId3" cstate="hqprint">
+            <a:extLst>
+              <a:ext uri="{28A0092B-C50C-407E-A947-70E740481C1C}">
+                <a14:useLocalDpi xmlns:a14="http://schemas.microsoft.com/office/drawing/2010/main" val="0"/>
+              </a:ext>
+            </a:extLst>
+          </a:blip>
+          <a:stretch>
+            <a:fillRect/>
+          </a:stretch>
+        </p:blipFill>
+        <p:spPr>
+          <a:xfrm>
+            <a:off x="3621000" y="3798583"/>
+            <a:ext cx="2618862" cy="2068992"/>
+          </a:xfrm>
+          <a:prstGeom prst="rect">
+            <a:avLst/>
+          </a:prstGeom>
+        </p:spPr>
+      </p:pic>
+      <p:pic>
+        <p:nvPicPr>
+          <p:cNvPr id="7" name="Picture 6"/>
+          <p:cNvPicPr>
+            <a:picLocks noChangeAspect="1"/>
+          </p:cNvPicPr>
+          <p:nvPr/>
+        </p:nvPicPr>
+        <p:blipFill>
+          <a:blip r:embed="rId4">
+            <a:extLst>
+              <a:ext uri="{28A0092B-C50C-407E-A947-70E740481C1C}">
+                <a14:useLocalDpi xmlns:a14="http://schemas.microsoft.com/office/drawing/2010/main" val="0"/>
+              </a:ext>
+            </a:extLst>
+          </a:blip>
+          <a:stretch>
+            <a:fillRect/>
+          </a:stretch>
+        </p:blipFill>
+        <p:spPr>
+          <a:xfrm>
+            <a:off x="7449286" y="3069000"/>
+            <a:ext cx="3187500" cy="3187500"/>
+          </a:xfrm>
+          <a:prstGeom prst="rect">
+            <a:avLst/>
+          </a:prstGeom>
+        </p:spPr>
+      </p:pic>
+    </p:spTree>
+    <p:extLst>
+      <p:ext uri="{BB962C8B-B14F-4D97-AF65-F5344CB8AC3E}">
+        <p14:creationId xmlns:p14="http://schemas.microsoft.com/office/powerpoint/2010/main" val="2123356146"/>
+      </p:ext>
+    </p:extLst>
+  </p:cSld>
+  <p:clrMapOvr>
+    <a:masterClrMapping/>
+  </p:clrMapOvr>
+  <mc:AlternateContent xmlns:mc="http://schemas.openxmlformats.org/markup-compatibility/2006" xmlns:p14="http://schemas.microsoft.com/office/powerpoint/2010/main">
+    <mc:Choice Requires="p14">
+      <p:transition spd="slow" p14:dur="2000" advClick="0" advTm="5000"/>
+    </mc:Choice>
+    <mc:Fallback xmlns="">
+      <p:transition spd="slow" advClick="0" advTm="5000"/>
+    </mc:Fallback>
+  </mc:AlternateContent>
+  <p:timing>
+    <p:tnLst>
+      <p:par>
+        <p:cTn id="1" dur="indefinite" restart="never" nodeType="tmRoot">
+          <p:childTnLst>
+            <p:seq concurrent="1" nextAc="seek">
+              <p:cTn id="2" dur="indefinite" nodeType="mainSeq">
+                <p:childTnLst>
+                  <p:par>
+                    <p:cTn id="3" fill="hold">
+                      <p:stCondLst>
+                        <p:cond delay="indefinite"/>
+                      </p:stCondLst>
+                      <p:childTnLst>
+                        <p:par>
+                          <p:cTn id="4" fill="hold">
+                            <p:stCondLst>
+                              <p:cond delay="0"/>
+                            </p:stCondLst>
+                            <p:childTnLst>
+                              <p:par>
+                                <p:cTn id="5" presetID="1" presetClass="entr" presetSubtype="0" fill="hold" nodeType="clickEffect">
+                                  <p:stCondLst>
+                                    <p:cond delay="0"/>
+                                  </p:stCondLst>
+                                  <p:childTnLst>
+                                    <p:set>
+                                      <p:cBhvr>
+                                        <p:cTn id="6" dur="1" fill="hold">
+                                          <p:stCondLst>
+                                            <p:cond delay="0"/>
+                                          </p:stCondLst>
+                                        </p:cTn>
+                                        <p:tgtEl>
+                                          <p:spTgt spid="5"/>
+                                        </p:tgtEl>
+                                        <p:attrNameLst>
+                                          <p:attrName>style.visibility</p:attrName>
+                                        </p:attrNameLst>
+                                      </p:cBhvr>
+                                      <p:to>
+                                        <p:strVal val="visible"/>
+                                      </p:to>
+                                    </p:set>
+                                  </p:childTnLst>
+                                </p:cTn>
+                              </p:par>
+                              <p:par>
+                                <p:cTn id="7" presetID="1" presetClass="entr" presetSubtype="0" fill="hold" nodeType="withEffect">
+                                  <p:stCondLst>
+                                    <p:cond delay="0"/>
+                                  </p:stCondLst>
+                                  <p:childTnLst>
+                                    <p:set>
+                                      <p:cBhvr>
+                                        <p:cTn id="8" dur="1" fill="hold">
+                                          <p:stCondLst>
+                                            <p:cond delay="0"/>
+                                          </p:stCondLst>
+                                        </p:cTn>
+                                        <p:tgtEl>
+                                          <p:spTgt spid="7"/>
+                                        </p:tgtEl>
+                                        <p:attrNameLst>
+                                          <p:attrName>style.visibility</p:attrName>
+                                        </p:attrNameLst>
+                                      </p:cBhvr>
+                                      <p:to>
+                                        <p:strVal val="visible"/>
+                                      </p:to>
+                                    </p:set>
+                                  </p:childTnLst>
+                                </p:cTn>
+                              </p:par>
+                              <p:par>
+                                <p:cTn id="9" presetID="1" presetClass="entr" presetSubtype="0" fill="hold" nodeType="withEffect">
+                                  <p:stCondLst>
+                                    <p:cond delay="0"/>
+                                  </p:stCondLst>
+                                  <p:childTnLst>
+                                    <p:set>
+                                      <p:cBhvr>
+                                        <p:cTn id="10" dur="1" fill="hold">
+                                          <p:stCondLst>
+                                            <p:cond delay="0"/>
+                                          </p:stCondLst>
+                                        </p:cTn>
+                                        <p:tgtEl>
+                                          <p:spTgt spid="6"/>
+                                        </p:tgtEl>
+                                        <p:attrNameLst>
+                                          <p:attrName>style.visibility</p:attrName>
+                                        </p:attrNameLst>
+                                      </p:cBhvr>
+                                      <p:to>
+                                        <p:strVal val="visible"/>
+                                      </p:to>
+                                    </p:set>
+                                  </p:childTnLst>
+                                </p:cTn>
+                              </p:par>
+                            </p:childTnLst>
+                          </p:cTn>
+                        </p:par>
+                      </p:childTnLst>
+                    </p:cTn>
+                  </p:par>
+                  <p:par>
+                    <p:cTn id="11" fill="hold">
+                      <p:stCondLst>
+                        <p:cond delay="indefinite"/>
+                      </p:stCondLst>
+                      <p:childTnLst>
+                        <p:par>
+                          <p:cTn id="12" fill="hold">
+                            <p:stCondLst>
+                              <p:cond delay="0"/>
+                            </p:stCondLst>
+                            <p:childTnLst>
+                              <p:par>
+                                <p:cTn id="13" presetID="32" presetClass="emph" presetSubtype="0" fill="hold" nodeType="clickEffect">
+                                  <p:stCondLst>
+                                    <p:cond delay="0"/>
+                                  </p:stCondLst>
+                                  <p:childTnLst>
+                                    <p:animRot by="120000">
+                                      <p:cBhvr>
+                                        <p:cTn id="14" dur="100" fill="hold">
+                                          <p:stCondLst>
+                                            <p:cond delay="0"/>
+                                          </p:stCondLst>
+                                        </p:cTn>
+                                        <p:tgtEl>
+                                          <p:spTgt spid="5"/>
+                                        </p:tgtEl>
+                                        <p:attrNameLst>
+                                          <p:attrName>r</p:attrName>
+                                        </p:attrNameLst>
+                                      </p:cBhvr>
+                                    </p:animRot>
+                                    <p:animRot by="-240000">
+                                      <p:cBhvr>
+                                        <p:cTn id="15" dur="200" fill="hold">
+                                          <p:stCondLst>
+                                            <p:cond delay="200"/>
+                                          </p:stCondLst>
+                                        </p:cTn>
+                                        <p:tgtEl>
+                                          <p:spTgt spid="5"/>
+                                        </p:tgtEl>
+                                        <p:attrNameLst>
+                                          <p:attrName>r</p:attrName>
+                                        </p:attrNameLst>
+                                      </p:cBhvr>
+                                    </p:animRot>
+                                    <p:animRot by="240000">
+                                      <p:cBhvr>
+                                        <p:cTn id="16" dur="200" fill="hold">
+                                          <p:stCondLst>
+                                            <p:cond delay="400"/>
+                                          </p:stCondLst>
+                                        </p:cTn>
+                                        <p:tgtEl>
+                                          <p:spTgt spid="5"/>
+                                        </p:tgtEl>
+                                        <p:attrNameLst>
+                                          <p:attrName>r</p:attrName>
+                                        </p:attrNameLst>
+                                      </p:cBhvr>
+                                    </p:animRot>
+                                    <p:animRot by="-240000">
+                                      <p:cBhvr>
+                                        <p:cTn id="17" dur="200" fill="hold">
+                                          <p:stCondLst>
+                                            <p:cond delay="600"/>
+                                          </p:stCondLst>
+                                        </p:cTn>
+                                        <p:tgtEl>
+                                          <p:spTgt spid="5"/>
+                                        </p:tgtEl>
+                                        <p:attrNameLst>
+                                          <p:attrName>r</p:attrName>
+                                        </p:attrNameLst>
+                                      </p:cBhvr>
+                                    </p:animRot>
+                                    <p:animRot by="120000">
+                                      <p:cBhvr>
+                                        <p:cTn id="18" dur="200" fill="hold">
+                                          <p:stCondLst>
+                                            <p:cond delay="800"/>
+                                          </p:stCondLst>
+                                        </p:cTn>
+                                        <p:tgtEl>
+                                          <p:spTgt spid="5"/>
+                                        </p:tgtEl>
+                                        <p:attrNameLst>
+                                          <p:attrName>r</p:attrName>
+                                        </p:attrNameLst>
+                                      </p:cBhvr>
+                                    </p:animRot>
+                                  </p:childTnLst>
+                                </p:cTn>
+                              </p:par>
+                            </p:childTnLst>
+                          </p:cTn>
+                        </p:par>
+                      </p:childTnLst>
+                    </p:cTn>
+                  </p:par>
+                  <p:par>
+                    <p:cTn id="19" fill="hold">
+                      <p:stCondLst>
+                        <p:cond delay="indefinite"/>
+                      </p:stCondLst>
+                      <p:childTnLst>
+                        <p:par>
+                          <p:cTn id="20" fill="hold">
+                            <p:stCondLst>
+                              <p:cond delay="0"/>
+                            </p:stCondLst>
+                            <p:childTnLst>
+                              <p:par>
+                                <p:cTn id="21" presetID="8" presetClass="emph" presetSubtype="0" fill="hold" nodeType="clickEffect">
+                                  <p:stCondLst>
+                                    <p:cond delay="0"/>
+                                  </p:stCondLst>
+                                  <p:childTnLst>
+                                    <p:animRot by="21600000">
+                                      <p:cBhvr>
+                                        <p:cTn id="22" dur="2000" fill="hold"/>
+                                        <p:tgtEl>
+                                          <p:spTgt spid="7"/>
+                                        </p:tgtEl>
+                                        <p:attrNameLst>
+                                          <p:attrName>r</p:attrName>
+                                        </p:attrNameLst>
+                                      </p:cBhvr>
+                                    </p:animRot>
+                                  </p:childTnLst>
+                                </p:cTn>
+                              </p:par>
+                            </p:childTnLst>
+                          </p:cTn>
+                        </p:par>
+                      </p:childTnLst>
+                    </p:cTn>
+                  </p:par>
+                </p:childTnLst>
+              </p:cTn>
+              <p:prevCondLst>
+                <p:cond evt="onPrev" delay="0">
+                  <p:tgtEl>
+                    <p:sldTgt/>
+                  </p:tgtEl>
+                </p:cond>
+              </p:prevCondLst>
+              <p:nextCondLst>
+                <p:cond evt="onNext" delay="0">
+                  <p:tgtEl>
+                    <p:sldTgt/>
+                  </p:tgtEl>
+                </p:cond>
+              </p:nextCondLst>
+            </p:seq>
+          </p:childTnLst>
+        </p:cTn>
+      </p:par>
+    </p:tnLst>
+  </p:timing>
+</p:sld>
+</file>
+
+<file path=ppt/slides/slide9.xml><?xml version="1.0" encoding="utf-8"?>
+<p:sld xmlns:a="http://schemas.openxmlformats.org/drawingml/2006/main" xmlns:r="http://schemas.openxmlformats.org/officeDocument/2006/relationships" xmlns:p="http://schemas.openxmlformats.org/presentationml/2006/main">
+  <p:cSld>
+    <p:spTree>
+      <p:nvGrpSpPr>
+        <p:cNvPr id="1" name=""/>
+        <p:cNvGrpSpPr/>
+        <p:nvPr/>
+      </p:nvGrpSpPr>
+      <p:grpSpPr>
+        <a:xfrm>
+          <a:off x="0" y="0"/>
+          <a:ext cx="0" cy="0"/>
+          <a:chOff x="0" y="0"/>
+          <a:chExt cx="0" cy="0"/>
+        </a:xfrm>
+      </p:grpSpPr>
+      <p:sp>
+        <p:nvSpPr>
+          <p:cNvPr id="2" name="Slide Number Placeholder 1"/>
+          <p:cNvSpPr>
+            <a:spLocks noGrp="1"/>
+          </p:cNvSpPr>
+          <p:nvPr>
+            <p:ph type="sldNum" sz="quarter" idx="5"/>
+          </p:nvPr>
+        </p:nvSpPr>
+        <p:spPr/>
+        <p:txBody>
+          <a:bodyPr/>
+          <a:lstStyle/>
+          <a:p>
+            <a:fld id="{2BF067CD-8E6B-4360-9AA8-C5DF2A48A6D1}" type="slidenum">
+              <a:rPr lang="en-US" noProof="0" smtClean="0"/>
+              <a:pPr/>
+              <a:t>9</a:t>
+            </a:fld>
+            <a:endParaRPr lang="en-US" noProof="0" dirty="0"/>
+          </a:p>
+        </p:txBody>
+      </p:sp>
+      <p:sp>
+        <p:nvSpPr>
+          <p:cNvPr id="3" name="Text Placeholder 2"/>
+          <p:cNvSpPr>
+            <a:spLocks noGrp="1"/>
+          </p:cNvSpPr>
+          <p:nvPr>
+            <p:ph type="body" sz="quarter" idx="10"/>
+          </p:nvPr>
+        </p:nvSpPr>
+        <p:spPr/>
+        <p:txBody>
+          <a:bodyPr/>
+          <a:lstStyle/>
+          <a:p>
+            <a:r>
+              <a:rPr lang="bg-BG" dirty="0"/>
+              <a:t>При </a:t>
+            </a:r>
+            <a:r>
+              <a:rPr lang="bg-BG" dirty="0" smtClean="0"/>
+              <a:t>завършващите </a:t>
+            </a:r>
+            <a:r>
+              <a:rPr lang="bg-BG" dirty="0"/>
+              <a:t>ефекти </a:t>
+            </a:r>
+            <a:r>
+              <a:rPr lang="bg-BG" b="1" dirty="0"/>
+              <a:t>обектите</a:t>
+            </a:r>
+            <a:r>
+              <a:rPr lang="bg-BG" dirty="0"/>
+              <a:t> се </a:t>
+            </a:r>
+            <a:r>
+              <a:rPr lang="bg-BG" b="1" dirty="0" smtClean="0"/>
+              <a:t>движат </a:t>
+            </a:r>
+            <a:r>
+              <a:rPr lang="bg-BG" dirty="0" smtClean="0"/>
+              <a:t>от </a:t>
+            </a:r>
+            <a:r>
+              <a:rPr lang="bg-BG" b="1" dirty="0" smtClean="0"/>
+              <a:t>мястото</a:t>
+            </a:r>
+            <a:r>
+              <a:rPr lang="bg-BG" dirty="0" smtClean="0"/>
+              <a:t> </a:t>
+            </a:r>
+            <a:r>
+              <a:rPr lang="bg-BG" b="1" dirty="0" smtClean="0"/>
+              <a:t>си</a:t>
+            </a:r>
+            <a:r>
+              <a:rPr lang="bg-BG" dirty="0" smtClean="0"/>
+              <a:t> в слайда към </a:t>
+            </a:r>
+            <a:r>
+              <a:rPr lang="bg-BG" b="1" dirty="0" smtClean="0"/>
+              <a:t>външната</a:t>
+            </a:r>
+            <a:r>
+              <a:rPr lang="bg-BG" dirty="0" smtClean="0"/>
+              <a:t> му </a:t>
+            </a:r>
+            <a:r>
+              <a:rPr lang="bg-BG" b="1" dirty="0" smtClean="0"/>
+              <a:t>част</a:t>
+            </a:r>
+            <a:endParaRPr lang="en-US" b="1" dirty="0"/>
+          </a:p>
+          <a:p>
+            <a:endParaRPr lang="en-US" dirty="0"/>
+          </a:p>
+        </p:txBody>
+      </p:sp>
+      <p:sp>
+        <p:nvSpPr>
+          <p:cNvPr id="4" name="Title 3"/>
+          <p:cNvSpPr>
+            <a:spLocks noGrp="1"/>
+          </p:cNvSpPr>
+          <p:nvPr>
+            <p:ph type="title"/>
+          </p:nvPr>
+        </p:nvSpPr>
+        <p:spPr/>
+        <p:txBody>
+          <a:bodyPr/>
+          <a:lstStyle/>
+          <a:p>
+            <a:r>
+              <a:rPr lang="en-US" dirty="0" smtClean="0"/>
+              <a:t>Exit</a:t>
+            </a:r>
+            <a:endParaRPr lang="en-US" dirty="0"/>
+          </a:p>
+        </p:txBody>
+      </p:sp>
+      <p:pic>
+        <p:nvPicPr>
+          <p:cNvPr id="5" name="Picture 4"/>
+          <p:cNvPicPr>
+            <a:picLocks noChangeAspect="1"/>
+          </p:cNvPicPr>
+          <p:nvPr/>
+        </p:nvPicPr>
+        <p:blipFill>
+          <a:blip r:embed="rId2">
+            <a:extLst>
+              <a:ext uri="{28A0092B-C50C-407E-A947-70E740481C1C}">
+                <a14:useLocalDpi xmlns:a14="http://schemas.microsoft.com/office/drawing/2010/main" val="0"/>
+              </a:ext>
+            </a:extLst>
+          </a:blip>
+          <a:stretch>
+            <a:fillRect/>
+          </a:stretch>
+        </p:blipFill>
+        <p:spPr>
+          <a:xfrm>
+            <a:off x="1911000" y="2959500"/>
+            <a:ext cx="3547500" cy="3547500"/>
+          </a:xfrm>
+          <a:prstGeom prst="rect">
+            <a:avLst/>
+          </a:prstGeom>
+        </p:spPr>
+      </p:pic>
+      <p:pic>
+        <p:nvPicPr>
+          <p:cNvPr id="6" name="Picture 5"/>
+          <p:cNvPicPr>
+            <a:picLocks noChangeAspect="1"/>
+          </p:cNvPicPr>
+          <p:nvPr/>
+        </p:nvPicPr>
+        <p:blipFill rotWithShape="1">
+          <a:blip r:embed="rId3">
+            <a:extLst>
+              <a:ext uri="{28A0092B-C50C-407E-A947-70E740481C1C}">
+                <a14:useLocalDpi xmlns:a14="http://schemas.microsoft.com/office/drawing/2010/main" val="0"/>
+              </a:ext>
+            </a:extLst>
+          </a:blip>
+          <a:srcRect l="22518" t="9187" r="19074"/>
+          <a:stretch/>
+        </p:blipFill>
+        <p:spPr>
+          <a:xfrm>
+            <a:off x="6905999" y="3176250"/>
+            <a:ext cx="3555001" cy="3114000"/>
+          </a:xfrm>
+          <a:prstGeom prst="rect">
+            <a:avLst/>
+          </a:prstGeom>
+        </p:spPr>
+      </p:pic>
+    </p:spTree>
+    <p:extLst>
+      <p:ext uri="{BB962C8B-B14F-4D97-AF65-F5344CB8AC3E}">
+        <p14:creationId xmlns:p14="http://schemas.microsoft.com/office/powerpoint/2010/main" val="2924733570"/>
+      </p:ext>
+    </p:extLst>
+  </p:cSld>
+  <p:clrMapOvr>
+    <a:masterClrMapping/>
+  </p:clrMapOvr>
+  <mc:AlternateContent xmlns:mc="http://schemas.openxmlformats.org/markup-compatibility/2006" xmlns:p14="http://schemas.microsoft.com/office/powerpoint/2010/main">
+    <mc:Choice Requires="p14">
+      <p:transition spd="slow" p14:dur="2000" advClick="0" advTm="5000"/>
+    </mc:Choice>
+    <mc:Fallback xmlns="">
+      <p:transition spd="slow" advClick="0" advTm="5000"/>
+    </mc:Fallback>
+  </mc:AlternateContent>
+  <p:timing>
+    <p:tnLst>
+      <p:par>
+        <p:cTn id="1" dur="indefinite" restart="never" nodeType="tmRoot">
+          <p:childTnLst>
+            <p:seq concurrent="1" nextAc="seek">
+              <p:cTn id="2" dur="indefinite" nodeType="mainSeq">
+                <p:childTnLst>
+                  <p:par>
+                    <p:cTn id="3" fill="hold">
+                      <p:stCondLst>
+                        <p:cond delay="indefinite"/>
+                      </p:stCondLst>
+                      <p:childTnLst>
+                        <p:par>
+                          <p:cTn id="4" fill="hold">
+                            <p:stCondLst>
+                              <p:cond delay="0"/>
+                            </p:stCondLst>
+                            <p:childTnLst>
+                              <p:par>
+                                <p:cTn id="5" presetID="1" presetClass="entr" presetSubtype="0" fill="hold" nodeType="clickEffect">
+                                  <p:stCondLst>
+                                    <p:cond delay="0"/>
+                                  </p:stCondLst>
+                                  <p:childTnLst>
+                                    <p:set>
+                                      <p:cBhvr>
+                                        <p:cTn id="6" dur="1" fill="hold">
+                                          <p:stCondLst>
+                                            <p:cond delay="0"/>
+                                          </p:stCondLst>
+                                        </p:cTn>
+                                        <p:tgtEl>
+                                          <p:spTgt spid="5"/>
+                                        </p:tgtEl>
+                                        <p:attrNameLst>
+                                          <p:attrName>style.visibility</p:attrName>
+                                        </p:attrNameLst>
+                                      </p:cBhvr>
+                                      <p:to>
+                                        <p:strVal val="visible"/>
+                                      </p:to>
+                                    </p:set>
+                                  </p:childTnLst>
+                                </p:cTn>
+                              </p:par>
+                              <p:par>
+                                <p:cTn id="7" presetID="1" presetClass="entr" presetSubtype="0" fill="hold" nodeType="withEffect">
+                                  <p:stCondLst>
+                                    <p:cond delay="0"/>
+                                  </p:stCondLst>
+                                  <p:childTnLst>
+                                    <p:set>
+                                      <p:cBhvr>
+                                        <p:cTn id="8" dur="1" fill="hold">
+                                          <p:stCondLst>
+                                            <p:cond delay="0"/>
+                                          </p:stCondLst>
+                                        </p:cTn>
+                                        <p:tgtEl>
+                                          <p:spTgt spid="6"/>
+                                        </p:tgtEl>
+                                        <p:attrNameLst>
+                                          <p:attrName>style.visibility</p:attrName>
+                                        </p:attrNameLst>
+                                      </p:cBhvr>
+                                      <p:to>
+                                        <p:strVal val="visible"/>
+                                      </p:to>
+                                    </p:set>
+                                  </p:childTnLst>
+                                </p:cTn>
+                              </p:par>
+                            </p:childTnLst>
+                          </p:cTn>
+                        </p:par>
+                      </p:childTnLst>
+                    </p:cTn>
+                  </p:par>
+                  <p:par>
+                    <p:cTn id="9" fill="hold">
+                      <p:stCondLst>
+                        <p:cond delay="indefinite"/>
+                      </p:stCondLst>
+                      <p:childTnLst>
+                        <p:par>
+                          <p:cTn id="10" fill="hold">
+                            <p:stCondLst>
+                              <p:cond delay="0"/>
+                            </p:stCondLst>
+                            <p:childTnLst>
+                              <p:par>
+                                <p:cTn id="11" presetID="22" presetClass="exit" presetSubtype="4" fill="hold" nodeType="clickEffect">
+                                  <p:stCondLst>
+                                    <p:cond delay="0"/>
+                                  </p:stCondLst>
+                                  <p:childTnLst>
+                                    <p:animEffect transition="out" filter="wipe(down)">
+                                      <p:cBhvr>
+                                        <p:cTn id="12" dur="500"/>
+                                        <p:tgtEl>
+                                          <p:spTgt spid="5"/>
+                                        </p:tgtEl>
+                                      </p:cBhvr>
+                                    </p:animEffect>
+                                    <p:set>
+                                      <p:cBhvr>
+                                        <p:cTn id="13" dur="1" fill="hold">
+                                          <p:stCondLst>
+                                            <p:cond delay="499"/>
+                                          </p:stCondLst>
+                                        </p:cTn>
+                                        <p:tgtEl>
+                                          <p:spTgt spid="5"/>
+                                        </p:tgtEl>
+                                        <p:attrNameLst>
+                                          <p:attrName>style.visibility</p:attrName>
+                                        </p:attrNameLst>
+                                      </p:cBhvr>
+                                      <p:to>
+                                        <p:strVal val="hidden"/>
+                                      </p:to>
+                                    </p:set>
+                                  </p:childTnLst>
+                                </p:cTn>
+                              </p:par>
+                            </p:childTnLst>
+                          </p:cTn>
+                        </p:par>
+                      </p:childTnLst>
+                    </p:cTn>
+                  </p:par>
+                  <p:par>
+                    <p:cTn id="14" fill="hold">
+                      <p:stCondLst>
+                        <p:cond delay="indefinite"/>
+                      </p:stCondLst>
+                      <p:childTnLst>
+                        <p:par>
+                          <p:cTn id="15" fill="hold">
+                            <p:stCondLst>
+                              <p:cond delay="0"/>
+                            </p:stCondLst>
+                            <p:childTnLst>
+                              <p:par>
+                                <p:cTn id="16" presetID="2" presetClass="exit" presetSubtype="4" fill="hold" nodeType="clickEffect">
+                                  <p:stCondLst>
+                                    <p:cond delay="0"/>
+                                  </p:stCondLst>
+                                  <p:childTnLst>
+                                    <p:anim calcmode="lin" valueType="num">
+                                      <p:cBhvr additive="base">
+                                        <p:cTn id="17" dur="500"/>
+                                        <p:tgtEl>
+                                          <p:spTgt spid="6"/>
+                                        </p:tgtEl>
+                                        <p:attrNameLst>
+                                          <p:attrName>ppt_x</p:attrName>
+                                        </p:attrNameLst>
+                                      </p:cBhvr>
+                                      <p:tavLst>
+                                        <p:tav tm="0">
+                                          <p:val>
+                                            <p:strVal val="ppt_x"/>
+                                          </p:val>
+                                        </p:tav>
+                                        <p:tav tm="100000">
+                                          <p:val>
+                                            <p:strVal val="ppt_x"/>
+                                          </p:val>
+                                        </p:tav>
+                                      </p:tavLst>
+                                    </p:anim>
+                                    <p:anim calcmode="lin" valueType="num">
+                                      <p:cBhvr additive="base">
+                                        <p:cTn id="18" dur="500"/>
+                                        <p:tgtEl>
+                                          <p:spTgt spid="6"/>
+                                        </p:tgtEl>
+                                        <p:attrNameLst>
+                                          <p:attrName>ppt_y</p:attrName>
+                                        </p:attrNameLst>
+                                      </p:cBhvr>
+                                      <p:tavLst>
+                                        <p:tav tm="0">
+                                          <p:val>
+                                            <p:strVal val="ppt_y"/>
+                                          </p:val>
+                                        </p:tav>
+                                        <p:tav tm="100000">
+                                          <p:val>
+                                            <p:strVal val="1+ppt_h/2"/>
+                                          </p:val>
+                                        </p:tav>
+                                      </p:tavLst>
+                                    </p:anim>
+                                    <p:set>
+                                      <p:cBhvr>
+                                        <p:cTn id="19" dur="1" fill="hold">
+                                          <p:stCondLst>
+                                            <p:cond delay="499"/>
+                                          </p:stCondLst>
+                                        </p:cTn>
+                                        <p:tgtEl>
+                                          <p:spTgt spid="6"/>
+                                        </p:tgtEl>
+                                        <p:attrNameLst>
+                                          <p:attrName>style.visibility</p:attrName>
+                                        </p:attrNameLst>
+                                      </p:cBhvr>
+                                      <p:to>
+                                        <p:strVal val="hidden"/>
+                                      </p:to>
+                                    </p:set>
+                                  </p:childTnLst>
+                                </p:cTn>
+                              </p:par>
+                            </p:childTnLst>
+                          </p:cTn>
+                        </p:par>
+                      </p:childTnLst>
+                    </p:cTn>
+                  </p:par>
+                </p:childTnLst>
+              </p:cTn>
+              <p:prevCondLst>
+                <p:cond evt="onPrev" delay="0">
+                  <p:tgtEl>
+                    <p:sldTgt/>
+                  </p:tgtEl>
+                </p:cond>
+              </p:prevCondLst>
+              <p:nextCondLst>
+                <p:cond evt="onNext" delay="0">
+                  <p:tgtEl>
+                    <p:sldTgt/>
+                  </p:tgtEl>
+                </p:cond>
+              </p:nextCondLst>
+            </p:seq>
+          </p:childTnLst>
+        </p:cTn>
       </p:par>
     </p:tnLst>
   </p:timing>

--- a/Courses/Computer-Modeling-and-IT/Computer-Modeling-and-IT-6-Class/18-Animation-Effects-and-Slide-Duration/18-Animation-Effects-and-Slide-Duration.pptx
+++ b/Courses/Computer-Modeling-and-IT/Computer-Modeling-and-IT-6-Class/18-Animation-Effects-and-Slide-Duration/18-Animation-Effects-and-Slide-Duration.pptx
@@ -5,10 +5,10 @@
     <p:sldMasterId id="2147483675" r:id="rId1"/>
   </p:sldMasterIdLst>
   <p:notesMasterIdLst>
-    <p:notesMasterId r:id="rId15"/>
+    <p:notesMasterId r:id="rId20"/>
   </p:notesMasterIdLst>
   <p:handoutMasterIdLst>
-    <p:handoutMasterId r:id="rId16"/>
+    <p:handoutMasterId r:id="rId21"/>
   </p:handoutMasterIdLst>
   <p:sldIdLst>
     <p:sldId id="503" r:id="rId2"/>
@@ -21,9 +21,14 @@
     <p:sldId id="592" r:id="rId9"/>
     <p:sldId id="593" r:id="rId10"/>
     <p:sldId id="594" r:id="rId11"/>
-    <p:sldId id="586" r:id="rId12"/>
-    <p:sldId id="504" r:id="rId13"/>
-    <p:sldId id="505" r:id="rId14"/>
+    <p:sldId id="595" r:id="rId12"/>
+    <p:sldId id="596" r:id="rId13"/>
+    <p:sldId id="597" r:id="rId14"/>
+    <p:sldId id="598" r:id="rId15"/>
+    <p:sldId id="599" r:id="rId16"/>
+    <p:sldId id="586" r:id="rId17"/>
+    <p:sldId id="504" r:id="rId18"/>
+    <p:sldId id="505" r:id="rId19"/>
   </p:sldIdLst>
   <p:sldSz cx="12192000" cy="6858000"/>
   <p:notesSz cx="6858000" cy="9144000"/>
@@ -141,6 +146,15 @@
             <p14:sldId id="592"/>
             <p14:sldId id="593"/>
             <p14:sldId id="594"/>
+            <p14:sldId id="595"/>
+            <p14:sldId id="596"/>
+            <p14:sldId id="597"/>
+            <p14:sldId id="598"/>
+          </p14:sldIdLst>
+        </p14:section>
+        <p14:section name="͏Анимационни ефекти при преход между слайдове" id="{248321BD-F980-4D67-8C70-F3D476772F5E}">
+          <p14:sldIdLst>
+            <p14:sldId id="599"/>
           </p14:sldIdLst>
         </p14:section>
         <p14:section name="Заключение" id="{E19D07F1-86E2-47E9-B2AB-7ADC4F89DC12}">
@@ -267,7 +281,7 @@
           <a:p>
             <a:fld id="{4E087215-0C8F-4762-A664-737A353EC9A4}" type="datetimeFigureOut">
               <a:rPr lang="bg-BG" smtClean="0"/>
-              <a:t>15.7.2024 г.</a:t>
+              <a:t>17.7.2024 г.</a:t>
             </a:fld>
             <a:endParaRPr lang="bg-BG"/>
           </a:p>
@@ -463,7 +477,7 @@
           <a:p>
             <a:fld id="{72D84649-876A-46C9-8472-14CB09C070D8}" type="datetimeFigureOut">
               <a:rPr lang="en-US" smtClean="0"/>
-              <a:t>7/15/2024</a:t>
+              <a:t>7/17/2024</a:t>
             </a:fld>
             <a:endParaRPr lang="en-US"/>
           </a:p>
@@ -1490,7 +1504,7 @@
             <a:fld id="{3EBA5BD7-F043-4D1B-AA17-CD412FC534DE}" type="slidenum">
               <a:rPr lang="en-US" smtClean="0"/>
               <a:pPr/>
-              <a:t>11</a:t>
+              <a:t>16</a:t>
             </a:fld>
             <a:endParaRPr lang="en-US" dirty="0"/>
           </a:p>
@@ -1681,7 +1695,7 @@
             <a:fld id="{3EBA5BD7-F043-4D1B-AA17-CD412FC534DE}" type="slidenum">
               <a:rPr lang="en-US" smtClean="0"/>
               <a:pPr/>
-              <a:t>12</a:t>
+              <a:t>17</a:t>
             </a:fld>
             <a:endParaRPr lang="en-US" dirty="0"/>
           </a:p>
@@ -1911,7 +1925,7 @@
             <a:fld id="{3EBA5BD7-F043-4D1B-AA17-CD412FC534DE}" type="slidenum">
               <a:rPr lang="en-US" smtClean="0"/>
               <a:pPr/>
-              <a:t>13</a:t>
+              <a:t>18</a:t>
             </a:fld>
             <a:endParaRPr lang="en-US" dirty="0"/>
           </a:p>
@@ -7426,6 +7440,37 @@
           </a:prstGeom>
         </p:spPr>
       </p:pic>
+      <p:pic>
+        <p:nvPicPr>
+          <p:cNvPr id="8" name="Picture 7"/>
+          <p:cNvPicPr>
+            <a:picLocks noChangeAspect="1"/>
+          </p:cNvPicPr>
+          <p:nvPr/>
+        </p:nvPicPr>
+        <p:blipFill>
+          <a:blip r:embed="rId3"/>
+          <a:stretch>
+            <a:fillRect/>
+          </a:stretch>
+        </p:blipFill>
+        <p:spPr>
+          <a:xfrm>
+            <a:off x="5714241" y="3564000"/>
+            <a:ext cx="5994845" cy="1890000"/>
+          </a:xfrm>
+          <a:prstGeom prst="rect">
+            <a:avLst/>
+          </a:prstGeom>
+          <a:ln>
+            <a:solidFill>
+              <a:schemeClr val="bg2">
+                <a:lumMod val="75000"/>
+              </a:schemeClr>
+            </a:solidFill>
+          </a:ln>
+        </p:spPr>
+      </p:pic>
     </p:spTree>
     <p:extLst>
       <p:ext uri="{BB962C8B-B14F-4D97-AF65-F5344CB8AC3E}">
@@ -7470,7 +7515,7 @@
                                     <p:cond delay="0"/>
                                   </p:stCondLst>
                                   <p:childTnLst>
-                                    <p:animMotion origin="layout" path="M -0.00287 0.11436 L -0.25117 0.02361 L -0.74167 0.11436 L -1.26433 0.1088 L -1.36485 0.07732 " pathEditMode="relative" rAng="0" ptsTypes="AAAAA">
+                                    <p:animMotion origin="layout" path="M -4.375E-6 2.22222E-6 L -0.17434 -0.09074 L -0.51875 2.22222E-6 L -0.88567 -0.00556 L -0.95599 -0.03704 " pathEditMode="relative" rAng="0" ptsTypes="AAAAA">
                                       <p:cBhvr>
                                         <p:cTn id="6" dur="2000" fill="hold"/>
                                         <p:tgtEl>
@@ -7481,8 +7526,53 @@
                                           <p:attrName>ppt_y</p:attrName>
                                         </p:attrNameLst>
                                       </p:cBhvr>
-                                      <p:rCtr x="-68099" y="-4537"/>
+                                      <p:rCtr x="-47799" y="-4537"/>
                                     </p:animMotion>
+                                  </p:childTnLst>
+                                </p:cTn>
+                              </p:par>
+                            </p:childTnLst>
+                          </p:cTn>
+                        </p:par>
+                      </p:childTnLst>
+                    </p:cTn>
+                  </p:par>
+                  <p:par>
+                    <p:cTn id="7" fill="hold">
+                      <p:stCondLst>
+                        <p:cond delay="indefinite"/>
+                      </p:stCondLst>
+                      <p:childTnLst>
+                        <p:par>
+                          <p:cTn id="8" fill="hold">
+                            <p:stCondLst>
+                              <p:cond delay="0"/>
+                            </p:stCondLst>
+                            <p:childTnLst>
+                              <p:par>
+                                <p:cTn id="9" presetID="1" presetClass="entr" presetSubtype="0" fill="hold" nodeType="clickEffect">
+                                  <p:stCondLst>
+                                    <p:cond delay="0"/>
+                                  </p:stCondLst>
+                                  <p:childTnLst>
+                                    <p:set>
+                                      <p:cBhvr>
+                                        <p:cTn id="10" dur="1" fill="hold">
+                                          <p:stCondLst>
+                                            <p:cond delay="0"/>
+                                          </p:stCondLst>
+                                        </p:cTn>
+                                        <p:tgtEl>
+                                          <p:spTgt spid="8"/>
+                                        </p:tgtEl>
+                                        <p:attrNameLst>
+                                          <p:attrName>style.visibility</p:attrName>
+                                        </p:attrNameLst>
+                                      </p:cBhvr>
+                                      <p:to>
+                                        <p:strVal val="visible"/>
+                                      </p:to>
+                                    </p:set>
                                   </p:childTnLst>
                                 </p:cTn>
                               </p:par>
@@ -7518,6 +7608,3279 @@
 </file>
 
 <file path=ppt/slides/slide11.xml><?xml version="1.0" encoding="utf-8"?>
+<p:sld xmlns:a="http://schemas.openxmlformats.org/drawingml/2006/main" xmlns:r="http://schemas.openxmlformats.org/officeDocument/2006/relationships" xmlns:p="http://schemas.openxmlformats.org/presentationml/2006/main">
+  <p:cSld>
+    <p:spTree>
+      <p:nvGrpSpPr>
+        <p:cNvPr id="1" name=""/>
+        <p:cNvGrpSpPr/>
+        <p:nvPr/>
+      </p:nvGrpSpPr>
+      <p:grpSpPr>
+        <a:xfrm>
+          <a:off x="0" y="0"/>
+          <a:ext cx="0" cy="0"/>
+          <a:chOff x="0" y="0"/>
+          <a:chExt cx="0" cy="0"/>
+        </a:xfrm>
+      </p:grpSpPr>
+      <p:sp>
+        <p:nvSpPr>
+          <p:cNvPr id="2" name="Slide Number Placeholder 1"/>
+          <p:cNvSpPr>
+            <a:spLocks noGrp="1"/>
+          </p:cNvSpPr>
+          <p:nvPr>
+            <p:ph type="sldNum" sz="quarter" idx="5"/>
+          </p:nvPr>
+        </p:nvSpPr>
+        <p:spPr/>
+        <p:txBody>
+          <a:bodyPr/>
+          <a:lstStyle/>
+          <a:p>
+            <a:fld id="{2BF067CD-8E6B-4360-9AA8-C5DF2A48A6D1}" type="slidenum">
+              <a:rPr lang="en-US" noProof="0" smtClean="0"/>
+              <a:pPr/>
+              <a:t>11</a:t>
+            </a:fld>
+            <a:endParaRPr lang="en-US" noProof="0" dirty="0"/>
+          </a:p>
+        </p:txBody>
+      </p:sp>
+      <p:sp>
+        <p:nvSpPr>
+          <p:cNvPr id="3" name="Text Placeholder 2"/>
+          <p:cNvSpPr>
+            <a:spLocks noGrp="1"/>
+          </p:cNvSpPr>
+          <p:nvPr>
+            <p:ph type="body" sz="quarter" idx="10"/>
+          </p:nvPr>
+        </p:nvSpPr>
+        <p:spPr>
+          <a:xfrm>
+            <a:off x="190402" y="1196125"/>
+            <a:ext cx="7926252" cy="5528766"/>
+          </a:xfrm>
+        </p:spPr>
+        <p:txBody>
+          <a:bodyPr>
+            <a:normAutofit/>
+          </a:bodyPr>
+          <a:lstStyle/>
+          <a:p>
+            <a:r>
+              <a:rPr lang="bg-BG" sz="3200" dirty="0" smtClean="0"/>
+              <a:t>Анимационните ефекти на отделните елементи се </a:t>
+            </a:r>
+            <a:r>
+              <a:rPr lang="bg-BG" sz="3200" b="1" dirty="0" smtClean="0"/>
+              <a:t>номерират</a:t>
+            </a:r>
+            <a:r>
+              <a:rPr lang="bg-BG" sz="3200" dirty="0" smtClean="0"/>
+              <a:t> в </a:t>
+            </a:r>
+            <a:r>
+              <a:rPr lang="bg-BG" sz="3200" b="1" dirty="0" smtClean="0"/>
+              <a:t>реда</a:t>
+            </a:r>
+            <a:r>
+              <a:rPr lang="bg-BG" sz="3200" dirty="0" smtClean="0"/>
+              <a:t> на </a:t>
+            </a:r>
+            <a:r>
+              <a:rPr lang="bg-BG" sz="3200" b="1" dirty="0" smtClean="0"/>
+              <a:t>поставянето</a:t>
+            </a:r>
+            <a:r>
+              <a:rPr lang="bg-BG" sz="3200" dirty="0" smtClean="0"/>
+              <a:t> им в </a:t>
+            </a:r>
+            <a:r>
+              <a:rPr lang="bg-BG" sz="3200" b="1" dirty="0" smtClean="0"/>
+              <a:t>слайда</a:t>
+            </a:r>
+          </a:p>
+          <a:p>
+            <a:pPr lvl="1"/>
+            <a:r>
+              <a:rPr lang="bg-BG" sz="2800" dirty="0" smtClean="0"/>
+              <a:t>Може да видите техния </a:t>
+            </a:r>
+            <a:r>
+              <a:rPr lang="bg-BG" sz="2800" b="1" dirty="0" smtClean="0"/>
+              <a:t>ред</a:t>
+            </a:r>
+            <a:r>
+              <a:rPr lang="bg-BG" sz="2800" dirty="0" smtClean="0"/>
+              <a:t> от </a:t>
+            </a:r>
+            <a:r>
+              <a:rPr lang="bg-BG" sz="2800" b="1" dirty="0"/>
+              <a:t>бутона</a:t>
+            </a:r>
+            <a:r>
+              <a:rPr lang="bg-BG" sz="2800" dirty="0" smtClean="0"/>
+              <a:t> </a:t>
+            </a:r>
+            <a:r>
+              <a:rPr lang="en-US" sz="2800" dirty="0" smtClean="0"/>
+              <a:t>[</a:t>
+            </a:r>
+            <a:r>
+              <a:rPr lang="en-US" sz="2800" b="1" dirty="0" smtClean="0">
+                <a:solidFill>
+                  <a:schemeClr val="bg1"/>
+                </a:solidFill>
+              </a:rPr>
+              <a:t>Animation Pane</a:t>
+            </a:r>
+            <a:r>
+              <a:rPr lang="en-US" sz="2800" dirty="0" smtClean="0"/>
+              <a:t>] (</a:t>
+            </a:r>
+            <a:r>
+              <a:rPr lang="bg-BG" sz="2800" b="1" dirty="0" smtClean="0"/>
+              <a:t>Панел </a:t>
+            </a:r>
+            <a:r>
+              <a:rPr lang="bg-BG" sz="2800" b="1" dirty="0"/>
+              <a:t>за анимация</a:t>
+            </a:r>
+            <a:r>
+              <a:rPr lang="en-US" sz="2800" dirty="0" smtClean="0"/>
+              <a:t>)</a:t>
+            </a:r>
+            <a:endParaRPr lang="bg-BG" sz="2800" dirty="0" smtClean="0"/>
+          </a:p>
+          <a:p>
+            <a:r>
+              <a:rPr lang="bg-BG" sz="3200" dirty="0" smtClean="0"/>
+              <a:t>С бутоните </a:t>
+            </a:r>
+            <a:r>
+              <a:rPr lang="en-US" sz="3200" dirty="0" smtClean="0"/>
+              <a:t>[</a:t>
+            </a:r>
+            <a:r>
+              <a:rPr lang="en-US" sz="3200" b="1" dirty="0" smtClean="0">
+                <a:solidFill>
+                  <a:schemeClr val="bg1"/>
+                </a:solidFill>
+              </a:rPr>
+              <a:t>Move Earlier</a:t>
+            </a:r>
+            <a:r>
+              <a:rPr lang="en-US" sz="3200" dirty="0" smtClean="0"/>
+              <a:t>] (</a:t>
+            </a:r>
+            <a:r>
+              <a:rPr lang="bg-BG" sz="3200" b="1" dirty="0"/>
+              <a:t>П</a:t>
+            </a:r>
+            <a:r>
+              <a:rPr lang="bg-BG" sz="3200" b="1" dirty="0" smtClean="0"/>
+              <a:t>ремести по-рано</a:t>
+            </a:r>
+            <a:r>
+              <a:rPr lang="en-US" sz="3200" dirty="0" smtClean="0"/>
+              <a:t>) </a:t>
+            </a:r>
+            <a:r>
+              <a:rPr lang="bg-BG" sz="3200" dirty="0" smtClean="0"/>
+              <a:t>и </a:t>
+            </a:r>
+            <a:r>
+              <a:rPr lang="en-US" sz="3200" dirty="0" smtClean="0"/>
+              <a:t>[</a:t>
+            </a:r>
+            <a:r>
+              <a:rPr lang="en-US" sz="3200" b="1" dirty="0" smtClean="0">
+                <a:solidFill>
+                  <a:schemeClr val="bg1"/>
+                </a:solidFill>
+              </a:rPr>
+              <a:t>Move Later</a:t>
+            </a:r>
+            <a:r>
+              <a:rPr lang="en-US" sz="3200" dirty="0" smtClean="0"/>
+              <a:t>] (</a:t>
+            </a:r>
+            <a:r>
+              <a:rPr lang="bg-BG" sz="3200" b="1" dirty="0"/>
+              <a:t>П</a:t>
+            </a:r>
+            <a:r>
+              <a:rPr lang="bg-BG" sz="3200" b="1" dirty="0" smtClean="0"/>
+              <a:t>ремести по-късно</a:t>
+            </a:r>
+            <a:r>
+              <a:rPr lang="en-US" sz="3200" dirty="0" smtClean="0"/>
+              <a:t>)</a:t>
+            </a:r>
+            <a:r>
+              <a:rPr lang="bg-BG" sz="3200" dirty="0" smtClean="0"/>
+              <a:t> може да променяте реда на показване на различните анимации</a:t>
+            </a:r>
+            <a:endParaRPr lang="en-US" sz="3200" dirty="0"/>
+          </a:p>
+        </p:txBody>
+      </p:sp>
+      <p:sp>
+        <p:nvSpPr>
+          <p:cNvPr id="4" name="Title 3"/>
+          <p:cNvSpPr>
+            <a:spLocks noGrp="1"/>
+          </p:cNvSpPr>
+          <p:nvPr>
+            <p:ph type="title"/>
+          </p:nvPr>
+        </p:nvSpPr>
+        <p:spPr/>
+        <p:txBody>
+          <a:bodyPr/>
+          <a:lstStyle/>
+          <a:p>
+            <a:r>
+              <a:rPr lang="bg-BG" dirty="0" smtClean="0"/>
+              <a:t>Ред на анимационните ефекти</a:t>
+            </a:r>
+            <a:endParaRPr lang="en-US" dirty="0"/>
+          </a:p>
+        </p:txBody>
+      </p:sp>
+      <p:pic>
+        <p:nvPicPr>
+          <p:cNvPr id="5" name="Picture 4"/>
+          <p:cNvPicPr>
+            <a:picLocks noChangeAspect="1"/>
+          </p:cNvPicPr>
+          <p:nvPr/>
+        </p:nvPicPr>
+        <p:blipFill>
+          <a:blip r:embed="rId2"/>
+          <a:stretch>
+            <a:fillRect/>
+          </a:stretch>
+        </p:blipFill>
+        <p:spPr>
+          <a:xfrm>
+            <a:off x="8775953" y="5261199"/>
+            <a:ext cx="1892527" cy="1349301"/>
+          </a:xfrm>
+          <a:prstGeom prst="rect">
+            <a:avLst/>
+          </a:prstGeom>
+          <a:ln>
+            <a:solidFill>
+              <a:schemeClr val="bg2">
+                <a:lumMod val="75000"/>
+              </a:schemeClr>
+            </a:solidFill>
+          </a:ln>
+        </p:spPr>
+      </p:pic>
+      <p:pic>
+        <p:nvPicPr>
+          <p:cNvPr id="6" name="Picture 5"/>
+          <p:cNvPicPr>
+            <a:picLocks noChangeAspect="1"/>
+          </p:cNvPicPr>
+          <p:nvPr/>
+        </p:nvPicPr>
+        <p:blipFill>
+          <a:blip r:embed="rId3"/>
+          <a:stretch>
+            <a:fillRect/>
+          </a:stretch>
+        </p:blipFill>
+        <p:spPr>
+          <a:xfrm>
+            <a:off x="7941000" y="1359000"/>
+            <a:ext cx="2970000" cy="1337970"/>
+          </a:xfrm>
+          <a:prstGeom prst="rect">
+            <a:avLst/>
+          </a:prstGeom>
+          <a:ln>
+            <a:solidFill>
+              <a:schemeClr val="bg2">
+                <a:lumMod val="75000"/>
+              </a:schemeClr>
+            </a:solidFill>
+          </a:ln>
+        </p:spPr>
+      </p:pic>
+      <p:sp>
+        <p:nvSpPr>
+          <p:cNvPr id="8" name="Rectangle 7"/>
+          <p:cNvSpPr/>
+          <p:nvPr/>
+        </p:nvSpPr>
+        <p:spPr bwMode="auto">
+          <a:xfrm>
+            <a:off x="8935346" y="1359000"/>
+            <a:ext cx="1755000" cy="341634"/>
+          </a:xfrm>
+          <a:prstGeom prst="rect">
+            <a:avLst/>
+          </a:prstGeom>
+          <a:noFill/>
+          <a:ln w="38100">
+            <a:solidFill>
+              <a:schemeClr val="tx1">
+                <a:lumMod val="75000"/>
+                <a:alpha val="80000"/>
+              </a:schemeClr>
+            </a:solidFill>
+          </a:ln>
+          <a:effectLst/>
+        </p:spPr>
+        <p:style>
+          <a:lnRef idx="2">
+            <a:schemeClr val="accent1">
+              <a:shade val="50000"/>
+            </a:schemeClr>
+          </a:lnRef>
+          <a:fillRef idx="1001">
+            <a:schemeClr val="dk2"/>
+          </a:fillRef>
+          <a:effectRef idx="0">
+            <a:schemeClr val="accent1"/>
+          </a:effectRef>
+          <a:fontRef idx="minor">
+            <a:schemeClr val="lt1"/>
+          </a:fontRef>
+        </p:style>
+        <p:txBody>
+          <a:bodyPr rot="0" spcFirstLastPara="0" vertOverflow="overflow" horzOverflow="overflow" vert="horz" wrap="square" lIns="91440" tIns="45720" rIns="91440" bIns="45720" numCol="1" spcCol="0" rtlCol="0" fromWordArt="0" anchor="ctr" anchorCtr="0" forceAA="0" compatLnSpc="1">
+            <a:prstTxWarp prst="textNoShape">
+              <a:avLst/>
+            </a:prstTxWarp>
+            <a:noAutofit/>
+          </a:bodyPr>
+          <a:lstStyle/>
+          <a:p>
+            <a:pPr algn="ctr"/>
+            <a:endParaRPr lang="en-US" sz="2800" b="1" dirty="0">
+              <a:solidFill>
+                <a:srgbClr val="FFFFFF"/>
+              </a:solidFill>
+              <a:effectLst>
+                <a:outerShdw blurRad="38100" dist="38100" dir="2700000" algn="tl">
+                  <a:srgbClr val="000000">
+                    <a:alpha val="43137"/>
+                  </a:srgbClr>
+                </a:outerShdw>
+              </a:effectLst>
+            </a:endParaRPr>
+          </a:p>
+        </p:txBody>
+      </p:sp>
+      <p:pic>
+        <p:nvPicPr>
+          <p:cNvPr id="7" name="Picture 6"/>
+          <p:cNvPicPr>
+            <a:picLocks noChangeAspect="1"/>
+          </p:cNvPicPr>
+          <p:nvPr/>
+        </p:nvPicPr>
+        <p:blipFill>
+          <a:blip r:embed="rId4"/>
+          <a:stretch>
+            <a:fillRect/>
+          </a:stretch>
+        </p:blipFill>
+        <p:spPr>
+          <a:xfrm>
+            <a:off x="8350346" y="1700634"/>
+            <a:ext cx="2743743" cy="3233238"/>
+          </a:xfrm>
+          <a:prstGeom prst="rect">
+            <a:avLst/>
+          </a:prstGeom>
+          <a:ln>
+            <a:solidFill>
+              <a:schemeClr val="bg2">
+                <a:lumMod val="75000"/>
+              </a:schemeClr>
+            </a:solidFill>
+          </a:ln>
+        </p:spPr>
+      </p:pic>
+    </p:spTree>
+    <p:extLst>
+      <p:ext uri="{BB962C8B-B14F-4D97-AF65-F5344CB8AC3E}">
+        <p14:creationId xmlns:p14="http://schemas.microsoft.com/office/powerpoint/2010/main" val="1369862706"/>
+      </p:ext>
+    </p:extLst>
+  </p:cSld>
+  <p:clrMapOvr>
+    <a:masterClrMapping/>
+  </p:clrMapOvr>
+  <mc:AlternateContent xmlns:mc="http://schemas.openxmlformats.org/markup-compatibility/2006" xmlns:p14="http://schemas.microsoft.com/office/powerpoint/2010/main">
+    <mc:Choice Requires="p14">
+      <p:transition spd="slow" p14:dur="2000" advClick="0" advTm="5000"/>
+    </mc:Choice>
+    <mc:Fallback xmlns="">
+      <p:transition spd="slow" advClick="0" advTm="5000"/>
+    </mc:Fallback>
+  </mc:AlternateContent>
+  <p:timing>
+    <p:tnLst>
+      <p:par>
+        <p:cTn id="1" dur="indefinite" restart="never" nodeType="tmRoot">
+          <p:childTnLst>
+            <p:seq concurrent="1" nextAc="seek">
+              <p:cTn id="2" dur="indefinite" nodeType="mainSeq">
+                <p:childTnLst>
+                  <p:par>
+                    <p:cTn id="3" fill="hold">
+                      <p:stCondLst>
+                        <p:cond delay="indefinite"/>
+                      </p:stCondLst>
+                      <p:childTnLst>
+                        <p:par>
+                          <p:cTn id="4" fill="hold">
+                            <p:stCondLst>
+                              <p:cond delay="0"/>
+                            </p:stCondLst>
+                            <p:childTnLst>
+                              <p:par>
+                                <p:cTn id="5" presetID="1" presetClass="entr" presetSubtype="0" fill="hold" nodeType="clickEffect">
+                                  <p:stCondLst>
+                                    <p:cond delay="0"/>
+                                  </p:stCondLst>
+                                  <p:childTnLst>
+                                    <p:set>
+                                      <p:cBhvr>
+                                        <p:cTn id="6" dur="1" fill="hold">
+                                          <p:stCondLst>
+                                            <p:cond delay="0"/>
+                                          </p:stCondLst>
+                                        </p:cTn>
+                                        <p:tgtEl>
+                                          <p:spTgt spid="3">
+                                            <p:txEl>
+                                              <p:pRg st="1" end="1"/>
+                                            </p:txEl>
+                                          </p:spTgt>
+                                        </p:tgtEl>
+                                        <p:attrNameLst>
+                                          <p:attrName>style.visibility</p:attrName>
+                                        </p:attrNameLst>
+                                      </p:cBhvr>
+                                      <p:to>
+                                        <p:strVal val="visible"/>
+                                      </p:to>
+                                    </p:set>
+                                  </p:childTnLst>
+                                </p:cTn>
+                              </p:par>
+                              <p:par>
+                                <p:cTn id="7" presetID="1" presetClass="entr" presetSubtype="0" fill="hold" nodeType="withEffect">
+                                  <p:stCondLst>
+                                    <p:cond delay="0"/>
+                                  </p:stCondLst>
+                                  <p:childTnLst>
+                                    <p:set>
+                                      <p:cBhvr>
+                                        <p:cTn id="8" dur="1" fill="hold">
+                                          <p:stCondLst>
+                                            <p:cond delay="0"/>
+                                          </p:stCondLst>
+                                        </p:cTn>
+                                        <p:tgtEl>
+                                          <p:spTgt spid="6"/>
+                                        </p:tgtEl>
+                                        <p:attrNameLst>
+                                          <p:attrName>style.visibility</p:attrName>
+                                        </p:attrNameLst>
+                                      </p:cBhvr>
+                                      <p:to>
+                                        <p:strVal val="visible"/>
+                                      </p:to>
+                                    </p:set>
+                                  </p:childTnLst>
+                                </p:cTn>
+                              </p:par>
+                            </p:childTnLst>
+                          </p:cTn>
+                        </p:par>
+                      </p:childTnLst>
+                    </p:cTn>
+                  </p:par>
+                  <p:par>
+                    <p:cTn id="9" fill="hold">
+                      <p:stCondLst>
+                        <p:cond delay="indefinite"/>
+                      </p:stCondLst>
+                      <p:childTnLst>
+                        <p:par>
+                          <p:cTn id="10" fill="hold">
+                            <p:stCondLst>
+                              <p:cond delay="0"/>
+                            </p:stCondLst>
+                            <p:childTnLst>
+                              <p:par>
+                                <p:cTn id="11" presetID="1" presetClass="entr" presetSubtype="0" fill="hold" grpId="0" nodeType="clickEffect">
+                                  <p:stCondLst>
+                                    <p:cond delay="0"/>
+                                  </p:stCondLst>
+                                  <p:childTnLst>
+                                    <p:set>
+                                      <p:cBhvr>
+                                        <p:cTn id="12" dur="1" fill="hold">
+                                          <p:stCondLst>
+                                            <p:cond delay="0"/>
+                                          </p:stCondLst>
+                                        </p:cTn>
+                                        <p:tgtEl>
+                                          <p:spTgt spid="8"/>
+                                        </p:tgtEl>
+                                        <p:attrNameLst>
+                                          <p:attrName>style.visibility</p:attrName>
+                                        </p:attrNameLst>
+                                      </p:cBhvr>
+                                      <p:to>
+                                        <p:strVal val="visible"/>
+                                      </p:to>
+                                    </p:set>
+                                  </p:childTnLst>
+                                </p:cTn>
+                              </p:par>
+                            </p:childTnLst>
+                          </p:cTn>
+                        </p:par>
+                      </p:childTnLst>
+                    </p:cTn>
+                  </p:par>
+                  <p:par>
+                    <p:cTn id="13" fill="hold">
+                      <p:stCondLst>
+                        <p:cond delay="indefinite"/>
+                      </p:stCondLst>
+                      <p:childTnLst>
+                        <p:par>
+                          <p:cTn id="14" fill="hold">
+                            <p:stCondLst>
+                              <p:cond delay="0"/>
+                            </p:stCondLst>
+                            <p:childTnLst>
+                              <p:par>
+                                <p:cTn id="15" presetID="1" presetClass="entr" presetSubtype="0" fill="hold" nodeType="clickEffect">
+                                  <p:stCondLst>
+                                    <p:cond delay="0"/>
+                                  </p:stCondLst>
+                                  <p:childTnLst>
+                                    <p:set>
+                                      <p:cBhvr>
+                                        <p:cTn id="16" dur="1" fill="hold">
+                                          <p:stCondLst>
+                                            <p:cond delay="0"/>
+                                          </p:stCondLst>
+                                        </p:cTn>
+                                        <p:tgtEl>
+                                          <p:spTgt spid="7"/>
+                                        </p:tgtEl>
+                                        <p:attrNameLst>
+                                          <p:attrName>style.visibility</p:attrName>
+                                        </p:attrNameLst>
+                                      </p:cBhvr>
+                                      <p:to>
+                                        <p:strVal val="visible"/>
+                                      </p:to>
+                                    </p:set>
+                                  </p:childTnLst>
+                                </p:cTn>
+                              </p:par>
+                            </p:childTnLst>
+                          </p:cTn>
+                        </p:par>
+                      </p:childTnLst>
+                    </p:cTn>
+                  </p:par>
+                  <p:par>
+                    <p:cTn id="17" fill="hold">
+                      <p:stCondLst>
+                        <p:cond delay="indefinite"/>
+                      </p:stCondLst>
+                      <p:childTnLst>
+                        <p:par>
+                          <p:cTn id="18" fill="hold">
+                            <p:stCondLst>
+                              <p:cond delay="0"/>
+                            </p:stCondLst>
+                            <p:childTnLst>
+                              <p:par>
+                                <p:cTn id="19" presetID="1" presetClass="entr" presetSubtype="0" fill="hold" nodeType="clickEffect">
+                                  <p:stCondLst>
+                                    <p:cond delay="0"/>
+                                  </p:stCondLst>
+                                  <p:childTnLst>
+                                    <p:set>
+                                      <p:cBhvr>
+                                        <p:cTn id="20" dur="1" fill="hold">
+                                          <p:stCondLst>
+                                            <p:cond delay="0"/>
+                                          </p:stCondLst>
+                                        </p:cTn>
+                                        <p:tgtEl>
+                                          <p:spTgt spid="3">
+                                            <p:txEl>
+                                              <p:pRg st="2" end="2"/>
+                                            </p:txEl>
+                                          </p:spTgt>
+                                        </p:tgtEl>
+                                        <p:attrNameLst>
+                                          <p:attrName>style.visibility</p:attrName>
+                                        </p:attrNameLst>
+                                      </p:cBhvr>
+                                      <p:to>
+                                        <p:strVal val="visible"/>
+                                      </p:to>
+                                    </p:set>
+                                  </p:childTnLst>
+                                </p:cTn>
+                              </p:par>
+                              <p:par>
+                                <p:cTn id="21" presetID="1" presetClass="entr" presetSubtype="0" fill="hold" nodeType="withEffect">
+                                  <p:stCondLst>
+                                    <p:cond delay="0"/>
+                                  </p:stCondLst>
+                                  <p:childTnLst>
+                                    <p:set>
+                                      <p:cBhvr>
+                                        <p:cTn id="22" dur="1" fill="hold">
+                                          <p:stCondLst>
+                                            <p:cond delay="0"/>
+                                          </p:stCondLst>
+                                        </p:cTn>
+                                        <p:tgtEl>
+                                          <p:spTgt spid="5"/>
+                                        </p:tgtEl>
+                                        <p:attrNameLst>
+                                          <p:attrName>style.visibility</p:attrName>
+                                        </p:attrNameLst>
+                                      </p:cBhvr>
+                                      <p:to>
+                                        <p:strVal val="visible"/>
+                                      </p:to>
+                                    </p:set>
+                                  </p:childTnLst>
+                                </p:cTn>
+                              </p:par>
+                            </p:childTnLst>
+                          </p:cTn>
+                        </p:par>
+                      </p:childTnLst>
+                    </p:cTn>
+                  </p:par>
+                </p:childTnLst>
+              </p:cTn>
+              <p:prevCondLst>
+                <p:cond evt="onPrev" delay="0">
+                  <p:tgtEl>
+                    <p:sldTgt/>
+                  </p:tgtEl>
+                </p:cond>
+              </p:prevCondLst>
+              <p:nextCondLst>
+                <p:cond evt="onNext" delay="0">
+                  <p:tgtEl>
+                    <p:sldTgt/>
+                  </p:tgtEl>
+                </p:cond>
+              </p:nextCondLst>
+            </p:seq>
+          </p:childTnLst>
+        </p:cTn>
+      </p:par>
+    </p:tnLst>
+    <p:bldLst>
+      <p:bldP spid="8" grpId="0" animBg="1"/>
+    </p:bldLst>
+  </p:timing>
+</p:sld>
+</file>
+
+<file path=ppt/slides/slide12.xml><?xml version="1.0" encoding="utf-8"?>
+<p:sld xmlns:a="http://schemas.openxmlformats.org/drawingml/2006/main" xmlns:r="http://schemas.openxmlformats.org/officeDocument/2006/relationships" xmlns:p="http://schemas.openxmlformats.org/presentationml/2006/main">
+  <p:cSld>
+    <p:spTree>
+      <p:nvGrpSpPr>
+        <p:cNvPr id="1" name=""/>
+        <p:cNvGrpSpPr/>
+        <p:nvPr/>
+      </p:nvGrpSpPr>
+      <p:grpSpPr>
+        <a:xfrm>
+          <a:off x="0" y="0"/>
+          <a:ext cx="0" cy="0"/>
+          <a:chOff x="0" y="0"/>
+          <a:chExt cx="0" cy="0"/>
+        </a:xfrm>
+      </p:grpSpPr>
+      <p:sp>
+        <p:nvSpPr>
+          <p:cNvPr id="2" name="Slide Number Placeholder 1"/>
+          <p:cNvSpPr>
+            <a:spLocks noGrp="1"/>
+          </p:cNvSpPr>
+          <p:nvPr>
+            <p:ph type="sldNum" sz="quarter" idx="5"/>
+          </p:nvPr>
+        </p:nvSpPr>
+        <p:spPr/>
+        <p:txBody>
+          <a:bodyPr/>
+          <a:lstStyle/>
+          <a:p>
+            <a:fld id="{2BF067CD-8E6B-4360-9AA8-C5DF2A48A6D1}" type="slidenum">
+              <a:rPr lang="en-US" noProof="0" smtClean="0"/>
+              <a:pPr/>
+              <a:t>12</a:t>
+            </a:fld>
+            <a:endParaRPr lang="en-US" noProof="0" dirty="0"/>
+          </a:p>
+        </p:txBody>
+      </p:sp>
+      <p:sp>
+        <p:nvSpPr>
+          <p:cNvPr id="3" name="Text Placeholder 2"/>
+          <p:cNvSpPr>
+            <a:spLocks noGrp="1"/>
+          </p:cNvSpPr>
+          <p:nvPr>
+            <p:ph type="body" sz="quarter" idx="10"/>
+          </p:nvPr>
+        </p:nvSpPr>
+        <p:spPr>
+          <a:xfrm>
+            <a:off x="190402" y="1196125"/>
+            <a:ext cx="8176811" cy="5528766"/>
+          </a:xfrm>
+        </p:spPr>
+        <p:txBody>
+          <a:bodyPr/>
+          <a:lstStyle/>
+          <a:p>
+            <a:r>
+              <a:rPr lang="bg-BG" dirty="0" smtClean="0"/>
+              <a:t>От </a:t>
+            </a:r>
+            <a:r>
+              <a:rPr lang="bg-BG" b="1" dirty="0" smtClean="0"/>
+              <a:t>падащото менюто </a:t>
+            </a:r>
+            <a:r>
+              <a:rPr lang="en-US" b="1" dirty="0" smtClean="0">
+                <a:solidFill>
+                  <a:schemeClr val="bg1"/>
+                </a:solidFill>
+              </a:rPr>
+              <a:t>Effect Options </a:t>
+            </a:r>
+            <a:r>
+              <a:rPr lang="bg-BG" dirty="0" smtClean="0"/>
+              <a:t>(</a:t>
+            </a:r>
+            <a:r>
+              <a:rPr lang="bg-BG" b="1" dirty="0"/>
+              <a:t>О</a:t>
+            </a:r>
+            <a:r>
+              <a:rPr lang="bg-BG" b="1" dirty="0" smtClean="0"/>
+              <a:t>пции за ефект</a:t>
+            </a:r>
+            <a:r>
+              <a:rPr lang="bg-BG" dirty="0" smtClean="0"/>
+              <a:t>) може да </a:t>
+            </a:r>
+            <a:r>
+              <a:rPr lang="bg-BG" b="1" dirty="0" smtClean="0"/>
+              <a:t>настройвате</a:t>
+            </a:r>
+            <a:r>
+              <a:rPr lang="bg-BG" dirty="0" smtClean="0"/>
+              <a:t> допълнителни </a:t>
+            </a:r>
+            <a:r>
+              <a:rPr lang="bg-BG" b="1" dirty="0" smtClean="0"/>
+              <a:t>характеристики</a:t>
+            </a:r>
+            <a:r>
+              <a:rPr lang="bg-BG" dirty="0" smtClean="0"/>
+              <a:t> на анамационния ефект</a:t>
+            </a:r>
+          </a:p>
+          <a:p>
+            <a:pPr lvl="1"/>
+            <a:r>
+              <a:rPr lang="bg-BG" b="1" dirty="0" smtClean="0"/>
+              <a:t>Характеристиките</a:t>
+            </a:r>
+            <a:r>
+              <a:rPr lang="bg-BG" dirty="0" smtClean="0"/>
+              <a:t> зависят от </a:t>
+            </a:r>
+            <a:r>
+              <a:rPr lang="bg-BG" b="1" dirty="0" smtClean="0"/>
+              <a:t>избрания ефект</a:t>
+            </a:r>
+          </a:p>
+          <a:p>
+            <a:endParaRPr lang="bg-BG" dirty="0" smtClean="0"/>
+          </a:p>
+          <a:p>
+            <a:endParaRPr lang="bg-BG" b="1" dirty="0" smtClean="0"/>
+          </a:p>
+        </p:txBody>
+      </p:sp>
+      <p:sp>
+        <p:nvSpPr>
+          <p:cNvPr id="4" name="Title 3"/>
+          <p:cNvSpPr>
+            <a:spLocks noGrp="1"/>
+          </p:cNvSpPr>
+          <p:nvPr>
+            <p:ph type="title"/>
+          </p:nvPr>
+        </p:nvSpPr>
+        <p:spPr/>
+        <p:txBody>
+          <a:bodyPr/>
+          <a:lstStyle/>
+          <a:p>
+            <a:r>
+              <a:rPr lang="en-US" dirty="0" smtClean="0"/>
+              <a:t>Effect Options</a:t>
+            </a:r>
+            <a:endParaRPr lang="en-US" dirty="0"/>
+          </a:p>
+        </p:txBody>
+      </p:sp>
+      <p:pic>
+        <p:nvPicPr>
+          <p:cNvPr id="5" name="Picture 4"/>
+          <p:cNvPicPr>
+            <a:picLocks noChangeAspect="1"/>
+          </p:cNvPicPr>
+          <p:nvPr/>
+        </p:nvPicPr>
+        <p:blipFill>
+          <a:blip r:embed="rId2"/>
+          <a:stretch>
+            <a:fillRect/>
+          </a:stretch>
+        </p:blipFill>
+        <p:spPr>
+          <a:xfrm>
+            <a:off x="9459896" y="1539000"/>
+            <a:ext cx="1158039" cy="1486148"/>
+          </a:xfrm>
+          <a:prstGeom prst="rect">
+            <a:avLst/>
+          </a:prstGeom>
+          <a:ln>
+            <a:solidFill>
+              <a:schemeClr val="bg2">
+                <a:lumMod val="75000"/>
+              </a:schemeClr>
+            </a:solidFill>
+          </a:ln>
+        </p:spPr>
+      </p:pic>
+      <p:pic>
+        <p:nvPicPr>
+          <p:cNvPr id="6" name="Picture 5"/>
+          <p:cNvPicPr>
+            <a:picLocks noChangeAspect="1"/>
+          </p:cNvPicPr>
+          <p:nvPr/>
+        </p:nvPicPr>
+        <p:blipFill rotWithShape="1">
+          <a:blip r:embed="rId3"/>
+          <a:srcRect b="34205"/>
+          <a:stretch/>
+        </p:blipFill>
+        <p:spPr>
+          <a:xfrm>
+            <a:off x="8959914" y="2938350"/>
+            <a:ext cx="2200415" cy="3672150"/>
+          </a:xfrm>
+          <a:prstGeom prst="rect">
+            <a:avLst/>
+          </a:prstGeom>
+          <a:ln>
+            <a:solidFill>
+              <a:schemeClr val="bg2">
+                <a:lumMod val="75000"/>
+              </a:schemeClr>
+            </a:solidFill>
+          </a:ln>
+        </p:spPr>
+      </p:pic>
+    </p:spTree>
+    <p:extLst>
+      <p:ext uri="{BB962C8B-B14F-4D97-AF65-F5344CB8AC3E}">
+        <p14:creationId xmlns:p14="http://schemas.microsoft.com/office/powerpoint/2010/main" val="2308588865"/>
+      </p:ext>
+    </p:extLst>
+  </p:cSld>
+  <p:clrMapOvr>
+    <a:masterClrMapping/>
+  </p:clrMapOvr>
+  <mc:AlternateContent xmlns:mc="http://schemas.openxmlformats.org/markup-compatibility/2006" xmlns:p14="http://schemas.microsoft.com/office/powerpoint/2010/main">
+    <mc:Choice Requires="p14">
+      <p:transition spd="slow" p14:dur="2000" advClick="0" advTm="5000"/>
+    </mc:Choice>
+    <mc:Fallback xmlns="">
+      <p:transition spd="slow" advClick="0" advTm="5000"/>
+    </mc:Fallback>
+  </mc:AlternateContent>
+  <p:timing>
+    <p:tnLst>
+      <p:par>
+        <p:cTn id="1" dur="indefinite" restart="never" nodeType="tmRoot">
+          <p:childTnLst>
+            <p:seq concurrent="1" nextAc="seek">
+              <p:cTn id="2" dur="indefinite" nodeType="mainSeq">
+                <p:childTnLst>
+                  <p:par>
+                    <p:cTn id="3" fill="hold">
+                      <p:stCondLst>
+                        <p:cond delay="indefinite"/>
+                      </p:stCondLst>
+                      <p:childTnLst>
+                        <p:par>
+                          <p:cTn id="4" fill="hold">
+                            <p:stCondLst>
+                              <p:cond delay="0"/>
+                            </p:stCondLst>
+                            <p:childTnLst>
+                              <p:par>
+                                <p:cTn id="5" presetID="1" presetClass="entr" presetSubtype="0" fill="hold" nodeType="clickEffect">
+                                  <p:stCondLst>
+                                    <p:cond delay="0"/>
+                                  </p:stCondLst>
+                                  <p:childTnLst>
+                                    <p:set>
+                                      <p:cBhvr>
+                                        <p:cTn id="6" dur="1" fill="hold">
+                                          <p:stCondLst>
+                                            <p:cond delay="0"/>
+                                          </p:stCondLst>
+                                        </p:cTn>
+                                        <p:tgtEl>
+                                          <p:spTgt spid="5"/>
+                                        </p:tgtEl>
+                                        <p:attrNameLst>
+                                          <p:attrName>style.visibility</p:attrName>
+                                        </p:attrNameLst>
+                                      </p:cBhvr>
+                                      <p:to>
+                                        <p:strVal val="visible"/>
+                                      </p:to>
+                                    </p:set>
+                                  </p:childTnLst>
+                                </p:cTn>
+                              </p:par>
+                            </p:childTnLst>
+                          </p:cTn>
+                        </p:par>
+                      </p:childTnLst>
+                    </p:cTn>
+                  </p:par>
+                  <p:par>
+                    <p:cTn id="7" fill="hold">
+                      <p:stCondLst>
+                        <p:cond delay="indefinite"/>
+                      </p:stCondLst>
+                      <p:childTnLst>
+                        <p:par>
+                          <p:cTn id="8" fill="hold">
+                            <p:stCondLst>
+                              <p:cond delay="0"/>
+                            </p:stCondLst>
+                            <p:childTnLst>
+                              <p:par>
+                                <p:cTn id="9" presetID="1" presetClass="entr" presetSubtype="0" fill="hold" nodeType="clickEffect">
+                                  <p:stCondLst>
+                                    <p:cond delay="0"/>
+                                  </p:stCondLst>
+                                  <p:childTnLst>
+                                    <p:set>
+                                      <p:cBhvr>
+                                        <p:cTn id="10" dur="1" fill="hold">
+                                          <p:stCondLst>
+                                            <p:cond delay="0"/>
+                                          </p:stCondLst>
+                                        </p:cTn>
+                                        <p:tgtEl>
+                                          <p:spTgt spid="6"/>
+                                        </p:tgtEl>
+                                        <p:attrNameLst>
+                                          <p:attrName>style.visibility</p:attrName>
+                                        </p:attrNameLst>
+                                      </p:cBhvr>
+                                      <p:to>
+                                        <p:strVal val="visible"/>
+                                      </p:to>
+                                    </p:set>
+                                  </p:childTnLst>
+                                </p:cTn>
+                              </p:par>
+                            </p:childTnLst>
+                          </p:cTn>
+                        </p:par>
+                      </p:childTnLst>
+                    </p:cTn>
+                  </p:par>
+                  <p:par>
+                    <p:cTn id="11" fill="hold">
+                      <p:stCondLst>
+                        <p:cond delay="indefinite"/>
+                      </p:stCondLst>
+                      <p:childTnLst>
+                        <p:par>
+                          <p:cTn id="12" fill="hold">
+                            <p:stCondLst>
+                              <p:cond delay="0"/>
+                            </p:stCondLst>
+                            <p:childTnLst>
+                              <p:par>
+                                <p:cTn id="13" presetID="1" presetClass="entr" presetSubtype="0" fill="hold" nodeType="clickEffect">
+                                  <p:stCondLst>
+                                    <p:cond delay="0"/>
+                                  </p:stCondLst>
+                                  <p:childTnLst>
+                                    <p:set>
+                                      <p:cBhvr>
+                                        <p:cTn id="14" dur="1" fill="hold">
+                                          <p:stCondLst>
+                                            <p:cond delay="0"/>
+                                          </p:stCondLst>
+                                        </p:cTn>
+                                        <p:tgtEl>
+                                          <p:spTgt spid="3">
+                                            <p:txEl>
+                                              <p:pRg st="1" end="1"/>
+                                            </p:txEl>
+                                          </p:spTgt>
+                                        </p:tgtEl>
+                                        <p:attrNameLst>
+                                          <p:attrName>style.visibility</p:attrName>
+                                        </p:attrNameLst>
+                                      </p:cBhvr>
+                                      <p:to>
+                                        <p:strVal val="visible"/>
+                                      </p:to>
+                                    </p:set>
+                                  </p:childTnLst>
+                                </p:cTn>
+                              </p:par>
+                            </p:childTnLst>
+                          </p:cTn>
+                        </p:par>
+                      </p:childTnLst>
+                    </p:cTn>
+                  </p:par>
+                </p:childTnLst>
+              </p:cTn>
+              <p:prevCondLst>
+                <p:cond evt="onPrev" delay="0">
+                  <p:tgtEl>
+                    <p:sldTgt/>
+                  </p:tgtEl>
+                </p:cond>
+              </p:prevCondLst>
+              <p:nextCondLst>
+                <p:cond evt="onNext" delay="0">
+                  <p:tgtEl>
+                    <p:sldTgt/>
+                  </p:tgtEl>
+                </p:cond>
+              </p:nextCondLst>
+            </p:seq>
+          </p:childTnLst>
+        </p:cTn>
+      </p:par>
+    </p:tnLst>
+  </p:timing>
+</p:sld>
+</file>
+
+<file path=ppt/slides/slide13.xml><?xml version="1.0" encoding="utf-8"?>
+<p:sld xmlns:a="http://schemas.openxmlformats.org/drawingml/2006/main" xmlns:r="http://schemas.openxmlformats.org/officeDocument/2006/relationships" xmlns:p="http://schemas.openxmlformats.org/presentationml/2006/main">
+  <p:cSld>
+    <p:spTree>
+      <p:nvGrpSpPr>
+        <p:cNvPr id="1" name=""/>
+        <p:cNvGrpSpPr/>
+        <p:nvPr/>
+      </p:nvGrpSpPr>
+      <p:grpSpPr>
+        <a:xfrm>
+          <a:off x="0" y="0"/>
+          <a:ext cx="0" cy="0"/>
+          <a:chOff x="0" y="0"/>
+          <a:chExt cx="0" cy="0"/>
+        </a:xfrm>
+      </p:grpSpPr>
+      <p:sp>
+        <p:nvSpPr>
+          <p:cNvPr id="2" name="Slide Number Placeholder 1"/>
+          <p:cNvSpPr>
+            <a:spLocks noGrp="1"/>
+          </p:cNvSpPr>
+          <p:nvPr>
+            <p:ph type="sldNum" sz="quarter" idx="5"/>
+          </p:nvPr>
+        </p:nvSpPr>
+        <p:spPr/>
+        <p:txBody>
+          <a:bodyPr/>
+          <a:lstStyle/>
+          <a:p>
+            <a:fld id="{2BF067CD-8E6B-4360-9AA8-C5DF2A48A6D1}" type="slidenum">
+              <a:rPr lang="en-US" noProof="0" smtClean="0"/>
+              <a:pPr/>
+              <a:t>13</a:t>
+            </a:fld>
+            <a:endParaRPr lang="en-US" noProof="0" dirty="0"/>
+          </a:p>
+        </p:txBody>
+      </p:sp>
+      <p:sp>
+        <p:nvSpPr>
+          <p:cNvPr id="3" name="Text Placeholder 2"/>
+          <p:cNvSpPr>
+            <a:spLocks noGrp="1"/>
+          </p:cNvSpPr>
+          <p:nvPr>
+            <p:ph type="body" sz="quarter" idx="10"/>
+          </p:nvPr>
+        </p:nvSpPr>
+        <p:spPr>
+          <a:xfrm>
+            <a:off x="190402" y="1196125"/>
+            <a:ext cx="11845598" cy="5528766"/>
+          </a:xfrm>
+        </p:spPr>
+        <p:txBody>
+          <a:bodyPr>
+            <a:normAutofit fontScale="92500" lnSpcReduction="20000"/>
+          </a:bodyPr>
+          <a:lstStyle/>
+          <a:p>
+            <a:r>
+              <a:rPr lang="bg-BG" dirty="0"/>
+              <a:t>От </a:t>
+            </a:r>
+            <a:r>
+              <a:rPr lang="bg-BG" b="1" dirty="0"/>
+              <a:t>панела</a:t>
+            </a:r>
+            <a:r>
+              <a:rPr lang="bg-BG" dirty="0"/>
+              <a:t> </a:t>
+            </a:r>
+            <a:r>
+              <a:rPr lang="en-US" b="1" dirty="0">
+                <a:solidFill>
+                  <a:schemeClr val="bg1"/>
+                </a:solidFill>
+              </a:rPr>
+              <a:t>Timing</a:t>
+            </a:r>
+            <a:r>
+              <a:rPr lang="en-US" dirty="0"/>
+              <a:t> </a:t>
+            </a:r>
+            <a:r>
+              <a:rPr lang="bg-BG" dirty="0" smtClean="0"/>
+              <a:t>(</a:t>
+            </a:r>
+            <a:r>
+              <a:rPr lang="bg-BG" b="1" dirty="0" smtClean="0"/>
+              <a:t>Време</a:t>
+            </a:r>
+            <a:r>
+              <a:rPr lang="bg-BG" dirty="0"/>
+              <a:t>) се задават </a:t>
+            </a:r>
+            <a:r>
+              <a:rPr lang="bg-BG" b="1" dirty="0"/>
+              <a:t>времеви</a:t>
+            </a:r>
+            <a:r>
+              <a:rPr lang="bg-BG" dirty="0"/>
+              <a:t> </a:t>
+            </a:r>
+            <a:r>
+              <a:rPr lang="bg-BG" b="1" dirty="0"/>
+              <a:t>настройки</a:t>
+            </a:r>
+            <a:r>
+              <a:rPr lang="bg-BG" dirty="0"/>
+              <a:t> на </a:t>
+            </a:r>
+            <a:r>
+              <a:rPr lang="bg-BG" dirty="0" smtClean="0"/>
+              <a:t>анимирането:</a:t>
+            </a:r>
+          </a:p>
+          <a:p>
+            <a:pPr lvl="1"/>
+            <a:r>
+              <a:rPr lang="en-US" b="1" dirty="0" smtClean="0"/>
+              <a:t>͏</a:t>
+            </a:r>
+            <a:r>
+              <a:rPr lang="en-US" b="1" dirty="0" smtClean="0">
+                <a:solidFill>
+                  <a:schemeClr val="bg1"/>
+                </a:solidFill>
+              </a:rPr>
+              <a:t>Start</a:t>
+            </a:r>
+            <a:r>
+              <a:rPr lang="en-US" dirty="0" smtClean="0"/>
+              <a:t> (</a:t>
+            </a:r>
+            <a:r>
+              <a:rPr lang="bg-BG" b="1" dirty="0" smtClean="0"/>
+              <a:t>Начало</a:t>
+            </a:r>
+            <a:r>
+              <a:rPr lang="en-US" dirty="0" smtClean="0"/>
+              <a:t>)</a:t>
+            </a:r>
+            <a:endParaRPr lang="bg-BG" dirty="0" smtClean="0"/>
+          </a:p>
+          <a:p>
+            <a:pPr lvl="2"/>
+            <a:r>
+              <a:rPr lang="bg-BG" dirty="0" smtClean="0"/>
+              <a:t>От </a:t>
+            </a:r>
+            <a:r>
+              <a:rPr lang="bg-BG" b="1" dirty="0" smtClean="0"/>
+              <a:t>падащата кутия</a:t>
+            </a:r>
+            <a:r>
+              <a:rPr lang="bg-BG" dirty="0" smtClean="0"/>
+              <a:t> се избира </a:t>
+            </a:r>
+            <a:r>
+              <a:rPr lang="bg-BG" b="1" dirty="0" smtClean="0"/>
+              <a:t>начинът</a:t>
+            </a:r>
+            <a:r>
+              <a:rPr lang="bg-BG" dirty="0" smtClean="0"/>
+              <a:t> на </a:t>
+            </a:r>
+            <a:r>
+              <a:rPr lang="bg-BG" b="1" dirty="0" smtClean="0"/>
+              <a:t>стартиране</a:t>
+            </a:r>
+            <a:r>
+              <a:rPr lang="bg-BG" dirty="0" smtClean="0"/>
+              <a:t> на анимационните ефекти</a:t>
+            </a:r>
+            <a:endParaRPr lang="en-US" dirty="0" smtClean="0"/>
+          </a:p>
+          <a:p>
+            <a:pPr lvl="1"/>
+            <a:r>
+              <a:rPr lang="en-US" dirty="0" smtClean="0"/>
+              <a:t>͏</a:t>
+            </a:r>
+            <a:r>
+              <a:rPr lang="en-US" b="1" dirty="0" smtClean="0">
+                <a:solidFill>
+                  <a:schemeClr val="bg1"/>
+                </a:solidFill>
+              </a:rPr>
+              <a:t>Duration</a:t>
+            </a:r>
+            <a:r>
+              <a:rPr lang="en-US" dirty="0" smtClean="0"/>
+              <a:t> (</a:t>
+            </a:r>
+            <a:r>
+              <a:rPr lang="bg-BG" b="1" dirty="0" smtClean="0"/>
+              <a:t>Времетраене</a:t>
+            </a:r>
+            <a:r>
+              <a:rPr lang="en-US" dirty="0" smtClean="0"/>
+              <a:t>)</a:t>
+            </a:r>
+            <a:endParaRPr lang="bg-BG" dirty="0" smtClean="0"/>
+          </a:p>
+          <a:p>
+            <a:pPr lvl="2"/>
+            <a:r>
+              <a:rPr lang="bg-BG" dirty="0" smtClean="0"/>
+              <a:t>От </a:t>
+            </a:r>
+            <a:r>
+              <a:rPr lang="bg-BG" b="1" dirty="0" smtClean="0"/>
+              <a:t>числовата кутия </a:t>
+            </a:r>
+            <a:r>
+              <a:rPr lang="bg-BG" dirty="0" smtClean="0"/>
+              <a:t>се задава </a:t>
+            </a:r>
+          </a:p>
+          <a:p>
+            <a:pPr marL="895350" lvl="2" indent="0">
+              <a:buNone/>
+            </a:pPr>
+            <a:r>
+              <a:rPr lang="bg-BG" b="1" dirty="0" smtClean="0"/>
+              <a:t>времетраенето</a:t>
+            </a:r>
+            <a:r>
+              <a:rPr lang="bg-BG" dirty="0" smtClean="0"/>
+              <a:t> на анимационния ефект</a:t>
+            </a:r>
+          </a:p>
+          <a:p>
+            <a:pPr lvl="1"/>
+            <a:r>
+              <a:rPr lang="en-US" dirty="0" smtClean="0"/>
+              <a:t>͏</a:t>
+            </a:r>
+            <a:r>
+              <a:rPr lang="en-US" b="1" dirty="0" smtClean="0">
+                <a:solidFill>
+                  <a:schemeClr val="bg1"/>
+                </a:solidFill>
+              </a:rPr>
+              <a:t>Delay</a:t>
+            </a:r>
+            <a:r>
+              <a:rPr lang="en-US" dirty="0" smtClean="0"/>
+              <a:t> (</a:t>
+            </a:r>
+            <a:r>
+              <a:rPr lang="bg-BG" b="1" dirty="0" smtClean="0"/>
+              <a:t>Закъснение</a:t>
+            </a:r>
+            <a:r>
+              <a:rPr lang="en-US" dirty="0" smtClean="0"/>
+              <a:t>)</a:t>
+            </a:r>
+            <a:endParaRPr lang="bg-BG" dirty="0" smtClean="0"/>
+          </a:p>
+          <a:p>
+            <a:pPr lvl="2"/>
+            <a:r>
+              <a:rPr lang="bg-BG" dirty="0" smtClean="0"/>
+              <a:t>От </a:t>
+            </a:r>
+            <a:r>
+              <a:rPr lang="bg-BG" b="1" dirty="0" smtClean="0"/>
+              <a:t>числовата кутия</a:t>
+            </a:r>
+            <a:r>
+              <a:rPr lang="bg-BG" dirty="0" smtClean="0"/>
+              <a:t> се задава </a:t>
+            </a:r>
+            <a:r>
+              <a:rPr lang="bg-BG" b="1" dirty="0" smtClean="0"/>
+              <a:t>закъснението</a:t>
+            </a:r>
+            <a:r>
+              <a:rPr lang="bg-BG" dirty="0" smtClean="0"/>
+              <a:t>, с което да се </a:t>
+            </a:r>
+            <a:r>
+              <a:rPr lang="bg-BG" b="1" dirty="0" smtClean="0"/>
+              <a:t>появи</a:t>
+            </a:r>
+            <a:r>
+              <a:rPr lang="bg-BG" dirty="0" smtClean="0"/>
+              <a:t> следващият ефект</a:t>
+            </a:r>
+            <a:endParaRPr lang="en-US" dirty="0"/>
+          </a:p>
+        </p:txBody>
+      </p:sp>
+      <p:sp>
+        <p:nvSpPr>
+          <p:cNvPr id="4" name="Title 3"/>
+          <p:cNvSpPr>
+            <a:spLocks noGrp="1"/>
+          </p:cNvSpPr>
+          <p:nvPr>
+            <p:ph type="title"/>
+          </p:nvPr>
+        </p:nvSpPr>
+        <p:spPr/>
+        <p:txBody>
+          <a:bodyPr/>
+          <a:lstStyle/>
+          <a:p>
+            <a:r>
+              <a:rPr lang="en-US" dirty="0" smtClean="0"/>
+              <a:t>Timing</a:t>
+            </a:r>
+            <a:endParaRPr lang="en-US" dirty="0"/>
+          </a:p>
+        </p:txBody>
+      </p:sp>
+      <p:pic>
+        <p:nvPicPr>
+          <p:cNvPr id="5" name="Picture 4"/>
+          <p:cNvPicPr>
+            <a:picLocks noChangeAspect="1"/>
+          </p:cNvPicPr>
+          <p:nvPr/>
+        </p:nvPicPr>
+        <p:blipFill>
+          <a:blip r:embed="rId2"/>
+          <a:stretch>
+            <a:fillRect/>
+          </a:stretch>
+        </p:blipFill>
+        <p:spPr>
+          <a:xfrm>
+            <a:off x="7601405" y="3609000"/>
+            <a:ext cx="4319507" cy="1423658"/>
+          </a:xfrm>
+          <a:prstGeom prst="rect">
+            <a:avLst/>
+          </a:prstGeom>
+          <a:ln>
+            <a:solidFill>
+              <a:schemeClr val="bg2">
+                <a:lumMod val="75000"/>
+              </a:schemeClr>
+            </a:solidFill>
+          </a:ln>
+        </p:spPr>
+      </p:pic>
+      <p:sp>
+        <p:nvSpPr>
+          <p:cNvPr id="6" name="Rectangle 5"/>
+          <p:cNvSpPr/>
+          <p:nvPr/>
+        </p:nvSpPr>
+        <p:spPr bwMode="auto">
+          <a:xfrm>
+            <a:off x="7671000" y="3609000"/>
+            <a:ext cx="2430000" cy="351508"/>
+          </a:xfrm>
+          <a:prstGeom prst="rect">
+            <a:avLst/>
+          </a:prstGeom>
+          <a:noFill/>
+          <a:ln w="38100">
+            <a:solidFill>
+              <a:schemeClr val="tx1">
+                <a:lumMod val="75000"/>
+                <a:alpha val="80000"/>
+              </a:schemeClr>
+            </a:solidFill>
+          </a:ln>
+          <a:effectLst/>
+        </p:spPr>
+        <p:style>
+          <a:lnRef idx="2">
+            <a:schemeClr val="accent1">
+              <a:shade val="50000"/>
+            </a:schemeClr>
+          </a:lnRef>
+          <a:fillRef idx="1001">
+            <a:schemeClr val="dk2"/>
+          </a:fillRef>
+          <a:effectRef idx="0">
+            <a:schemeClr val="accent1"/>
+          </a:effectRef>
+          <a:fontRef idx="minor">
+            <a:schemeClr val="lt1"/>
+          </a:fontRef>
+        </p:style>
+        <p:txBody>
+          <a:bodyPr rot="0" spcFirstLastPara="0" vertOverflow="overflow" horzOverflow="overflow" vert="horz" wrap="square" lIns="91440" tIns="45720" rIns="91440" bIns="45720" numCol="1" spcCol="0" rtlCol="0" fromWordArt="0" anchor="ctr" anchorCtr="0" forceAA="0" compatLnSpc="1">
+            <a:prstTxWarp prst="textNoShape">
+              <a:avLst/>
+            </a:prstTxWarp>
+            <a:noAutofit/>
+          </a:bodyPr>
+          <a:lstStyle/>
+          <a:p>
+            <a:pPr algn="ctr"/>
+            <a:endParaRPr lang="en-US" sz="2800" b="1" dirty="0">
+              <a:solidFill>
+                <a:srgbClr val="FFFFFF"/>
+              </a:solidFill>
+              <a:effectLst>
+                <a:outerShdw blurRad="38100" dist="38100" dir="2700000" algn="tl">
+                  <a:srgbClr val="000000">
+                    <a:alpha val="43137"/>
+                  </a:srgbClr>
+                </a:outerShdw>
+              </a:effectLst>
+            </a:endParaRPr>
+          </a:p>
+        </p:txBody>
+      </p:sp>
+      <p:sp>
+        <p:nvSpPr>
+          <p:cNvPr id="7" name="Rectangle 6"/>
+          <p:cNvSpPr/>
+          <p:nvPr/>
+        </p:nvSpPr>
+        <p:spPr bwMode="auto">
+          <a:xfrm>
+            <a:off x="7671000" y="3960507"/>
+            <a:ext cx="2430000" cy="385663"/>
+          </a:xfrm>
+          <a:prstGeom prst="rect">
+            <a:avLst/>
+          </a:prstGeom>
+          <a:noFill/>
+          <a:ln w="38100">
+            <a:solidFill>
+              <a:schemeClr val="tx1">
+                <a:lumMod val="75000"/>
+                <a:alpha val="80000"/>
+              </a:schemeClr>
+            </a:solidFill>
+          </a:ln>
+          <a:effectLst/>
+        </p:spPr>
+        <p:style>
+          <a:lnRef idx="2">
+            <a:schemeClr val="accent1">
+              <a:shade val="50000"/>
+            </a:schemeClr>
+          </a:lnRef>
+          <a:fillRef idx="1001">
+            <a:schemeClr val="dk2"/>
+          </a:fillRef>
+          <a:effectRef idx="0">
+            <a:schemeClr val="accent1"/>
+          </a:effectRef>
+          <a:fontRef idx="minor">
+            <a:schemeClr val="lt1"/>
+          </a:fontRef>
+        </p:style>
+        <p:txBody>
+          <a:bodyPr rot="0" spcFirstLastPara="0" vertOverflow="overflow" horzOverflow="overflow" vert="horz" wrap="square" lIns="91440" tIns="45720" rIns="91440" bIns="45720" numCol="1" spcCol="0" rtlCol="0" fromWordArt="0" anchor="ctr" anchorCtr="0" forceAA="0" compatLnSpc="1">
+            <a:prstTxWarp prst="textNoShape">
+              <a:avLst/>
+            </a:prstTxWarp>
+            <a:noAutofit/>
+          </a:bodyPr>
+          <a:lstStyle/>
+          <a:p>
+            <a:pPr algn="ctr"/>
+            <a:endParaRPr lang="en-US" sz="2800" b="1" dirty="0">
+              <a:solidFill>
+                <a:srgbClr val="FFFFFF"/>
+              </a:solidFill>
+              <a:effectLst>
+                <a:outerShdw blurRad="38100" dist="38100" dir="2700000" algn="tl">
+                  <a:srgbClr val="000000">
+                    <a:alpha val="43137"/>
+                  </a:srgbClr>
+                </a:outerShdw>
+              </a:effectLst>
+            </a:endParaRPr>
+          </a:p>
+        </p:txBody>
+      </p:sp>
+      <p:sp>
+        <p:nvSpPr>
+          <p:cNvPr id="8" name="Rectangle 7"/>
+          <p:cNvSpPr/>
+          <p:nvPr/>
+        </p:nvSpPr>
+        <p:spPr bwMode="auto">
+          <a:xfrm>
+            <a:off x="7671000" y="4346171"/>
+            <a:ext cx="2430000" cy="351508"/>
+          </a:xfrm>
+          <a:prstGeom prst="rect">
+            <a:avLst/>
+          </a:prstGeom>
+          <a:noFill/>
+          <a:ln w="38100">
+            <a:solidFill>
+              <a:schemeClr val="tx1">
+                <a:lumMod val="75000"/>
+                <a:alpha val="80000"/>
+              </a:schemeClr>
+            </a:solidFill>
+          </a:ln>
+          <a:effectLst/>
+        </p:spPr>
+        <p:style>
+          <a:lnRef idx="2">
+            <a:schemeClr val="accent1">
+              <a:shade val="50000"/>
+            </a:schemeClr>
+          </a:lnRef>
+          <a:fillRef idx="1001">
+            <a:schemeClr val="dk2"/>
+          </a:fillRef>
+          <a:effectRef idx="0">
+            <a:schemeClr val="accent1"/>
+          </a:effectRef>
+          <a:fontRef idx="minor">
+            <a:schemeClr val="lt1"/>
+          </a:fontRef>
+        </p:style>
+        <p:txBody>
+          <a:bodyPr rot="0" spcFirstLastPara="0" vertOverflow="overflow" horzOverflow="overflow" vert="horz" wrap="square" lIns="91440" tIns="45720" rIns="91440" bIns="45720" numCol="1" spcCol="0" rtlCol="0" fromWordArt="0" anchor="ctr" anchorCtr="0" forceAA="0" compatLnSpc="1">
+            <a:prstTxWarp prst="textNoShape">
+              <a:avLst/>
+            </a:prstTxWarp>
+            <a:noAutofit/>
+          </a:bodyPr>
+          <a:lstStyle/>
+          <a:p>
+            <a:pPr algn="ctr"/>
+            <a:endParaRPr lang="en-US" sz="2800" b="1" dirty="0">
+              <a:solidFill>
+                <a:srgbClr val="FFFFFF"/>
+              </a:solidFill>
+              <a:effectLst>
+                <a:outerShdw blurRad="38100" dist="38100" dir="2700000" algn="tl">
+                  <a:srgbClr val="000000">
+                    <a:alpha val="43137"/>
+                  </a:srgbClr>
+                </a:outerShdw>
+              </a:effectLst>
+            </a:endParaRPr>
+          </a:p>
+        </p:txBody>
+      </p:sp>
+    </p:spTree>
+    <p:extLst>
+      <p:ext uri="{BB962C8B-B14F-4D97-AF65-F5344CB8AC3E}">
+        <p14:creationId xmlns:p14="http://schemas.microsoft.com/office/powerpoint/2010/main" val="3501043363"/>
+      </p:ext>
+    </p:extLst>
+  </p:cSld>
+  <p:clrMapOvr>
+    <a:masterClrMapping/>
+  </p:clrMapOvr>
+  <mc:AlternateContent xmlns:mc="http://schemas.openxmlformats.org/markup-compatibility/2006" xmlns:p14="http://schemas.microsoft.com/office/powerpoint/2010/main">
+    <mc:Choice Requires="p14">
+      <p:transition spd="slow" p14:dur="2000" advClick="0" advTm="5000"/>
+    </mc:Choice>
+    <mc:Fallback xmlns="">
+      <p:transition spd="slow" advClick="0" advTm="5000"/>
+    </mc:Fallback>
+  </mc:AlternateContent>
+  <p:timing>
+    <p:tnLst>
+      <p:par>
+        <p:cTn id="1" dur="indefinite" restart="never" nodeType="tmRoot">
+          <p:childTnLst>
+            <p:seq concurrent="1" nextAc="seek">
+              <p:cTn id="2" dur="indefinite" nodeType="mainSeq">
+                <p:childTnLst>
+                  <p:par>
+                    <p:cTn id="3" fill="hold">
+                      <p:stCondLst>
+                        <p:cond delay="indefinite"/>
+                      </p:stCondLst>
+                      <p:childTnLst>
+                        <p:par>
+                          <p:cTn id="4" fill="hold">
+                            <p:stCondLst>
+                              <p:cond delay="0"/>
+                            </p:stCondLst>
+                            <p:childTnLst>
+                              <p:par>
+                                <p:cTn id="5" presetID="1" presetClass="entr" presetSubtype="0" fill="hold" nodeType="clickEffect">
+                                  <p:stCondLst>
+                                    <p:cond delay="0"/>
+                                  </p:stCondLst>
+                                  <p:childTnLst>
+                                    <p:set>
+                                      <p:cBhvr>
+                                        <p:cTn id="6" dur="1" fill="hold">
+                                          <p:stCondLst>
+                                            <p:cond delay="0"/>
+                                          </p:stCondLst>
+                                        </p:cTn>
+                                        <p:tgtEl>
+                                          <p:spTgt spid="5"/>
+                                        </p:tgtEl>
+                                        <p:attrNameLst>
+                                          <p:attrName>style.visibility</p:attrName>
+                                        </p:attrNameLst>
+                                      </p:cBhvr>
+                                      <p:to>
+                                        <p:strVal val="visible"/>
+                                      </p:to>
+                                    </p:set>
+                                  </p:childTnLst>
+                                </p:cTn>
+                              </p:par>
+                            </p:childTnLst>
+                          </p:cTn>
+                        </p:par>
+                      </p:childTnLst>
+                    </p:cTn>
+                  </p:par>
+                  <p:par>
+                    <p:cTn id="7" fill="hold">
+                      <p:stCondLst>
+                        <p:cond delay="indefinite"/>
+                      </p:stCondLst>
+                      <p:childTnLst>
+                        <p:par>
+                          <p:cTn id="8" fill="hold">
+                            <p:stCondLst>
+                              <p:cond delay="0"/>
+                            </p:stCondLst>
+                            <p:childTnLst>
+                              <p:par>
+                                <p:cTn id="9" presetID="1" presetClass="entr" presetSubtype="0" fill="hold" nodeType="clickEffect">
+                                  <p:stCondLst>
+                                    <p:cond delay="0"/>
+                                  </p:stCondLst>
+                                  <p:childTnLst>
+                                    <p:set>
+                                      <p:cBhvr>
+                                        <p:cTn id="10" dur="1" fill="hold">
+                                          <p:stCondLst>
+                                            <p:cond delay="0"/>
+                                          </p:stCondLst>
+                                        </p:cTn>
+                                        <p:tgtEl>
+                                          <p:spTgt spid="3">
+                                            <p:txEl>
+                                              <p:pRg st="1" end="1"/>
+                                            </p:txEl>
+                                          </p:spTgt>
+                                        </p:tgtEl>
+                                        <p:attrNameLst>
+                                          <p:attrName>style.visibility</p:attrName>
+                                        </p:attrNameLst>
+                                      </p:cBhvr>
+                                      <p:to>
+                                        <p:strVal val="visible"/>
+                                      </p:to>
+                                    </p:set>
+                                  </p:childTnLst>
+                                </p:cTn>
+                              </p:par>
+                              <p:par>
+                                <p:cTn id="11" presetID="1" presetClass="entr" presetSubtype="0" fill="hold" grpId="0" nodeType="withEffect">
+                                  <p:stCondLst>
+                                    <p:cond delay="0"/>
+                                  </p:stCondLst>
+                                  <p:childTnLst>
+                                    <p:set>
+                                      <p:cBhvr>
+                                        <p:cTn id="12" dur="1" fill="hold">
+                                          <p:stCondLst>
+                                            <p:cond delay="0"/>
+                                          </p:stCondLst>
+                                        </p:cTn>
+                                        <p:tgtEl>
+                                          <p:spTgt spid="6"/>
+                                        </p:tgtEl>
+                                        <p:attrNameLst>
+                                          <p:attrName>style.visibility</p:attrName>
+                                        </p:attrNameLst>
+                                      </p:cBhvr>
+                                      <p:to>
+                                        <p:strVal val="visible"/>
+                                      </p:to>
+                                    </p:set>
+                                  </p:childTnLst>
+                                </p:cTn>
+                              </p:par>
+                            </p:childTnLst>
+                          </p:cTn>
+                        </p:par>
+                      </p:childTnLst>
+                    </p:cTn>
+                  </p:par>
+                  <p:par>
+                    <p:cTn id="13" fill="hold">
+                      <p:stCondLst>
+                        <p:cond delay="indefinite"/>
+                      </p:stCondLst>
+                      <p:childTnLst>
+                        <p:par>
+                          <p:cTn id="14" fill="hold">
+                            <p:stCondLst>
+                              <p:cond delay="0"/>
+                            </p:stCondLst>
+                            <p:childTnLst>
+                              <p:par>
+                                <p:cTn id="15" presetID="1" presetClass="entr" presetSubtype="0" fill="hold" nodeType="clickEffect">
+                                  <p:stCondLst>
+                                    <p:cond delay="0"/>
+                                  </p:stCondLst>
+                                  <p:childTnLst>
+                                    <p:set>
+                                      <p:cBhvr>
+                                        <p:cTn id="16" dur="1" fill="hold">
+                                          <p:stCondLst>
+                                            <p:cond delay="0"/>
+                                          </p:stCondLst>
+                                        </p:cTn>
+                                        <p:tgtEl>
+                                          <p:spTgt spid="3">
+                                            <p:txEl>
+                                              <p:pRg st="2" end="2"/>
+                                            </p:txEl>
+                                          </p:spTgt>
+                                        </p:tgtEl>
+                                        <p:attrNameLst>
+                                          <p:attrName>style.visibility</p:attrName>
+                                        </p:attrNameLst>
+                                      </p:cBhvr>
+                                      <p:to>
+                                        <p:strVal val="visible"/>
+                                      </p:to>
+                                    </p:set>
+                                  </p:childTnLst>
+                                </p:cTn>
+                              </p:par>
+                            </p:childTnLst>
+                          </p:cTn>
+                        </p:par>
+                      </p:childTnLst>
+                    </p:cTn>
+                  </p:par>
+                  <p:par>
+                    <p:cTn id="17" fill="hold">
+                      <p:stCondLst>
+                        <p:cond delay="indefinite"/>
+                      </p:stCondLst>
+                      <p:childTnLst>
+                        <p:par>
+                          <p:cTn id="18" fill="hold">
+                            <p:stCondLst>
+                              <p:cond delay="0"/>
+                            </p:stCondLst>
+                            <p:childTnLst>
+                              <p:par>
+                                <p:cTn id="19" presetID="1" presetClass="entr" presetSubtype="0" fill="hold" nodeType="clickEffect">
+                                  <p:stCondLst>
+                                    <p:cond delay="0"/>
+                                  </p:stCondLst>
+                                  <p:childTnLst>
+                                    <p:set>
+                                      <p:cBhvr>
+                                        <p:cTn id="20" dur="1" fill="hold">
+                                          <p:stCondLst>
+                                            <p:cond delay="0"/>
+                                          </p:stCondLst>
+                                        </p:cTn>
+                                        <p:tgtEl>
+                                          <p:spTgt spid="3">
+                                            <p:txEl>
+                                              <p:pRg st="3" end="3"/>
+                                            </p:txEl>
+                                          </p:spTgt>
+                                        </p:tgtEl>
+                                        <p:attrNameLst>
+                                          <p:attrName>style.visibility</p:attrName>
+                                        </p:attrNameLst>
+                                      </p:cBhvr>
+                                      <p:to>
+                                        <p:strVal val="visible"/>
+                                      </p:to>
+                                    </p:set>
+                                  </p:childTnLst>
+                                </p:cTn>
+                              </p:par>
+                              <p:par>
+                                <p:cTn id="21" presetID="1" presetClass="entr" presetSubtype="0" fill="hold" grpId="0" nodeType="withEffect">
+                                  <p:stCondLst>
+                                    <p:cond delay="0"/>
+                                  </p:stCondLst>
+                                  <p:childTnLst>
+                                    <p:set>
+                                      <p:cBhvr>
+                                        <p:cTn id="22" dur="1" fill="hold">
+                                          <p:stCondLst>
+                                            <p:cond delay="0"/>
+                                          </p:stCondLst>
+                                        </p:cTn>
+                                        <p:tgtEl>
+                                          <p:spTgt spid="7"/>
+                                        </p:tgtEl>
+                                        <p:attrNameLst>
+                                          <p:attrName>style.visibility</p:attrName>
+                                        </p:attrNameLst>
+                                      </p:cBhvr>
+                                      <p:to>
+                                        <p:strVal val="visible"/>
+                                      </p:to>
+                                    </p:set>
+                                  </p:childTnLst>
+                                </p:cTn>
+                              </p:par>
+                            </p:childTnLst>
+                          </p:cTn>
+                        </p:par>
+                      </p:childTnLst>
+                    </p:cTn>
+                  </p:par>
+                  <p:par>
+                    <p:cTn id="23" fill="hold">
+                      <p:stCondLst>
+                        <p:cond delay="indefinite"/>
+                      </p:stCondLst>
+                      <p:childTnLst>
+                        <p:par>
+                          <p:cTn id="24" fill="hold">
+                            <p:stCondLst>
+                              <p:cond delay="0"/>
+                            </p:stCondLst>
+                            <p:childTnLst>
+                              <p:par>
+                                <p:cTn id="25" presetID="1" presetClass="entr" presetSubtype="0" fill="hold" nodeType="clickEffect">
+                                  <p:stCondLst>
+                                    <p:cond delay="0"/>
+                                  </p:stCondLst>
+                                  <p:childTnLst>
+                                    <p:set>
+                                      <p:cBhvr>
+                                        <p:cTn id="26" dur="1" fill="hold">
+                                          <p:stCondLst>
+                                            <p:cond delay="0"/>
+                                          </p:stCondLst>
+                                        </p:cTn>
+                                        <p:tgtEl>
+                                          <p:spTgt spid="3">
+                                            <p:txEl>
+                                              <p:pRg st="4" end="4"/>
+                                            </p:txEl>
+                                          </p:spTgt>
+                                        </p:tgtEl>
+                                        <p:attrNameLst>
+                                          <p:attrName>style.visibility</p:attrName>
+                                        </p:attrNameLst>
+                                      </p:cBhvr>
+                                      <p:to>
+                                        <p:strVal val="visible"/>
+                                      </p:to>
+                                    </p:set>
+                                  </p:childTnLst>
+                                </p:cTn>
+                              </p:par>
+                              <p:par>
+                                <p:cTn id="27" presetID="1" presetClass="entr" presetSubtype="0" fill="hold" nodeType="withEffect">
+                                  <p:stCondLst>
+                                    <p:cond delay="0"/>
+                                  </p:stCondLst>
+                                  <p:childTnLst>
+                                    <p:set>
+                                      <p:cBhvr>
+                                        <p:cTn id="28" dur="1" fill="hold">
+                                          <p:stCondLst>
+                                            <p:cond delay="0"/>
+                                          </p:stCondLst>
+                                        </p:cTn>
+                                        <p:tgtEl>
+                                          <p:spTgt spid="3">
+                                            <p:txEl>
+                                              <p:pRg st="5" end="5"/>
+                                            </p:txEl>
+                                          </p:spTgt>
+                                        </p:tgtEl>
+                                        <p:attrNameLst>
+                                          <p:attrName>style.visibility</p:attrName>
+                                        </p:attrNameLst>
+                                      </p:cBhvr>
+                                      <p:to>
+                                        <p:strVal val="visible"/>
+                                      </p:to>
+                                    </p:set>
+                                  </p:childTnLst>
+                                </p:cTn>
+                              </p:par>
+                            </p:childTnLst>
+                          </p:cTn>
+                        </p:par>
+                      </p:childTnLst>
+                    </p:cTn>
+                  </p:par>
+                  <p:par>
+                    <p:cTn id="29" fill="hold">
+                      <p:stCondLst>
+                        <p:cond delay="indefinite"/>
+                      </p:stCondLst>
+                      <p:childTnLst>
+                        <p:par>
+                          <p:cTn id="30" fill="hold">
+                            <p:stCondLst>
+                              <p:cond delay="0"/>
+                            </p:stCondLst>
+                            <p:childTnLst>
+                              <p:par>
+                                <p:cTn id="31" presetID="1" presetClass="entr" presetSubtype="0" fill="hold" nodeType="clickEffect">
+                                  <p:stCondLst>
+                                    <p:cond delay="0"/>
+                                  </p:stCondLst>
+                                  <p:childTnLst>
+                                    <p:set>
+                                      <p:cBhvr>
+                                        <p:cTn id="32" dur="1" fill="hold">
+                                          <p:stCondLst>
+                                            <p:cond delay="0"/>
+                                          </p:stCondLst>
+                                        </p:cTn>
+                                        <p:tgtEl>
+                                          <p:spTgt spid="3">
+                                            <p:txEl>
+                                              <p:pRg st="6" end="6"/>
+                                            </p:txEl>
+                                          </p:spTgt>
+                                        </p:tgtEl>
+                                        <p:attrNameLst>
+                                          <p:attrName>style.visibility</p:attrName>
+                                        </p:attrNameLst>
+                                      </p:cBhvr>
+                                      <p:to>
+                                        <p:strVal val="visible"/>
+                                      </p:to>
+                                    </p:set>
+                                  </p:childTnLst>
+                                </p:cTn>
+                              </p:par>
+                              <p:par>
+                                <p:cTn id="33" presetID="1" presetClass="entr" presetSubtype="0" fill="hold" grpId="0" nodeType="withEffect">
+                                  <p:stCondLst>
+                                    <p:cond delay="0"/>
+                                  </p:stCondLst>
+                                  <p:childTnLst>
+                                    <p:set>
+                                      <p:cBhvr>
+                                        <p:cTn id="34" dur="1" fill="hold">
+                                          <p:stCondLst>
+                                            <p:cond delay="0"/>
+                                          </p:stCondLst>
+                                        </p:cTn>
+                                        <p:tgtEl>
+                                          <p:spTgt spid="8"/>
+                                        </p:tgtEl>
+                                        <p:attrNameLst>
+                                          <p:attrName>style.visibility</p:attrName>
+                                        </p:attrNameLst>
+                                      </p:cBhvr>
+                                      <p:to>
+                                        <p:strVal val="visible"/>
+                                      </p:to>
+                                    </p:set>
+                                  </p:childTnLst>
+                                </p:cTn>
+                              </p:par>
+                            </p:childTnLst>
+                          </p:cTn>
+                        </p:par>
+                      </p:childTnLst>
+                    </p:cTn>
+                  </p:par>
+                  <p:par>
+                    <p:cTn id="35" fill="hold">
+                      <p:stCondLst>
+                        <p:cond delay="indefinite"/>
+                      </p:stCondLst>
+                      <p:childTnLst>
+                        <p:par>
+                          <p:cTn id="36" fill="hold">
+                            <p:stCondLst>
+                              <p:cond delay="0"/>
+                            </p:stCondLst>
+                            <p:childTnLst>
+                              <p:par>
+                                <p:cTn id="37" presetID="1" presetClass="entr" presetSubtype="0" fill="hold" nodeType="clickEffect">
+                                  <p:stCondLst>
+                                    <p:cond delay="0"/>
+                                  </p:stCondLst>
+                                  <p:childTnLst>
+                                    <p:set>
+                                      <p:cBhvr>
+                                        <p:cTn id="38" dur="1" fill="hold">
+                                          <p:stCondLst>
+                                            <p:cond delay="0"/>
+                                          </p:stCondLst>
+                                        </p:cTn>
+                                        <p:tgtEl>
+                                          <p:spTgt spid="3">
+                                            <p:txEl>
+                                              <p:pRg st="7" end="7"/>
+                                            </p:txEl>
+                                          </p:spTgt>
+                                        </p:tgtEl>
+                                        <p:attrNameLst>
+                                          <p:attrName>style.visibility</p:attrName>
+                                        </p:attrNameLst>
+                                      </p:cBhvr>
+                                      <p:to>
+                                        <p:strVal val="visible"/>
+                                      </p:to>
+                                    </p:set>
+                                  </p:childTnLst>
+                                </p:cTn>
+                              </p:par>
+                            </p:childTnLst>
+                          </p:cTn>
+                        </p:par>
+                      </p:childTnLst>
+                    </p:cTn>
+                  </p:par>
+                </p:childTnLst>
+              </p:cTn>
+              <p:prevCondLst>
+                <p:cond evt="onPrev" delay="0">
+                  <p:tgtEl>
+                    <p:sldTgt/>
+                  </p:tgtEl>
+                </p:cond>
+              </p:prevCondLst>
+              <p:nextCondLst>
+                <p:cond evt="onNext" delay="0">
+                  <p:tgtEl>
+                    <p:sldTgt/>
+                  </p:tgtEl>
+                </p:cond>
+              </p:nextCondLst>
+            </p:seq>
+          </p:childTnLst>
+        </p:cTn>
+      </p:par>
+    </p:tnLst>
+    <p:bldLst>
+      <p:bldP spid="6" grpId="0" animBg="1"/>
+      <p:bldP spid="7" grpId="0" animBg="1"/>
+      <p:bldP spid="8" grpId="0" animBg="1"/>
+    </p:bldLst>
+  </p:timing>
+</p:sld>
+</file>
+
+<file path=ppt/slides/slide14.xml><?xml version="1.0" encoding="utf-8"?>
+<p:sld xmlns:a="http://schemas.openxmlformats.org/drawingml/2006/main" xmlns:r="http://schemas.openxmlformats.org/officeDocument/2006/relationships" xmlns:p="http://schemas.openxmlformats.org/presentationml/2006/main">
+  <p:cSld>
+    <p:spTree>
+      <p:nvGrpSpPr>
+        <p:cNvPr id="1" name=""/>
+        <p:cNvGrpSpPr/>
+        <p:nvPr/>
+      </p:nvGrpSpPr>
+      <p:grpSpPr>
+        <a:xfrm>
+          <a:off x="0" y="0"/>
+          <a:ext cx="0" cy="0"/>
+          <a:chOff x="0" y="0"/>
+          <a:chExt cx="0" cy="0"/>
+        </a:xfrm>
+      </p:grpSpPr>
+      <p:sp>
+        <p:nvSpPr>
+          <p:cNvPr id="2" name="Slide Number Placeholder 1"/>
+          <p:cNvSpPr>
+            <a:spLocks noGrp="1"/>
+          </p:cNvSpPr>
+          <p:nvPr>
+            <p:ph type="sldNum" sz="quarter" idx="5"/>
+          </p:nvPr>
+        </p:nvSpPr>
+        <p:spPr/>
+        <p:txBody>
+          <a:bodyPr/>
+          <a:lstStyle/>
+          <a:p>
+            <a:fld id="{2BF067CD-8E6B-4360-9AA8-C5DF2A48A6D1}" type="slidenum">
+              <a:rPr lang="en-US" noProof="0" smtClean="0"/>
+              <a:pPr/>
+              <a:t>14</a:t>
+            </a:fld>
+            <a:endParaRPr lang="en-US" noProof="0" dirty="0"/>
+          </a:p>
+        </p:txBody>
+      </p:sp>
+      <p:sp>
+        <p:nvSpPr>
+          <p:cNvPr id="3" name="Text Placeholder 2"/>
+          <p:cNvSpPr>
+            <a:spLocks noGrp="1"/>
+          </p:cNvSpPr>
+          <p:nvPr>
+            <p:ph type="body" sz="quarter" idx="10"/>
+          </p:nvPr>
+        </p:nvSpPr>
+        <p:spPr>
+          <a:xfrm>
+            <a:off x="190402" y="1196125"/>
+            <a:ext cx="11800598" cy="5528766"/>
+          </a:xfrm>
+        </p:spPr>
+        <p:txBody>
+          <a:bodyPr>
+            <a:normAutofit/>
+          </a:bodyPr>
+          <a:lstStyle/>
+          <a:p>
+            <a:r>
+              <a:rPr lang="bg-BG" dirty="0" smtClean="0"/>
+              <a:t>Опциите на </a:t>
+            </a:r>
+            <a:r>
+              <a:rPr lang="bg-BG" b="1" dirty="0" smtClean="0"/>
+              <a:t>падащта кутия </a:t>
+            </a:r>
+            <a:r>
+              <a:rPr lang="en-US" b="1" dirty="0" smtClean="0">
+                <a:solidFill>
+                  <a:schemeClr val="bg1"/>
+                </a:solidFill>
+              </a:rPr>
+              <a:t>Start</a:t>
+            </a:r>
+            <a:r>
+              <a:rPr lang="en-US" b="1" dirty="0" smtClean="0"/>
+              <a:t> </a:t>
+            </a:r>
+            <a:r>
+              <a:rPr lang="bg-BG" dirty="0" smtClean="0"/>
+              <a:t>са:</a:t>
+            </a:r>
+            <a:endParaRPr lang="en-US" dirty="0" smtClean="0"/>
+          </a:p>
+          <a:p>
+            <a:pPr lvl="1"/>
+            <a:r>
+              <a:rPr lang="en-US" dirty="0" smtClean="0"/>
+              <a:t>͏</a:t>
+            </a:r>
+            <a:r>
+              <a:rPr lang="en-US" b="1" dirty="0" smtClean="0">
+                <a:solidFill>
+                  <a:schemeClr val="bg1"/>
+                </a:solidFill>
+              </a:rPr>
+              <a:t>On </a:t>
+            </a:r>
+            <a:r>
+              <a:rPr lang="en-US" b="1" dirty="0">
+                <a:solidFill>
+                  <a:schemeClr val="bg1"/>
+                </a:solidFill>
+              </a:rPr>
+              <a:t>Click </a:t>
+            </a:r>
+            <a:r>
+              <a:rPr lang="bg-BG" dirty="0"/>
+              <a:t>(</a:t>
+            </a:r>
+            <a:r>
+              <a:rPr lang="bg-BG" b="1" dirty="0"/>
+              <a:t>При щракване</a:t>
+            </a:r>
+            <a:r>
+              <a:rPr lang="bg-BG" dirty="0"/>
+              <a:t>)</a:t>
+            </a:r>
+          </a:p>
+          <a:p>
+            <a:pPr lvl="2"/>
+            <a:r>
+              <a:rPr lang="bg-BG" dirty="0"/>
+              <a:t>Стартира анимацията </a:t>
+            </a:r>
+            <a:r>
+              <a:rPr lang="bg-BG" b="1" dirty="0"/>
+              <a:t>след щракване </a:t>
+            </a:r>
+            <a:r>
+              <a:rPr lang="bg-BG" dirty="0"/>
+              <a:t>с </a:t>
+            </a:r>
+            <a:r>
+              <a:rPr lang="bg-BG" b="1" dirty="0"/>
+              <a:t>мишката</a:t>
+            </a:r>
+          </a:p>
+          <a:p>
+            <a:pPr lvl="1"/>
+            <a:r>
+              <a:rPr lang="en-US" dirty="0" smtClean="0"/>
+              <a:t>͏</a:t>
+            </a:r>
+            <a:r>
+              <a:rPr lang="en-US" b="1" dirty="0" smtClean="0">
+                <a:solidFill>
+                  <a:schemeClr val="bg1"/>
+                </a:solidFill>
+              </a:rPr>
+              <a:t>With </a:t>
+            </a:r>
+            <a:r>
+              <a:rPr lang="en-US" b="1" dirty="0">
+                <a:solidFill>
+                  <a:schemeClr val="bg1"/>
+                </a:solidFill>
+              </a:rPr>
+              <a:t>Previous</a:t>
+            </a:r>
+            <a:r>
+              <a:rPr lang="bg-BG" b="1" dirty="0">
+                <a:solidFill>
+                  <a:schemeClr val="bg1"/>
+                </a:solidFill>
+              </a:rPr>
+              <a:t> </a:t>
+            </a:r>
+            <a:r>
+              <a:rPr lang="bg-BG" dirty="0"/>
+              <a:t>(</a:t>
+            </a:r>
+            <a:r>
+              <a:rPr lang="bg-BG" b="1" dirty="0"/>
+              <a:t>С предишния</a:t>
+            </a:r>
+            <a:r>
+              <a:rPr lang="bg-BG" dirty="0"/>
+              <a:t>)</a:t>
+            </a:r>
+            <a:endParaRPr lang="en-US" dirty="0"/>
+          </a:p>
+          <a:p>
+            <a:pPr lvl="2"/>
+            <a:r>
+              <a:rPr lang="bg-BG" dirty="0"/>
+              <a:t>Стартира анимацията </a:t>
+            </a:r>
+            <a:r>
+              <a:rPr lang="bg-BG" b="1" dirty="0"/>
+              <a:t>с предишната</a:t>
+            </a:r>
+          </a:p>
+          <a:p>
+            <a:pPr lvl="1"/>
+            <a:r>
+              <a:rPr lang="en-US" dirty="0" smtClean="0"/>
+              <a:t>͏</a:t>
+            </a:r>
+            <a:r>
+              <a:rPr lang="en-US" b="1" dirty="0" smtClean="0">
+                <a:solidFill>
+                  <a:schemeClr val="bg1"/>
+                </a:solidFill>
+              </a:rPr>
+              <a:t>After </a:t>
+            </a:r>
+            <a:r>
+              <a:rPr lang="en-US" b="1" dirty="0">
+                <a:solidFill>
+                  <a:schemeClr val="bg1"/>
+                </a:solidFill>
+              </a:rPr>
+              <a:t>Previous </a:t>
+            </a:r>
+            <a:r>
+              <a:rPr lang="en-US" dirty="0"/>
+              <a:t>(</a:t>
+            </a:r>
+            <a:r>
+              <a:rPr lang="bg-BG" b="1" dirty="0"/>
+              <a:t>След предишния</a:t>
+            </a:r>
+            <a:r>
+              <a:rPr lang="en-US" dirty="0"/>
+              <a:t>)</a:t>
+            </a:r>
+            <a:endParaRPr lang="bg-BG" dirty="0"/>
+          </a:p>
+          <a:p>
+            <a:pPr lvl="2"/>
+            <a:r>
+              <a:rPr lang="bg-BG" dirty="0"/>
+              <a:t>Стартира анимацията </a:t>
+            </a:r>
+            <a:r>
+              <a:rPr lang="bg-BG" b="1" dirty="0"/>
+              <a:t>след предишната</a:t>
+            </a:r>
+          </a:p>
+          <a:p>
+            <a:endParaRPr lang="en-US" dirty="0"/>
+          </a:p>
+        </p:txBody>
+      </p:sp>
+      <p:sp>
+        <p:nvSpPr>
+          <p:cNvPr id="4" name="Title 3"/>
+          <p:cNvSpPr>
+            <a:spLocks noGrp="1"/>
+          </p:cNvSpPr>
+          <p:nvPr>
+            <p:ph type="title"/>
+          </p:nvPr>
+        </p:nvSpPr>
+        <p:spPr/>
+        <p:txBody>
+          <a:bodyPr/>
+          <a:lstStyle/>
+          <a:p>
+            <a:r>
+              <a:rPr lang="en-US" dirty="0" smtClean="0"/>
+              <a:t>Start</a:t>
+            </a:r>
+            <a:endParaRPr lang="en-US" dirty="0"/>
+          </a:p>
+        </p:txBody>
+      </p:sp>
+      <p:pic>
+        <p:nvPicPr>
+          <p:cNvPr id="6" name="Picture 5"/>
+          <p:cNvPicPr>
+            <a:picLocks noChangeAspect="1"/>
+          </p:cNvPicPr>
+          <p:nvPr/>
+        </p:nvPicPr>
+        <p:blipFill rotWithShape="1">
+          <a:blip r:embed="rId2"/>
+          <a:srcRect r="41660"/>
+          <a:stretch/>
+        </p:blipFill>
+        <p:spPr>
+          <a:xfrm>
+            <a:off x="7895810" y="3312075"/>
+            <a:ext cx="3157232" cy="1783658"/>
+          </a:xfrm>
+          <a:prstGeom prst="rect">
+            <a:avLst/>
+          </a:prstGeom>
+          <a:ln>
+            <a:solidFill>
+              <a:schemeClr val="bg2">
+                <a:lumMod val="75000"/>
+              </a:schemeClr>
+            </a:solidFill>
+          </a:ln>
+        </p:spPr>
+      </p:pic>
+      <p:pic>
+        <p:nvPicPr>
+          <p:cNvPr id="5" name="Picture 4"/>
+          <p:cNvPicPr>
+            <a:picLocks noChangeAspect="1"/>
+          </p:cNvPicPr>
+          <p:nvPr/>
+        </p:nvPicPr>
+        <p:blipFill>
+          <a:blip r:embed="rId3"/>
+          <a:stretch>
+            <a:fillRect/>
+          </a:stretch>
+        </p:blipFill>
+        <p:spPr>
+          <a:xfrm>
+            <a:off x="8880795" y="3735418"/>
+            <a:ext cx="2248979" cy="1444081"/>
+          </a:xfrm>
+          <a:prstGeom prst="rect">
+            <a:avLst/>
+          </a:prstGeom>
+        </p:spPr>
+      </p:pic>
+      <p:cxnSp>
+        <p:nvCxnSpPr>
+          <p:cNvPr id="8" name="Straight Arrow Connector 7"/>
+          <p:cNvCxnSpPr/>
+          <p:nvPr/>
+        </p:nvCxnSpPr>
+        <p:spPr>
+          <a:xfrm flipH="1">
+            <a:off x="10326000" y="4014000"/>
+            <a:ext cx="1157141" cy="0"/>
+          </a:xfrm>
+          <a:prstGeom prst="straightConnector1">
+            <a:avLst/>
+          </a:prstGeom>
+          <a:ln w="76200">
+            <a:tailEnd type="triangle"/>
+          </a:ln>
+        </p:spPr>
+        <p:style>
+          <a:lnRef idx="1">
+            <a:schemeClr val="dk1"/>
+          </a:lnRef>
+          <a:fillRef idx="0">
+            <a:schemeClr val="dk1"/>
+          </a:fillRef>
+          <a:effectRef idx="0">
+            <a:schemeClr val="dk1"/>
+          </a:effectRef>
+          <a:fontRef idx="minor">
+            <a:schemeClr val="tx1"/>
+          </a:fontRef>
+        </p:style>
+      </p:cxnSp>
+      <p:cxnSp>
+        <p:nvCxnSpPr>
+          <p:cNvPr id="10" name="Straight Arrow Connector 9"/>
+          <p:cNvCxnSpPr/>
+          <p:nvPr/>
+        </p:nvCxnSpPr>
+        <p:spPr>
+          <a:xfrm flipH="1">
+            <a:off x="10833859" y="4477250"/>
+            <a:ext cx="1157141" cy="0"/>
+          </a:xfrm>
+          <a:prstGeom prst="straightConnector1">
+            <a:avLst/>
+          </a:prstGeom>
+          <a:ln w="76200">
+            <a:tailEnd type="triangle"/>
+          </a:ln>
+        </p:spPr>
+        <p:style>
+          <a:lnRef idx="1">
+            <a:schemeClr val="dk1"/>
+          </a:lnRef>
+          <a:fillRef idx="0">
+            <a:schemeClr val="dk1"/>
+          </a:fillRef>
+          <a:effectRef idx="0">
+            <a:schemeClr val="dk1"/>
+          </a:effectRef>
+          <a:fontRef idx="minor">
+            <a:schemeClr val="tx1"/>
+          </a:fontRef>
+        </p:style>
+      </p:cxnSp>
+      <p:cxnSp>
+        <p:nvCxnSpPr>
+          <p:cNvPr id="11" name="Straight Arrow Connector 10"/>
+          <p:cNvCxnSpPr/>
+          <p:nvPr/>
+        </p:nvCxnSpPr>
+        <p:spPr>
+          <a:xfrm flipH="1">
+            <a:off x="10833859" y="4939950"/>
+            <a:ext cx="1157141" cy="0"/>
+          </a:xfrm>
+          <a:prstGeom prst="straightConnector1">
+            <a:avLst/>
+          </a:prstGeom>
+          <a:ln w="76200">
+            <a:tailEnd type="triangle"/>
+          </a:ln>
+        </p:spPr>
+        <p:style>
+          <a:lnRef idx="1">
+            <a:schemeClr val="dk1"/>
+          </a:lnRef>
+          <a:fillRef idx="0">
+            <a:schemeClr val="dk1"/>
+          </a:fillRef>
+          <a:effectRef idx="0">
+            <a:schemeClr val="dk1"/>
+          </a:effectRef>
+          <a:fontRef idx="minor">
+            <a:schemeClr val="tx1"/>
+          </a:fontRef>
+        </p:style>
+      </p:cxnSp>
+    </p:spTree>
+    <p:extLst>
+      <p:ext uri="{BB962C8B-B14F-4D97-AF65-F5344CB8AC3E}">
+        <p14:creationId xmlns:p14="http://schemas.microsoft.com/office/powerpoint/2010/main" val="2019724333"/>
+      </p:ext>
+    </p:extLst>
+  </p:cSld>
+  <p:clrMapOvr>
+    <a:masterClrMapping/>
+  </p:clrMapOvr>
+  <mc:AlternateContent xmlns:mc="http://schemas.openxmlformats.org/markup-compatibility/2006" xmlns:p14="http://schemas.microsoft.com/office/powerpoint/2010/main">
+    <mc:Choice Requires="p14">
+      <p:transition spd="slow" p14:dur="2000" advClick="0" advTm="5000"/>
+    </mc:Choice>
+    <mc:Fallback xmlns="">
+      <p:transition spd="slow" advClick="0" advTm="5000"/>
+    </mc:Fallback>
+  </mc:AlternateContent>
+  <p:timing>
+    <p:tnLst>
+      <p:par>
+        <p:cTn id="1" dur="indefinite" restart="never" nodeType="tmRoot">
+          <p:childTnLst>
+            <p:seq concurrent="1" nextAc="seek">
+              <p:cTn id="2" dur="indefinite" nodeType="mainSeq">
+                <p:childTnLst>
+                  <p:par>
+                    <p:cTn id="3" fill="hold">
+                      <p:stCondLst>
+                        <p:cond delay="indefinite"/>
+                      </p:stCondLst>
+                      <p:childTnLst>
+                        <p:par>
+                          <p:cTn id="4" fill="hold">
+                            <p:stCondLst>
+                              <p:cond delay="0"/>
+                            </p:stCondLst>
+                            <p:childTnLst>
+                              <p:par>
+                                <p:cTn id="5" presetID="1" presetClass="entr" presetSubtype="0" fill="hold" nodeType="clickEffect">
+                                  <p:stCondLst>
+                                    <p:cond delay="0"/>
+                                  </p:stCondLst>
+                                  <p:childTnLst>
+                                    <p:set>
+                                      <p:cBhvr>
+                                        <p:cTn id="6" dur="1" fill="hold">
+                                          <p:stCondLst>
+                                            <p:cond delay="0"/>
+                                          </p:stCondLst>
+                                        </p:cTn>
+                                        <p:tgtEl>
+                                          <p:spTgt spid="6"/>
+                                        </p:tgtEl>
+                                        <p:attrNameLst>
+                                          <p:attrName>style.visibility</p:attrName>
+                                        </p:attrNameLst>
+                                      </p:cBhvr>
+                                      <p:to>
+                                        <p:strVal val="visible"/>
+                                      </p:to>
+                                    </p:set>
+                                  </p:childTnLst>
+                                </p:cTn>
+                              </p:par>
+                            </p:childTnLst>
+                          </p:cTn>
+                        </p:par>
+                      </p:childTnLst>
+                    </p:cTn>
+                  </p:par>
+                  <p:par>
+                    <p:cTn id="7" fill="hold">
+                      <p:stCondLst>
+                        <p:cond delay="indefinite"/>
+                      </p:stCondLst>
+                      <p:childTnLst>
+                        <p:par>
+                          <p:cTn id="8" fill="hold">
+                            <p:stCondLst>
+                              <p:cond delay="0"/>
+                            </p:stCondLst>
+                            <p:childTnLst>
+                              <p:par>
+                                <p:cTn id="9" presetID="1" presetClass="entr" presetSubtype="0" fill="hold" nodeType="clickEffect">
+                                  <p:stCondLst>
+                                    <p:cond delay="0"/>
+                                  </p:stCondLst>
+                                  <p:childTnLst>
+                                    <p:set>
+                                      <p:cBhvr>
+                                        <p:cTn id="10" dur="1" fill="hold">
+                                          <p:stCondLst>
+                                            <p:cond delay="0"/>
+                                          </p:stCondLst>
+                                        </p:cTn>
+                                        <p:tgtEl>
+                                          <p:spTgt spid="5"/>
+                                        </p:tgtEl>
+                                        <p:attrNameLst>
+                                          <p:attrName>style.visibility</p:attrName>
+                                        </p:attrNameLst>
+                                      </p:cBhvr>
+                                      <p:to>
+                                        <p:strVal val="visible"/>
+                                      </p:to>
+                                    </p:set>
+                                  </p:childTnLst>
+                                </p:cTn>
+                              </p:par>
+                            </p:childTnLst>
+                          </p:cTn>
+                        </p:par>
+                      </p:childTnLst>
+                    </p:cTn>
+                  </p:par>
+                  <p:par>
+                    <p:cTn id="11" fill="hold">
+                      <p:stCondLst>
+                        <p:cond delay="indefinite"/>
+                      </p:stCondLst>
+                      <p:childTnLst>
+                        <p:par>
+                          <p:cTn id="12" fill="hold">
+                            <p:stCondLst>
+                              <p:cond delay="0"/>
+                            </p:stCondLst>
+                            <p:childTnLst>
+                              <p:par>
+                                <p:cTn id="13" presetID="1" presetClass="entr" presetSubtype="0" fill="hold" nodeType="clickEffect">
+                                  <p:stCondLst>
+                                    <p:cond delay="0"/>
+                                  </p:stCondLst>
+                                  <p:childTnLst>
+                                    <p:set>
+                                      <p:cBhvr>
+                                        <p:cTn id="14" dur="1" fill="hold">
+                                          <p:stCondLst>
+                                            <p:cond delay="0"/>
+                                          </p:stCondLst>
+                                        </p:cTn>
+                                        <p:tgtEl>
+                                          <p:spTgt spid="3">
+                                            <p:txEl>
+                                              <p:pRg st="1" end="1"/>
+                                            </p:txEl>
+                                          </p:spTgt>
+                                        </p:tgtEl>
+                                        <p:attrNameLst>
+                                          <p:attrName>style.visibility</p:attrName>
+                                        </p:attrNameLst>
+                                      </p:cBhvr>
+                                      <p:to>
+                                        <p:strVal val="visible"/>
+                                      </p:to>
+                                    </p:set>
+                                  </p:childTnLst>
+                                </p:cTn>
+                              </p:par>
+                              <p:par>
+                                <p:cTn id="15" presetID="1" presetClass="entr" presetSubtype="0" fill="hold" nodeType="withEffect">
+                                  <p:stCondLst>
+                                    <p:cond delay="0"/>
+                                  </p:stCondLst>
+                                  <p:childTnLst>
+                                    <p:set>
+                                      <p:cBhvr>
+                                        <p:cTn id="16" dur="1" fill="hold">
+                                          <p:stCondLst>
+                                            <p:cond delay="0"/>
+                                          </p:stCondLst>
+                                        </p:cTn>
+                                        <p:tgtEl>
+                                          <p:spTgt spid="8"/>
+                                        </p:tgtEl>
+                                        <p:attrNameLst>
+                                          <p:attrName>style.visibility</p:attrName>
+                                        </p:attrNameLst>
+                                      </p:cBhvr>
+                                      <p:to>
+                                        <p:strVal val="visible"/>
+                                      </p:to>
+                                    </p:set>
+                                  </p:childTnLst>
+                                </p:cTn>
+                              </p:par>
+                            </p:childTnLst>
+                          </p:cTn>
+                        </p:par>
+                      </p:childTnLst>
+                    </p:cTn>
+                  </p:par>
+                  <p:par>
+                    <p:cTn id="17" fill="hold">
+                      <p:stCondLst>
+                        <p:cond delay="indefinite"/>
+                      </p:stCondLst>
+                      <p:childTnLst>
+                        <p:par>
+                          <p:cTn id="18" fill="hold">
+                            <p:stCondLst>
+                              <p:cond delay="0"/>
+                            </p:stCondLst>
+                            <p:childTnLst>
+                              <p:par>
+                                <p:cTn id="19" presetID="1" presetClass="entr" presetSubtype="0" fill="hold" nodeType="clickEffect">
+                                  <p:stCondLst>
+                                    <p:cond delay="0"/>
+                                  </p:stCondLst>
+                                  <p:childTnLst>
+                                    <p:set>
+                                      <p:cBhvr>
+                                        <p:cTn id="20" dur="1" fill="hold">
+                                          <p:stCondLst>
+                                            <p:cond delay="0"/>
+                                          </p:stCondLst>
+                                        </p:cTn>
+                                        <p:tgtEl>
+                                          <p:spTgt spid="3">
+                                            <p:txEl>
+                                              <p:pRg st="2" end="2"/>
+                                            </p:txEl>
+                                          </p:spTgt>
+                                        </p:tgtEl>
+                                        <p:attrNameLst>
+                                          <p:attrName>style.visibility</p:attrName>
+                                        </p:attrNameLst>
+                                      </p:cBhvr>
+                                      <p:to>
+                                        <p:strVal val="visible"/>
+                                      </p:to>
+                                    </p:set>
+                                  </p:childTnLst>
+                                </p:cTn>
+                              </p:par>
+                            </p:childTnLst>
+                          </p:cTn>
+                        </p:par>
+                      </p:childTnLst>
+                    </p:cTn>
+                  </p:par>
+                  <p:par>
+                    <p:cTn id="21" fill="hold">
+                      <p:stCondLst>
+                        <p:cond delay="indefinite"/>
+                      </p:stCondLst>
+                      <p:childTnLst>
+                        <p:par>
+                          <p:cTn id="22" fill="hold">
+                            <p:stCondLst>
+                              <p:cond delay="0"/>
+                            </p:stCondLst>
+                            <p:childTnLst>
+                              <p:par>
+                                <p:cTn id="23" presetID="1" presetClass="entr" presetSubtype="0" fill="hold" nodeType="clickEffect">
+                                  <p:stCondLst>
+                                    <p:cond delay="0"/>
+                                  </p:stCondLst>
+                                  <p:childTnLst>
+                                    <p:set>
+                                      <p:cBhvr>
+                                        <p:cTn id="24" dur="1" fill="hold">
+                                          <p:stCondLst>
+                                            <p:cond delay="0"/>
+                                          </p:stCondLst>
+                                        </p:cTn>
+                                        <p:tgtEl>
+                                          <p:spTgt spid="3">
+                                            <p:txEl>
+                                              <p:pRg st="3" end="3"/>
+                                            </p:txEl>
+                                          </p:spTgt>
+                                        </p:tgtEl>
+                                        <p:attrNameLst>
+                                          <p:attrName>style.visibility</p:attrName>
+                                        </p:attrNameLst>
+                                      </p:cBhvr>
+                                      <p:to>
+                                        <p:strVal val="visible"/>
+                                      </p:to>
+                                    </p:set>
+                                  </p:childTnLst>
+                                </p:cTn>
+                              </p:par>
+                              <p:par>
+                                <p:cTn id="25" presetID="1" presetClass="entr" presetSubtype="0" fill="hold" nodeType="withEffect">
+                                  <p:stCondLst>
+                                    <p:cond delay="0"/>
+                                  </p:stCondLst>
+                                  <p:childTnLst>
+                                    <p:set>
+                                      <p:cBhvr>
+                                        <p:cTn id="26" dur="1" fill="hold">
+                                          <p:stCondLst>
+                                            <p:cond delay="0"/>
+                                          </p:stCondLst>
+                                        </p:cTn>
+                                        <p:tgtEl>
+                                          <p:spTgt spid="10"/>
+                                        </p:tgtEl>
+                                        <p:attrNameLst>
+                                          <p:attrName>style.visibility</p:attrName>
+                                        </p:attrNameLst>
+                                      </p:cBhvr>
+                                      <p:to>
+                                        <p:strVal val="visible"/>
+                                      </p:to>
+                                    </p:set>
+                                  </p:childTnLst>
+                                </p:cTn>
+                              </p:par>
+                              <p:par>
+                                <p:cTn id="27" presetID="1" presetClass="exit" presetSubtype="0" fill="hold" nodeType="withEffect">
+                                  <p:stCondLst>
+                                    <p:cond delay="0"/>
+                                  </p:stCondLst>
+                                  <p:childTnLst>
+                                    <p:set>
+                                      <p:cBhvr>
+                                        <p:cTn id="28" dur="1" fill="hold">
+                                          <p:stCondLst>
+                                            <p:cond delay="0"/>
+                                          </p:stCondLst>
+                                        </p:cTn>
+                                        <p:tgtEl>
+                                          <p:spTgt spid="8"/>
+                                        </p:tgtEl>
+                                        <p:attrNameLst>
+                                          <p:attrName>style.visibility</p:attrName>
+                                        </p:attrNameLst>
+                                      </p:cBhvr>
+                                      <p:to>
+                                        <p:strVal val="hidden"/>
+                                      </p:to>
+                                    </p:set>
+                                  </p:childTnLst>
+                                </p:cTn>
+                              </p:par>
+                            </p:childTnLst>
+                          </p:cTn>
+                        </p:par>
+                      </p:childTnLst>
+                    </p:cTn>
+                  </p:par>
+                  <p:par>
+                    <p:cTn id="29" fill="hold">
+                      <p:stCondLst>
+                        <p:cond delay="indefinite"/>
+                      </p:stCondLst>
+                      <p:childTnLst>
+                        <p:par>
+                          <p:cTn id="30" fill="hold">
+                            <p:stCondLst>
+                              <p:cond delay="0"/>
+                            </p:stCondLst>
+                            <p:childTnLst>
+                              <p:par>
+                                <p:cTn id="31" presetID="1" presetClass="entr" presetSubtype="0" fill="hold" nodeType="clickEffect">
+                                  <p:stCondLst>
+                                    <p:cond delay="0"/>
+                                  </p:stCondLst>
+                                  <p:childTnLst>
+                                    <p:set>
+                                      <p:cBhvr>
+                                        <p:cTn id="32" dur="1" fill="hold">
+                                          <p:stCondLst>
+                                            <p:cond delay="0"/>
+                                          </p:stCondLst>
+                                        </p:cTn>
+                                        <p:tgtEl>
+                                          <p:spTgt spid="3">
+                                            <p:txEl>
+                                              <p:pRg st="4" end="4"/>
+                                            </p:txEl>
+                                          </p:spTgt>
+                                        </p:tgtEl>
+                                        <p:attrNameLst>
+                                          <p:attrName>style.visibility</p:attrName>
+                                        </p:attrNameLst>
+                                      </p:cBhvr>
+                                      <p:to>
+                                        <p:strVal val="visible"/>
+                                      </p:to>
+                                    </p:set>
+                                  </p:childTnLst>
+                                </p:cTn>
+                              </p:par>
+                            </p:childTnLst>
+                          </p:cTn>
+                        </p:par>
+                      </p:childTnLst>
+                    </p:cTn>
+                  </p:par>
+                  <p:par>
+                    <p:cTn id="33" fill="hold">
+                      <p:stCondLst>
+                        <p:cond delay="indefinite"/>
+                      </p:stCondLst>
+                      <p:childTnLst>
+                        <p:par>
+                          <p:cTn id="34" fill="hold">
+                            <p:stCondLst>
+                              <p:cond delay="0"/>
+                            </p:stCondLst>
+                            <p:childTnLst>
+                              <p:par>
+                                <p:cTn id="35" presetID="1" presetClass="entr" presetSubtype="0" fill="hold" nodeType="clickEffect">
+                                  <p:stCondLst>
+                                    <p:cond delay="0"/>
+                                  </p:stCondLst>
+                                  <p:childTnLst>
+                                    <p:set>
+                                      <p:cBhvr>
+                                        <p:cTn id="36" dur="1" fill="hold">
+                                          <p:stCondLst>
+                                            <p:cond delay="0"/>
+                                          </p:stCondLst>
+                                        </p:cTn>
+                                        <p:tgtEl>
+                                          <p:spTgt spid="3">
+                                            <p:txEl>
+                                              <p:pRg st="5" end="5"/>
+                                            </p:txEl>
+                                          </p:spTgt>
+                                        </p:tgtEl>
+                                        <p:attrNameLst>
+                                          <p:attrName>style.visibility</p:attrName>
+                                        </p:attrNameLst>
+                                      </p:cBhvr>
+                                      <p:to>
+                                        <p:strVal val="visible"/>
+                                      </p:to>
+                                    </p:set>
+                                  </p:childTnLst>
+                                </p:cTn>
+                              </p:par>
+                              <p:par>
+                                <p:cTn id="37" presetID="1" presetClass="entr" presetSubtype="0" fill="hold" nodeType="withEffect">
+                                  <p:stCondLst>
+                                    <p:cond delay="0"/>
+                                  </p:stCondLst>
+                                  <p:childTnLst>
+                                    <p:set>
+                                      <p:cBhvr>
+                                        <p:cTn id="38" dur="1" fill="hold">
+                                          <p:stCondLst>
+                                            <p:cond delay="0"/>
+                                          </p:stCondLst>
+                                        </p:cTn>
+                                        <p:tgtEl>
+                                          <p:spTgt spid="11"/>
+                                        </p:tgtEl>
+                                        <p:attrNameLst>
+                                          <p:attrName>style.visibility</p:attrName>
+                                        </p:attrNameLst>
+                                      </p:cBhvr>
+                                      <p:to>
+                                        <p:strVal val="visible"/>
+                                      </p:to>
+                                    </p:set>
+                                  </p:childTnLst>
+                                </p:cTn>
+                              </p:par>
+                              <p:par>
+                                <p:cTn id="39" presetID="1" presetClass="exit" presetSubtype="0" fill="hold" nodeType="withEffect">
+                                  <p:stCondLst>
+                                    <p:cond delay="0"/>
+                                  </p:stCondLst>
+                                  <p:childTnLst>
+                                    <p:set>
+                                      <p:cBhvr>
+                                        <p:cTn id="40" dur="1" fill="hold">
+                                          <p:stCondLst>
+                                            <p:cond delay="0"/>
+                                          </p:stCondLst>
+                                        </p:cTn>
+                                        <p:tgtEl>
+                                          <p:spTgt spid="10"/>
+                                        </p:tgtEl>
+                                        <p:attrNameLst>
+                                          <p:attrName>style.visibility</p:attrName>
+                                        </p:attrNameLst>
+                                      </p:cBhvr>
+                                      <p:to>
+                                        <p:strVal val="hidden"/>
+                                      </p:to>
+                                    </p:set>
+                                  </p:childTnLst>
+                                </p:cTn>
+                              </p:par>
+                            </p:childTnLst>
+                          </p:cTn>
+                        </p:par>
+                      </p:childTnLst>
+                    </p:cTn>
+                  </p:par>
+                  <p:par>
+                    <p:cTn id="41" fill="hold">
+                      <p:stCondLst>
+                        <p:cond delay="indefinite"/>
+                      </p:stCondLst>
+                      <p:childTnLst>
+                        <p:par>
+                          <p:cTn id="42" fill="hold">
+                            <p:stCondLst>
+                              <p:cond delay="0"/>
+                            </p:stCondLst>
+                            <p:childTnLst>
+                              <p:par>
+                                <p:cTn id="43" presetID="1" presetClass="entr" presetSubtype="0" fill="hold" nodeType="clickEffect">
+                                  <p:stCondLst>
+                                    <p:cond delay="0"/>
+                                  </p:stCondLst>
+                                  <p:childTnLst>
+                                    <p:set>
+                                      <p:cBhvr>
+                                        <p:cTn id="44" dur="1" fill="hold">
+                                          <p:stCondLst>
+                                            <p:cond delay="0"/>
+                                          </p:stCondLst>
+                                        </p:cTn>
+                                        <p:tgtEl>
+                                          <p:spTgt spid="3">
+                                            <p:txEl>
+                                              <p:pRg st="6" end="6"/>
+                                            </p:txEl>
+                                          </p:spTgt>
+                                        </p:tgtEl>
+                                        <p:attrNameLst>
+                                          <p:attrName>style.visibility</p:attrName>
+                                        </p:attrNameLst>
+                                      </p:cBhvr>
+                                      <p:to>
+                                        <p:strVal val="visible"/>
+                                      </p:to>
+                                    </p:set>
+                                  </p:childTnLst>
+                                </p:cTn>
+                              </p:par>
+                            </p:childTnLst>
+                          </p:cTn>
+                        </p:par>
+                      </p:childTnLst>
+                    </p:cTn>
+                  </p:par>
+                </p:childTnLst>
+              </p:cTn>
+              <p:prevCondLst>
+                <p:cond evt="onPrev" delay="0">
+                  <p:tgtEl>
+                    <p:sldTgt/>
+                  </p:tgtEl>
+                </p:cond>
+              </p:prevCondLst>
+              <p:nextCondLst>
+                <p:cond evt="onNext" delay="0">
+                  <p:tgtEl>
+                    <p:sldTgt/>
+                  </p:tgtEl>
+                </p:cond>
+              </p:nextCondLst>
+            </p:seq>
+          </p:childTnLst>
+        </p:cTn>
+      </p:par>
+    </p:tnLst>
+  </p:timing>
+</p:sld>
+</file>
+
+<file path=ppt/slides/slide15.xml><?xml version="1.0" encoding="utf-8"?>
+<p:sld xmlns:a="http://schemas.openxmlformats.org/drawingml/2006/main" xmlns:r="http://schemas.openxmlformats.org/officeDocument/2006/relationships" xmlns:p="http://schemas.openxmlformats.org/presentationml/2006/main">
+  <p:cSld>
+    <p:spTree>
+      <p:nvGrpSpPr>
+        <p:cNvPr id="1" name=""/>
+        <p:cNvGrpSpPr/>
+        <p:nvPr/>
+      </p:nvGrpSpPr>
+      <p:grpSpPr>
+        <a:xfrm>
+          <a:off x="0" y="0"/>
+          <a:ext cx="0" cy="0"/>
+          <a:chOff x="0" y="0"/>
+          <a:chExt cx="0" cy="0"/>
+        </a:xfrm>
+      </p:grpSpPr>
+      <p:sp>
+        <p:nvSpPr>
+          <p:cNvPr id="3" name="Title 2"/>
+          <p:cNvSpPr>
+            <a:spLocks noGrp="1"/>
+          </p:cNvSpPr>
+          <p:nvPr>
+            <p:ph type="title" sz="quarter" idx="10"/>
+          </p:nvPr>
+        </p:nvSpPr>
+        <p:spPr>
+          <a:xfrm>
+            <a:off x="615109" y="4704824"/>
+            <a:ext cx="10961783" cy="1874175"/>
+          </a:xfrm>
+        </p:spPr>
+        <p:txBody>
+          <a:bodyPr/>
+          <a:lstStyle/>
+          <a:p>
+            <a:r>
+              <a:rPr lang="ru-RU" dirty="0"/>
+              <a:t>͏Анимационни ефекти при преход между слайдове</a:t>
+            </a:r>
+            <a:endParaRPr lang="en-US" dirty="0"/>
+          </a:p>
+        </p:txBody>
+      </p:sp>
+      <p:pic>
+        <p:nvPicPr>
+          <p:cNvPr id="1026" name="Picture 2" descr="Sensational slide transitions in PowerPoint: Epic title slide transition |  BrightCarbon"/>
+          <p:cNvPicPr>
+            <a:picLocks noChangeAspect="1" noChangeArrowheads="1"/>
+          </p:cNvPicPr>
+          <p:nvPr/>
+        </p:nvPicPr>
+        <p:blipFill>
+          <a:blip r:embed="rId2">
+            <a:extLst>
+              <a:ext uri="{28A0092B-C50C-407E-A947-70E740481C1C}">
+                <a14:useLocalDpi xmlns:a14="http://schemas.microsoft.com/office/drawing/2010/main" val="0"/>
+              </a:ext>
+            </a:extLst>
+          </a:blip>
+          <a:srcRect/>
+          <a:stretch>
+            <a:fillRect/>
+          </a:stretch>
+        </p:blipFill>
+        <p:spPr bwMode="auto">
+          <a:xfrm>
+            <a:off x="4009125" y="1089000"/>
+            <a:ext cx="4173750" cy="2416382"/>
+          </a:xfrm>
+          <a:prstGeom prst="rect">
+            <a:avLst/>
+          </a:prstGeom>
+          <a:noFill/>
+          <a:extLst>
+            <a:ext uri="{909E8E84-426E-40DD-AFC4-6F175D3DCCD1}">
+              <a14:hiddenFill xmlns:a14="http://schemas.microsoft.com/office/drawing/2010/main">
+                <a:solidFill>
+                  <a:srgbClr val="FFFFFF"/>
+                </a:solidFill>
+              </a14:hiddenFill>
+            </a:ext>
+          </a:extLst>
+        </p:spPr>
+      </p:pic>
+    </p:spTree>
+    <p:extLst>
+      <p:ext uri="{BB962C8B-B14F-4D97-AF65-F5344CB8AC3E}">
+        <p14:creationId xmlns:p14="http://schemas.microsoft.com/office/powerpoint/2010/main" val="1771951997"/>
+      </p:ext>
+    </p:extLst>
+  </p:cSld>
+  <p:clrMapOvr>
+    <a:masterClrMapping/>
+  </p:clrMapOvr>
+  <mc:AlternateContent xmlns:mc="http://schemas.openxmlformats.org/markup-compatibility/2006" xmlns:p14="http://schemas.microsoft.com/office/powerpoint/2010/main">
+    <mc:Choice Requires="p14">
+      <p:transition spd="slow" p14:dur="2000" advClick="0" advTm="5000"/>
+    </mc:Choice>
+    <mc:Fallback xmlns="">
+      <p:transition spd="slow" advClick="0" advTm="5000"/>
+    </mc:Fallback>
+  </mc:AlternateContent>
+  <p:timing>
+    <p:tnLst>
+      <p:par>
+        <p:cTn id="1" dur="indefinite" restart="never" nodeType="tmRoot"/>
+      </p:par>
+    </p:tnLst>
+  </p:timing>
+</p:sld>
+</file>
+
+<file path=ppt/slides/slide16.xml><?xml version="1.0" encoding="utf-8"?>
 <p:sld xmlns:a="http://schemas.openxmlformats.org/drawingml/2006/main" xmlns:r="http://schemas.openxmlformats.org/officeDocument/2006/relationships" xmlns:p="http://schemas.openxmlformats.org/presentationml/2006/main">
   <p:cSld>
     <p:spTree>
@@ -7779,7 +11142,7 @@
             <a:fld id="{C014DD1E-5D91-48A3-AD6D-45FBA980D106}" type="slidenum">
               <a:rPr lang="en-US" smtClean="0"/>
               <a:pPr/>
-              <a:t>11</a:t>
+              <a:t>16</a:t>
             </a:fld>
             <a:endParaRPr lang="en-US" dirty="0"/>
           </a:p>
@@ -8330,7 +11693,7 @@
 </p:sld>
 </file>
 
-<file path=ppt/slides/slide12.xml><?xml version="1.0" encoding="utf-8"?>
+<file path=ppt/slides/slide17.xml><?xml version="1.0" encoding="utf-8"?>
 <p:sld xmlns:a="http://schemas.openxmlformats.org/drawingml/2006/main" xmlns:r="http://schemas.openxmlformats.org/officeDocument/2006/relationships" xmlns:p="http://schemas.openxmlformats.org/presentationml/2006/main">
   <p:cSld>
     <p:spTree>
@@ -8444,7 +11807,7 @@
                 <a:hlinkClick r:id="rId3">
                   <a:extLst>
                     <a:ext uri="{A12FA001-AC4F-418D-AE19-62706E023703}">
-                      <ahyp:hlinkClr xmlns:ahyp="http://schemas.microsoft.com/office/drawing/2018/hyperlinkcolor" xmlns="" val="tx"/>
+                      <ahyp:hlinkClr xmlns="" xmlns:ahyp="http://schemas.microsoft.com/office/drawing/2018/hyperlinkcolor" val="tx"/>
                     </a:ext>
                   </a:extLst>
                 </a:hlinkClick>
@@ -8527,7 +11890,7 @@
 </p:sld>
 </file>
 
-<file path=ppt/slides/slide13.xml><?xml version="1.0" encoding="utf-8"?>
+<file path=ppt/slides/slide18.xml><?xml version="1.0" encoding="utf-8"?>
 <p:sld xmlns:a="http://schemas.openxmlformats.org/drawingml/2006/main" xmlns:r="http://schemas.openxmlformats.org/officeDocument/2006/relationships" xmlns:p="http://schemas.openxmlformats.org/presentationml/2006/main" show="0">
   <p:cSld>
     <p:spTree>
@@ -8580,7 +11943,7 @@
             <a:fld id="{2BF067CD-8E6B-4360-9AA8-C5DF2A48A6D1}" type="slidenum">
               <a:rPr lang="en-US" smtClean="0"/>
               <a:pPr/>
-              <a:t>13</a:t>
+              <a:t>18</a:t>
             </a:fld>
             <a:endParaRPr lang="en-US" dirty="0"/>
           </a:p>
@@ -9107,23 +12470,25 @@
           </a:p>
           <a:p>
             <a:r>
-              <a:rPr lang="bg-BG" dirty="0" smtClean="0"/>
+              <a:rPr lang="ru-RU" dirty="0"/>
               <a:t>͏</a:t>
             </a:r>
             <a:r>
-              <a:rPr lang="bg-BG" b="1" dirty="0" smtClean="0"/>
-              <a:t>Анимационни ефекти</a:t>
-            </a:r>
-            <a:r>
-              <a:rPr lang="bg-BG" dirty="0" smtClean="0"/>
-              <a:t> между </a:t>
-            </a:r>
-            <a:r>
-              <a:rPr lang="bg-BG" b="1" dirty="0" smtClean="0"/>
-              <a:t>слайдове</a:t>
-            </a:r>
-          </a:p>
-          <a:p>
+              <a:rPr lang="ru-RU" b="1" dirty="0"/>
+              <a:t>Анимационни ефекти </a:t>
+            </a:r>
+            <a:r>
+              <a:rPr lang="ru-RU" dirty="0"/>
+              <a:t>при </a:t>
+            </a:r>
+            <a:r>
+              <a:rPr lang="ru-RU" b="1" dirty="0"/>
+              <a:t>преход</a:t>
+            </a:r>
+            <a:r>
+              <a:rPr lang="ru-RU" dirty="0"/>
+              <a:t> между слайдове</a:t>
+            </a:r>
             <a:endParaRPr lang="bg-BG" dirty="0"/>
           </a:p>
         </p:txBody>
@@ -9226,79 +12591,7 @@
   <p:timing>
     <p:tnLst>
       <p:par>
-        <p:cTn id="1" dur="indefinite" restart="never" nodeType="tmRoot">
-          <p:childTnLst>
-            <p:seq concurrent="1" nextAc="seek">
-              <p:cTn id="2" dur="indefinite" nodeType="mainSeq">
-                <p:childTnLst>
-                  <p:par>
-                    <p:cTn id="3" fill="hold">
-                      <p:stCondLst>
-                        <p:cond delay="indefinite"/>
-                      </p:stCondLst>
-                      <p:childTnLst>
-                        <p:par>
-                          <p:cTn id="4" fill="hold">
-                            <p:stCondLst>
-                              <p:cond delay="0"/>
-                            </p:stCondLst>
-                            <p:childTnLst>
-                              <p:par>
-                                <p:cTn id="5" presetID="1" presetClass="entr" presetSubtype="0" fill="hold" nodeType="clickEffect">
-                                  <p:stCondLst>
-                                    <p:cond delay="0"/>
-                                  </p:stCondLst>
-                                  <p:childTnLst>
-                                    <p:set>
-                                      <p:cBhvr>
-                                        <p:cTn id="6" dur="1" fill="hold">
-                                          <p:stCondLst>
-                                            <p:cond delay="0"/>
-                                          </p:stCondLst>
-                                        </p:cTn>
-                                        <p:tgtEl>
-                                          <p:spTgt spid="444419">
-                                            <p:txEl>
-                                              <p:pRg st="1" end="1"/>
-                                            </p:txEl>
-                                          </p:spTgt>
-                                        </p:tgtEl>
-                                        <p:attrNameLst>
-                                          <p:attrName>style.visibility</p:attrName>
-                                        </p:attrNameLst>
-                                      </p:cBhvr>
-                                      <p:to>
-                                        <p:strVal val="visible"/>
-                                      </p:to>
-                                    </p:set>
-                                  </p:childTnLst>
-                                </p:cTn>
-                              </p:par>
-                            </p:childTnLst>
-                          </p:cTn>
-                        </p:par>
-                      </p:childTnLst>
-                    </p:cTn>
-                  </p:par>
-                </p:childTnLst>
-              </p:cTn>
-              <p:prevCondLst>
-                <p:cond evt="onPrev" delay="0">
-                  <p:tgtEl>
-                    <p:sldTgt/>
-                  </p:tgtEl>
-                </p:cond>
-              </p:prevCondLst>
-              <p:nextCondLst>
-                <p:cond evt="onNext" delay="0">
-                  <p:tgtEl>
-                    <p:sldTgt/>
-                  </p:tgtEl>
-                </p:cond>
-              </p:nextCondLst>
-            </p:seq>
-          </p:childTnLst>
-        </p:cTn>
+        <p:cTn id="1" dur="indefinite" restart="never" nodeType="tmRoot"/>
       </p:par>
     </p:tnLst>
   </p:timing>
@@ -10912,6 +14205,270 @@
           </a:ln>
         </p:spPr>
       </p:pic>
+      <p:sp>
+        <p:nvSpPr>
+          <p:cNvPr id="6" name="Rectangle 5"/>
+          <p:cNvSpPr/>
+          <p:nvPr/>
+        </p:nvSpPr>
+        <p:spPr bwMode="auto">
+          <a:xfrm>
+            <a:off x="7941000" y="1259853"/>
+            <a:ext cx="3240000" cy="1494147"/>
+          </a:xfrm>
+          <a:prstGeom prst="rect">
+            <a:avLst/>
+          </a:prstGeom>
+          <a:noFill/>
+          <a:ln w="38100">
+            <a:solidFill>
+              <a:schemeClr val="tx1">
+                <a:lumMod val="75000"/>
+                <a:alpha val="80000"/>
+              </a:schemeClr>
+            </a:solidFill>
+          </a:ln>
+          <a:effectLst/>
+        </p:spPr>
+        <p:style>
+          <a:lnRef idx="2">
+            <a:schemeClr val="accent1">
+              <a:shade val="50000"/>
+            </a:schemeClr>
+          </a:lnRef>
+          <a:fillRef idx="1001">
+            <a:schemeClr val="dk2"/>
+          </a:fillRef>
+          <a:effectRef idx="0">
+            <a:schemeClr val="accent1"/>
+          </a:effectRef>
+          <a:fontRef idx="minor">
+            <a:schemeClr val="lt1"/>
+          </a:fontRef>
+        </p:style>
+        <p:txBody>
+          <a:bodyPr rot="0" spcFirstLastPara="0" vertOverflow="overflow" horzOverflow="overflow" vert="horz" wrap="square" lIns="91440" tIns="45720" rIns="91440" bIns="45720" numCol="1" spcCol="0" rtlCol="0" fromWordArt="0" anchor="ctr" anchorCtr="0" forceAA="0" compatLnSpc="1">
+            <a:prstTxWarp prst="textNoShape">
+              <a:avLst/>
+            </a:prstTxWarp>
+            <a:noAutofit/>
+          </a:bodyPr>
+          <a:lstStyle/>
+          <a:p>
+            <a:pPr algn="ctr"/>
+            <a:endParaRPr lang="en-US" sz="2800" b="1" dirty="0">
+              <a:solidFill>
+                <a:srgbClr val="FFFFFF"/>
+              </a:solidFill>
+              <a:effectLst>
+                <a:outerShdw blurRad="38100" dist="38100" dir="2700000" algn="tl">
+                  <a:srgbClr val="000000">
+                    <a:alpha val="43137"/>
+                  </a:srgbClr>
+                </a:outerShdw>
+              </a:effectLst>
+            </a:endParaRPr>
+          </a:p>
+        </p:txBody>
+      </p:sp>
+      <p:sp>
+        <p:nvSpPr>
+          <p:cNvPr id="7" name="Rectangle 6"/>
+          <p:cNvSpPr/>
+          <p:nvPr/>
+        </p:nvSpPr>
+        <p:spPr bwMode="auto">
+          <a:xfrm>
+            <a:off x="7941000" y="2754000"/>
+            <a:ext cx="3240000" cy="1890000"/>
+          </a:xfrm>
+          <a:prstGeom prst="rect">
+            <a:avLst/>
+          </a:prstGeom>
+          <a:noFill/>
+          <a:ln w="38100">
+            <a:solidFill>
+              <a:schemeClr val="tx1">
+                <a:lumMod val="75000"/>
+                <a:alpha val="80000"/>
+              </a:schemeClr>
+            </a:solidFill>
+          </a:ln>
+          <a:effectLst/>
+        </p:spPr>
+        <p:style>
+          <a:lnRef idx="2">
+            <a:schemeClr val="accent1">
+              <a:shade val="50000"/>
+            </a:schemeClr>
+          </a:lnRef>
+          <a:fillRef idx="1001">
+            <a:schemeClr val="dk2"/>
+          </a:fillRef>
+          <a:effectRef idx="0">
+            <a:schemeClr val="accent1"/>
+          </a:effectRef>
+          <a:fontRef idx="minor">
+            <a:schemeClr val="lt1"/>
+          </a:fontRef>
+        </p:style>
+        <p:txBody>
+          <a:bodyPr rot="0" spcFirstLastPara="0" vertOverflow="overflow" horzOverflow="overflow" vert="horz" wrap="square" lIns="91440" tIns="45720" rIns="91440" bIns="45720" numCol="1" spcCol="0" rtlCol="0" fromWordArt="0" anchor="ctr" anchorCtr="0" forceAA="0" compatLnSpc="1">
+            <a:prstTxWarp prst="textNoShape">
+              <a:avLst/>
+            </a:prstTxWarp>
+            <a:noAutofit/>
+          </a:bodyPr>
+          <a:lstStyle/>
+          <a:p>
+            <a:pPr algn="ctr"/>
+            <a:endParaRPr lang="en-US" sz="2800" b="1" dirty="0">
+              <a:solidFill>
+                <a:srgbClr val="FFFFFF"/>
+              </a:solidFill>
+              <a:effectLst>
+                <a:outerShdw blurRad="38100" dist="38100" dir="2700000" algn="tl">
+                  <a:srgbClr val="000000">
+                    <a:alpha val="43137"/>
+                  </a:srgbClr>
+                </a:outerShdw>
+              </a:effectLst>
+            </a:endParaRPr>
+          </a:p>
+        </p:txBody>
+      </p:sp>
+      <p:sp>
+        <p:nvSpPr>
+          <p:cNvPr id="8" name="Rectangle 7"/>
+          <p:cNvSpPr/>
+          <p:nvPr/>
+        </p:nvSpPr>
+        <p:spPr bwMode="auto">
+          <a:xfrm>
+            <a:off x="7941000" y="4644000"/>
+            <a:ext cx="3240000" cy="1440000"/>
+          </a:xfrm>
+          <a:prstGeom prst="rect">
+            <a:avLst/>
+          </a:prstGeom>
+          <a:noFill/>
+          <a:ln w="38100">
+            <a:solidFill>
+              <a:schemeClr val="tx1">
+                <a:lumMod val="75000"/>
+                <a:alpha val="80000"/>
+              </a:schemeClr>
+            </a:solidFill>
+          </a:ln>
+          <a:effectLst/>
+        </p:spPr>
+        <p:style>
+          <a:lnRef idx="2">
+            <a:schemeClr val="accent1">
+              <a:shade val="50000"/>
+            </a:schemeClr>
+          </a:lnRef>
+          <a:fillRef idx="1001">
+            <a:schemeClr val="dk2"/>
+          </a:fillRef>
+          <a:effectRef idx="0">
+            <a:schemeClr val="accent1"/>
+          </a:effectRef>
+          <a:fontRef idx="minor">
+            <a:schemeClr val="lt1"/>
+          </a:fontRef>
+        </p:style>
+        <p:txBody>
+          <a:bodyPr rot="0" spcFirstLastPara="0" vertOverflow="overflow" horzOverflow="overflow" vert="horz" wrap="square" lIns="91440" tIns="45720" rIns="91440" bIns="45720" numCol="1" spcCol="0" rtlCol="0" fromWordArt="0" anchor="ctr" anchorCtr="0" forceAA="0" compatLnSpc="1">
+            <a:prstTxWarp prst="textNoShape">
+              <a:avLst/>
+            </a:prstTxWarp>
+            <a:noAutofit/>
+          </a:bodyPr>
+          <a:lstStyle/>
+          <a:p>
+            <a:pPr algn="ctr"/>
+            <a:endParaRPr lang="en-US" sz="2800" b="1" dirty="0">
+              <a:solidFill>
+                <a:srgbClr val="FFFFFF"/>
+              </a:solidFill>
+              <a:effectLst>
+                <a:outerShdw blurRad="38100" dist="38100" dir="2700000" algn="tl">
+                  <a:srgbClr val="000000">
+                    <a:alpha val="43137"/>
+                  </a:srgbClr>
+                </a:outerShdw>
+              </a:effectLst>
+            </a:endParaRPr>
+          </a:p>
+        </p:txBody>
+      </p:sp>
+      <p:sp>
+        <p:nvSpPr>
+          <p:cNvPr id="9" name="Rectangle 8"/>
+          <p:cNvSpPr/>
+          <p:nvPr/>
+        </p:nvSpPr>
+        <p:spPr bwMode="auto">
+          <a:xfrm>
+            <a:off x="7941000" y="6084000"/>
+            <a:ext cx="3240000" cy="640892"/>
+          </a:xfrm>
+          <a:prstGeom prst="rect">
+            <a:avLst/>
+          </a:prstGeom>
+          <a:noFill/>
+          <a:ln w="38100">
+            <a:solidFill>
+              <a:schemeClr val="tx1">
+                <a:lumMod val="75000"/>
+                <a:alpha val="80000"/>
+              </a:schemeClr>
+            </a:solidFill>
+          </a:ln>
+          <a:effectLst/>
+        </p:spPr>
+        <p:style>
+          <a:lnRef idx="2">
+            <a:schemeClr val="accent1">
+              <a:shade val="50000"/>
+            </a:schemeClr>
+          </a:lnRef>
+          <a:fillRef idx="1001">
+            <a:schemeClr val="dk2"/>
+          </a:fillRef>
+          <a:effectRef idx="0">
+            <a:schemeClr val="accent1"/>
+          </a:effectRef>
+          <a:fontRef idx="minor">
+            <a:schemeClr val="lt1"/>
+          </a:fontRef>
+        </p:style>
+        <p:txBody>
+          <a:bodyPr rot="0" spcFirstLastPara="0" vertOverflow="overflow" horzOverflow="overflow" vert="horz" wrap="square" lIns="91440" tIns="45720" rIns="91440" bIns="45720" numCol="1" spcCol="0" rtlCol="0" fromWordArt="0" anchor="ctr" anchorCtr="0" forceAA="0" compatLnSpc="1">
+            <a:prstTxWarp prst="textNoShape">
+              <a:avLst/>
+            </a:prstTxWarp>
+            <a:noAutofit/>
+          </a:bodyPr>
+          <a:lstStyle/>
+          <a:p>
+            <a:pPr algn="ctr"/>
+            <a:endParaRPr lang="en-US" sz="2800" b="1" dirty="0">
+              <a:solidFill>
+                <a:srgbClr val="FFFFFF"/>
+              </a:solidFill>
+              <a:effectLst>
+                <a:outerShdw blurRad="38100" dist="38100" dir="2700000" algn="tl">
+                  <a:srgbClr val="000000">
+                    <a:alpha val="43137"/>
+                  </a:srgbClr>
+                </a:outerShdw>
+              </a:effectLst>
+            </a:endParaRPr>
+          </a:p>
+        </p:txBody>
+      </p:sp>
     </p:spTree>
     <p:extLst>
       <p:ext uri="{BB962C8B-B14F-4D97-AF65-F5344CB8AC3E}">
@@ -10933,9 +14490,342 @@
   <p:timing>
     <p:tnLst>
       <p:par>
-        <p:cTn id="1" dur="indefinite" restart="never" nodeType="tmRoot"/>
+        <p:cTn id="1" dur="indefinite" restart="never" nodeType="tmRoot">
+          <p:childTnLst>
+            <p:seq concurrent="1" nextAc="seek">
+              <p:cTn id="2" dur="indefinite" nodeType="mainSeq">
+                <p:childTnLst>
+                  <p:par>
+                    <p:cTn id="3" fill="hold">
+                      <p:stCondLst>
+                        <p:cond delay="indefinite"/>
+                      </p:stCondLst>
+                      <p:childTnLst>
+                        <p:par>
+                          <p:cTn id="4" fill="hold">
+                            <p:stCondLst>
+                              <p:cond delay="0"/>
+                            </p:stCondLst>
+                            <p:childTnLst>
+                              <p:par>
+                                <p:cTn id="5" presetID="1" presetClass="entr" presetSubtype="0" fill="hold" nodeType="clickEffect">
+                                  <p:stCondLst>
+                                    <p:cond delay="0"/>
+                                  </p:stCondLst>
+                                  <p:childTnLst>
+                                    <p:set>
+                                      <p:cBhvr>
+                                        <p:cTn id="6" dur="1" fill="hold">
+                                          <p:stCondLst>
+                                            <p:cond delay="0"/>
+                                          </p:stCondLst>
+                                        </p:cTn>
+                                        <p:tgtEl>
+                                          <p:spTgt spid="3">
+                                            <p:txEl>
+                                              <p:pRg st="1" end="1"/>
+                                            </p:txEl>
+                                          </p:spTgt>
+                                        </p:tgtEl>
+                                        <p:attrNameLst>
+                                          <p:attrName>style.visibility</p:attrName>
+                                        </p:attrNameLst>
+                                      </p:cBhvr>
+                                      <p:to>
+                                        <p:strVal val="visible"/>
+                                      </p:to>
+                                    </p:set>
+                                  </p:childTnLst>
+                                </p:cTn>
+                              </p:par>
+                              <p:par>
+                                <p:cTn id="7" presetID="1" presetClass="entr" presetSubtype="0" fill="hold" grpId="0" nodeType="withEffect">
+                                  <p:stCondLst>
+                                    <p:cond delay="0"/>
+                                  </p:stCondLst>
+                                  <p:childTnLst>
+                                    <p:set>
+                                      <p:cBhvr>
+                                        <p:cTn id="8" dur="1" fill="hold">
+                                          <p:stCondLst>
+                                            <p:cond delay="0"/>
+                                          </p:stCondLst>
+                                        </p:cTn>
+                                        <p:tgtEl>
+                                          <p:spTgt spid="6"/>
+                                        </p:tgtEl>
+                                        <p:attrNameLst>
+                                          <p:attrName>style.visibility</p:attrName>
+                                        </p:attrNameLst>
+                                      </p:cBhvr>
+                                      <p:to>
+                                        <p:strVal val="visible"/>
+                                      </p:to>
+                                    </p:set>
+                                  </p:childTnLst>
+                                </p:cTn>
+                              </p:par>
+                            </p:childTnLst>
+                          </p:cTn>
+                        </p:par>
+                      </p:childTnLst>
+                    </p:cTn>
+                  </p:par>
+                  <p:par>
+                    <p:cTn id="9" fill="hold">
+                      <p:stCondLst>
+                        <p:cond delay="indefinite"/>
+                      </p:stCondLst>
+                      <p:childTnLst>
+                        <p:par>
+                          <p:cTn id="10" fill="hold">
+                            <p:stCondLst>
+                              <p:cond delay="0"/>
+                            </p:stCondLst>
+                            <p:childTnLst>
+                              <p:par>
+                                <p:cTn id="11" presetID="1" presetClass="entr" presetSubtype="0" fill="hold" nodeType="clickEffect">
+                                  <p:stCondLst>
+                                    <p:cond delay="0"/>
+                                  </p:stCondLst>
+                                  <p:childTnLst>
+                                    <p:set>
+                                      <p:cBhvr>
+                                        <p:cTn id="12" dur="1" fill="hold">
+                                          <p:stCondLst>
+                                            <p:cond delay="0"/>
+                                          </p:stCondLst>
+                                        </p:cTn>
+                                        <p:tgtEl>
+                                          <p:spTgt spid="3">
+                                            <p:txEl>
+                                              <p:pRg st="2" end="2"/>
+                                            </p:txEl>
+                                          </p:spTgt>
+                                        </p:tgtEl>
+                                        <p:attrNameLst>
+                                          <p:attrName>style.visibility</p:attrName>
+                                        </p:attrNameLst>
+                                      </p:cBhvr>
+                                      <p:to>
+                                        <p:strVal val="visible"/>
+                                      </p:to>
+                                    </p:set>
+                                  </p:childTnLst>
+                                </p:cTn>
+                              </p:par>
+                              <p:par>
+                                <p:cTn id="13" presetID="1" presetClass="entr" presetSubtype="0" fill="hold" grpId="0" nodeType="withEffect">
+                                  <p:stCondLst>
+                                    <p:cond delay="0"/>
+                                  </p:stCondLst>
+                                  <p:childTnLst>
+                                    <p:set>
+                                      <p:cBhvr>
+                                        <p:cTn id="14" dur="1" fill="hold">
+                                          <p:stCondLst>
+                                            <p:cond delay="0"/>
+                                          </p:stCondLst>
+                                        </p:cTn>
+                                        <p:tgtEl>
+                                          <p:spTgt spid="7"/>
+                                        </p:tgtEl>
+                                        <p:attrNameLst>
+                                          <p:attrName>style.visibility</p:attrName>
+                                        </p:attrNameLst>
+                                      </p:cBhvr>
+                                      <p:to>
+                                        <p:strVal val="visible"/>
+                                      </p:to>
+                                    </p:set>
+                                  </p:childTnLst>
+                                </p:cTn>
+                              </p:par>
+                            </p:childTnLst>
+                          </p:cTn>
+                        </p:par>
+                      </p:childTnLst>
+                    </p:cTn>
+                  </p:par>
+                  <p:par>
+                    <p:cTn id="15" fill="hold">
+                      <p:stCondLst>
+                        <p:cond delay="indefinite"/>
+                      </p:stCondLst>
+                      <p:childTnLst>
+                        <p:par>
+                          <p:cTn id="16" fill="hold">
+                            <p:stCondLst>
+                              <p:cond delay="0"/>
+                            </p:stCondLst>
+                            <p:childTnLst>
+                              <p:par>
+                                <p:cTn id="17" presetID="1" presetClass="entr" presetSubtype="0" fill="hold" nodeType="clickEffect">
+                                  <p:stCondLst>
+                                    <p:cond delay="0"/>
+                                  </p:stCondLst>
+                                  <p:childTnLst>
+                                    <p:set>
+                                      <p:cBhvr>
+                                        <p:cTn id="18" dur="1" fill="hold">
+                                          <p:stCondLst>
+                                            <p:cond delay="0"/>
+                                          </p:stCondLst>
+                                        </p:cTn>
+                                        <p:tgtEl>
+                                          <p:spTgt spid="3">
+                                            <p:txEl>
+                                              <p:pRg st="3" end="3"/>
+                                            </p:txEl>
+                                          </p:spTgt>
+                                        </p:tgtEl>
+                                        <p:attrNameLst>
+                                          <p:attrName>style.visibility</p:attrName>
+                                        </p:attrNameLst>
+                                      </p:cBhvr>
+                                      <p:to>
+                                        <p:strVal val="visible"/>
+                                      </p:to>
+                                    </p:set>
+                                  </p:childTnLst>
+                                </p:cTn>
+                              </p:par>
+                              <p:par>
+                                <p:cTn id="19" presetID="1" presetClass="entr" presetSubtype="0" fill="hold" grpId="0" nodeType="withEffect">
+                                  <p:stCondLst>
+                                    <p:cond delay="0"/>
+                                  </p:stCondLst>
+                                  <p:childTnLst>
+                                    <p:set>
+                                      <p:cBhvr>
+                                        <p:cTn id="20" dur="1" fill="hold">
+                                          <p:stCondLst>
+                                            <p:cond delay="0"/>
+                                          </p:stCondLst>
+                                        </p:cTn>
+                                        <p:tgtEl>
+                                          <p:spTgt spid="8"/>
+                                        </p:tgtEl>
+                                        <p:attrNameLst>
+                                          <p:attrName>style.visibility</p:attrName>
+                                        </p:attrNameLst>
+                                      </p:cBhvr>
+                                      <p:to>
+                                        <p:strVal val="visible"/>
+                                      </p:to>
+                                    </p:set>
+                                  </p:childTnLst>
+                                </p:cTn>
+                              </p:par>
+                            </p:childTnLst>
+                          </p:cTn>
+                        </p:par>
+                      </p:childTnLst>
+                    </p:cTn>
+                  </p:par>
+                  <p:par>
+                    <p:cTn id="21" fill="hold">
+                      <p:stCondLst>
+                        <p:cond delay="indefinite"/>
+                      </p:stCondLst>
+                      <p:childTnLst>
+                        <p:par>
+                          <p:cTn id="22" fill="hold">
+                            <p:stCondLst>
+                              <p:cond delay="0"/>
+                            </p:stCondLst>
+                            <p:childTnLst>
+                              <p:par>
+                                <p:cTn id="23" presetID="1" presetClass="entr" presetSubtype="0" fill="hold" nodeType="clickEffect">
+                                  <p:stCondLst>
+                                    <p:cond delay="0"/>
+                                  </p:stCondLst>
+                                  <p:childTnLst>
+                                    <p:set>
+                                      <p:cBhvr>
+                                        <p:cTn id="24" dur="1" fill="hold">
+                                          <p:stCondLst>
+                                            <p:cond delay="0"/>
+                                          </p:stCondLst>
+                                        </p:cTn>
+                                        <p:tgtEl>
+                                          <p:spTgt spid="3">
+                                            <p:txEl>
+                                              <p:pRg st="4" end="4"/>
+                                            </p:txEl>
+                                          </p:spTgt>
+                                        </p:tgtEl>
+                                        <p:attrNameLst>
+                                          <p:attrName>style.visibility</p:attrName>
+                                        </p:attrNameLst>
+                                      </p:cBhvr>
+                                      <p:to>
+                                        <p:strVal val="visible"/>
+                                      </p:to>
+                                    </p:set>
+                                  </p:childTnLst>
+                                </p:cTn>
+                              </p:par>
+                              <p:par>
+                                <p:cTn id="25" presetID="1" presetClass="entr" presetSubtype="0" fill="hold" grpId="0" nodeType="withEffect">
+                                  <p:stCondLst>
+                                    <p:cond delay="0"/>
+                                  </p:stCondLst>
+                                  <p:childTnLst>
+                                    <p:set>
+                                      <p:cBhvr>
+                                        <p:cTn id="26" dur="1" fill="hold">
+                                          <p:stCondLst>
+                                            <p:cond delay="0"/>
+                                          </p:stCondLst>
+                                        </p:cTn>
+                                        <p:tgtEl>
+                                          <p:spTgt spid="9"/>
+                                        </p:tgtEl>
+                                        <p:attrNameLst>
+                                          <p:attrName>style.visibility</p:attrName>
+                                        </p:attrNameLst>
+                                      </p:cBhvr>
+                                      <p:to>
+                                        <p:strVal val="visible"/>
+                                      </p:to>
+                                    </p:set>
+                                  </p:childTnLst>
+                                </p:cTn>
+                              </p:par>
+                            </p:childTnLst>
+                          </p:cTn>
+                        </p:par>
+                      </p:childTnLst>
+                    </p:cTn>
+                  </p:par>
+                </p:childTnLst>
+              </p:cTn>
+              <p:prevCondLst>
+                <p:cond evt="onPrev" delay="0">
+                  <p:tgtEl>
+                    <p:sldTgt/>
+                  </p:tgtEl>
+                </p:cond>
+              </p:prevCondLst>
+              <p:nextCondLst>
+                <p:cond evt="onNext" delay="0">
+                  <p:tgtEl>
+                    <p:sldTgt/>
+                  </p:tgtEl>
+                </p:cond>
+              </p:nextCondLst>
+            </p:seq>
+          </p:childTnLst>
+        </p:cTn>
       </p:par>
     </p:tnLst>
+    <p:bldLst>
+      <p:bldP spid="6" grpId="0" animBg="1"/>
+      <p:bldP spid="7" grpId="0" animBg="1"/>
+      <p:bldP spid="8" grpId="0" animBg="1"/>
+      <p:bldP spid="9" grpId="0" animBg="1"/>
+    </p:bldLst>
   </p:timing>
 </p:sld>
 </file>
@@ -11088,7 +14978,7 @@
         </p:blipFill>
         <p:spPr>
           <a:xfrm>
-            <a:off x="2651211" y="3042340"/>
+            <a:off x="1686000" y="3042340"/>
             <a:ext cx="3427291" cy="3851660"/>
           </a:xfrm>
           <a:prstGeom prst="rect">
@@ -11098,31 +14988,32 @@
       </p:pic>
       <p:pic>
         <p:nvPicPr>
-          <p:cNvPr id="7" name="Picture 6"/>
+          <p:cNvPr id="5" name="Picture 4"/>
           <p:cNvPicPr>
             <a:picLocks noChangeAspect="1"/>
           </p:cNvPicPr>
           <p:nvPr/>
         </p:nvPicPr>
         <p:blipFill rotWithShape="1">
-          <a:blip r:embed="rId4">
-            <a:extLst>
-              <a:ext uri="{28A0092B-C50C-407E-A947-70E740481C1C}">
-                <a14:useLocalDpi xmlns:a14="http://schemas.microsoft.com/office/drawing/2010/main" val="0"/>
-              </a:ext>
-            </a:extLst>
-          </a:blip>
-          <a:srcRect l="22047" t="14436" r="22310" b="16011"/>
+          <a:blip r:embed="rId4"/>
+          <a:srcRect r="4648" b="77351"/>
           <a:stretch/>
         </p:blipFill>
         <p:spPr>
           <a:xfrm>
-            <a:off x="6906000" y="3519000"/>
-            <a:ext cx="2385000" cy="2385000"/>
+            <a:off x="5961000" y="3699000"/>
+            <a:ext cx="4950000" cy="2261529"/>
           </a:xfrm>
           <a:prstGeom prst="rect">
             <a:avLst/>
           </a:prstGeom>
+          <a:ln>
+            <a:solidFill>
+              <a:schemeClr val="bg2">
+                <a:lumMod val="75000"/>
+              </a:schemeClr>
+            </a:solidFill>
+          </a:ln>
         </p:spPr>
       </p:pic>
     </p:spTree>
@@ -11460,7 +15351,7 @@
                             </p:stCondLst>
                             <p:childTnLst>
                               <p:par>
-                                <p:cTn id="23" presetID="45" presetClass="entr" presetSubtype="0" fill="hold" nodeType="clickEffect">
+                                <p:cTn id="23" presetID="1" presetClass="entr" presetSubtype="0" fill="hold" nodeType="clickEffect">
                                   <p:stCondLst>
                                     <p:cond delay="0"/>
                                   </p:stCondLst>
@@ -11473,7 +15364,7 @@
                                           </p:stCondLst>
                                         </p:cTn>
                                         <p:tgtEl>
-                                          <p:spTgt spid="7"/>
+                                          <p:spTgt spid="5"/>
                                         </p:tgtEl>
                                         <p:attrNameLst>
                                           <p:attrName>style.visibility</p:attrName>
@@ -11483,60 +15374,6 @@
                                         <p:strVal val="visible"/>
                                       </p:to>
                                     </p:set>
-                                    <p:animEffect transition="in" filter="fade">
-                                      <p:cBhvr>
-                                        <p:cTn id="25" dur="2000"/>
-                                        <p:tgtEl>
-                                          <p:spTgt spid="7"/>
-                                        </p:tgtEl>
-                                      </p:cBhvr>
-                                    </p:animEffect>
-                                    <p:anim calcmode="lin" valueType="num">
-                                      <p:cBhvr>
-                                        <p:cTn id="26" dur="2000" fill="hold"/>
-                                        <p:tgtEl>
-                                          <p:spTgt spid="7"/>
-                                        </p:tgtEl>
-                                        <p:attrNameLst>
-                                          <p:attrName>ppt_w</p:attrName>
-                                        </p:attrNameLst>
-                                      </p:cBhvr>
-                                      <p:tavLst>
-                                        <p:tav tm="0" fmla="#ppt_w*sin(2.5*pi*$)">
-                                          <p:val>
-                                            <p:fltVal val="0"/>
-                                          </p:val>
-                                        </p:tav>
-                                        <p:tav tm="100000">
-                                          <p:val>
-                                            <p:fltVal val="1"/>
-                                          </p:val>
-                                        </p:tav>
-                                      </p:tavLst>
-                                    </p:anim>
-                                    <p:anim calcmode="lin" valueType="num">
-                                      <p:cBhvr>
-                                        <p:cTn id="27" dur="2000" fill="hold"/>
-                                        <p:tgtEl>
-                                          <p:spTgt spid="7"/>
-                                        </p:tgtEl>
-                                        <p:attrNameLst>
-                                          <p:attrName>ppt_h</p:attrName>
-                                        </p:attrNameLst>
-                                      </p:cBhvr>
-                                      <p:tavLst>
-                                        <p:tav tm="0">
-                                          <p:val>
-                                            <p:strVal val="#ppt_h"/>
-                                          </p:val>
-                                        </p:tav>
-                                        <p:tav tm="100000">
-                                          <p:val>
-                                            <p:strVal val="#ppt_h"/>
-                                          </p:val>
-                                        </p:tav>
-                                      </p:tavLst>
-                                    </p:anim>
                                   </p:childTnLst>
                                 </p:cTn>
                               </p:par>
@@ -11718,7 +15555,7 @@
         </p:blipFill>
         <p:spPr>
           <a:xfrm>
-            <a:off x="1416000" y="2864678"/>
+            <a:off x="1416000" y="2709000"/>
             <a:ext cx="4216050" cy="3698288"/>
           </a:xfrm>
           <a:prstGeom prst="rect">
@@ -11748,7 +15585,7 @@
         </p:blipFill>
         <p:spPr>
           <a:xfrm>
-            <a:off x="3621000" y="3798583"/>
+            <a:off x="3621000" y="3642905"/>
             <a:ext cx="2618862" cy="2068992"/>
           </a:xfrm>
           <a:prstGeom prst="rect">
@@ -11758,32 +15595,32 @@
       </p:pic>
       <p:pic>
         <p:nvPicPr>
-          <p:cNvPr id="7" name="Picture 6"/>
+          <p:cNvPr id="8" name="Picture 7"/>
           <p:cNvPicPr>
             <a:picLocks noChangeAspect="1"/>
           </p:cNvPicPr>
           <p:nvPr/>
         </p:nvPicPr>
-        <p:blipFill>
-          <a:blip r:embed="rId4">
-            <a:extLst>
-              <a:ext uri="{28A0092B-C50C-407E-A947-70E740481C1C}">
-                <a14:useLocalDpi xmlns:a14="http://schemas.microsoft.com/office/drawing/2010/main" val="0"/>
-              </a:ext>
-            </a:extLst>
-          </a:blip>
-          <a:stretch>
-            <a:fillRect/>
-          </a:stretch>
+        <p:blipFill rotWithShape="1">
+          <a:blip r:embed="rId4"/>
+          <a:srcRect t="22793" r="4255" b="48147"/>
+          <a:stretch/>
         </p:blipFill>
         <p:spPr>
           <a:xfrm>
-            <a:off x="7449286" y="3069000"/>
-            <a:ext cx="3187500" cy="3187500"/>
+            <a:off x="6305701" y="3090144"/>
+            <a:ext cx="5029146" cy="2935999"/>
           </a:xfrm>
           <a:prstGeom prst="rect">
             <a:avLst/>
           </a:prstGeom>
+          <a:ln>
+            <a:solidFill>
+              <a:schemeClr val="bg2">
+                <a:lumMod val="75000"/>
+              </a:schemeClr>
+            </a:solidFill>
+          </a:ln>
         </p:spPr>
       </p:pic>
     </p:spTree>
@@ -11825,14 +15662,14 @@
                             </p:stCondLst>
                             <p:childTnLst>
                               <p:par>
-                                <p:cTn id="5" presetID="1" presetClass="entr" presetSubtype="0" fill="hold" nodeType="clickEffect">
+                                <p:cTn id="5" presetID="32" presetClass="emph" presetSubtype="0" fill="hold" nodeType="clickEffect">
                                   <p:stCondLst>
                                     <p:cond delay="0"/>
                                   </p:stCondLst>
                                   <p:childTnLst>
-                                    <p:set>
+                                    <p:animRot by="120000">
                                       <p:cBhvr>
-                                        <p:cTn id="6" dur="1" fill="hold">
+                                        <p:cTn id="6" dur="100" fill="hold">
                                           <p:stCondLst>
                                             <p:cond delay="0"/>
                                           </p:stCondLst>
@@ -11841,67 +15678,70 @@
                                           <p:spTgt spid="5"/>
                                         </p:tgtEl>
                                         <p:attrNameLst>
-                                          <p:attrName>style.visibility</p:attrName>
+                                          <p:attrName>r</p:attrName>
                                         </p:attrNameLst>
                                       </p:cBhvr>
-                                      <p:to>
-                                        <p:strVal val="visible"/>
-                                      </p:to>
-                                    </p:set>
-                                  </p:childTnLst>
-                                </p:cTn>
-                              </p:par>
-                              <p:par>
-                                <p:cTn id="7" presetID="1" presetClass="entr" presetSubtype="0" fill="hold" nodeType="withEffect">
-                                  <p:stCondLst>
-                                    <p:cond delay="0"/>
-                                  </p:stCondLst>
-                                  <p:childTnLst>
-                                    <p:set>
+                                    </p:animRot>
+                                    <p:animRot by="-240000">
                                       <p:cBhvr>
-                                        <p:cTn id="8" dur="1" fill="hold">
+                                        <p:cTn id="7" dur="200" fill="hold">
                                           <p:stCondLst>
-                                            <p:cond delay="0"/>
+                                            <p:cond delay="200"/>
                                           </p:stCondLst>
                                         </p:cTn>
                                         <p:tgtEl>
-                                          <p:spTgt spid="7"/>
+                                          <p:spTgt spid="5"/>
                                         </p:tgtEl>
                                         <p:attrNameLst>
-                                          <p:attrName>style.visibility</p:attrName>
+                                          <p:attrName>r</p:attrName>
                                         </p:attrNameLst>
                                       </p:cBhvr>
-                                      <p:to>
-                                        <p:strVal val="visible"/>
-                                      </p:to>
-                                    </p:set>
-                                  </p:childTnLst>
-                                </p:cTn>
-                              </p:par>
-                              <p:par>
-                                <p:cTn id="9" presetID="1" presetClass="entr" presetSubtype="0" fill="hold" nodeType="withEffect">
-                                  <p:stCondLst>
-                                    <p:cond delay="0"/>
-                                  </p:stCondLst>
-                                  <p:childTnLst>
-                                    <p:set>
+                                    </p:animRot>
+                                    <p:animRot by="240000">
                                       <p:cBhvr>
-                                        <p:cTn id="10" dur="1" fill="hold">
+                                        <p:cTn id="8" dur="200" fill="hold">
                                           <p:stCondLst>
-                                            <p:cond delay="0"/>
+                                            <p:cond delay="400"/>
                                           </p:stCondLst>
                                         </p:cTn>
                                         <p:tgtEl>
-                                          <p:spTgt spid="6"/>
+                                          <p:spTgt spid="5"/>
                                         </p:tgtEl>
                                         <p:attrNameLst>
-                                          <p:attrName>style.visibility</p:attrName>
+                                          <p:attrName>r</p:attrName>
                                         </p:attrNameLst>
                                       </p:cBhvr>
-                                      <p:to>
-                                        <p:strVal val="visible"/>
-                                      </p:to>
-                                    </p:set>
+                                    </p:animRot>
+                                    <p:animRot by="-240000">
+                                      <p:cBhvr>
+                                        <p:cTn id="9" dur="200" fill="hold">
+                                          <p:stCondLst>
+                                            <p:cond delay="600"/>
+                                          </p:stCondLst>
+                                        </p:cTn>
+                                        <p:tgtEl>
+                                          <p:spTgt spid="5"/>
+                                        </p:tgtEl>
+                                        <p:attrNameLst>
+                                          <p:attrName>r</p:attrName>
+                                        </p:attrNameLst>
+                                      </p:cBhvr>
+                                    </p:animRot>
+                                    <p:animRot by="120000">
+                                      <p:cBhvr>
+                                        <p:cTn id="10" dur="200" fill="hold">
+                                          <p:stCondLst>
+                                            <p:cond delay="800"/>
+                                          </p:stCondLst>
+                                        </p:cTn>
+                                        <p:tgtEl>
+                                          <p:spTgt spid="5"/>
+                                        </p:tgtEl>
+                                        <p:attrNameLst>
+                                          <p:attrName>r</p:attrName>
+                                        </p:attrNameLst>
+                                      </p:cBhvr>
+                                    </p:animRot>
                                   </p:childTnLst>
                                 </p:cTn>
                               </p:par>
@@ -11924,124 +15764,29 @@
                             </p:stCondLst>
                             <p:childTnLst>
                               <p:par>
-                                <p:cTn id="13" presetID="32" presetClass="emph" presetSubtype="0" fill="hold" nodeType="clickEffect">
+                                <p:cTn id="13" presetID="1" presetClass="entr" presetSubtype="0" fill="hold" nodeType="clickEffect">
                                   <p:stCondLst>
                                     <p:cond delay="0"/>
                                   </p:stCondLst>
                                   <p:childTnLst>
-                                    <p:animRot by="120000">
+                                    <p:set>
                                       <p:cBhvr>
-                                        <p:cTn id="14" dur="100" fill="hold">
+                                        <p:cTn id="14" dur="1" fill="hold">
                                           <p:stCondLst>
                                             <p:cond delay="0"/>
                                           </p:stCondLst>
                                         </p:cTn>
                                         <p:tgtEl>
-                                          <p:spTgt spid="5"/>
+                                          <p:spTgt spid="8"/>
                                         </p:tgtEl>
                                         <p:attrNameLst>
-                                          <p:attrName>r</p:attrName>
+                                          <p:attrName>style.visibility</p:attrName>
                                         </p:attrNameLst>
                                       </p:cBhvr>
-                                    </p:animRot>
-                                    <p:animRot by="-240000">
-                                      <p:cBhvr>
-                                        <p:cTn id="15" dur="200" fill="hold">
-                                          <p:stCondLst>
-                                            <p:cond delay="200"/>
-                                          </p:stCondLst>
-                                        </p:cTn>
-                                        <p:tgtEl>
-                                          <p:spTgt spid="5"/>
-                                        </p:tgtEl>
-                                        <p:attrNameLst>
-                                          <p:attrName>r</p:attrName>
-                                        </p:attrNameLst>
-                                      </p:cBhvr>
-                                    </p:animRot>
-                                    <p:animRot by="240000">
-                                      <p:cBhvr>
-                                        <p:cTn id="16" dur="200" fill="hold">
-                                          <p:stCondLst>
-                                            <p:cond delay="400"/>
-                                          </p:stCondLst>
-                                        </p:cTn>
-                                        <p:tgtEl>
-                                          <p:spTgt spid="5"/>
-                                        </p:tgtEl>
-                                        <p:attrNameLst>
-                                          <p:attrName>r</p:attrName>
-                                        </p:attrNameLst>
-                                      </p:cBhvr>
-                                    </p:animRot>
-                                    <p:animRot by="-240000">
-                                      <p:cBhvr>
-                                        <p:cTn id="17" dur="200" fill="hold">
-                                          <p:stCondLst>
-                                            <p:cond delay="600"/>
-                                          </p:stCondLst>
-                                        </p:cTn>
-                                        <p:tgtEl>
-                                          <p:spTgt spid="5"/>
-                                        </p:tgtEl>
-                                        <p:attrNameLst>
-                                          <p:attrName>r</p:attrName>
-                                        </p:attrNameLst>
-                                      </p:cBhvr>
-                                    </p:animRot>
-                                    <p:animRot by="120000">
-                                      <p:cBhvr>
-                                        <p:cTn id="18" dur="200" fill="hold">
-                                          <p:stCondLst>
-                                            <p:cond delay="800"/>
-                                          </p:stCondLst>
-                                        </p:cTn>
-                                        <p:tgtEl>
-                                          <p:spTgt spid="5"/>
-                                        </p:tgtEl>
-                                        <p:attrNameLst>
-                                          <p:attrName>r</p:attrName>
-                                        </p:attrNameLst>
-                                      </p:cBhvr>
-                                    </p:animRot>
-                                  </p:childTnLst>
-                                </p:cTn>
-                              </p:par>
-                            </p:childTnLst>
-                          </p:cTn>
-                        </p:par>
-                      </p:childTnLst>
-                    </p:cTn>
-                  </p:par>
-                  <p:par>
-                    <p:cTn id="19" fill="hold">
-                      <p:stCondLst>
-                        <p:cond delay="indefinite"/>
-                      </p:stCondLst>
-                      <p:childTnLst>
-                        <p:par>
-                          <p:cTn id="20" fill="hold">
-                            <p:stCondLst>
-                              <p:cond delay="0"/>
-                            </p:stCondLst>
-                            <p:childTnLst>
-                              <p:par>
-                                <p:cTn id="21" presetID="8" presetClass="emph" presetSubtype="0" fill="hold" nodeType="clickEffect">
-                                  <p:stCondLst>
-                                    <p:cond delay="0"/>
-                                  </p:stCondLst>
-                                  <p:childTnLst>
-                                    <p:animRot by="21600000">
-                                      <p:cBhvr>
-                                        <p:cTn id="22" dur="2000" fill="hold"/>
-                                        <p:tgtEl>
-                                          <p:spTgt spid="7"/>
-                                        </p:tgtEl>
-                                        <p:attrNameLst>
-                                          <p:attrName>r</p:attrName>
-                                        </p:attrNameLst>
-                                      </p:cBhvr>
-                                    </p:animRot>
+                                      <p:to>
+                                        <p:strVal val="visible"/>
+                                      </p:to>
+                                    </p:set>
                                   </p:childTnLst>
                                 </p:cTn>
                               </p:par>
@@ -12220,36 +15965,6 @@
       </p:sp>
       <p:pic>
         <p:nvPicPr>
-          <p:cNvPr id="5" name="Picture 4"/>
-          <p:cNvPicPr>
-            <a:picLocks noChangeAspect="1"/>
-          </p:cNvPicPr>
-          <p:nvPr/>
-        </p:nvPicPr>
-        <p:blipFill>
-          <a:blip r:embed="rId2">
-            <a:extLst>
-              <a:ext uri="{28A0092B-C50C-407E-A947-70E740481C1C}">
-                <a14:useLocalDpi xmlns:a14="http://schemas.microsoft.com/office/drawing/2010/main" val="0"/>
-              </a:ext>
-            </a:extLst>
-          </a:blip>
-          <a:stretch>
-            <a:fillRect/>
-          </a:stretch>
-        </p:blipFill>
-        <p:spPr>
-          <a:xfrm>
-            <a:off x="1911000" y="2959500"/>
-            <a:ext cx="3547500" cy="3547500"/>
-          </a:xfrm>
-          <a:prstGeom prst="rect">
-            <a:avLst/>
-          </a:prstGeom>
-        </p:spPr>
-      </p:pic>
-      <p:pic>
-        <p:nvPicPr>
           <p:cNvPr id="6" name="Picture 5"/>
           <p:cNvPicPr>
             <a:picLocks noChangeAspect="1"/>
@@ -12257,7 +15972,7 @@
           <p:nvPr/>
         </p:nvPicPr>
         <p:blipFill rotWithShape="1">
-          <a:blip r:embed="rId3">
+          <a:blip r:embed="rId2">
             <a:extLst>
               <a:ext uri="{28A0092B-C50C-407E-A947-70E740481C1C}">
                 <a14:useLocalDpi xmlns:a14="http://schemas.microsoft.com/office/drawing/2010/main" val="0"/>
@@ -12269,12 +15984,42 @@
         </p:blipFill>
         <p:spPr>
           <a:xfrm>
-            <a:off x="6905999" y="3176250"/>
+            <a:off x="1686000" y="3024000"/>
             <a:ext cx="3555001" cy="3114000"/>
           </a:xfrm>
           <a:prstGeom prst="rect">
             <a:avLst/>
           </a:prstGeom>
+        </p:spPr>
+      </p:pic>
+      <p:pic>
+        <p:nvPicPr>
+          <p:cNvPr id="7" name="Picture 6"/>
+          <p:cNvPicPr>
+            <a:picLocks noChangeAspect="1"/>
+          </p:cNvPicPr>
+          <p:nvPr/>
+        </p:nvPicPr>
+        <p:blipFill rotWithShape="1">
+          <a:blip r:embed="rId3"/>
+          <a:srcRect l="242" t="51918" r="4546" b="25618"/>
+          <a:stretch/>
+        </p:blipFill>
+        <p:spPr>
+          <a:xfrm>
+            <a:off x="6049345" y="3339000"/>
+            <a:ext cx="5275377" cy="2394050"/>
+          </a:xfrm>
+          <a:prstGeom prst="rect">
+            <a:avLst/>
+          </a:prstGeom>
+          <a:ln>
+            <a:solidFill>
+              <a:schemeClr val="bg2">
+                <a:lumMod val="75000"/>
+              </a:schemeClr>
+            </a:solidFill>
+          </a:ln>
         </p:spPr>
       </p:pic>
     </p:spTree>
@@ -12316,43 +16061,62 @@
                             </p:stCondLst>
                             <p:childTnLst>
                               <p:par>
-                                <p:cTn id="5" presetID="1" presetClass="entr" presetSubtype="0" fill="hold" nodeType="clickEffect">
+                                <p:cTn id="5" presetID="2" presetClass="exit" presetSubtype="4" fill="hold" nodeType="clickEffect">
                                   <p:stCondLst>
                                     <p:cond delay="0"/>
                                   </p:stCondLst>
                                   <p:childTnLst>
-                                    <p:set>
-                                      <p:cBhvr>
-                                        <p:cTn id="6" dur="1" fill="hold">
-                                          <p:stCondLst>
-                                            <p:cond delay="0"/>
-                                          </p:stCondLst>
-                                        </p:cTn>
+                                    <p:anim calcmode="lin" valueType="num">
+                                      <p:cBhvr additive="base">
+                                        <p:cTn id="6" dur="500"/>
                                         <p:tgtEl>
-                                          <p:spTgt spid="5"/>
+                                          <p:spTgt spid="6"/>
                                         </p:tgtEl>
                                         <p:attrNameLst>
-                                          <p:attrName>style.visibility</p:attrName>
+                                          <p:attrName>ppt_x</p:attrName>
                                         </p:attrNameLst>
                                       </p:cBhvr>
-                                      <p:to>
-                                        <p:strVal val="visible"/>
-                                      </p:to>
-                                    </p:set>
-                                  </p:childTnLst>
-                                </p:cTn>
-                              </p:par>
-                              <p:par>
-                                <p:cTn id="7" presetID="1" presetClass="entr" presetSubtype="0" fill="hold" nodeType="withEffect">
-                                  <p:stCondLst>
-                                    <p:cond delay="0"/>
-                                  </p:stCondLst>
-                                  <p:childTnLst>
+                                      <p:tavLst>
+                                        <p:tav tm="0">
+                                          <p:val>
+                                            <p:strVal val="ppt_x"/>
+                                          </p:val>
+                                        </p:tav>
+                                        <p:tav tm="100000">
+                                          <p:val>
+                                            <p:strVal val="ppt_x"/>
+                                          </p:val>
+                                        </p:tav>
+                                      </p:tavLst>
+                                    </p:anim>
+                                    <p:anim calcmode="lin" valueType="num">
+                                      <p:cBhvr additive="base">
+                                        <p:cTn id="7" dur="500"/>
+                                        <p:tgtEl>
+                                          <p:spTgt spid="6"/>
+                                        </p:tgtEl>
+                                        <p:attrNameLst>
+                                          <p:attrName>ppt_y</p:attrName>
+                                        </p:attrNameLst>
+                                      </p:cBhvr>
+                                      <p:tavLst>
+                                        <p:tav tm="0">
+                                          <p:val>
+                                            <p:strVal val="ppt_y"/>
+                                          </p:val>
+                                        </p:tav>
+                                        <p:tav tm="100000">
+                                          <p:val>
+                                            <p:strVal val="1+ppt_h/2"/>
+                                          </p:val>
+                                        </p:tav>
+                                      </p:tavLst>
+                                    </p:anim>
                                     <p:set>
                                       <p:cBhvr>
                                         <p:cTn id="8" dur="1" fill="hold">
                                           <p:stCondLst>
-                                            <p:cond delay="0"/>
+                                            <p:cond delay="499"/>
                                           </p:stCondLst>
                                         </p:cTn>
                                         <p:tgtEl>
@@ -12363,7 +16127,7 @@
                                         </p:attrNameLst>
                                       </p:cBhvr>
                                       <p:to>
-                                        <p:strVal val="visible"/>
+                                        <p:strVal val="hidden"/>
                                       </p:to>
                                     </p:set>
                                   </p:childTnLst>
@@ -12388,126 +16152,27 @@
                             </p:stCondLst>
                             <p:childTnLst>
                               <p:par>
-                                <p:cTn id="11" presetID="22" presetClass="exit" presetSubtype="4" fill="hold" nodeType="clickEffect">
+                                <p:cTn id="11" presetID="1" presetClass="entr" presetSubtype="0" fill="hold" nodeType="clickEffect">
                                   <p:stCondLst>
                                     <p:cond delay="0"/>
                                   </p:stCondLst>
                                   <p:childTnLst>
-                                    <p:animEffect transition="out" filter="wipe(down)">
-                                      <p:cBhvr>
-                                        <p:cTn id="12" dur="500"/>
-                                        <p:tgtEl>
-                                          <p:spTgt spid="5"/>
-                                        </p:tgtEl>
-                                      </p:cBhvr>
-                                    </p:animEffect>
                                     <p:set>
                                       <p:cBhvr>
-                                        <p:cTn id="13" dur="1" fill="hold">
+                                        <p:cTn id="12" dur="1" fill="hold">
                                           <p:stCondLst>
-                                            <p:cond delay="499"/>
+                                            <p:cond delay="0"/>
                                           </p:stCondLst>
                                         </p:cTn>
                                         <p:tgtEl>
-                                          <p:spTgt spid="5"/>
+                                          <p:spTgt spid="7"/>
                                         </p:tgtEl>
                                         <p:attrNameLst>
                                           <p:attrName>style.visibility</p:attrName>
                                         </p:attrNameLst>
                                       </p:cBhvr>
                                       <p:to>
-                                        <p:strVal val="hidden"/>
-                                      </p:to>
-                                    </p:set>
-                                  </p:childTnLst>
-                                </p:cTn>
-                              </p:par>
-                            </p:childTnLst>
-                          </p:cTn>
-                        </p:par>
-                      </p:childTnLst>
-                    </p:cTn>
-                  </p:par>
-                  <p:par>
-                    <p:cTn id="14" fill="hold">
-                      <p:stCondLst>
-                        <p:cond delay="indefinite"/>
-                      </p:stCondLst>
-                      <p:childTnLst>
-                        <p:par>
-                          <p:cTn id="15" fill="hold">
-                            <p:stCondLst>
-                              <p:cond delay="0"/>
-                            </p:stCondLst>
-                            <p:childTnLst>
-                              <p:par>
-                                <p:cTn id="16" presetID="2" presetClass="exit" presetSubtype="4" fill="hold" nodeType="clickEffect">
-                                  <p:stCondLst>
-                                    <p:cond delay="0"/>
-                                  </p:stCondLst>
-                                  <p:childTnLst>
-                                    <p:anim calcmode="lin" valueType="num">
-                                      <p:cBhvr additive="base">
-                                        <p:cTn id="17" dur="500"/>
-                                        <p:tgtEl>
-                                          <p:spTgt spid="6"/>
-                                        </p:tgtEl>
-                                        <p:attrNameLst>
-                                          <p:attrName>ppt_x</p:attrName>
-                                        </p:attrNameLst>
-                                      </p:cBhvr>
-                                      <p:tavLst>
-                                        <p:tav tm="0">
-                                          <p:val>
-                                            <p:strVal val="ppt_x"/>
-                                          </p:val>
-                                        </p:tav>
-                                        <p:tav tm="100000">
-                                          <p:val>
-                                            <p:strVal val="ppt_x"/>
-                                          </p:val>
-                                        </p:tav>
-                                      </p:tavLst>
-                                    </p:anim>
-                                    <p:anim calcmode="lin" valueType="num">
-                                      <p:cBhvr additive="base">
-                                        <p:cTn id="18" dur="500"/>
-                                        <p:tgtEl>
-                                          <p:spTgt spid="6"/>
-                                        </p:tgtEl>
-                                        <p:attrNameLst>
-                                          <p:attrName>ppt_y</p:attrName>
-                                        </p:attrNameLst>
-                                      </p:cBhvr>
-                                      <p:tavLst>
-                                        <p:tav tm="0">
-                                          <p:val>
-                                            <p:strVal val="ppt_y"/>
-                                          </p:val>
-                                        </p:tav>
-                                        <p:tav tm="100000">
-                                          <p:val>
-                                            <p:strVal val="1+ppt_h/2"/>
-                                          </p:val>
-                                        </p:tav>
-                                      </p:tavLst>
-                                    </p:anim>
-                                    <p:set>
-                                      <p:cBhvr>
-                                        <p:cTn id="19" dur="1" fill="hold">
-                                          <p:stCondLst>
-                                            <p:cond delay="499"/>
-                                          </p:stCondLst>
-                                        </p:cTn>
-                                        <p:tgtEl>
-                                          <p:spTgt spid="6"/>
-                                        </p:tgtEl>
-                                        <p:attrNameLst>
-                                          <p:attrName>style.visibility</p:attrName>
-                                        </p:attrNameLst>
-                                      </p:cBhvr>
-                                      <p:to>
-                                        <p:strVal val="hidden"/>
+                                        <p:strVal val="visible"/>
                                       </p:to>
                                     </p:set>
                                   </p:childTnLst>

--- a/Courses/Computer-Modeling-and-IT/Computer-Modeling-and-IT-6-Class/18-Animation-Effects-and-Slide-Duration/18-Animation-Effects-and-Slide-Duration.pptx
+++ b/Courses/Computer-Modeling-and-IT/Computer-Modeling-and-IT-6-Class/18-Animation-Effects-and-Slide-Duration/18-Animation-Effects-and-Slide-Duration.pptx
@@ -5,10 +5,10 @@
     <p:sldMasterId id="2147483675" r:id="rId1"/>
   </p:sldMasterIdLst>
   <p:notesMasterIdLst>
-    <p:notesMasterId r:id="rId20"/>
+    <p:notesMasterId r:id="rId25"/>
   </p:notesMasterIdLst>
   <p:handoutMasterIdLst>
-    <p:handoutMasterId r:id="rId21"/>
+    <p:handoutMasterId r:id="rId26"/>
   </p:handoutMasterIdLst>
   <p:sldIdLst>
     <p:sldId id="503" r:id="rId2"/>
@@ -26,9 +26,14 @@
     <p:sldId id="597" r:id="rId14"/>
     <p:sldId id="598" r:id="rId15"/>
     <p:sldId id="599" r:id="rId16"/>
-    <p:sldId id="586" r:id="rId17"/>
-    <p:sldId id="504" r:id="rId18"/>
-    <p:sldId id="505" r:id="rId19"/>
+    <p:sldId id="600" r:id="rId17"/>
+    <p:sldId id="601" r:id="rId18"/>
+    <p:sldId id="602" r:id="rId19"/>
+    <p:sldId id="603" r:id="rId20"/>
+    <p:sldId id="604" r:id="rId21"/>
+    <p:sldId id="586" r:id="rId22"/>
+    <p:sldId id="504" r:id="rId23"/>
+    <p:sldId id="505" r:id="rId24"/>
   </p:sldIdLst>
   <p:sldSz cx="12192000" cy="6858000"/>
   <p:notesSz cx="6858000" cy="9144000"/>
@@ -155,6 +160,11 @@
         <p14:section name="͏Анимационни ефекти при преход между слайдове" id="{248321BD-F980-4D67-8C70-F3D476772F5E}">
           <p14:sldIdLst>
             <p14:sldId id="599"/>
+            <p14:sldId id="600"/>
+            <p14:sldId id="601"/>
+            <p14:sldId id="602"/>
+            <p14:sldId id="603"/>
+            <p14:sldId id="604"/>
           </p14:sldIdLst>
         </p14:section>
         <p14:section name="Заключение" id="{E19D07F1-86E2-47E9-B2AB-7ADC4F89DC12}">
@@ -281,7 +291,7 @@
           <a:p>
             <a:fld id="{4E087215-0C8F-4762-A664-737A353EC9A4}" type="datetimeFigureOut">
               <a:rPr lang="bg-BG" smtClean="0"/>
-              <a:t>17.7.2024 г.</a:t>
+              <a:t>18.7.2024 г.</a:t>
             </a:fld>
             <a:endParaRPr lang="bg-BG"/>
           </a:p>
@@ -477,7 +487,7 @@
           <a:p>
             <a:fld id="{72D84649-876A-46C9-8472-14CB09C070D8}" type="datetimeFigureOut">
               <a:rPr lang="en-US" smtClean="0"/>
-              <a:t>7/17/2024</a:t>
+              <a:t>7/18/2024</a:t>
             </a:fld>
             <a:endParaRPr lang="en-US"/>
           </a:p>
@@ -1504,7 +1514,7 @@
             <a:fld id="{3EBA5BD7-F043-4D1B-AA17-CD412FC534DE}" type="slidenum">
               <a:rPr lang="en-US" smtClean="0"/>
               <a:pPr/>
-              <a:t>16</a:t>
+              <a:t>21</a:t>
             </a:fld>
             <a:endParaRPr lang="en-US" dirty="0"/>
           </a:p>
@@ -1695,7 +1705,7 @@
             <a:fld id="{3EBA5BD7-F043-4D1B-AA17-CD412FC534DE}" type="slidenum">
               <a:rPr lang="en-US" smtClean="0"/>
               <a:pPr/>
-              <a:t>17</a:t>
+              <a:t>22</a:t>
             </a:fld>
             <a:endParaRPr lang="en-US" dirty="0"/>
           </a:p>
@@ -1925,7 +1935,7 @@
             <a:fld id="{3EBA5BD7-F043-4D1B-AA17-CD412FC534DE}" type="slidenum">
               <a:rPr lang="en-US" smtClean="0"/>
               <a:pPr/>
-              <a:t>18</a:t>
+              <a:t>23</a:t>
             </a:fld>
             <a:endParaRPr lang="en-US" dirty="0"/>
           </a:p>
@@ -8533,12 +8543,12 @@
   <p:clrMapOvr>
     <a:masterClrMapping/>
   </p:clrMapOvr>
-  <mc:AlternateContent xmlns:mc="http://schemas.openxmlformats.org/markup-compatibility/2006" xmlns:p14="http://schemas.microsoft.com/office/powerpoint/2010/main">
-    <mc:Choice Requires="p14">
-      <p:transition spd="slow" p14:dur="2000" advClick="0" advTm="5000"/>
+  <mc:AlternateContent xmlns:mc="http://schemas.openxmlformats.org/markup-compatibility/2006">
+    <mc:Choice xmlns:p14="http://schemas.microsoft.com/office/powerpoint/2010/main" Requires="p14">
+      <p:transition p14:dur="0" advClick="0" advTm="5000"/>
     </mc:Choice>
-    <mc:Fallback xmlns="">
-      <p:transition spd="slow" advClick="0" advTm="5000"/>
+    <mc:Fallback>
+      <p:transition advClick="0" advTm="5000"/>
     </mc:Fallback>
   </mc:AlternateContent>
   <p:timing>
@@ -8938,6 +8948,9 @@
           </a:p>
           <a:p>
             <a:pPr marL="895350" lvl="2" indent="0">
+              <a:spcBef>
+                <a:spcPts val="0"/>
+              </a:spcBef>
               <a:buNone/>
             </a:pPr>
             <a:r>
@@ -10899,6 +10912,3213 @@
       </p:grpSpPr>
       <p:sp>
         <p:nvSpPr>
+          <p:cNvPr id="5" name="Text Placeholder 4"/>
+          <p:cNvSpPr>
+            <a:spLocks noGrp="1"/>
+          </p:cNvSpPr>
+          <p:nvPr>
+            <p:ph type="body" sz="quarter" idx="10"/>
+          </p:nvPr>
+        </p:nvSpPr>
+        <p:spPr>
+          <a:xfrm>
+            <a:off x="111000" y="1196125"/>
+            <a:ext cx="12081000" cy="5528766"/>
+          </a:xfrm>
+        </p:spPr>
+        <p:txBody>
+          <a:bodyPr/>
+          <a:lstStyle/>
+          <a:p>
+            <a:r>
+              <a:rPr lang="bg-BG" b="1" dirty="0" smtClean="0"/>
+              <a:t>Преходите</a:t>
+            </a:r>
+            <a:r>
+              <a:rPr lang="bg-BG" dirty="0" smtClean="0"/>
+              <a:t> между </a:t>
+            </a:r>
+            <a:r>
+              <a:rPr lang="bg-BG" b="1" dirty="0" smtClean="0"/>
+              <a:t>слайдовете</a:t>
+            </a:r>
+            <a:r>
+              <a:rPr lang="bg-BG" dirty="0" smtClean="0"/>
+              <a:t> са </a:t>
+            </a:r>
+            <a:r>
+              <a:rPr lang="bg-BG" b="1" dirty="0" smtClean="0"/>
+              <a:t>подобни</a:t>
+            </a:r>
+            <a:r>
+              <a:rPr lang="bg-BG" dirty="0" smtClean="0"/>
+              <a:t> на </a:t>
+            </a:r>
+            <a:r>
+              <a:rPr lang="bg-BG" b="1" dirty="0" smtClean="0"/>
+              <a:t>анимационните</a:t>
+            </a:r>
+            <a:r>
+              <a:rPr lang="bg-BG" dirty="0" smtClean="0"/>
+              <a:t> </a:t>
+            </a:r>
+            <a:r>
+              <a:rPr lang="bg-BG" b="1" dirty="0" smtClean="0"/>
+              <a:t>ефекти</a:t>
+            </a:r>
+            <a:r>
+              <a:rPr lang="bg-BG" dirty="0" smtClean="0"/>
+              <a:t> на елементи от слайд</a:t>
+            </a:r>
+          </a:p>
+          <a:p>
+            <a:r>
+              <a:rPr lang="bg-BG" b="1" dirty="0" smtClean="0"/>
+              <a:t>Анимациите</a:t>
+            </a:r>
+            <a:r>
+              <a:rPr lang="bg-BG" dirty="0" smtClean="0"/>
+              <a:t> между слайдовете са начина на </a:t>
+            </a:r>
+            <a:r>
+              <a:rPr lang="bg-BG" b="1" dirty="0" smtClean="0"/>
+              <a:t>появяване</a:t>
+            </a:r>
+            <a:r>
+              <a:rPr lang="bg-BG" dirty="0" smtClean="0"/>
+              <a:t> на </a:t>
+            </a:r>
+            <a:r>
+              <a:rPr lang="bg-BG" b="1" dirty="0" smtClean="0"/>
+              <a:t>слайд</a:t>
+            </a:r>
+            <a:r>
+              <a:rPr lang="bg-BG" dirty="0" smtClean="0"/>
+              <a:t> в </a:t>
+            </a:r>
+            <a:r>
+              <a:rPr lang="bg-BG" b="1" dirty="0" smtClean="0"/>
+              <a:t>презентация</a:t>
+            </a:r>
+          </a:p>
+          <a:p>
+            <a:r>
+              <a:rPr lang="bg-BG" b="1" dirty="0" smtClean="0"/>
+              <a:t>Преходите</a:t>
+            </a:r>
+            <a:r>
+              <a:rPr lang="bg-BG" dirty="0" smtClean="0"/>
+              <a:t> се </a:t>
+            </a:r>
+            <a:r>
+              <a:rPr lang="bg-BG" b="1" dirty="0" smtClean="0"/>
+              <a:t>задават</a:t>
+            </a:r>
+            <a:r>
+              <a:rPr lang="bg-BG" dirty="0" smtClean="0"/>
+              <a:t> и </a:t>
+            </a:r>
+            <a:r>
+              <a:rPr lang="bg-BG" b="1" dirty="0" smtClean="0"/>
+              <a:t>настройват</a:t>
+            </a:r>
+            <a:r>
+              <a:rPr lang="bg-BG" dirty="0" smtClean="0"/>
+              <a:t> от </a:t>
+            </a:r>
+            <a:r>
+              <a:rPr lang="bg-BG" b="1" dirty="0" smtClean="0"/>
+              <a:t>менюто </a:t>
+            </a:r>
+            <a:r>
+              <a:rPr lang="en-US" b="1" dirty="0" smtClean="0">
+                <a:solidFill>
+                  <a:schemeClr val="bg1"/>
+                </a:solidFill>
+              </a:rPr>
+              <a:t>Transition</a:t>
+            </a:r>
+            <a:endParaRPr lang="en-US" b="1" dirty="0">
+              <a:solidFill>
+                <a:schemeClr val="bg1"/>
+              </a:solidFill>
+            </a:endParaRPr>
+          </a:p>
+        </p:txBody>
+      </p:sp>
+      <p:sp>
+        <p:nvSpPr>
+          <p:cNvPr id="4" name="Title 3"/>
+          <p:cNvSpPr>
+            <a:spLocks noGrp="1"/>
+          </p:cNvSpPr>
+          <p:nvPr>
+            <p:ph type="title"/>
+          </p:nvPr>
+        </p:nvSpPr>
+        <p:spPr/>
+        <p:txBody>
+          <a:bodyPr>
+            <a:normAutofit/>
+          </a:bodyPr>
+          <a:lstStyle/>
+          <a:p>
+            <a:r>
+              <a:rPr lang="ru-RU" dirty="0"/>
+              <a:t>͏Анимационни ефекти </a:t>
+            </a:r>
+            <a:r>
+              <a:rPr lang="ru-RU" dirty="0" smtClean="0"/>
+              <a:t>между </a:t>
+            </a:r>
+            <a:r>
+              <a:rPr lang="ru-RU" dirty="0"/>
+              <a:t>слайдове</a:t>
+            </a:r>
+            <a:endParaRPr lang="en-US" dirty="0"/>
+          </a:p>
+        </p:txBody>
+      </p:sp>
+      <p:pic>
+        <p:nvPicPr>
+          <p:cNvPr id="6" name="Picture 5"/>
+          <p:cNvPicPr>
+            <a:picLocks noChangeAspect="1"/>
+          </p:cNvPicPr>
+          <p:nvPr/>
+        </p:nvPicPr>
+        <p:blipFill>
+          <a:blip r:embed="rId2"/>
+          <a:stretch>
+            <a:fillRect/>
+          </a:stretch>
+        </p:blipFill>
+        <p:spPr>
+          <a:xfrm>
+            <a:off x="1133213" y="4914000"/>
+            <a:ext cx="9925574" cy="1406896"/>
+          </a:xfrm>
+          <a:prstGeom prst="rect">
+            <a:avLst/>
+          </a:prstGeom>
+          <a:ln>
+            <a:solidFill>
+              <a:schemeClr val="bg2">
+                <a:lumMod val="75000"/>
+              </a:schemeClr>
+            </a:solidFill>
+          </a:ln>
+        </p:spPr>
+      </p:pic>
+    </p:spTree>
+    <p:extLst>
+      <p:ext uri="{BB962C8B-B14F-4D97-AF65-F5344CB8AC3E}">
+        <p14:creationId xmlns:p14="http://schemas.microsoft.com/office/powerpoint/2010/main" val="3115190759"/>
+      </p:ext>
+    </p:extLst>
+  </p:cSld>
+  <p:clrMapOvr>
+    <a:masterClrMapping/>
+  </p:clrMapOvr>
+  <mc:AlternateContent xmlns:mc="http://schemas.openxmlformats.org/markup-compatibility/2006">
+    <mc:Choice xmlns:p15="http://schemas.microsoft.com/office/powerpoint/2012/main" Requires="p15">
+      <p:transition xmlns:p14="http://schemas.microsoft.com/office/powerpoint/2010/main" spd="slow" p14:dur="6000" advClick="0" advTm="5000">
+        <p15:prstTrans prst="curtains"/>
+      </p:transition>
+    </mc:Choice>
+    <mc:Fallback>
+      <p:transition spd="slow" advClick="0" advTm="5000">
+        <p:fade/>
+      </p:transition>
+    </mc:Fallback>
+  </mc:AlternateContent>
+  <p:timing>
+    <p:tnLst>
+      <p:par>
+        <p:cTn id="1" dur="indefinite" restart="never" nodeType="tmRoot">
+          <p:childTnLst>
+            <p:seq concurrent="1" nextAc="seek">
+              <p:cTn id="2" dur="indefinite" nodeType="mainSeq">
+                <p:childTnLst>
+                  <p:par>
+                    <p:cTn id="3" fill="hold">
+                      <p:stCondLst>
+                        <p:cond delay="indefinite"/>
+                      </p:stCondLst>
+                      <p:childTnLst>
+                        <p:par>
+                          <p:cTn id="4" fill="hold">
+                            <p:stCondLst>
+                              <p:cond delay="0"/>
+                            </p:stCondLst>
+                            <p:childTnLst>
+                              <p:par>
+                                <p:cTn id="5" presetID="1" presetClass="entr" presetSubtype="0" fill="hold" nodeType="clickEffect">
+                                  <p:stCondLst>
+                                    <p:cond delay="0"/>
+                                  </p:stCondLst>
+                                  <p:childTnLst>
+                                    <p:set>
+                                      <p:cBhvr>
+                                        <p:cTn id="6" dur="1" fill="hold">
+                                          <p:stCondLst>
+                                            <p:cond delay="0"/>
+                                          </p:stCondLst>
+                                        </p:cTn>
+                                        <p:tgtEl>
+                                          <p:spTgt spid="5">
+                                            <p:txEl>
+                                              <p:pRg st="1" end="1"/>
+                                            </p:txEl>
+                                          </p:spTgt>
+                                        </p:tgtEl>
+                                        <p:attrNameLst>
+                                          <p:attrName>style.visibility</p:attrName>
+                                        </p:attrNameLst>
+                                      </p:cBhvr>
+                                      <p:to>
+                                        <p:strVal val="visible"/>
+                                      </p:to>
+                                    </p:set>
+                                  </p:childTnLst>
+                                </p:cTn>
+                              </p:par>
+                            </p:childTnLst>
+                          </p:cTn>
+                        </p:par>
+                      </p:childTnLst>
+                    </p:cTn>
+                  </p:par>
+                  <p:par>
+                    <p:cTn id="7" fill="hold">
+                      <p:stCondLst>
+                        <p:cond delay="indefinite"/>
+                      </p:stCondLst>
+                      <p:childTnLst>
+                        <p:par>
+                          <p:cTn id="8" fill="hold">
+                            <p:stCondLst>
+                              <p:cond delay="0"/>
+                            </p:stCondLst>
+                            <p:childTnLst>
+                              <p:par>
+                                <p:cTn id="9" presetID="1" presetClass="entr" presetSubtype="0" fill="hold" nodeType="clickEffect">
+                                  <p:stCondLst>
+                                    <p:cond delay="0"/>
+                                  </p:stCondLst>
+                                  <p:childTnLst>
+                                    <p:set>
+                                      <p:cBhvr>
+                                        <p:cTn id="10" dur="1" fill="hold">
+                                          <p:stCondLst>
+                                            <p:cond delay="0"/>
+                                          </p:stCondLst>
+                                        </p:cTn>
+                                        <p:tgtEl>
+                                          <p:spTgt spid="5">
+                                            <p:txEl>
+                                              <p:pRg st="2" end="2"/>
+                                            </p:txEl>
+                                          </p:spTgt>
+                                        </p:tgtEl>
+                                        <p:attrNameLst>
+                                          <p:attrName>style.visibility</p:attrName>
+                                        </p:attrNameLst>
+                                      </p:cBhvr>
+                                      <p:to>
+                                        <p:strVal val="visible"/>
+                                      </p:to>
+                                    </p:set>
+                                  </p:childTnLst>
+                                </p:cTn>
+                              </p:par>
+                            </p:childTnLst>
+                          </p:cTn>
+                        </p:par>
+                      </p:childTnLst>
+                    </p:cTn>
+                  </p:par>
+                  <p:par>
+                    <p:cTn id="11" fill="hold">
+                      <p:stCondLst>
+                        <p:cond delay="indefinite"/>
+                      </p:stCondLst>
+                      <p:childTnLst>
+                        <p:par>
+                          <p:cTn id="12" fill="hold">
+                            <p:stCondLst>
+                              <p:cond delay="0"/>
+                            </p:stCondLst>
+                            <p:childTnLst>
+                              <p:par>
+                                <p:cTn id="13" presetID="1" presetClass="entr" presetSubtype="0" fill="hold" nodeType="clickEffect">
+                                  <p:stCondLst>
+                                    <p:cond delay="0"/>
+                                  </p:stCondLst>
+                                  <p:childTnLst>
+                                    <p:set>
+                                      <p:cBhvr>
+                                        <p:cTn id="14" dur="1" fill="hold">
+                                          <p:stCondLst>
+                                            <p:cond delay="0"/>
+                                          </p:stCondLst>
+                                        </p:cTn>
+                                        <p:tgtEl>
+                                          <p:spTgt spid="6"/>
+                                        </p:tgtEl>
+                                        <p:attrNameLst>
+                                          <p:attrName>style.visibility</p:attrName>
+                                        </p:attrNameLst>
+                                      </p:cBhvr>
+                                      <p:to>
+                                        <p:strVal val="visible"/>
+                                      </p:to>
+                                    </p:set>
+                                  </p:childTnLst>
+                                </p:cTn>
+                              </p:par>
+                            </p:childTnLst>
+                          </p:cTn>
+                        </p:par>
+                      </p:childTnLst>
+                    </p:cTn>
+                  </p:par>
+                </p:childTnLst>
+              </p:cTn>
+              <p:prevCondLst>
+                <p:cond evt="onPrev" delay="0">
+                  <p:tgtEl>
+                    <p:sldTgt/>
+                  </p:tgtEl>
+                </p:cond>
+              </p:prevCondLst>
+              <p:nextCondLst>
+                <p:cond evt="onNext" delay="0">
+                  <p:tgtEl>
+                    <p:sldTgt/>
+                  </p:tgtEl>
+                </p:cond>
+              </p:nextCondLst>
+            </p:seq>
+          </p:childTnLst>
+        </p:cTn>
+      </p:par>
+    </p:tnLst>
+  </p:timing>
+</p:sld>
+</file>
+
+<file path=ppt/slides/slide17.xml><?xml version="1.0" encoding="utf-8"?>
+<p:sld xmlns:a="http://schemas.openxmlformats.org/drawingml/2006/main" xmlns:r="http://schemas.openxmlformats.org/officeDocument/2006/relationships" xmlns:p="http://schemas.openxmlformats.org/presentationml/2006/main">
+  <p:cSld>
+    <p:spTree>
+      <p:nvGrpSpPr>
+        <p:cNvPr id="1" name=""/>
+        <p:cNvGrpSpPr/>
+        <p:nvPr/>
+      </p:nvGrpSpPr>
+      <p:grpSpPr>
+        <a:xfrm>
+          <a:off x="0" y="0"/>
+          <a:ext cx="0" cy="0"/>
+          <a:chOff x="0" y="0"/>
+          <a:chExt cx="0" cy="0"/>
+        </a:xfrm>
+      </p:grpSpPr>
+      <p:sp>
+        <p:nvSpPr>
+          <p:cNvPr id="2" name="Slide Number Placeholder 1"/>
+          <p:cNvSpPr>
+            <a:spLocks noGrp="1"/>
+          </p:cNvSpPr>
+          <p:nvPr>
+            <p:ph type="sldNum" sz="quarter" idx="5"/>
+          </p:nvPr>
+        </p:nvSpPr>
+        <p:spPr/>
+        <p:txBody>
+          <a:bodyPr/>
+          <a:lstStyle/>
+          <a:p>
+            <a:fld id="{2BF067CD-8E6B-4360-9AA8-C5DF2A48A6D1}" type="slidenum">
+              <a:rPr lang="en-US" noProof="0" smtClean="0"/>
+              <a:pPr/>
+              <a:t>17</a:t>
+            </a:fld>
+            <a:endParaRPr lang="en-US" noProof="0" dirty="0"/>
+          </a:p>
+        </p:txBody>
+      </p:sp>
+      <p:sp>
+        <p:nvSpPr>
+          <p:cNvPr id="3" name="Text Placeholder 2"/>
+          <p:cNvSpPr>
+            <a:spLocks noGrp="1"/>
+          </p:cNvSpPr>
+          <p:nvPr>
+            <p:ph type="body" sz="quarter" idx="10"/>
+          </p:nvPr>
+        </p:nvSpPr>
+        <p:spPr>
+          <a:xfrm>
+            <a:off x="111000" y="1196125"/>
+            <a:ext cx="12009444" cy="5528766"/>
+          </a:xfrm>
+        </p:spPr>
+        <p:txBody>
+          <a:bodyPr/>
+          <a:lstStyle/>
+          <a:p>
+            <a:r>
+              <a:rPr lang="bg-BG" b="1" dirty="0" smtClean="0"/>
+              <a:t>Преходите</a:t>
+            </a:r>
+            <a:r>
+              <a:rPr lang="bg-BG" dirty="0" smtClean="0"/>
+              <a:t> между слайдовете се </a:t>
+            </a:r>
+            <a:r>
+              <a:rPr lang="bg-BG" b="1" dirty="0" smtClean="0"/>
+              <a:t>задават</a:t>
+            </a:r>
+            <a:r>
+              <a:rPr lang="bg-BG" dirty="0" smtClean="0"/>
+              <a:t> от </a:t>
+            </a:r>
+            <a:r>
+              <a:rPr lang="bg-BG" b="1" dirty="0" smtClean="0"/>
+              <a:t>панела </a:t>
+            </a:r>
+            <a:r>
+              <a:rPr lang="en-US" b="1" dirty="0" smtClean="0">
+                <a:solidFill>
+                  <a:schemeClr val="bg1"/>
+                </a:solidFill>
+              </a:rPr>
+              <a:t>Transition to This Slide</a:t>
+            </a:r>
+            <a:endParaRPr lang="en-US" b="1" dirty="0">
+              <a:solidFill>
+                <a:schemeClr val="bg1"/>
+              </a:solidFill>
+            </a:endParaRPr>
+          </a:p>
+        </p:txBody>
+      </p:sp>
+      <p:sp>
+        <p:nvSpPr>
+          <p:cNvPr id="4" name="Title 3"/>
+          <p:cNvSpPr>
+            <a:spLocks noGrp="1"/>
+          </p:cNvSpPr>
+          <p:nvPr>
+            <p:ph type="title"/>
+          </p:nvPr>
+        </p:nvSpPr>
+        <p:spPr/>
+        <p:txBody>
+          <a:bodyPr/>
+          <a:lstStyle/>
+          <a:p>
+            <a:r>
+              <a:rPr lang="bg-BG" dirty="0" smtClean="0"/>
+              <a:t>Преходи между слайдове</a:t>
+            </a:r>
+            <a:endParaRPr lang="en-US" dirty="0"/>
+          </a:p>
+        </p:txBody>
+      </p:sp>
+      <p:pic>
+        <p:nvPicPr>
+          <p:cNvPr id="5" name="Picture 4"/>
+          <p:cNvPicPr>
+            <a:picLocks noChangeAspect="1"/>
+          </p:cNvPicPr>
+          <p:nvPr/>
+        </p:nvPicPr>
+        <p:blipFill rotWithShape="1">
+          <a:blip r:embed="rId2"/>
+          <a:srcRect l="8335" r="40386"/>
+          <a:stretch/>
+        </p:blipFill>
+        <p:spPr>
+          <a:xfrm>
+            <a:off x="3939450" y="2463019"/>
+            <a:ext cx="4320000" cy="1194104"/>
+          </a:xfrm>
+          <a:prstGeom prst="rect">
+            <a:avLst/>
+          </a:prstGeom>
+          <a:ln>
+            <a:solidFill>
+              <a:schemeClr val="bg2">
+                <a:lumMod val="75000"/>
+              </a:schemeClr>
+            </a:solidFill>
+          </a:ln>
+        </p:spPr>
+      </p:pic>
+      <p:pic>
+        <p:nvPicPr>
+          <p:cNvPr id="6" name="Picture 5"/>
+          <p:cNvPicPr>
+            <a:picLocks noChangeAspect="1"/>
+          </p:cNvPicPr>
+          <p:nvPr/>
+        </p:nvPicPr>
+        <p:blipFill rotWithShape="1">
+          <a:blip r:embed="rId3"/>
+          <a:srcRect b="29951"/>
+          <a:stretch/>
+        </p:blipFill>
+        <p:spPr>
+          <a:xfrm>
+            <a:off x="2621355" y="3319670"/>
+            <a:ext cx="6894645" cy="3317236"/>
+          </a:xfrm>
+          <a:prstGeom prst="rect">
+            <a:avLst/>
+          </a:prstGeom>
+          <a:ln>
+            <a:solidFill>
+              <a:schemeClr val="bg2">
+                <a:lumMod val="75000"/>
+              </a:schemeClr>
+            </a:solidFill>
+          </a:ln>
+        </p:spPr>
+      </p:pic>
+    </p:spTree>
+    <p:extLst>
+      <p:ext uri="{BB962C8B-B14F-4D97-AF65-F5344CB8AC3E}">
+        <p14:creationId xmlns:p14="http://schemas.microsoft.com/office/powerpoint/2010/main" val="1863295035"/>
+      </p:ext>
+    </p:extLst>
+  </p:cSld>
+  <p:clrMapOvr>
+    <a:masterClrMapping/>
+  </p:clrMapOvr>
+  <mc:AlternateContent xmlns:mc="http://schemas.openxmlformats.org/markup-compatibility/2006" xmlns:p14="http://schemas.microsoft.com/office/powerpoint/2010/main">
+    <mc:Choice Requires="p14">
+      <p:transition spd="slow" p14:dur="2000" advClick="0" advTm="5000"/>
+    </mc:Choice>
+    <mc:Fallback xmlns="">
+      <p:transition spd="slow" advClick="0" advTm="5000"/>
+    </mc:Fallback>
+  </mc:AlternateContent>
+  <p:timing>
+    <p:tnLst>
+      <p:par>
+        <p:cTn id="1" dur="indefinite" restart="never" nodeType="tmRoot">
+          <p:childTnLst>
+            <p:seq concurrent="1" nextAc="seek">
+              <p:cTn id="2" dur="indefinite" nodeType="mainSeq">
+                <p:childTnLst>
+                  <p:par>
+                    <p:cTn id="3" fill="hold">
+                      <p:stCondLst>
+                        <p:cond delay="indefinite"/>
+                      </p:stCondLst>
+                      <p:childTnLst>
+                        <p:par>
+                          <p:cTn id="4" fill="hold">
+                            <p:stCondLst>
+                              <p:cond delay="0"/>
+                            </p:stCondLst>
+                            <p:childTnLst>
+                              <p:par>
+                                <p:cTn id="5" presetID="1" presetClass="entr" presetSubtype="0" fill="hold" nodeType="clickEffect">
+                                  <p:stCondLst>
+                                    <p:cond delay="0"/>
+                                  </p:stCondLst>
+                                  <p:childTnLst>
+                                    <p:set>
+                                      <p:cBhvr>
+                                        <p:cTn id="6" dur="1" fill="hold">
+                                          <p:stCondLst>
+                                            <p:cond delay="0"/>
+                                          </p:stCondLst>
+                                        </p:cTn>
+                                        <p:tgtEl>
+                                          <p:spTgt spid="5"/>
+                                        </p:tgtEl>
+                                        <p:attrNameLst>
+                                          <p:attrName>style.visibility</p:attrName>
+                                        </p:attrNameLst>
+                                      </p:cBhvr>
+                                      <p:to>
+                                        <p:strVal val="visible"/>
+                                      </p:to>
+                                    </p:set>
+                                  </p:childTnLst>
+                                </p:cTn>
+                              </p:par>
+                            </p:childTnLst>
+                          </p:cTn>
+                        </p:par>
+                      </p:childTnLst>
+                    </p:cTn>
+                  </p:par>
+                  <p:par>
+                    <p:cTn id="7" fill="hold">
+                      <p:stCondLst>
+                        <p:cond delay="indefinite"/>
+                      </p:stCondLst>
+                      <p:childTnLst>
+                        <p:par>
+                          <p:cTn id="8" fill="hold">
+                            <p:stCondLst>
+                              <p:cond delay="0"/>
+                            </p:stCondLst>
+                            <p:childTnLst>
+                              <p:par>
+                                <p:cTn id="9" presetID="1" presetClass="entr" presetSubtype="0" fill="hold" nodeType="clickEffect">
+                                  <p:stCondLst>
+                                    <p:cond delay="0"/>
+                                  </p:stCondLst>
+                                  <p:childTnLst>
+                                    <p:set>
+                                      <p:cBhvr>
+                                        <p:cTn id="10" dur="1" fill="hold">
+                                          <p:stCondLst>
+                                            <p:cond delay="0"/>
+                                          </p:stCondLst>
+                                        </p:cTn>
+                                        <p:tgtEl>
+                                          <p:spTgt spid="6"/>
+                                        </p:tgtEl>
+                                        <p:attrNameLst>
+                                          <p:attrName>style.visibility</p:attrName>
+                                        </p:attrNameLst>
+                                      </p:cBhvr>
+                                      <p:to>
+                                        <p:strVal val="visible"/>
+                                      </p:to>
+                                    </p:set>
+                                  </p:childTnLst>
+                                </p:cTn>
+                              </p:par>
+                            </p:childTnLst>
+                          </p:cTn>
+                        </p:par>
+                      </p:childTnLst>
+                    </p:cTn>
+                  </p:par>
+                </p:childTnLst>
+              </p:cTn>
+              <p:prevCondLst>
+                <p:cond evt="onPrev" delay="0">
+                  <p:tgtEl>
+                    <p:sldTgt/>
+                  </p:tgtEl>
+                </p:cond>
+              </p:prevCondLst>
+              <p:nextCondLst>
+                <p:cond evt="onNext" delay="0">
+                  <p:tgtEl>
+                    <p:sldTgt/>
+                  </p:tgtEl>
+                </p:cond>
+              </p:nextCondLst>
+            </p:seq>
+          </p:childTnLst>
+        </p:cTn>
+      </p:par>
+    </p:tnLst>
+  </p:timing>
+</p:sld>
+</file>
+
+<file path=ppt/slides/slide18.xml><?xml version="1.0" encoding="utf-8"?>
+<p:sld xmlns:a="http://schemas.openxmlformats.org/drawingml/2006/main" xmlns:r="http://schemas.openxmlformats.org/officeDocument/2006/relationships" xmlns:p="http://schemas.openxmlformats.org/presentationml/2006/main">
+  <p:cSld>
+    <p:spTree>
+      <p:nvGrpSpPr>
+        <p:cNvPr id="1" name=""/>
+        <p:cNvGrpSpPr/>
+        <p:nvPr/>
+      </p:nvGrpSpPr>
+      <p:grpSpPr>
+        <a:xfrm>
+          <a:off x="0" y="0"/>
+          <a:ext cx="0" cy="0"/>
+          <a:chOff x="0" y="0"/>
+          <a:chExt cx="0" cy="0"/>
+        </a:xfrm>
+      </p:grpSpPr>
+      <p:sp>
+        <p:nvSpPr>
+          <p:cNvPr id="2" name="Slide Number Placeholder 1"/>
+          <p:cNvSpPr>
+            <a:spLocks noGrp="1"/>
+          </p:cNvSpPr>
+          <p:nvPr>
+            <p:ph type="sldNum" sz="quarter" idx="5"/>
+          </p:nvPr>
+        </p:nvSpPr>
+        <p:spPr/>
+        <p:txBody>
+          <a:bodyPr/>
+          <a:lstStyle/>
+          <a:p>
+            <a:fld id="{2BF067CD-8E6B-4360-9AA8-C5DF2A48A6D1}" type="slidenum">
+              <a:rPr lang="en-US" noProof="0" smtClean="0"/>
+              <a:pPr/>
+              <a:t>18</a:t>
+            </a:fld>
+            <a:endParaRPr lang="en-US" noProof="0" dirty="0"/>
+          </a:p>
+        </p:txBody>
+      </p:sp>
+      <p:sp>
+        <p:nvSpPr>
+          <p:cNvPr id="3" name="Text Placeholder 2"/>
+          <p:cNvSpPr>
+            <a:spLocks noGrp="1"/>
+          </p:cNvSpPr>
+          <p:nvPr>
+            <p:ph type="body" sz="quarter" idx="10"/>
+          </p:nvPr>
+        </p:nvSpPr>
+        <p:spPr>
+          <a:xfrm>
+            <a:off x="190402" y="1196125"/>
+            <a:ext cx="7120598" cy="5528766"/>
+          </a:xfrm>
+        </p:spPr>
+        <p:txBody>
+          <a:bodyPr/>
+          <a:lstStyle/>
+          <a:p>
+            <a:r>
+              <a:rPr lang="bg-BG" dirty="0" smtClean="0"/>
+              <a:t>Както и при анимациите при елементи, можете да настройвате </a:t>
+            </a:r>
+            <a:r>
+              <a:rPr lang="bg-BG" b="1" dirty="0" smtClean="0"/>
+              <a:t>допълнителни характеристики </a:t>
+            </a:r>
+            <a:r>
+              <a:rPr lang="bg-BG" dirty="0" smtClean="0"/>
+              <a:t>на прехода от </a:t>
+            </a:r>
+            <a:r>
+              <a:rPr lang="bg-BG" b="1" dirty="0"/>
+              <a:t>падащото менюто </a:t>
+            </a:r>
+            <a:r>
+              <a:rPr lang="en-US" b="1" dirty="0">
+                <a:solidFill>
+                  <a:schemeClr val="bg1"/>
+                </a:solidFill>
+              </a:rPr>
+              <a:t>Effect Options </a:t>
+            </a:r>
+            <a:r>
+              <a:rPr lang="bg-BG" dirty="0"/>
+              <a:t>(</a:t>
+            </a:r>
+            <a:r>
+              <a:rPr lang="bg-BG" b="1" dirty="0"/>
+              <a:t>Опции за ефект</a:t>
+            </a:r>
+            <a:r>
+              <a:rPr lang="bg-BG" dirty="0"/>
+              <a:t>)</a:t>
+            </a:r>
+            <a:endParaRPr lang="bg-BG" dirty="0" smtClean="0"/>
+          </a:p>
+          <a:p>
+            <a:pPr lvl="1"/>
+            <a:r>
+              <a:rPr lang="bg-BG" b="1" dirty="0"/>
+              <a:t>Характеристиките</a:t>
+            </a:r>
+            <a:r>
+              <a:rPr lang="bg-BG" dirty="0"/>
+              <a:t> зависят от </a:t>
+            </a:r>
+            <a:r>
+              <a:rPr lang="bg-BG" b="1" dirty="0"/>
+              <a:t>избрания </a:t>
+            </a:r>
+            <a:r>
+              <a:rPr lang="bg-BG" b="1" dirty="0" smtClean="0"/>
+              <a:t>ефект</a:t>
+            </a:r>
+            <a:endParaRPr lang="bg-BG" b="1" dirty="0"/>
+          </a:p>
+          <a:p>
+            <a:pPr lvl="1"/>
+            <a:endParaRPr lang="en-US" dirty="0"/>
+          </a:p>
+        </p:txBody>
+      </p:sp>
+      <p:sp>
+        <p:nvSpPr>
+          <p:cNvPr id="4" name="Title 3"/>
+          <p:cNvSpPr>
+            <a:spLocks noGrp="1"/>
+          </p:cNvSpPr>
+          <p:nvPr>
+            <p:ph type="title"/>
+          </p:nvPr>
+        </p:nvSpPr>
+        <p:spPr/>
+        <p:txBody>
+          <a:bodyPr/>
+          <a:lstStyle/>
+          <a:p>
+            <a:r>
+              <a:rPr lang="en-US" dirty="0" smtClean="0"/>
+              <a:t>Effect Options</a:t>
+            </a:r>
+            <a:endParaRPr lang="en-US" dirty="0"/>
+          </a:p>
+        </p:txBody>
+      </p:sp>
+      <p:pic>
+        <p:nvPicPr>
+          <p:cNvPr id="6" name="Picture 5"/>
+          <p:cNvPicPr>
+            <a:picLocks noChangeAspect="1"/>
+          </p:cNvPicPr>
+          <p:nvPr/>
+        </p:nvPicPr>
+        <p:blipFill>
+          <a:blip r:embed="rId2"/>
+          <a:stretch>
+            <a:fillRect/>
+          </a:stretch>
+        </p:blipFill>
+        <p:spPr>
+          <a:xfrm>
+            <a:off x="8742122" y="2034000"/>
+            <a:ext cx="987574" cy="1472993"/>
+          </a:xfrm>
+          <a:prstGeom prst="rect">
+            <a:avLst/>
+          </a:prstGeom>
+          <a:ln>
+            <a:solidFill>
+              <a:schemeClr val="bg2">
+                <a:lumMod val="75000"/>
+              </a:schemeClr>
+            </a:solidFill>
+          </a:ln>
+        </p:spPr>
+      </p:pic>
+      <p:pic>
+        <p:nvPicPr>
+          <p:cNvPr id="7" name="Picture 6"/>
+          <p:cNvPicPr>
+            <a:picLocks noChangeAspect="1"/>
+          </p:cNvPicPr>
+          <p:nvPr/>
+        </p:nvPicPr>
+        <p:blipFill>
+          <a:blip r:embed="rId3"/>
+          <a:stretch>
+            <a:fillRect/>
+          </a:stretch>
+        </p:blipFill>
+        <p:spPr>
+          <a:xfrm>
+            <a:off x="7986000" y="3294000"/>
+            <a:ext cx="2475000" cy="2947930"/>
+          </a:xfrm>
+          <a:prstGeom prst="rect">
+            <a:avLst/>
+          </a:prstGeom>
+        </p:spPr>
+      </p:pic>
+    </p:spTree>
+    <p:extLst>
+      <p:ext uri="{BB962C8B-B14F-4D97-AF65-F5344CB8AC3E}">
+        <p14:creationId xmlns:p14="http://schemas.microsoft.com/office/powerpoint/2010/main" val="462363387"/>
+      </p:ext>
+    </p:extLst>
+  </p:cSld>
+  <p:clrMapOvr>
+    <a:masterClrMapping/>
+  </p:clrMapOvr>
+  <mc:AlternateContent xmlns:mc="http://schemas.openxmlformats.org/markup-compatibility/2006" xmlns:p14="http://schemas.microsoft.com/office/powerpoint/2010/main">
+    <mc:Choice Requires="p14">
+      <p:transition spd="slow" p14:dur="2000" advClick="0" advTm="5000"/>
+    </mc:Choice>
+    <mc:Fallback xmlns="">
+      <p:transition spd="slow" advClick="0" advTm="5000"/>
+    </mc:Fallback>
+  </mc:AlternateContent>
+  <p:timing>
+    <p:tnLst>
+      <p:par>
+        <p:cTn id="1" dur="indefinite" restart="never" nodeType="tmRoot">
+          <p:childTnLst>
+            <p:seq concurrent="1" nextAc="seek">
+              <p:cTn id="2" dur="indefinite" nodeType="mainSeq">
+                <p:childTnLst>
+                  <p:par>
+                    <p:cTn id="3" fill="hold">
+                      <p:stCondLst>
+                        <p:cond delay="indefinite"/>
+                      </p:stCondLst>
+                      <p:childTnLst>
+                        <p:par>
+                          <p:cTn id="4" fill="hold">
+                            <p:stCondLst>
+                              <p:cond delay="0"/>
+                            </p:stCondLst>
+                            <p:childTnLst>
+                              <p:par>
+                                <p:cTn id="5" presetID="1" presetClass="entr" presetSubtype="0" fill="hold" nodeType="clickEffect">
+                                  <p:stCondLst>
+                                    <p:cond delay="0"/>
+                                  </p:stCondLst>
+                                  <p:childTnLst>
+                                    <p:set>
+                                      <p:cBhvr>
+                                        <p:cTn id="6" dur="1" fill="hold">
+                                          <p:stCondLst>
+                                            <p:cond delay="0"/>
+                                          </p:stCondLst>
+                                        </p:cTn>
+                                        <p:tgtEl>
+                                          <p:spTgt spid="6"/>
+                                        </p:tgtEl>
+                                        <p:attrNameLst>
+                                          <p:attrName>style.visibility</p:attrName>
+                                        </p:attrNameLst>
+                                      </p:cBhvr>
+                                      <p:to>
+                                        <p:strVal val="visible"/>
+                                      </p:to>
+                                    </p:set>
+                                  </p:childTnLst>
+                                </p:cTn>
+                              </p:par>
+                            </p:childTnLst>
+                          </p:cTn>
+                        </p:par>
+                      </p:childTnLst>
+                    </p:cTn>
+                  </p:par>
+                  <p:par>
+                    <p:cTn id="7" fill="hold">
+                      <p:stCondLst>
+                        <p:cond delay="indefinite"/>
+                      </p:stCondLst>
+                      <p:childTnLst>
+                        <p:par>
+                          <p:cTn id="8" fill="hold">
+                            <p:stCondLst>
+                              <p:cond delay="0"/>
+                            </p:stCondLst>
+                            <p:childTnLst>
+                              <p:par>
+                                <p:cTn id="9" presetID="1" presetClass="entr" presetSubtype="0" fill="hold" nodeType="clickEffect">
+                                  <p:stCondLst>
+                                    <p:cond delay="0"/>
+                                  </p:stCondLst>
+                                  <p:childTnLst>
+                                    <p:set>
+                                      <p:cBhvr>
+                                        <p:cTn id="10" dur="1" fill="hold">
+                                          <p:stCondLst>
+                                            <p:cond delay="0"/>
+                                          </p:stCondLst>
+                                        </p:cTn>
+                                        <p:tgtEl>
+                                          <p:spTgt spid="7"/>
+                                        </p:tgtEl>
+                                        <p:attrNameLst>
+                                          <p:attrName>style.visibility</p:attrName>
+                                        </p:attrNameLst>
+                                      </p:cBhvr>
+                                      <p:to>
+                                        <p:strVal val="visible"/>
+                                      </p:to>
+                                    </p:set>
+                                  </p:childTnLst>
+                                </p:cTn>
+                              </p:par>
+                            </p:childTnLst>
+                          </p:cTn>
+                        </p:par>
+                      </p:childTnLst>
+                    </p:cTn>
+                  </p:par>
+                  <p:par>
+                    <p:cTn id="11" fill="hold">
+                      <p:stCondLst>
+                        <p:cond delay="indefinite"/>
+                      </p:stCondLst>
+                      <p:childTnLst>
+                        <p:par>
+                          <p:cTn id="12" fill="hold">
+                            <p:stCondLst>
+                              <p:cond delay="0"/>
+                            </p:stCondLst>
+                            <p:childTnLst>
+                              <p:par>
+                                <p:cTn id="13" presetID="1" presetClass="entr" presetSubtype="0" fill="hold" nodeType="clickEffect">
+                                  <p:stCondLst>
+                                    <p:cond delay="0"/>
+                                  </p:stCondLst>
+                                  <p:childTnLst>
+                                    <p:set>
+                                      <p:cBhvr>
+                                        <p:cTn id="14" dur="1" fill="hold">
+                                          <p:stCondLst>
+                                            <p:cond delay="0"/>
+                                          </p:stCondLst>
+                                        </p:cTn>
+                                        <p:tgtEl>
+                                          <p:spTgt spid="3">
+                                            <p:txEl>
+                                              <p:pRg st="1" end="1"/>
+                                            </p:txEl>
+                                          </p:spTgt>
+                                        </p:tgtEl>
+                                        <p:attrNameLst>
+                                          <p:attrName>style.visibility</p:attrName>
+                                        </p:attrNameLst>
+                                      </p:cBhvr>
+                                      <p:to>
+                                        <p:strVal val="visible"/>
+                                      </p:to>
+                                    </p:set>
+                                  </p:childTnLst>
+                                </p:cTn>
+                              </p:par>
+                            </p:childTnLst>
+                          </p:cTn>
+                        </p:par>
+                      </p:childTnLst>
+                    </p:cTn>
+                  </p:par>
+                </p:childTnLst>
+              </p:cTn>
+              <p:prevCondLst>
+                <p:cond evt="onPrev" delay="0">
+                  <p:tgtEl>
+                    <p:sldTgt/>
+                  </p:tgtEl>
+                </p:cond>
+              </p:prevCondLst>
+              <p:nextCondLst>
+                <p:cond evt="onNext" delay="0">
+                  <p:tgtEl>
+                    <p:sldTgt/>
+                  </p:tgtEl>
+                </p:cond>
+              </p:nextCondLst>
+            </p:seq>
+          </p:childTnLst>
+        </p:cTn>
+      </p:par>
+    </p:tnLst>
+  </p:timing>
+</p:sld>
+</file>
+
+<file path=ppt/slides/slide19.xml><?xml version="1.0" encoding="utf-8"?>
+<p:sld xmlns:a="http://schemas.openxmlformats.org/drawingml/2006/main" xmlns:r="http://schemas.openxmlformats.org/officeDocument/2006/relationships" xmlns:p="http://schemas.openxmlformats.org/presentationml/2006/main">
+  <p:cSld>
+    <p:spTree>
+      <p:nvGrpSpPr>
+        <p:cNvPr id="1" name=""/>
+        <p:cNvGrpSpPr/>
+        <p:nvPr/>
+      </p:nvGrpSpPr>
+      <p:grpSpPr>
+        <a:xfrm>
+          <a:off x="0" y="0"/>
+          <a:ext cx="0" cy="0"/>
+          <a:chOff x="0" y="0"/>
+          <a:chExt cx="0" cy="0"/>
+        </a:xfrm>
+      </p:grpSpPr>
+      <p:sp>
+        <p:nvSpPr>
+          <p:cNvPr id="2" name="Slide Number Placeholder 1"/>
+          <p:cNvSpPr>
+            <a:spLocks noGrp="1"/>
+          </p:cNvSpPr>
+          <p:nvPr>
+            <p:ph type="sldNum" sz="quarter" idx="5"/>
+          </p:nvPr>
+        </p:nvSpPr>
+        <p:spPr/>
+        <p:txBody>
+          <a:bodyPr/>
+          <a:lstStyle/>
+          <a:p>
+            <a:fld id="{2BF067CD-8E6B-4360-9AA8-C5DF2A48A6D1}" type="slidenum">
+              <a:rPr lang="en-US" noProof="0" smtClean="0"/>
+              <a:pPr/>
+              <a:t>19</a:t>
+            </a:fld>
+            <a:endParaRPr lang="en-US" noProof="0" dirty="0"/>
+          </a:p>
+        </p:txBody>
+      </p:sp>
+      <p:sp>
+        <p:nvSpPr>
+          <p:cNvPr id="3" name="Text Placeholder 2"/>
+          <p:cNvSpPr>
+            <a:spLocks noGrp="1"/>
+          </p:cNvSpPr>
+          <p:nvPr>
+            <p:ph type="body" sz="quarter" idx="10"/>
+          </p:nvPr>
+        </p:nvSpPr>
+        <p:spPr>
+          <a:xfrm>
+            <a:off x="111000" y="1196125"/>
+            <a:ext cx="12009444" cy="5528766"/>
+          </a:xfrm>
+        </p:spPr>
+        <p:txBody>
+          <a:bodyPr>
+            <a:normAutofit fontScale="92500"/>
+          </a:bodyPr>
+          <a:lstStyle/>
+          <a:p>
+            <a:r>
+              <a:rPr lang="bg-BG" dirty="0"/>
+              <a:t>От </a:t>
+            </a:r>
+            <a:r>
+              <a:rPr lang="bg-BG" b="1" dirty="0"/>
+              <a:t>панела</a:t>
+            </a:r>
+            <a:r>
+              <a:rPr lang="bg-BG" dirty="0"/>
+              <a:t> </a:t>
+            </a:r>
+            <a:r>
+              <a:rPr lang="en-US" b="1" dirty="0">
+                <a:solidFill>
+                  <a:schemeClr val="bg1"/>
+                </a:solidFill>
+              </a:rPr>
+              <a:t>Timing</a:t>
+            </a:r>
+            <a:r>
+              <a:rPr lang="en-US" dirty="0"/>
+              <a:t> </a:t>
+            </a:r>
+            <a:r>
+              <a:rPr lang="bg-BG" dirty="0"/>
+              <a:t>(</a:t>
+            </a:r>
+            <a:r>
+              <a:rPr lang="bg-BG" b="1" dirty="0"/>
+              <a:t>Време</a:t>
+            </a:r>
+            <a:r>
+              <a:rPr lang="bg-BG" dirty="0"/>
+              <a:t>) се задават </a:t>
+            </a:r>
+            <a:r>
+              <a:rPr lang="bg-BG" b="1" dirty="0" smtClean="0"/>
+              <a:t>времеви </a:t>
+            </a:r>
+            <a:r>
+              <a:rPr lang="bg-BG" dirty="0" smtClean="0"/>
+              <a:t>и</a:t>
+            </a:r>
+            <a:r>
+              <a:rPr lang="bg-BG" b="1" dirty="0" smtClean="0"/>
+              <a:t> звукови</a:t>
+            </a:r>
+            <a:r>
+              <a:rPr lang="bg-BG" dirty="0" smtClean="0"/>
+              <a:t> </a:t>
+            </a:r>
+            <a:r>
+              <a:rPr lang="bg-BG" b="1" dirty="0"/>
+              <a:t>настройки</a:t>
+            </a:r>
+            <a:r>
+              <a:rPr lang="bg-BG" dirty="0"/>
+              <a:t> на </a:t>
+            </a:r>
+            <a:r>
+              <a:rPr lang="bg-BG" dirty="0" smtClean="0"/>
+              <a:t>прехода:</a:t>
+            </a:r>
+            <a:endParaRPr lang="bg-BG" dirty="0"/>
+          </a:p>
+          <a:p>
+            <a:pPr lvl="1"/>
+            <a:r>
+              <a:rPr lang="en-US" dirty="0" smtClean="0"/>
+              <a:t>͏</a:t>
+            </a:r>
+            <a:r>
+              <a:rPr lang="en-US" b="1" dirty="0" smtClean="0">
+                <a:solidFill>
+                  <a:schemeClr val="bg1"/>
+                </a:solidFill>
+              </a:rPr>
+              <a:t>Sound</a:t>
+            </a:r>
+            <a:r>
+              <a:rPr lang="bg-BG" dirty="0" smtClean="0"/>
+              <a:t> </a:t>
+            </a:r>
+            <a:r>
+              <a:rPr lang="en-US" dirty="0" smtClean="0"/>
+              <a:t>(</a:t>
+            </a:r>
+            <a:r>
+              <a:rPr lang="bg-BG" b="1" dirty="0" smtClean="0"/>
+              <a:t>Звук</a:t>
+            </a:r>
+            <a:r>
+              <a:rPr lang="en-US" dirty="0" smtClean="0"/>
+              <a:t>)</a:t>
+            </a:r>
+          </a:p>
+          <a:p>
+            <a:pPr lvl="2">
+              <a:spcAft>
+                <a:spcPts val="0"/>
+              </a:spcAft>
+            </a:pPr>
+            <a:r>
+              <a:rPr lang="bg-BG" dirty="0"/>
+              <a:t>От </a:t>
+            </a:r>
+            <a:r>
+              <a:rPr lang="bg-BG" b="1" dirty="0"/>
+              <a:t>падащата кутия</a:t>
+            </a:r>
+            <a:r>
+              <a:rPr lang="bg-BG" dirty="0"/>
+              <a:t> </a:t>
+            </a:r>
+            <a:r>
+              <a:rPr lang="bg-BG" dirty="0" smtClean="0"/>
+              <a:t>може да</a:t>
+            </a:r>
+          </a:p>
+          <a:p>
+            <a:pPr marL="895350" lvl="2" indent="0">
+              <a:spcBef>
+                <a:spcPts val="0"/>
+              </a:spcBef>
+              <a:buNone/>
+            </a:pPr>
+            <a:r>
+              <a:rPr lang="bg-BG" dirty="0" smtClean="0"/>
+              <a:t>изберете </a:t>
+            </a:r>
+            <a:r>
+              <a:rPr lang="bg-BG" b="1" dirty="0" smtClean="0"/>
+              <a:t>звук</a:t>
+            </a:r>
+            <a:r>
+              <a:rPr lang="bg-BG" dirty="0" smtClean="0"/>
+              <a:t> при прехода</a:t>
+            </a:r>
+          </a:p>
+          <a:p>
+            <a:pPr lvl="1"/>
+            <a:r>
+              <a:rPr lang="en-US" dirty="0" smtClean="0"/>
+              <a:t>͏</a:t>
+            </a:r>
+            <a:r>
+              <a:rPr lang="en-US" b="1" dirty="0" smtClean="0">
+                <a:solidFill>
+                  <a:schemeClr val="bg1"/>
+                </a:solidFill>
+              </a:rPr>
+              <a:t>Duration</a:t>
+            </a:r>
+            <a:r>
+              <a:rPr lang="en-US" dirty="0" smtClean="0"/>
+              <a:t> </a:t>
+            </a:r>
+            <a:r>
+              <a:rPr lang="en-US" dirty="0"/>
+              <a:t>(</a:t>
+            </a:r>
+            <a:r>
+              <a:rPr lang="bg-BG" b="1" dirty="0"/>
+              <a:t>Времетраене</a:t>
+            </a:r>
+            <a:r>
+              <a:rPr lang="en-US" dirty="0"/>
+              <a:t>)</a:t>
+            </a:r>
+            <a:endParaRPr lang="bg-BG" dirty="0"/>
+          </a:p>
+          <a:p>
+            <a:pPr lvl="2"/>
+            <a:r>
+              <a:rPr lang="bg-BG" dirty="0"/>
+              <a:t>От </a:t>
+            </a:r>
+            <a:r>
+              <a:rPr lang="bg-BG" b="1" dirty="0"/>
+              <a:t>числовата кутия </a:t>
+            </a:r>
+            <a:r>
+              <a:rPr lang="bg-BG" dirty="0"/>
+              <a:t>се задава </a:t>
+            </a:r>
+            <a:r>
+              <a:rPr lang="bg-BG" b="1" dirty="0" smtClean="0"/>
+              <a:t>времетраенето</a:t>
+            </a:r>
+            <a:r>
+              <a:rPr lang="bg-BG" dirty="0" smtClean="0"/>
+              <a:t> на</a:t>
+            </a:r>
+            <a:r>
+              <a:rPr lang="en-US" dirty="0" smtClean="0"/>
+              <a:t> </a:t>
+            </a:r>
+            <a:r>
+              <a:rPr lang="bg-BG" dirty="0" smtClean="0"/>
+              <a:t>прехода</a:t>
+            </a:r>
+          </a:p>
+          <a:p>
+            <a:pPr lvl="1"/>
+            <a:r>
+              <a:rPr lang="en-US" dirty="0" smtClean="0"/>
+              <a:t>͏</a:t>
+            </a:r>
+            <a:r>
+              <a:rPr lang="en-US" b="1" dirty="0" smtClean="0">
+                <a:solidFill>
+                  <a:schemeClr val="bg1"/>
+                </a:solidFill>
+              </a:rPr>
+              <a:t>Advance Slide </a:t>
+            </a:r>
+            <a:r>
+              <a:rPr lang="en-US" dirty="0" smtClean="0"/>
+              <a:t>(</a:t>
+            </a:r>
+            <a:r>
+              <a:rPr lang="bg-BG" b="1" dirty="0" smtClean="0"/>
+              <a:t>Премини към следващ слайд</a:t>
+            </a:r>
+            <a:r>
+              <a:rPr lang="en-US" dirty="0" smtClean="0"/>
+              <a:t>)</a:t>
+            </a:r>
+            <a:endParaRPr lang="bg-BG" dirty="0" smtClean="0"/>
+          </a:p>
+          <a:p>
+            <a:pPr lvl="2"/>
+            <a:r>
+              <a:rPr lang="bg-BG" dirty="0" smtClean="0"/>
+              <a:t>От </a:t>
+            </a:r>
+            <a:r>
+              <a:rPr lang="bg-BG" b="1" dirty="0" smtClean="0"/>
+              <a:t>опциите</a:t>
+            </a:r>
+            <a:r>
+              <a:rPr lang="bg-BG" dirty="0" smtClean="0"/>
+              <a:t> се задава </a:t>
+            </a:r>
+            <a:r>
+              <a:rPr lang="bg-BG" b="1" dirty="0" smtClean="0"/>
+              <a:t>начина</a:t>
+            </a:r>
+            <a:r>
+              <a:rPr lang="bg-BG" dirty="0" smtClean="0"/>
+              <a:t> за </a:t>
+            </a:r>
+            <a:r>
+              <a:rPr lang="bg-BG" b="1" dirty="0" smtClean="0"/>
+              <a:t>преминаване</a:t>
+            </a:r>
+            <a:r>
+              <a:rPr lang="bg-BG" dirty="0" smtClean="0"/>
+              <a:t> към следващ слайд</a:t>
+            </a:r>
+          </a:p>
+          <a:p>
+            <a:pPr lvl="1"/>
+            <a:endParaRPr lang="bg-BG" dirty="0"/>
+          </a:p>
+          <a:p>
+            <a:pPr lvl="1"/>
+            <a:endParaRPr lang="en-US" dirty="0"/>
+          </a:p>
+          <a:p>
+            <a:pPr lvl="2"/>
+            <a:endParaRPr lang="en-US" dirty="0"/>
+          </a:p>
+        </p:txBody>
+      </p:sp>
+      <p:sp>
+        <p:nvSpPr>
+          <p:cNvPr id="4" name="Title 3"/>
+          <p:cNvSpPr>
+            <a:spLocks noGrp="1"/>
+          </p:cNvSpPr>
+          <p:nvPr>
+            <p:ph type="title"/>
+          </p:nvPr>
+        </p:nvSpPr>
+        <p:spPr/>
+        <p:txBody>
+          <a:bodyPr/>
+          <a:lstStyle/>
+          <a:p>
+            <a:r>
+              <a:rPr lang="en-US" dirty="0" smtClean="0"/>
+              <a:t>Timing</a:t>
+            </a:r>
+            <a:endParaRPr lang="en-US" dirty="0"/>
+          </a:p>
+        </p:txBody>
+      </p:sp>
+      <p:pic>
+        <p:nvPicPr>
+          <p:cNvPr id="6" name="Picture 5"/>
+          <p:cNvPicPr>
+            <a:picLocks noChangeAspect="1"/>
+          </p:cNvPicPr>
+          <p:nvPr/>
+        </p:nvPicPr>
+        <p:blipFill>
+          <a:blip r:embed="rId2"/>
+          <a:stretch>
+            <a:fillRect/>
+          </a:stretch>
+        </p:blipFill>
+        <p:spPr>
+          <a:xfrm>
+            <a:off x="6591000" y="2558761"/>
+            <a:ext cx="4875266" cy="1487370"/>
+          </a:xfrm>
+          <a:prstGeom prst="rect">
+            <a:avLst/>
+          </a:prstGeom>
+          <a:ln>
+            <a:solidFill>
+              <a:schemeClr val="bg2">
+                <a:lumMod val="75000"/>
+              </a:schemeClr>
+            </a:solidFill>
+          </a:ln>
+        </p:spPr>
+      </p:pic>
+      <p:sp>
+        <p:nvSpPr>
+          <p:cNvPr id="7" name="Rectangle 6"/>
+          <p:cNvSpPr/>
+          <p:nvPr/>
+        </p:nvSpPr>
+        <p:spPr bwMode="auto">
+          <a:xfrm>
+            <a:off x="6591000" y="2574000"/>
+            <a:ext cx="2655000" cy="405000"/>
+          </a:xfrm>
+          <a:prstGeom prst="rect">
+            <a:avLst/>
+          </a:prstGeom>
+          <a:noFill/>
+          <a:ln w="38100">
+            <a:solidFill>
+              <a:schemeClr val="tx1">
+                <a:lumMod val="75000"/>
+                <a:alpha val="80000"/>
+              </a:schemeClr>
+            </a:solidFill>
+          </a:ln>
+          <a:effectLst/>
+        </p:spPr>
+        <p:style>
+          <a:lnRef idx="2">
+            <a:schemeClr val="accent1">
+              <a:shade val="50000"/>
+            </a:schemeClr>
+          </a:lnRef>
+          <a:fillRef idx="1001">
+            <a:schemeClr val="dk2"/>
+          </a:fillRef>
+          <a:effectRef idx="0">
+            <a:schemeClr val="accent1"/>
+          </a:effectRef>
+          <a:fontRef idx="minor">
+            <a:schemeClr val="lt1"/>
+          </a:fontRef>
+        </p:style>
+        <p:txBody>
+          <a:bodyPr rot="0" spcFirstLastPara="0" vertOverflow="overflow" horzOverflow="overflow" vert="horz" wrap="square" lIns="91440" tIns="45720" rIns="91440" bIns="45720" numCol="1" spcCol="0" rtlCol="0" fromWordArt="0" anchor="ctr" anchorCtr="0" forceAA="0" compatLnSpc="1">
+            <a:prstTxWarp prst="textNoShape">
+              <a:avLst/>
+            </a:prstTxWarp>
+            <a:noAutofit/>
+          </a:bodyPr>
+          <a:lstStyle/>
+          <a:p>
+            <a:pPr algn="ctr"/>
+            <a:endParaRPr lang="en-US" sz="2800" b="1" dirty="0">
+              <a:solidFill>
+                <a:srgbClr val="FFFFFF"/>
+              </a:solidFill>
+              <a:effectLst>
+                <a:outerShdw blurRad="38100" dist="38100" dir="2700000" algn="tl">
+                  <a:srgbClr val="000000">
+                    <a:alpha val="43137"/>
+                  </a:srgbClr>
+                </a:outerShdw>
+              </a:effectLst>
+            </a:endParaRPr>
+          </a:p>
+        </p:txBody>
+      </p:sp>
+      <p:sp>
+        <p:nvSpPr>
+          <p:cNvPr id="8" name="Rectangle 7"/>
+          <p:cNvSpPr/>
+          <p:nvPr/>
+        </p:nvSpPr>
+        <p:spPr bwMode="auto">
+          <a:xfrm>
+            <a:off x="6591000" y="2979000"/>
+            <a:ext cx="2655000" cy="405000"/>
+          </a:xfrm>
+          <a:prstGeom prst="rect">
+            <a:avLst/>
+          </a:prstGeom>
+          <a:noFill/>
+          <a:ln w="38100">
+            <a:solidFill>
+              <a:schemeClr val="tx1">
+                <a:lumMod val="75000"/>
+                <a:alpha val="80000"/>
+              </a:schemeClr>
+            </a:solidFill>
+          </a:ln>
+          <a:effectLst/>
+        </p:spPr>
+        <p:style>
+          <a:lnRef idx="2">
+            <a:schemeClr val="accent1">
+              <a:shade val="50000"/>
+            </a:schemeClr>
+          </a:lnRef>
+          <a:fillRef idx="1001">
+            <a:schemeClr val="dk2"/>
+          </a:fillRef>
+          <a:effectRef idx="0">
+            <a:schemeClr val="accent1"/>
+          </a:effectRef>
+          <a:fontRef idx="minor">
+            <a:schemeClr val="lt1"/>
+          </a:fontRef>
+        </p:style>
+        <p:txBody>
+          <a:bodyPr rot="0" spcFirstLastPara="0" vertOverflow="overflow" horzOverflow="overflow" vert="horz" wrap="square" lIns="91440" tIns="45720" rIns="91440" bIns="45720" numCol="1" spcCol="0" rtlCol="0" fromWordArt="0" anchor="ctr" anchorCtr="0" forceAA="0" compatLnSpc="1">
+            <a:prstTxWarp prst="textNoShape">
+              <a:avLst/>
+            </a:prstTxWarp>
+            <a:noAutofit/>
+          </a:bodyPr>
+          <a:lstStyle/>
+          <a:p>
+            <a:pPr algn="ctr"/>
+            <a:endParaRPr lang="en-US" sz="2800" b="1" dirty="0">
+              <a:solidFill>
+                <a:srgbClr val="FFFFFF"/>
+              </a:solidFill>
+              <a:effectLst>
+                <a:outerShdw blurRad="38100" dist="38100" dir="2700000" algn="tl">
+                  <a:srgbClr val="000000">
+                    <a:alpha val="43137"/>
+                  </a:srgbClr>
+                </a:outerShdw>
+              </a:effectLst>
+            </a:endParaRPr>
+          </a:p>
+        </p:txBody>
+      </p:sp>
+      <p:sp>
+        <p:nvSpPr>
+          <p:cNvPr id="9" name="Rectangle 8"/>
+          <p:cNvSpPr/>
+          <p:nvPr/>
+        </p:nvSpPr>
+        <p:spPr bwMode="auto">
+          <a:xfrm>
+            <a:off x="9246000" y="2574000"/>
+            <a:ext cx="2220266" cy="1215000"/>
+          </a:xfrm>
+          <a:prstGeom prst="rect">
+            <a:avLst/>
+          </a:prstGeom>
+          <a:noFill/>
+          <a:ln w="38100">
+            <a:solidFill>
+              <a:schemeClr val="tx1">
+                <a:lumMod val="75000"/>
+                <a:alpha val="80000"/>
+              </a:schemeClr>
+            </a:solidFill>
+          </a:ln>
+          <a:effectLst/>
+        </p:spPr>
+        <p:style>
+          <a:lnRef idx="2">
+            <a:schemeClr val="accent1">
+              <a:shade val="50000"/>
+            </a:schemeClr>
+          </a:lnRef>
+          <a:fillRef idx="1001">
+            <a:schemeClr val="dk2"/>
+          </a:fillRef>
+          <a:effectRef idx="0">
+            <a:schemeClr val="accent1"/>
+          </a:effectRef>
+          <a:fontRef idx="minor">
+            <a:schemeClr val="lt1"/>
+          </a:fontRef>
+        </p:style>
+        <p:txBody>
+          <a:bodyPr rot="0" spcFirstLastPara="0" vertOverflow="overflow" horzOverflow="overflow" vert="horz" wrap="square" lIns="91440" tIns="45720" rIns="91440" bIns="45720" numCol="1" spcCol="0" rtlCol="0" fromWordArt="0" anchor="ctr" anchorCtr="0" forceAA="0" compatLnSpc="1">
+            <a:prstTxWarp prst="textNoShape">
+              <a:avLst/>
+            </a:prstTxWarp>
+            <a:noAutofit/>
+          </a:bodyPr>
+          <a:lstStyle/>
+          <a:p>
+            <a:pPr algn="ctr"/>
+            <a:endParaRPr lang="en-US" sz="2800" b="1" dirty="0">
+              <a:solidFill>
+                <a:srgbClr val="FFFFFF"/>
+              </a:solidFill>
+              <a:effectLst>
+                <a:outerShdw blurRad="38100" dist="38100" dir="2700000" algn="tl">
+                  <a:srgbClr val="000000">
+                    <a:alpha val="43137"/>
+                  </a:srgbClr>
+                </a:outerShdw>
+              </a:effectLst>
+            </a:endParaRPr>
+          </a:p>
+        </p:txBody>
+      </p:sp>
+    </p:spTree>
+    <p:extLst>
+      <p:ext uri="{BB962C8B-B14F-4D97-AF65-F5344CB8AC3E}">
+        <p14:creationId xmlns:p14="http://schemas.microsoft.com/office/powerpoint/2010/main" val="597738547"/>
+      </p:ext>
+    </p:extLst>
+  </p:cSld>
+  <p:clrMapOvr>
+    <a:masterClrMapping/>
+  </p:clrMapOvr>
+  <mc:AlternateContent xmlns:mc="http://schemas.openxmlformats.org/markup-compatibility/2006" xmlns:p14="http://schemas.microsoft.com/office/powerpoint/2010/main">
+    <mc:Choice Requires="p14">
+      <p:transition spd="slow" p14:dur="2000" advClick="0" advTm="5000"/>
+    </mc:Choice>
+    <mc:Fallback xmlns="">
+      <p:transition spd="slow" advClick="0" advTm="5000"/>
+    </mc:Fallback>
+  </mc:AlternateContent>
+  <p:timing>
+    <p:tnLst>
+      <p:par>
+        <p:cTn id="1" dur="indefinite" restart="never" nodeType="tmRoot">
+          <p:childTnLst>
+            <p:seq concurrent="1" nextAc="seek">
+              <p:cTn id="2" dur="indefinite" nodeType="mainSeq">
+                <p:childTnLst>
+                  <p:par>
+                    <p:cTn id="3" fill="hold">
+                      <p:stCondLst>
+                        <p:cond delay="indefinite"/>
+                      </p:stCondLst>
+                      <p:childTnLst>
+                        <p:par>
+                          <p:cTn id="4" fill="hold">
+                            <p:stCondLst>
+                              <p:cond delay="0"/>
+                            </p:stCondLst>
+                            <p:childTnLst>
+                              <p:par>
+                                <p:cTn id="5" presetID="1" presetClass="entr" presetSubtype="0" fill="hold" nodeType="clickEffect">
+                                  <p:stCondLst>
+                                    <p:cond delay="0"/>
+                                  </p:stCondLst>
+                                  <p:childTnLst>
+                                    <p:set>
+                                      <p:cBhvr>
+                                        <p:cTn id="6" dur="1" fill="hold">
+                                          <p:stCondLst>
+                                            <p:cond delay="0"/>
+                                          </p:stCondLst>
+                                        </p:cTn>
+                                        <p:tgtEl>
+                                          <p:spTgt spid="3">
+                                            <p:txEl>
+                                              <p:pRg st="1" end="1"/>
+                                            </p:txEl>
+                                          </p:spTgt>
+                                        </p:tgtEl>
+                                        <p:attrNameLst>
+                                          <p:attrName>style.visibility</p:attrName>
+                                        </p:attrNameLst>
+                                      </p:cBhvr>
+                                      <p:to>
+                                        <p:strVal val="visible"/>
+                                      </p:to>
+                                    </p:set>
+                                  </p:childTnLst>
+                                </p:cTn>
+                              </p:par>
+                              <p:par>
+                                <p:cTn id="7" presetID="1" presetClass="entr" presetSubtype="0" fill="hold" grpId="0" nodeType="withEffect">
+                                  <p:stCondLst>
+                                    <p:cond delay="0"/>
+                                  </p:stCondLst>
+                                  <p:childTnLst>
+                                    <p:set>
+                                      <p:cBhvr>
+                                        <p:cTn id="8" dur="1" fill="hold">
+                                          <p:stCondLst>
+                                            <p:cond delay="0"/>
+                                          </p:stCondLst>
+                                        </p:cTn>
+                                        <p:tgtEl>
+                                          <p:spTgt spid="7"/>
+                                        </p:tgtEl>
+                                        <p:attrNameLst>
+                                          <p:attrName>style.visibility</p:attrName>
+                                        </p:attrNameLst>
+                                      </p:cBhvr>
+                                      <p:to>
+                                        <p:strVal val="visible"/>
+                                      </p:to>
+                                    </p:set>
+                                  </p:childTnLst>
+                                </p:cTn>
+                              </p:par>
+                            </p:childTnLst>
+                          </p:cTn>
+                        </p:par>
+                      </p:childTnLst>
+                    </p:cTn>
+                  </p:par>
+                  <p:par>
+                    <p:cTn id="9" fill="hold">
+                      <p:stCondLst>
+                        <p:cond delay="indefinite"/>
+                      </p:stCondLst>
+                      <p:childTnLst>
+                        <p:par>
+                          <p:cTn id="10" fill="hold">
+                            <p:stCondLst>
+                              <p:cond delay="0"/>
+                            </p:stCondLst>
+                            <p:childTnLst>
+                              <p:par>
+                                <p:cTn id="11" presetID="1" presetClass="entr" presetSubtype="0" fill="hold" nodeType="clickEffect">
+                                  <p:stCondLst>
+                                    <p:cond delay="0"/>
+                                  </p:stCondLst>
+                                  <p:childTnLst>
+                                    <p:set>
+                                      <p:cBhvr>
+                                        <p:cTn id="12" dur="1" fill="hold">
+                                          <p:stCondLst>
+                                            <p:cond delay="0"/>
+                                          </p:stCondLst>
+                                        </p:cTn>
+                                        <p:tgtEl>
+                                          <p:spTgt spid="3">
+                                            <p:txEl>
+                                              <p:pRg st="2" end="2"/>
+                                            </p:txEl>
+                                          </p:spTgt>
+                                        </p:tgtEl>
+                                        <p:attrNameLst>
+                                          <p:attrName>style.visibility</p:attrName>
+                                        </p:attrNameLst>
+                                      </p:cBhvr>
+                                      <p:to>
+                                        <p:strVal val="visible"/>
+                                      </p:to>
+                                    </p:set>
+                                  </p:childTnLst>
+                                </p:cTn>
+                              </p:par>
+                              <p:par>
+                                <p:cTn id="13" presetID="1" presetClass="entr" presetSubtype="0" fill="hold" nodeType="withEffect">
+                                  <p:stCondLst>
+                                    <p:cond delay="0"/>
+                                  </p:stCondLst>
+                                  <p:childTnLst>
+                                    <p:set>
+                                      <p:cBhvr>
+                                        <p:cTn id="14" dur="1" fill="hold">
+                                          <p:stCondLst>
+                                            <p:cond delay="0"/>
+                                          </p:stCondLst>
+                                        </p:cTn>
+                                        <p:tgtEl>
+                                          <p:spTgt spid="3">
+                                            <p:txEl>
+                                              <p:pRg st="3" end="3"/>
+                                            </p:txEl>
+                                          </p:spTgt>
+                                        </p:tgtEl>
+                                        <p:attrNameLst>
+                                          <p:attrName>style.visibility</p:attrName>
+                                        </p:attrNameLst>
+                                      </p:cBhvr>
+                                      <p:to>
+                                        <p:strVal val="visible"/>
+                                      </p:to>
+                                    </p:set>
+                                  </p:childTnLst>
+                                </p:cTn>
+                              </p:par>
+                            </p:childTnLst>
+                          </p:cTn>
+                        </p:par>
+                      </p:childTnLst>
+                    </p:cTn>
+                  </p:par>
+                  <p:par>
+                    <p:cTn id="15" fill="hold">
+                      <p:stCondLst>
+                        <p:cond delay="indefinite"/>
+                      </p:stCondLst>
+                      <p:childTnLst>
+                        <p:par>
+                          <p:cTn id="16" fill="hold">
+                            <p:stCondLst>
+                              <p:cond delay="0"/>
+                            </p:stCondLst>
+                            <p:childTnLst>
+                              <p:par>
+                                <p:cTn id="17" presetID="1" presetClass="entr" presetSubtype="0" fill="hold" nodeType="clickEffect">
+                                  <p:stCondLst>
+                                    <p:cond delay="0"/>
+                                  </p:stCondLst>
+                                  <p:childTnLst>
+                                    <p:set>
+                                      <p:cBhvr>
+                                        <p:cTn id="18" dur="1" fill="hold">
+                                          <p:stCondLst>
+                                            <p:cond delay="0"/>
+                                          </p:stCondLst>
+                                        </p:cTn>
+                                        <p:tgtEl>
+                                          <p:spTgt spid="3">
+                                            <p:txEl>
+                                              <p:pRg st="4" end="4"/>
+                                            </p:txEl>
+                                          </p:spTgt>
+                                        </p:tgtEl>
+                                        <p:attrNameLst>
+                                          <p:attrName>style.visibility</p:attrName>
+                                        </p:attrNameLst>
+                                      </p:cBhvr>
+                                      <p:to>
+                                        <p:strVal val="visible"/>
+                                      </p:to>
+                                    </p:set>
+                                  </p:childTnLst>
+                                </p:cTn>
+                              </p:par>
+                              <p:par>
+                                <p:cTn id="19" presetID="1" presetClass="entr" presetSubtype="0" fill="hold" grpId="0" nodeType="withEffect">
+                                  <p:stCondLst>
+                                    <p:cond delay="0"/>
+                                  </p:stCondLst>
+                                  <p:childTnLst>
+                                    <p:set>
+                                      <p:cBhvr>
+                                        <p:cTn id="20" dur="1" fill="hold">
+                                          <p:stCondLst>
+                                            <p:cond delay="0"/>
+                                          </p:stCondLst>
+                                        </p:cTn>
+                                        <p:tgtEl>
+                                          <p:spTgt spid="8"/>
+                                        </p:tgtEl>
+                                        <p:attrNameLst>
+                                          <p:attrName>style.visibility</p:attrName>
+                                        </p:attrNameLst>
+                                      </p:cBhvr>
+                                      <p:to>
+                                        <p:strVal val="visible"/>
+                                      </p:to>
+                                    </p:set>
+                                  </p:childTnLst>
+                                </p:cTn>
+                              </p:par>
+                            </p:childTnLst>
+                          </p:cTn>
+                        </p:par>
+                      </p:childTnLst>
+                    </p:cTn>
+                  </p:par>
+                  <p:par>
+                    <p:cTn id="21" fill="hold">
+                      <p:stCondLst>
+                        <p:cond delay="indefinite"/>
+                      </p:stCondLst>
+                      <p:childTnLst>
+                        <p:par>
+                          <p:cTn id="22" fill="hold">
+                            <p:stCondLst>
+                              <p:cond delay="0"/>
+                            </p:stCondLst>
+                            <p:childTnLst>
+                              <p:par>
+                                <p:cTn id="23" presetID="1" presetClass="entr" presetSubtype="0" fill="hold" nodeType="clickEffect">
+                                  <p:stCondLst>
+                                    <p:cond delay="0"/>
+                                  </p:stCondLst>
+                                  <p:childTnLst>
+                                    <p:set>
+                                      <p:cBhvr>
+                                        <p:cTn id="24" dur="1" fill="hold">
+                                          <p:stCondLst>
+                                            <p:cond delay="0"/>
+                                          </p:stCondLst>
+                                        </p:cTn>
+                                        <p:tgtEl>
+                                          <p:spTgt spid="3">
+                                            <p:txEl>
+                                              <p:pRg st="5" end="5"/>
+                                            </p:txEl>
+                                          </p:spTgt>
+                                        </p:tgtEl>
+                                        <p:attrNameLst>
+                                          <p:attrName>style.visibility</p:attrName>
+                                        </p:attrNameLst>
+                                      </p:cBhvr>
+                                      <p:to>
+                                        <p:strVal val="visible"/>
+                                      </p:to>
+                                    </p:set>
+                                  </p:childTnLst>
+                                </p:cTn>
+                              </p:par>
+                            </p:childTnLst>
+                          </p:cTn>
+                        </p:par>
+                      </p:childTnLst>
+                    </p:cTn>
+                  </p:par>
+                  <p:par>
+                    <p:cTn id="25" fill="hold">
+                      <p:stCondLst>
+                        <p:cond delay="indefinite"/>
+                      </p:stCondLst>
+                      <p:childTnLst>
+                        <p:par>
+                          <p:cTn id="26" fill="hold">
+                            <p:stCondLst>
+                              <p:cond delay="0"/>
+                            </p:stCondLst>
+                            <p:childTnLst>
+                              <p:par>
+                                <p:cTn id="27" presetID="1" presetClass="entr" presetSubtype="0" fill="hold" nodeType="clickEffect">
+                                  <p:stCondLst>
+                                    <p:cond delay="0"/>
+                                  </p:stCondLst>
+                                  <p:childTnLst>
+                                    <p:set>
+                                      <p:cBhvr>
+                                        <p:cTn id="28" dur="1" fill="hold">
+                                          <p:stCondLst>
+                                            <p:cond delay="0"/>
+                                          </p:stCondLst>
+                                        </p:cTn>
+                                        <p:tgtEl>
+                                          <p:spTgt spid="3">
+                                            <p:txEl>
+                                              <p:pRg st="6" end="6"/>
+                                            </p:txEl>
+                                          </p:spTgt>
+                                        </p:tgtEl>
+                                        <p:attrNameLst>
+                                          <p:attrName>style.visibility</p:attrName>
+                                        </p:attrNameLst>
+                                      </p:cBhvr>
+                                      <p:to>
+                                        <p:strVal val="visible"/>
+                                      </p:to>
+                                    </p:set>
+                                  </p:childTnLst>
+                                </p:cTn>
+                              </p:par>
+                              <p:par>
+                                <p:cTn id="29" presetID="1" presetClass="entr" presetSubtype="0" fill="hold" grpId="0" nodeType="withEffect">
+                                  <p:stCondLst>
+                                    <p:cond delay="0"/>
+                                  </p:stCondLst>
+                                  <p:childTnLst>
+                                    <p:set>
+                                      <p:cBhvr>
+                                        <p:cTn id="30" dur="1" fill="hold">
+                                          <p:stCondLst>
+                                            <p:cond delay="0"/>
+                                          </p:stCondLst>
+                                        </p:cTn>
+                                        <p:tgtEl>
+                                          <p:spTgt spid="9"/>
+                                        </p:tgtEl>
+                                        <p:attrNameLst>
+                                          <p:attrName>style.visibility</p:attrName>
+                                        </p:attrNameLst>
+                                      </p:cBhvr>
+                                      <p:to>
+                                        <p:strVal val="visible"/>
+                                      </p:to>
+                                    </p:set>
+                                  </p:childTnLst>
+                                </p:cTn>
+                              </p:par>
+                            </p:childTnLst>
+                          </p:cTn>
+                        </p:par>
+                      </p:childTnLst>
+                    </p:cTn>
+                  </p:par>
+                  <p:par>
+                    <p:cTn id="31" fill="hold">
+                      <p:stCondLst>
+                        <p:cond delay="indefinite"/>
+                      </p:stCondLst>
+                      <p:childTnLst>
+                        <p:par>
+                          <p:cTn id="32" fill="hold">
+                            <p:stCondLst>
+                              <p:cond delay="0"/>
+                            </p:stCondLst>
+                            <p:childTnLst>
+                              <p:par>
+                                <p:cTn id="33" presetID="1" presetClass="entr" presetSubtype="0" fill="hold" nodeType="clickEffect">
+                                  <p:stCondLst>
+                                    <p:cond delay="0"/>
+                                  </p:stCondLst>
+                                  <p:childTnLst>
+                                    <p:set>
+                                      <p:cBhvr>
+                                        <p:cTn id="34" dur="1" fill="hold">
+                                          <p:stCondLst>
+                                            <p:cond delay="0"/>
+                                          </p:stCondLst>
+                                        </p:cTn>
+                                        <p:tgtEl>
+                                          <p:spTgt spid="3">
+                                            <p:txEl>
+                                              <p:pRg st="7" end="7"/>
+                                            </p:txEl>
+                                          </p:spTgt>
+                                        </p:tgtEl>
+                                        <p:attrNameLst>
+                                          <p:attrName>style.visibility</p:attrName>
+                                        </p:attrNameLst>
+                                      </p:cBhvr>
+                                      <p:to>
+                                        <p:strVal val="visible"/>
+                                      </p:to>
+                                    </p:set>
+                                  </p:childTnLst>
+                                </p:cTn>
+                              </p:par>
+                            </p:childTnLst>
+                          </p:cTn>
+                        </p:par>
+                      </p:childTnLst>
+                    </p:cTn>
+                  </p:par>
+                </p:childTnLst>
+              </p:cTn>
+              <p:prevCondLst>
+                <p:cond evt="onPrev" delay="0">
+                  <p:tgtEl>
+                    <p:sldTgt/>
+                  </p:tgtEl>
+                </p:cond>
+              </p:prevCondLst>
+              <p:nextCondLst>
+                <p:cond evt="onNext" delay="0">
+                  <p:tgtEl>
+                    <p:sldTgt/>
+                  </p:tgtEl>
+                </p:cond>
+              </p:nextCondLst>
+            </p:seq>
+          </p:childTnLst>
+        </p:cTn>
+      </p:par>
+    </p:tnLst>
+    <p:bldLst>
+      <p:bldP spid="7" grpId="0" animBg="1"/>
+      <p:bldP spid="8" grpId="0" animBg="1"/>
+      <p:bldP spid="9" grpId="0" animBg="1"/>
+    </p:bldLst>
+  </p:timing>
+</p:sld>
+</file>
+
+<file path=ppt/slides/slide2.xml><?xml version="1.0" encoding="utf-8"?>
+<p:sld xmlns:a="http://schemas.openxmlformats.org/drawingml/2006/main" xmlns:r="http://schemas.openxmlformats.org/officeDocument/2006/relationships" xmlns:p="http://schemas.openxmlformats.org/presentationml/2006/main">
+  <p:cSld>
+    <p:spTree>
+      <p:nvGrpSpPr>
+        <p:cNvPr id="1" name=""/>
+        <p:cNvGrpSpPr/>
+        <p:nvPr/>
+      </p:nvGrpSpPr>
+      <p:grpSpPr>
+        <a:xfrm>
+          <a:off x="0" y="0"/>
+          <a:ext cx="0" cy="0"/>
+          <a:chOff x="0" y="0"/>
+          <a:chExt cx="0" cy="0"/>
+        </a:xfrm>
+      </p:grpSpPr>
+      <p:sp>
+        <p:nvSpPr>
+          <p:cNvPr id="5" name="Slide Number">
+            <a:extLst>
+              <a:ext uri="{FF2B5EF4-FFF2-40B4-BE49-F238E27FC236}">
+                <a16:creationId xmlns:a16="http://schemas.microsoft.com/office/drawing/2014/main" id="{6A760D59-0056-4F39-B077-DBDBE3D2927E}"/>
+              </a:ext>
+            </a:extLst>
+          </p:cNvPr>
+          <p:cNvSpPr txBox="1">
+            <a:spLocks/>
+          </p:cNvSpPr>
+          <p:nvPr/>
+        </p:nvSpPr>
+        <p:spPr>
+          <a:xfrm>
+            <a:off x="11753030" y="6507000"/>
+            <a:ext cx="367414" cy="297000"/>
+          </a:xfrm>
+          <a:prstGeom prst="rect">
+            <a:avLst/>
+          </a:prstGeom>
+        </p:spPr>
+        <p:txBody>
+          <a:bodyPr vert="horz" lIns="91440" tIns="45720" rIns="91440" bIns="45720" rtlCol="0" anchor="b"/>
+          <a:lstStyle>
+            <a:defPPr>
+              <a:defRPr lang="en-US"/>
+            </a:defPPr>
+            <a:lvl1pPr marL="0" algn="r" defTabSz="914400" rtl="0" eaLnBrk="1" latinLnBrk="0" hangingPunct="1">
+              <a:defRPr sz="1000" kern="1200">
+                <a:solidFill>
+                  <a:schemeClr val="tx1"/>
+                </a:solidFill>
+                <a:latin typeface="+mn-lt"/>
+                <a:ea typeface="+mn-ea"/>
+                <a:cs typeface="+mn-cs"/>
+              </a:defRPr>
+            </a:lvl1pPr>
+            <a:lvl2pPr marL="457200" algn="l" defTabSz="914400" rtl="0" eaLnBrk="1" latinLnBrk="0" hangingPunct="1">
+              <a:defRPr sz="1800" kern="1200">
+                <a:solidFill>
+                  <a:schemeClr val="tx1"/>
+                </a:solidFill>
+                <a:latin typeface="+mn-lt"/>
+                <a:ea typeface="+mn-ea"/>
+                <a:cs typeface="+mn-cs"/>
+              </a:defRPr>
+            </a:lvl2pPr>
+            <a:lvl3pPr marL="914400" algn="l" defTabSz="914400" rtl="0" eaLnBrk="1" latinLnBrk="0" hangingPunct="1">
+              <a:defRPr sz="1800" kern="1200">
+                <a:solidFill>
+                  <a:schemeClr val="tx1"/>
+                </a:solidFill>
+                <a:latin typeface="+mn-lt"/>
+                <a:ea typeface="+mn-ea"/>
+                <a:cs typeface="+mn-cs"/>
+              </a:defRPr>
+            </a:lvl3pPr>
+            <a:lvl4pPr marL="1371600" algn="l" defTabSz="914400" rtl="0" eaLnBrk="1" latinLnBrk="0" hangingPunct="1">
+              <a:defRPr sz="1800" kern="1200">
+                <a:solidFill>
+                  <a:schemeClr val="tx1"/>
+                </a:solidFill>
+                <a:latin typeface="+mn-lt"/>
+                <a:ea typeface="+mn-ea"/>
+                <a:cs typeface="+mn-cs"/>
+              </a:defRPr>
+            </a:lvl4pPr>
+            <a:lvl5pPr marL="1828800" algn="l" defTabSz="914400" rtl="0" eaLnBrk="1" latinLnBrk="0" hangingPunct="1">
+              <a:defRPr sz="1800" kern="1200">
+                <a:solidFill>
+                  <a:schemeClr val="tx1"/>
+                </a:solidFill>
+                <a:latin typeface="+mn-lt"/>
+                <a:ea typeface="+mn-ea"/>
+                <a:cs typeface="+mn-cs"/>
+              </a:defRPr>
+            </a:lvl5pPr>
+            <a:lvl6pPr marL="2286000" algn="l" defTabSz="914400" rtl="0" eaLnBrk="1" latinLnBrk="0" hangingPunct="1">
+              <a:defRPr sz="1800" kern="1200">
+                <a:solidFill>
+                  <a:schemeClr val="tx1"/>
+                </a:solidFill>
+                <a:latin typeface="+mn-lt"/>
+                <a:ea typeface="+mn-ea"/>
+                <a:cs typeface="+mn-cs"/>
+              </a:defRPr>
+            </a:lvl6pPr>
+            <a:lvl7pPr marL="2743200" algn="l" defTabSz="914400" rtl="0" eaLnBrk="1" latinLnBrk="0" hangingPunct="1">
+              <a:defRPr sz="1800" kern="1200">
+                <a:solidFill>
+                  <a:schemeClr val="tx1"/>
+                </a:solidFill>
+                <a:latin typeface="+mn-lt"/>
+                <a:ea typeface="+mn-ea"/>
+                <a:cs typeface="+mn-cs"/>
+              </a:defRPr>
+            </a:lvl7pPr>
+            <a:lvl8pPr marL="3200400" algn="l" defTabSz="914400" rtl="0" eaLnBrk="1" latinLnBrk="0" hangingPunct="1">
+              <a:defRPr sz="1800" kern="1200">
+                <a:solidFill>
+                  <a:schemeClr val="tx1"/>
+                </a:solidFill>
+                <a:latin typeface="+mn-lt"/>
+                <a:ea typeface="+mn-ea"/>
+                <a:cs typeface="+mn-cs"/>
+              </a:defRPr>
+            </a:lvl8pPr>
+            <a:lvl9pPr marL="3657600" algn="l" defTabSz="914400" rtl="0" eaLnBrk="1" latinLnBrk="0" hangingPunct="1">
+              <a:defRPr sz="1800" kern="1200">
+                <a:solidFill>
+                  <a:schemeClr val="tx1"/>
+                </a:solidFill>
+                <a:latin typeface="+mn-lt"/>
+                <a:ea typeface="+mn-ea"/>
+                <a:cs typeface="+mn-cs"/>
+              </a:defRPr>
+            </a:lvl9pPr>
+          </a:lstStyle>
+          <a:p>
+            <a:fld id="{2BF067CD-8E6B-4360-9AA8-C5DF2A48A6D1}" type="slidenum">
+              <a:rPr lang="en-US" smtClean="0"/>
+              <a:pPr/>
+              <a:t>2</a:t>
+            </a:fld>
+            <a:endParaRPr lang="en-US" dirty="0"/>
+          </a:p>
+        </p:txBody>
+      </p:sp>
+      <p:sp>
+        <p:nvSpPr>
+          <p:cNvPr id="444419" name="Slide Body"/>
+          <p:cNvSpPr>
+            <a:spLocks noGrp="1" noChangeArrowheads="1"/>
+          </p:cNvSpPr>
+          <p:nvPr>
+            <p:ph type="body" sz="quarter" idx="13"/>
+          </p:nvPr>
+        </p:nvSpPr>
+        <p:spPr>
+          <a:xfrm>
+            <a:off x="196766" y="1371604"/>
+            <a:ext cx="9679234" cy="5207396"/>
+          </a:xfrm>
+        </p:spPr>
+        <p:txBody>
+          <a:bodyPr/>
+          <a:lstStyle/>
+          <a:p>
+            <a:r>
+              <a:rPr lang="bg-BG" dirty="0" smtClean="0"/>
+              <a:t>͏͏</a:t>
+            </a:r>
+            <a:r>
+              <a:rPr lang="bg-BG" b="1" dirty="0" smtClean="0"/>
+              <a:t>Анимационни ефекти </a:t>
+            </a:r>
+            <a:r>
+              <a:rPr lang="bg-BG" dirty="0" smtClean="0"/>
+              <a:t>на </a:t>
+            </a:r>
+            <a:r>
+              <a:rPr lang="bg-BG" b="1" dirty="0" smtClean="0"/>
+              <a:t>елемент</a:t>
+            </a:r>
+            <a:r>
+              <a:rPr lang="bg-BG" dirty="0" smtClean="0"/>
+              <a:t> от слайд</a:t>
+            </a:r>
+          </a:p>
+          <a:p>
+            <a:r>
+              <a:rPr lang="ru-RU" dirty="0"/>
+              <a:t>͏</a:t>
+            </a:r>
+            <a:r>
+              <a:rPr lang="ru-RU" b="1" dirty="0"/>
+              <a:t>Анимационни ефекти </a:t>
+            </a:r>
+            <a:r>
+              <a:rPr lang="ru-RU" dirty="0"/>
+              <a:t>при </a:t>
+            </a:r>
+            <a:r>
+              <a:rPr lang="ru-RU" b="1" dirty="0"/>
+              <a:t>преход</a:t>
+            </a:r>
+            <a:r>
+              <a:rPr lang="ru-RU" dirty="0"/>
+              <a:t> между слайдове</a:t>
+            </a:r>
+            <a:endParaRPr lang="bg-BG" dirty="0"/>
+          </a:p>
+        </p:txBody>
+      </p:sp>
+      <p:sp>
+        <p:nvSpPr>
+          <p:cNvPr id="444418" name="Slide Title"/>
+          <p:cNvSpPr>
+            <a:spLocks noGrp="1" noChangeArrowheads="1"/>
+          </p:cNvSpPr>
+          <p:nvPr>
+            <p:ph type="title"/>
+          </p:nvPr>
+        </p:nvSpPr>
+        <p:spPr>
+          <a:xfrm>
+            <a:off x="190406" y="100750"/>
+            <a:ext cx="10270594" cy="882654"/>
+          </a:xfrm>
+        </p:spPr>
+        <p:txBody>
+          <a:bodyPr/>
+          <a:lstStyle/>
+          <a:p>
+            <a:r>
+              <a:rPr lang="bg-BG"/>
+              <a:t>Съдържание</a:t>
+            </a:r>
+            <a:endParaRPr lang="bg-BG" dirty="0"/>
+          </a:p>
+        </p:txBody>
+      </p:sp>
+      <p:pic>
+        <p:nvPicPr>
+          <p:cNvPr id="4" name="Picture 3">
+            <a:extLst>
+              <a:ext uri="{FF2B5EF4-FFF2-40B4-BE49-F238E27FC236}">
+                <a16:creationId xmlns:a16="http://schemas.microsoft.com/office/drawing/2014/main" id="{8835CDFB-0E94-0132-177D-CD4B4F85BF89}"/>
+              </a:ext>
+            </a:extLst>
+          </p:cNvPr>
+          <p:cNvPicPr>
+            <a:picLocks noChangeAspect="1"/>
+          </p:cNvPicPr>
+          <p:nvPr/>
+        </p:nvPicPr>
+        <p:blipFill>
+          <a:blip r:embed="rId3">
+            <a:duotone>
+              <a:prstClr val="black"/>
+              <a:schemeClr val="accent1">
+                <a:tint val="45000"/>
+                <a:satMod val="400000"/>
+              </a:schemeClr>
+            </a:duotone>
+            <a:extLst>
+              <a:ext uri="{BEBA8EAE-BF5A-486C-A8C5-ECC9F3942E4B}">
+                <a14:imgProps xmlns:a14="http://schemas.microsoft.com/office/drawing/2010/main">
+                  <a14:imgLayer r:embed="rId4">
+                    <a14:imgEffect>
+                      <a14:brightnessContrast bright="30000"/>
+                    </a14:imgEffect>
+                  </a14:imgLayer>
+                </a14:imgProps>
+              </a:ext>
+            </a:extLst>
+          </a:blip>
+          <a:stretch>
+            <a:fillRect/>
+          </a:stretch>
+        </p:blipFill>
+        <p:spPr>
+          <a:xfrm>
+            <a:off x="10011000" y="1584000"/>
+            <a:ext cx="1581246" cy="2115000"/>
+          </a:xfrm>
+          <a:prstGeom prst="rect">
+            <a:avLst/>
+          </a:prstGeom>
+        </p:spPr>
+      </p:pic>
+    </p:spTree>
+    <p:extLst>
+      <p:ext uri="{BB962C8B-B14F-4D97-AF65-F5344CB8AC3E}">
+        <p14:creationId xmlns:p14="http://schemas.microsoft.com/office/powerpoint/2010/main" val="1646986932"/>
+      </p:ext>
+    </p:extLst>
+  </p:cSld>
+  <p:clrMapOvr>
+    <a:masterClrMapping/>
+  </p:clrMapOvr>
+  <mc:AlternateContent xmlns:mc="http://schemas.openxmlformats.org/markup-compatibility/2006" xmlns:p14="http://schemas.microsoft.com/office/powerpoint/2010/main">
+    <mc:Choice Requires="p14">
+      <p:transition spd="slow" p14:dur="2000" advClick="0" advTm="5000"/>
+    </mc:Choice>
+    <mc:Fallback xmlns="">
+      <p:transition spd="slow" advClick="0" advTm="5000"/>
+    </mc:Fallback>
+  </mc:AlternateContent>
+  <p:timing>
+    <p:tnLst>
+      <p:par>
+        <p:cTn id="1" dur="indefinite" restart="never" nodeType="tmRoot"/>
+      </p:par>
+    </p:tnLst>
+  </p:timing>
+</p:sld>
+</file>
+
+<file path=ppt/slides/slide20.xml><?xml version="1.0" encoding="utf-8"?>
+<p:sld xmlns:a="http://schemas.openxmlformats.org/drawingml/2006/main" xmlns:r="http://schemas.openxmlformats.org/officeDocument/2006/relationships" xmlns:p="http://schemas.openxmlformats.org/presentationml/2006/main">
+  <p:cSld>
+    <p:spTree>
+      <p:nvGrpSpPr>
+        <p:cNvPr id="1" name=""/>
+        <p:cNvGrpSpPr/>
+        <p:nvPr/>
+      </p:nvGrpSpPr>
+      <p:grpSpPr>
+        <a:xfrm>
+          <a:off x="0" y="0"/>
+          <a:ext cx="0" cy="0"/>
+          <a:chOff x="0" y="0"/>
+          <a:chExt cx="0" cy="0"/>
+        </a:xfrm>
+      </p:grpSpPr>
+      <p:sp>
+        <p:nvSpPr>
+          <p:cNvPr id="2" name="Slide Number Placeholder 1"/>
+          <p:cNvSpPr>
+            <a:spLocks noGrp="1"/>
+          </p:cNvSpPr>
+          <p:nvPr>
+            <p:ph type="sldNum" sz="quarter" idx="5"/>
+          </p:nvPr>
+        </p:nvSpPr>
+        <p:spPr/>
+        <p:txBody>
+          <a:bodyPr/>
+          <a:lstStyle/>
+          <a:p>
+            <a:fld id="{2BF067CD-8E6B-4360-9AA8-C5DF2A48A6D1}" type="slidenum">
+              <a:rPr lang="en-US" noProof="0" smtClean="0"/>
+              <a:pPr/>
+              <a:t>20</a:t>
+            </a:fld>
+            <a:endParaRPr lang="en-US" noProof="0" dirty="0"/>
+          </a:p>
+        </p:txBody>
+      </p:sp>
+      <p:sp>
+        <p:nvSpPr>
+          <p:cNvPr id="3" name="Text Placeholder 2"/>
+          <p:cNvSpPr>
+            <a:spLocks noGrp="1"/>
+          </p:cNvSpPr>
+          <p:nvPr>
+            <p:ph type="body" sz="quarter" idx="10"/>
+          </p:nvPr>
+        </p:nvSpPr>
+        <p:spPr>
+          <a:xfrm>
+            <a:off x="66000" y="1196125"/>
+            <a:ext cx="12126000" cy="5528766"/>
+          </a:xfrm>
+        </p:spPr>
+        <p:txBody>
+          <a:bodyPr/>
+          <a:lstStyle/>
+          <a:p>
+            <a:r>
+              <a:rPr lang="bg-BG" dirty="0"/>
+              <a:t>Опциите на </a:t>
+            </a:r>
+            <a:r>
+              <a:rPr lang="bg-BG" b="1" dirty="0"/>
+              <a:t>падащта кутия </a:t>
+            </a:r>
+            <a:r>
+              <a:rPr lang="en-US" b="1" dirty="0">
+                <a:solidFill>
+                  <a:schemeClr val="bg1"/>
+                </a:solidFill>
+              </a:rPr>
+              <a:t>Advance </a:t>
+            </a:r>
+            <a:r>
+              <a:rPr lang="en-US" b="1" dirty="0" smtClean="0">
+                <a:solidFill>
+                  <a:schemeClr val="bg1"/>
+                </a:solidFill>
+              </a:rPr>
+              <a:t>Slide</a:t>
+            </a:r>
+            <a:r>
+              <a:rPr lang="en-US" b="1" dirty="0" smtClean="0"/>
+              <a:t> </a:t>
+            </a:r>
+            <a:r>
+              <a:rPr lang="bg-BG" dirty="0"/>
+              <a:t>са</a:t>
+            </a:r>
+            <a:r>
+              <a:rPr lang="bg-BG" dirty="0" smtClean="0"/>
+              <a:t>:</a:t>
+            </a:r>
+          </a:p>
+          <a:p>
+            <a:pPr lvl="1"/>
+            <a:r>
+              <a:rPr lang="en-US" dirty="0" smtClean="0"/>
+              <a:t>͏</a:t>
+            </a:r>
+            <a:r>
+              <a:rPr lang="en-US" b="1" dirty="0" smtClean="0">
+                <a:solidFill>
+                  <a:schemeClr val="bg1"/>
+                </a:solidFill>
+              </a:rPr>
+              <a:t>On Mouse Click </a:t>
+            </a:r>
+            <a:r>
+              <a:rPr lang="en-US" dirty="0" smtClean="0"/>
+              <a:t>(</a:t>
+            </a:r>
+            <a:r>
+              <a:rPr lang="bg-BG" b="1" dirty="0" smtClean="0"/>
+              <a:t>При щракване с мишката</a:t>
+            </a:r>
+            <a:r>
+              <a:rPr lang="en-US" dirty="0" smtClean="0"/>
+              <a:t>)</a:t>
+            </a:r>
+            <a:endParaRPr lang="en-US" dirty="0"/>
+          </a:p>
+          <a:p>
+            <a:pPr lvl="2"/>
+            <a:r>
+              <a:rPr lang="bg-BG" b="1" dirty="0" smtClean="0"/>
+              <a:t>Слайдът преминава </a:t>
+            </a:r>
+            <a:r>
+              <a:rPr lang="bg-BG" dirty="0" smtClean="0"/>
+              <a:t>към следващия, когато </a:t>
+            </a:r>
+            <a:r>
+              <a:rPr lang="bg-BG" b="1" dirty="0" smtClean="0"/>
+              <a:t>щракнем</a:t>
+            </a:r>
+            <a:r>
+              <a:rPr lang="bg-BG" dirty="0" smtClean="0"/>
+              <a:t> с </a:t>
+            </a:r>
+            <a:r>
+              <a:rPr lang="bg-BG" b="1" dirty="0" smtClean="0"/>
+              <a:t>мишката</a:t>
+            </a:r>
+          </a:p>
+          <a:p>
+            <a:pPr lvl="1"/>
+            <a:r>
+              <a:rPr lang="en-US" dirty="0" smtClean="0"/>
+              <a:t>͏</a:t>
+            </a:r>
+            <a:r>
+              <a:rPr lang="en-US" b="1" dirty="0" smtClean="0">
+                <a:solidFill>
+                  <a:schemeClr val="bg1"/>
+                </a:solidFill>
+              </a:rPr>
+              <a:t>After</a:t>
+            </a:r>
+            <a:r>
+              <a:rPr lang="en-US" dirty="0" smtClean="0"/>
+              <a:t> (</a:t>
+            </a:r>
+            <a:r>
+              <a:rPr lang="bg-BG" b="1" dirty="0" smtClean="0"/>
+              <a:t>След</a:t>
+            </a:r>
+            <a:r>
+              <a:rPr lang="en-US" dirty="0" smtClean="0"/>
+              <a:t>)</a:t>
+            </a:r>
+            <a:endParaRPr lang="bg-BG" dirty="0"/>
+          </a:p>
+          <a:p>
+            <a:pPr lvl="2"/>
+            <a:r>
+              <a:rPr lang="bg-BG" dirty="0" smtClean="0"/>
+              <a:t>Преминава към следващия слайд </a:t>
+            </a:r>
+            <a:r>
+              <a:rPr lang="bg-BG" b="1" dirty="0" smtClean="0"/>
+              <a:t>след</a:t>
+            </a:r>
+            <a:r>
+              <a:rPr lang="bg-BG" dirty="0" smtClean="0"/>
+              <a:t> толкова </a:t>
+            </a:r>
+            <a:r>
+              <a:rPr lang="bg-BG" b="1" dirty="0" smtClean="0"/>
+              <a:t>време</a:t>
+            </a:r>
+            <a:r>
+              <a:rPr lang="bg-BG" dirty="0" smtClean="0"/>
+              <a:t>, колкото </a:t>
+            </a:r>
+            <a:r>
+              <a:rPr lang="bg-BG" b="1" dirty="0" smtClean="0"/>
+              <a:t>изпишем</a:t>
+            </a:r>
+            <a:r>
+              <a:rPr lang="bg-BG" dirty="0" smtClean="0"/>
+              <a:t> в </a:t>
+            </a:r>
+            <a:r>
+              <a:rPr lang="bg-BG" b="1" dirty="0" smtClean="0"/>
+              <a:t>числовата кутия</a:t>
+            </a:r>
+            <a:endParaRPr lang="en-US" b="1" dirty="0"/>
+          </a:p>
+        </p:txBody>
+      </p:sp>
+      <p:sp>
+        <p:nvSpPr>
+          <p:cNvPr id="4" name="Title 3"/>
+          <p:cNvSpPr>
+            <a:spLocks noGrp="1"/>
+          </p:cNvSpPr>
+          <p:nvPr>
+            <p:ph type="title"/>
+          </p:nvPr>
+        </p:nvSpPr>
+        <p:spPr/>
+        <p:txBody>
+          <a:bodyPr/>
+          <a:lstStyle/>
+          <a:p>
+            <a:r>
+              <a:rPr lang="en-US" dirty="0"/>
+              <a:t>Advance Slide </a:t>
+            </a:r>
+          </a:p>
+        </p:txBody>
+      </p:sp>
+      <p:pic>
+        <p:nvPicPr>
+          <p:cNvPr id="5" name="Picture 4"/>
+          <p:cNvPicPr>
+            <a:picLocks noChangeAspect="1"/>
+          </p:cNvPicPr>
+          <p:nvPr/>
+        </p:nvPicPr>
+        <p:blipFill>
+          <a:blip r:embed="rId2"/>
+          <a:stretch>
+            <a:fillRect/>
+          </a:stretch>
+        </p:blipFill>
+        <p:spPr>
+          <a:xfrm>
+            <a:off x="3658367" y="5166068"/>
+            <a:ext cx="4875266" cy="1487370"/>
+          </a:xfrm>
+          <a:prstGeom prst="rect">
+            <a:avLst/>
+          </a:prstGeom>
+          <a:ln>
+            <a:solidFill>
+              <a:schemeClr val="bg2">
+                <a:lumMod val="75000"/>
+              </a:schemeClr>
+            </a:solidFill>
+          </a:ln>
+        </p:spPr>
+      </p:pic>
+      <p:cxnSp>
+        <p:nvCxnSpPr>
+          <p:cNvPr id="6" name="Straight Arrow Connector 5"/>
+          <p:cNvCxnSpPr/>
+          <p:nvPr/>
+        </p:nvCxnSpPr>
+        <p:spPr>
+          <a:xfrm flipH="1">
+            <a:off x="8321839" y="5769000"/>
+            <a:ext cx="1157141" cy="0"/>
+          </a:xfrm>
+          <a:prstGeom prst="straightConnector1">
+            <a:avLst/>
+          </a:prstGeom>
+          <a:ln w="76200">
+            <a:tailEnd type="triangle"/>
+          </a:ln>
+        </p:spPr>
+        <p:style>
+          <a:lnRef idx="1">
+            <a:schemeClr val="dk1"/>
+          </a:lnRef>
+          <a:fillRef idx="0">
+            <a:schemeClr val="dk1"/>
+          </a:fillRef>
+          <a:effectRef idx="0">
+            <a:schemeClr val="dk1"/>
+          </a:effectRef>
+          <a:fontRef idx="minor">
+            <a:schemeClr val="tx1"/>
+          </a:fontRef>
+        </p:style>
+      </p:cxnSp>
+      <p:cxnSp>
+        <p:nvCxnSpPr>
+          <p:cNvPr id="7" name="Straight Arrow Connector 6"/>
+          <p:cNvCxnSpPr/>
+          <p:nvPr/>
+        </p:nvCxnSpPr>
+        <p:spPr>
+          <a:xfrm flipH="1">
+            <a:off x="8533633" y="6174000"/>
+            <a:ext cx="1157141" cy="0"/>
+          </a:xfrm>
+          <a:prstGeom prst="straightConnector1">
+            <a:avLst/>
+          </a:prstGeom>
+          <a:ln w="76200">
+            <a:tailEnd type="triangle"/>
+          </a:ln>
+        </p:spPr>
+        <p:style>
+          <a:lnRef idx="1">
+            <a:schemeClr val="dk1"/>
+          </a:lnRef>
+          <a:fillRef idx="0">
+            <a:schemeClr val="dk1"/>
+          </a:fillRef>
+          <a:effectRef idx="0">
+            <a:schemeClr val="dk1"/>
+          </a:effectRef>
+          <a:fontRef idx="minor">
+            <a:schemeClr val="tx1"/>
+          </a:fontRef>
+        </p:style>
+      </p:cxnSp>
+    </p:spTree>
+    <p:extLst>
+      <p:ext uri="{BB962C8B-B14F-4D97-AF65-F5344CB8AC3E}">
+        <p14:creationId xmlns:p14="http://schemas.microsoft.com/office/powerpoint/2010/main" val="2345570123"/>
+      </p:ext>
+    </p:extLst>
+  </p:cSld>
+  <p:clrMapOvr>
+    <a:masterClrMapping/>
+  </p:clrMapOvr>
+  <mc:AlternateContent xmlns:mc="http://schemas.openxmlformats.org/markup-compatibility/2006" xmlns:p14="http://schemas.microsoft.com/office/powerpoint/2010/main">
+    <mc:Choice Requires="p14">
+      <p:transition spd="slow" p14:dur="2000" advClick="0" advTm="5000"/>
+    </mc:Choice>
+    <mc:Fallback xmlns="">
+      <p:transition spd="slow" advClick="0" advTm="5000"/>
+    </mc:Fallback>
+  </mc:AlternateContent>
+  <p:timing>
+    <p:tnLst>
+      <p:par>
+        <p:cTn id="1" dur="indefinite" restart="never" nodeType="tmRoot">
+          <p:childTnLst>
+            <p:seq concurrent="1" nextAc="seek">
+              <p:cTn id="2" dur="indefinite" nodeType="mainSeq">
+                <p:childTnLst>
+                  <p:par>
+                    <p:cTn id="3" fill="hold">
+                      <p:stCondLst>
+                        <p:cond delay="indefinite"/>
+                      </p:stCondLst>
+                      <p:childTnLst>
+                        <p:par>
+                          <p:cTn id="4" fill="hold">
+                            <p:stCondLst>
+                              <p:cond delay="0"/>
+                            </p:stCondLst>
+                            <p:childTnLst>
+                              <p:par>
+                                <p:cTn id="5" presetID="1" presetClass="entr" presetSubtype="0" fill="hold" nodeType="clickEffect">
+                                  <p:stCondLst>
+                                    <p:cond delay="0"/>
+                                  </p:stCondLst>
+                                  <p:childTnLst>
+                                    <p:set>
+                                      <p:cBhvr>
+                                        <p:cTn id="6" dur="1" fill="hold">
+                                          <p:stCondLst>
+                                            <p:cond delay="0"/>
+                                          </p:stCondLst>
+                                        </p:cTn>
+                                        <p:tgtEl>
+                                          <p:spTgt spid="5"/>
+                                        </p:tgtEl>
+                                        <p:attrNameLst>
+                                          <p:attrName>style.visibility</p:attrName>
+                                        </p:attrNameLst>
+                                      </p:cBhvr>
+                                      <p:to>
+                                        <p:strVal val="visible"/>
+                                      </p:to>
+                                    </p:set>
+                                  </p:childTnLst>
+                                </p:cTn>
+                              </p:par>
+                            </p:childTnLst>
+                          </p:cTn>
+                        </p:par>
+                      </p:childTnLst>
+                    </p:cTn>
+                  </p:par>
+                  <p:par>
+                    <p:cTn id="7" fill="hold">
+                      <p:stCondLst>
+                        <p:cond delay="indefinite"/>
+                      </p:stCondLst>
+                      <p:childTnLst>
+                        <p:par>
+                          <p:cTn id="8" fill="hold">
+                            <p:stCondLst>
+                              <p:cond delay="0"/>
+                            </p:stCondLst>
+                            <p:childTnLst>
+                              <p:par>
+                                <p:cTn id="9" presetID="1" presetClass="entr" presetSubtype="0" fill="hold" nodeType="clickEffect">
+                                  <p:stCondLst>
+                                    <p:cond delay="0"/>
+                                  </p:stCondLst>
+                                  <p:childTnLst>
+                                    <p:set>
+                                      <p:cBhvr>
+                                        <p:cTn id="10" dur="1" fill="hold">
+                                          <p:stCondLst>
+                                            <p:cond delay="0"/>
+                                          </p:stCondLst>
+                                        </p:cTn>
+                                        <p:tgtEl>
+                                          <p:spTgt spid="3">
+                                            <p:txEl>
+                                              <p:pRg st="1" end="1"/>
+                                            </p:txEl>
+                                          </p:spTgt>
+                                        </p:tgtEl>
+                                        <p:attrNameLst>
+                                          <p:attrName>style.visibility</p:attrName>
+                                        </p:attrNameLst>
+                                      </p:cBhvr>
+                                      <p:to>
+                                        <p:strVal val="visible"/>
+                                      </p:to>
+                                    </p:set>
+                                  </p:childTnLst>
+                                </p:cTn>
+                              </p:par>
+                              <p:par>
+                                <p:cTn id="11" presetID="1" presetClass="entr" presetSubtype="0" fill="hold" nodeType="withEffect">
+                                  <p:stCondLst>
+                                    <p:cond delay="0"/>
+                                  </p:stCondLst>
+                                  <p:childTnLst>
+                                    <p:set>
+                                      <p:cBhvr>
+                                        <p:cTn id="12" dur="1" fill="hold">
+                                          <p:stCondLst>
+                                            <p:cond delay="0"/>
+                                          </p:stCondLst>
+                                        </p:cTn>
+                                        <p:tgtEl>
+                                          <p:spTgt spid="6"/>
+                                        </p:tgtEl>
+                                        <p:attrNameLst>
+                                          <p:attrName>style.visibility</p:attrName>
+                                        </p:attrNameLst>
+                                      </p:cBhvr>
+                                      <p:to>
+                                        <p:strVal val="visible"/>
+                                      </p:to>
+                                    </p:set>
+                                  </p:childTnLst>
+                                </p:cTn>
+                              </p:par>
+                            </p:childTnLst>
+                          </p:cTn>
+                        </p:par>
+                      </p:childTnLst>
+                    </p:cTn>
+                  </p:par>
+                  <p:par>
+                    <p:cTn id="13" fill="hold">
+                      <p:stCondLst>
+                        <p:cond delay="indefinite"/>
+                      </p:stCondLst>
+                      <p:childTnLst>
+                        <p:par>
+                          <p:cTn id="14" fill="hold">
+                            <p:stCondLst>
+                              <p:cond delay="0"/>
+                            </p:stCondLst>
+                            <p:childTnLst>
+                              <p:par>
+                                <p:cTn id="15" presetID="1" presetClass="entr" presetSubtype="0" fill="hold" nodeType="clickEffect">
+                                  <p:stCondLst>
+                                    <p:cond delay="0"/>
+                                  </p:stCondLst>
+                                  <p:childTnLst>
+                                    <p:set>
+                                      <p:cBhvr>
+                                        <p:cTn id="16" dur="1" fill="hold">
+                                          <p:stCondLst>
+                                            <p:cond delay="0"/>
+                                          </p:stCondLst>
+                                        </p:cTn>
+                                        <p:tgtEl>
+                                          <p:spTgt spid="3">
+                                            <p:txEl>
+                                              <p:pRg st="2" end="2"/>
+                                            </p:txEl>
+                                          </p:spTgt>
+                                        </p:tgtEl>
+                                        <p:attrNameLst>
+                                          <p:attrName>style.visibility</p:attrName>
+                                        </p:attrNameLst>
+                                      </p:cBhvr>
+                                      <p:to>
+                                        <p:strVal val="visible"/>
+                                      </p:to>
+                                    </p:set>
+                                  </p:childTnLst>
+                                </p:cTn>
+                              </p:par>
+                            </p:childTnLst>
+                          </p:cTn>
+                        </p:par>
+                      </p:childTnLst>
+                    </p:cTn>
+                  </p:par>
+                  <p:par>
+                    <p:cTn id="17" fill="hold">
+                      <p:stCondLst>
+                        <p:cond delay="indefinite"/>
+                      </p:stCondLst>
+                      <p:childTnLst>
+                        <p:par>
+                          <p:cTn id="18" fill="hold">
+                            <p:stCondLst>
+                              <p:cond delay="0"/>
+                            </p:stCondLst>
+                            <p:childTnLst>
+                              <p:par>
+                                <p:cTn id="19" presetID="1" presetClass="entr" presetSubtype="0" fill="hold" nodeType="clickEffect">
+                                  <p:stCondLst>
+                                    <p:cond delay="0"/>
+                                  </p:stCondLst>
+                                  <p:childTnLst>
+                                    <p:set>
+                                      <p:cBhvr>
+                                        <p:cTn id="20" dur="1" fill="hold">
+                                          <p:stCondLst>
+                                            <p:cond delay="0"/>
+                                          </p:stCondLst>
+                                        </p:cTn>
+                                        <p:tgtEl>
+                                          <p:spTgt spid="3">
+                                            <p:txEl>
+                                              <p:pRg st="3" end="3"/>
+                                            </p:txEl>
+                                          </p:spTgt>
+                                        </p:tgtEl>
+                                        <p:attrNameLst>
+                                          <p:attrName>style.visibility</p:attrName>
+                                        </p:attrNameLst>
+                                      </p:cBhvr>
+                                      <p:to>
+                                        <p:strVal val="visible"/>
+                                      </p:to>
+                                    </p:set>
+                                  </p:childTnLst>
+                                </p:cTn>
+                              </p:par>
+                              <p:par>
+                                <p:cTn id="21" presetID="1" presetClass="entr" presetSubtype="0" fill="hold" nodeType="withEffect">
+                                  <p:stCondLst>
+                                    <p:cond delay="0"/>
+                                  </p:stCondLst>
+                                  <p:childTnLst>
+                                    <p:set>
+                                      <p:cBhvr>
+                                        <p:cTn id="22" dur="1" fill="hold">
+                                          <p:stCondLst>
+                                            <p:cond delay="0"/>
+                                          </p:stCondLst>
+                                        </p:cTn>
+                                        <p:tgtEl>
+                                          <p:spTgt spid="7"/>
+                                        </p:tgtEl>
+                                        <p:attrNameLst>
+                                          <p:attrName>style.visibility</p:attrName>
+                                        </p:attrNameLst>
+                                      </p:cBhvr>
+                                      <p:to>
+                                        <p:strVal val="visible"/>
+                                      </p:to>
+                                    </p:set>
+                                  </p:childTnLst>
+                                </p:cTn>
+                              </p:par>
+                              <p:par>
+                                <p:cTn id="23" presetID="1" presetClass="exit" presetSubtype="0" fill="hold" nodeType="withEffect">
+                                  <p:stCondLst>
+                                    <p:cond delay="0"/>
+                                  </p:stCondLst>
+                                  <p:childTnLst>
+                                    <p:set>
+                                      <p:cBhvr>
+                                        <p:cTn id="24" dur="1" fill="hold">
+                                          <p:stCondLst>
+                                            <p:cond delay="0"/>
+                                          </p:stCondLst>
+                                        </p:cTn>
+                                        <p:tgtEl>
+                                          <p:spTgt spid="6"/>
+                                        </p:tgtEl>
+                                        <p:attrNameLst>
+                                          <p:attrName>style.visibility</p:attrName>
+                                        </p:attrNameLst>
+                                      </p:cBhvr>
+                                      <p:to>
+                                        <p:strVal val="hidden"/>
+                                      </p:to>
+                                    </p:set>
+                                  </p:childTnLst>
+                                </p:cTn>
+                              </p:par>
+                            </p:childTnLst>
+                          </p:cTn>
+                        </p:par>
+                      </p:childTnLst>
+                    </p:cTn>
+                  </p:par>
+                  <p:par>
+                    <p:cTn id="25" fill="hold">
+                      <p:stCondLst>
+                        <p:cond delay="indefinite"/>
+                      </p:stCondLst>
+                      <p:childTnLst>
+                        <p:par>
+                          <p:cTn id="26" fill="hold">
+                            <p:stCondLst>
+                              <p:cond delay="0"/>
+                            </p:stCondLst>
+                            <p:childTnLst>
+                              <p:par>
+                                <p:cTn id="27" presetID="1" presetClass="entr" presetSubtype="0" fill="hold" nodeType="clickEffect">
+                                  <p:stCondLst>
+                                    <p:cond delay="0"/>
+                                  </p:stCondLst>
+                                  <p:childTnLst>
+                                    <p:set>
+                                      <p:cBhvr>
+                                        <p:cTn id="28" dur="1" fill="hold">
+                                          <p:stCondLst>
+                                            <p:cond delay="0"/>
+                                          </p:stCondLst>
+                                        </p:cTn>
+                                        <p:tgtEl>
+                                          <p:spTgt spid="3">
+                                            <p:txEl>
+                                              <p:pRg st="4" end="4"/>
+                                            </p:txEl>
+                                          </p:spTgt>
+                                        </p:tgtEl>
+                                        <p:attrNameLst>
+                                          <p:attrName>style.visibility</p:attrName>
+                                        </p:attrNameLst>
+                                      </p:cBhvr>
+                                      <p:to>
+                                        <p:strVal val="visible"/>
+                                      </p:to>
+                                    </p:set>
+                                  </p:childTnLst>
+                                </p:cTn>
+                              </p:par>
+                            </p:childTnLst>
+                          </p:cTn>
+                        </p:par>
+                      </p:childTnLst>
+                    </p:cTn>
+                  </p:par>
+                </p:childTnLst>
+              </p:cTn>
+              <p:prevCondLst>
+                <p:cond evt="onPrev" delay="0">
+                  <p:tgtEl>
+                    <p:sldTgt/>
+                  </p:tgtEl>
+                </p:cond>
+              </p:prevCondLst>
+              <p:nextCondLst>
+                <p:cond evt="onNext" delay="0">
+                  <p:tgtEl>
+                    <p:sldTgt/>
+                  </p:tgtEl>
+                </p:cond>
+              </p:nextCondLst>
+            </p:seq>
+          </p:childTnLst>
+        </p:cTn>
+      </p:par>
+    </p:tnLst>
+  </p:timing>
+</p:sld>
+</file>
+
+<file path=ppt/slides/slide21.xml><?xml version="1.0" encoding="utf-8"?>
+<p:sld xmlns:a="http://schemas.openxmlformats.org/drawingml/2006/main" xmlns:r="http://schemas.openxmlformats.org/officeDocument/2006/relationships" xmlns:p="http://schemas.openxmlformats.org/presentationml/2006/main">
+  <p:cSld>
+    <p:spTree>
+      <p:nvGrpSpPr>
+        <p:cNvPr id="1" name=""/>
+        <p:cNvGrpSpPr/>
+        <p:nvPr/>
+      </p:nvGrpSpPr>
+      <p:grpSpPr>
+        <a:xfrm>
+          <a:off x="0" y="0"/>
+          <a:ext cx="0" cy="0"/>
+          <a:chOff x="0" y="0"/>
+          <a:chExt cx="0" cy="0"/>
+        </a:xfrm>
+      </p:grpSpPr>
+      <p:sp>
+        <p:nvSpPr>
           <p:cNvPr id="14" name="Text Placeholder 4">
             <a:extLst>
               <a:ext uri="{FF2B5EF4-FFF2-40B4-BE49-F238E27FC236}">
@@ -11142,7 +14362,7 @@
             <a:fld id="{C014DD1E-5D91-48A3-AD6D-45FBA980D106}" type="slidenum">
               <a:rPr lang="en-US" smtClean="0"/>
               <a:pPr/>
-              <a:t>16</a:t>
+              <a:t>21</a:t>
             </a:fld>
             <a:endParaRPr lang="en-US" dirty="0"/>
           </a:p>
@@ -11550,26 +14770,110 @@
             <a:r>
               <a:rPr lang="bg-BG" sz="2800" b="1" dirty="0" smtClean="0">
                 <a:solidFill>
+                  <a:schemeClr val="bg1">
+                    <a:lumMod val="60000"/>
+                    <a:lumOff val="40000"/>
+                  </a:schemeClr>
+                </a:solidFill>
+              </a:rPr>
+              <a:t>Анимационен ефект </a:t>
+            </a:r>
+            <a:r>
+              <a:rPr lang="bg-BG" sz="2800" dirty="0" smtClean="0">
+                <a:solidFill>
                   <a:schemeClr val="bg2"/>
                 </a:solidFill>
               </a:rPr>
-              <a:t>ТОДО</a:t>
-            </a:r>
-            <a:endParaRPr lang="en-US" sz="2800" dirty="0" smtClean="0">
-              <a:solidFill>
-                <a:schemeClr val="bg2"/>
-              </a:solidFill>
-            </a:endParaRPr>
-          </a:p>
-          <a:p>
-            <a:pPr marL="355600" indent="-355600">
-              <a:lnSpc>
-                <a:spcPct val="100000"/>
-              </a:lnSpc>
-              <a:buClr>
-                <a:schemeClr val="bg2"/>
-              </a:buClr>
-            </a:pPr>
+              <a:t>– </a:t>
+            </a:r>
+            <a:r>
+              <a:rPr lang="bg-BG" sz="2800" b="1" dirty="0" smtClean="0">
+                <a:solidFill>
+                  <a:schemeClr val="bg2"/>
+                </a:solidFill>
+              </a:rPr>
+              <a:t>поява</a:t>
+            </a:r>
+            <a:r>
+              <a:rPr lang="bg-BG" sz="2800" dirty="0" smtClean="0">
+                <a:solidFill>
+                  <a:schemeClr val="bg2"/>
+                </a:solidFill>
+              </a:rPr>
+              <a:t> по </a:t>
+            </a:r>
+            <a:r>
+              <a:rPr lang="bg-BG" sz="2800" b="1" dirty="0" smtClean="0">
+                <a:solidFill>
+                  <a:schemeClr val="bg2"/>
+                </a:solidFill>
+              </a:rPr>
+              <a:t>различно време </a:t>
+            </a:r>
+            <a:r>
+              <a:rPr lang="bg-BG" sz="2800" dirty="0" smtClean="0">
+                <a:solidFill>
+                  <a:schemeClr val="bg2"/>
+                </a:solidFill>
+              </a:rPr>
+              <a:t>или </a:t>
+            </a:r>
+            <a:r>
+              <a:rPr lang="bg-BG" sz="2800" b="1" dirty="0" smtClean="0">
+                <a:solidFill>
+                  <a:schemeClr val="bg2"/>
+                </a:solidFill>
+              </a:rPr>
+              <a:t>изменение</a:t>
+            </a:r>
+            <a:r>
+              <a:rPr lang="bg-BG" sz="2800" dirty="0" smtClean="0">
+                <a:solidFill>
+                  <a:schemeClr val="bg2"/>
+                </a:solidFill>
+              </a:rPr>
+              <a:t> на </a:t>
+            </a:r>
+            <a:r>
+              <a:rPr lang="bg-BG" sz="2800" b="1" dirty="0" smtClean="0">
+                <a:solidFill>
+                  <a:schemeClr val="bg2"/>
+                </a:solidFill>
+              </a:rPr>
+              <a:t>обектите</a:t>
+            </a:r>
+            <a:r>
+              <a:rPr lang="bg-BG" sz="2800" dirty="0" smtClean="0">
+                <a:solidFill>
+                  <a:schemeClr val="bg2"/>
+                </a:solidFill>
+              </a:rPr>
+              <a:t>, които се съдържат в един слайд, или при </a:t>
+            </a:r>
+            <a:r>
+              <a:rPr lang="bg-BG" sz="2800" b="1" dirty="0" smtClean="0">
+                <a:solidFill>
+                  <a:schemeClr val="bg2"/>
+                </a:solidFill>
+              </a:rPr>
+              <a:t>преход</a:t>
+            </a:r>
+            <a:r>
+              <a:rPr lang="bg-BG" sz="2800" dirty="0" smtClean="0">
+                <a:solidFill>
+                  <a:schemeClr val="bg2"/>
+                </a:solidFill>
+              </a:rPr>
+              <a:t> </a:t>
+            </a:r>
+            <a:r>
+              <a:rPr lang="bg-BG" sz="2800" b="1" dirty="0" smtClean="0">
+                <a:solidFill>
+                  <a:schemeClr val="bg2"/>
+                </a:solidFill>
+              </a:rPr>
+              <a:t>между слайдове</a:t>
+            </a:r>
             <a:endParaRPr lang="ru-RU" sz="2800" dirty="0">
               <a:solidFill>
                 <a:schemeClr val="bg2"/>
@@ -11586,6 +14890,70 @@
               </a:buClr>
             </a:pPr>
             <a:endParaRPr lang="en-US" sz="2400" b="1" dirty="0">
+              <a:solidFill>
+                <a:schemeClr val="bg2"/>
+              </a:solidFill>
+            </a:endParaRPr>
+          </a:p>
+        </p:txBody>
+      </p:sp>
+      <p:sp>
+        <p:nvSpPr>
+          <p:cNvPr id="2" name="TextBox 1"/>
+          <p:cNvSpPr txBox="1"/>
+          <p:nvPr/>
+        </p:nvSpPr>
+        <p:spPr>
+          <a:xfrm>
+            <a:off x="3981000" y="3609000"/>
+            <a:ext cx="4680000" cy="2046302"/>
+          </a:xfrm>
+          <a:prstGeom prst="rect">
+            <a:avLst/>
+          </a:prstGeom>
+          <a:ln/>
+        </p:spPr>
+        <p:style>
+          <a:lnRef idx="2">
+            <a:schemeClr val="accent1"/>
+          </a:lnRef>
+          <a:fillRef idx="1">
+            <a:schemeClr val="lt1"/>
+          </a:fillRef>
+          <a:effectRef idx="0">
+            <a:schemeClr val="accent1"/>
+          </a:effectRef>
+          <a:fontRef idx="minor">
+            <a:schemeClr val="dk1"/>
+          </a:fontRef>
+        </p:style>
+        <p:txBody>
+          <a:bodyPr vert="horz" wrap="square" lIns="144000" tIns="108000" rIns="144000" bIns="108000" rtlCol="0">
+            <a:spAutoFit/>
+          </a:bodyPr>
+          <a:lstStyle/>
+          <a:p>
+            <a:pPr algn="l" eaLnBrk="0" hangingPunct="0">
+              <a:lnSpc>
+                <a:spcPct val="110000"/>
+              </a:lnSpc>
+              <a:buClr>
+                <a:schemeClr val="accent5">
+                  <a:lumMod val="40000"/>
+                  <a:lumOff val="60000"/>
+                </a:schemeClr>
+              </a:buClr>
+              <a:buSzPct val="70000"/>
+            </a:pPr>
+            <a:r>
+              <a:rPr lang="bg-BG" sz="5400" dirty="0" smtClean="0">
+                <a:solidFill>
+                  <a:schemeClr val="bg2"/>
+                </a:solidFill>
+              </a:rPr>
+              <a:t>По-добро обобщение</a:t>
+            </a:r>
+            <a:endParaRPr lang="en-US" sz="5400" dirty="0">
               <a:solidFill>
                 <a:schemeClr val="bg2"/>
               </a:solidFill>
@@ -11614,86 +14982,14 @@
   <p:timing>
     <p:tnLst>
       <p:par>
-        <p:cTn id="1" dur="indefinite" restart="never" nodeType="tmRoot">
-          <p:childTnLst>
-            <p:seq concurrent="1" nextAc="seek">
-              <p:cTn id="2" dur="indefinite" nodeType="mainSeq">
-                <p:childTnLst>
-                  <p:par>
-                    <p:cTn id="3" fill="hold">
-                      <p:stCondLst>
-                        <p:cond delay="indefinite"/>
-                      </p:stCondLst>
-                      <p:childTnLst>
-                        <p:par>
-                          <p:cTn id="4" fill="hold">
-                            <p:stCondLst>
-                              <p:cond delay="0"/>
-                            </p:stCondLst>
-                            <p:childTnLst>
-                              <p:par>
-                                <p:cTn id="5" presetID="1" presetClass="entr" presetSubtype="0" fill="hold" nodeType="clickEffect">
-                                  <p:stCondLst>
-                                    <p:cond delay="0"/>
-                                  </p:stCondLst>
-                                  <p:childTnLst>
-                                    <p:set>
-                                      <p:cBhvr>
-                                        <p:cTn id="6" dur="1" fill="hold">
-                                          <p:stCondLst>
-                                            <p:cond delay="0"/>
-                                          </p:stCondLst>
-                                        </p:cTn>
-                                        <p:tgtEl>
-                                          <p:spTgt spid="15">
-                                            <p:txEl>
-                                              <p:pRg st="0" end="0"/>
-                                            </p:txEl>
-                                          </p:spTgt>
-                                        </p:tgtEl>
-                                        <p:attrNameLst>
-                                          <p:attrName>style.visibility</p:attrName>
-                                        </p:attrNameLst>
-                                      </p:cBhvr>
-                                      <p:to>
-                                        <p:strVal val="visible"/>
-                                      </p:to>
-                                    </p:set>
-                                  </p:childTnLst>
-                                </p:cTn>
-                              </p:par>
-                            </p:childTnLst>
-                          </p:cTn>
-                        </p:par>
-                      </p:childTnLst>
-                    </p:cTn>
-                  </p:par>
-                </p:childTnLst>
-              </p:cTn>
-              <p:prevCondLst>
-                <p:cond evt="onPrev" delay="0">
-                  <p:tgtEl>
-                    <p:sldTgt/>
-                  </p:tgtEl>
-                </p:cond>
-              </p:prevCondLst>
-              <p:nextCondLst>
-                <p:cond evt="onNext" delay="0">
-                  <p:tgtEl>
-                    <p:sldTgt/>
-                  </p:tgtEl>
-                </p:cond>
-              </p:nextCondLst>
-            </p:seq>
-          </p:childTnLst>
-        </p:cTn>
+        <p:cTn id="1" dur="indefinite" restart="never" nodeType="tmRoot"/>
       </p:par>
     </p:tnLst>
   </p:timing>
 </p:sld>
 </file>
 
-<file path=ppt/slides/slide17.xml><?xml version="1.0" encoding="utf-8"?>
+<file path=ppt/slides/slide22.xml><?xml version="1.0" encoding="utf-8"?>
 <p:sld xmlns:a="http://schemas.openxmlformats.org/drawingml/2006/main" xmlns:r="http://schemas.openxmlformats.org/officeDocument/2006/relationships" xmlns:p="http://schemas.openxmlformats.org/presentationml/2006/main">
   <p:cSld>
     <p:spTree>
@@ -11807,7 +15103,7 @@
                 <a:hlinkClick r:id="rId3">
                   <a:extLst>
                     <a:ext uri="{A12FA001-AC4F-418D-AE19-62706E023703}">
-                      <ahyp:hlinkClr xmlns="" xmlns:ahyp="http://schemas.microsoft.com/office/drawing/2018/hyperlinkcolor" val="tx"/>
+                      <ahyp:hlinkClr xmlns:ahyp="http://schemas.microsoft.com/office/drawing/2018/hyperlinkcolor" xmlns="" val="tx"/>
                     </a:ext>
                   </a:extLst>
                 </a:hlinkClick>
@@ -11890,7 +15186,7 @@
 </p:sld>
 </file>
 
-<file path=ppt/slides/slide18.xml><?xml version="1.0" encoding="utf-8"?>
+<file path=ppt/slides/slide23.xml><?xml version="1.0" encoding="utf-8"?>
 <p:sld xmlns:a="http://schemas.openxmlformats.org/drawingml/2006/main" xmlns:r="http://schemas.openxmlformats.org/officeDocument/2006/relationships" xmlns:p="http://schemas.openxmlformats.org/presentationml/2006/main" show="0">
   <p:cSld>
     <p:spTree>
@@ -11943,7 +15239,7 @@
             <a:fld id="{2BF067CD-8E6B-4360-9AA8-C5DF2A48A6D1}" type="slidenum">
               <a:rPr lang="en-US" smtClean="0"/>
               <a:pPr/>
-              <a:t>18</a:t>
+              <a:t>23</a:t>
             </a:fld>
             <a:endParaRPr lang="en-US" dirty="0"/>
           </a:p>
@@ -12256,324 +15552,6 @@
     <p:extLst>
       <p:ext uri="{BB962C8B-B14F-4D97-AF65-F5344CB8AC3E}">
         <p14:creationId xmlns:p14="http://schemas.microsoft.com/office/powerpoint/2010/main" val="3879276042"/>
-      </p:ext>
-    </p:extLst>
-  </p:cSld>
-  <p:clrMapOvr>
-    <a:masterClrMapping/>
-  </p:clrMapOvr>
-  <mc:AlternateContent xmlns:mc="http://schemas.openxmlformats.org/markup-compatibility/2006" xmlns:p14="http://schemas.microsoft.com/office/powerpoint/2010/main">
-    <mc:Choice Requires="p14">
-      <p:transition spd="slow" p14:dur="2000" advClick="0" advTm="5000"/>
-    </mc:Choice>
-    <mc:Fallback xmlns="">
-      <p:transition spd="slow" advClick="0" advTm="5000"/>
-    </mc:Fallback>
-  </mc:AlternateContent>
-  <p:timing>
-    <p:tnLst>
-      <p:par>
-        <p:cTn id="1" dur="indefinite" restart="never" nodeType="tmRoot"/>
-      </p:par>
-    </p:tnLst>
-  </p:timing>
-</p:sld>
-</file>
-
-<file path=ppt/slides/slide2.xml><?xml version="1.0" encoding="utf-8"?>
-<p:sld xmlns:a="http://schemas.openxmlformats.org/drawingml/2006/main" xmlns:r="http://schemas.openxmlformats.org/officeDocument/2006/relationships" xmlns:p="http://schemas.openxmlformats.org/presentationml/2006/main">
-  <p:cSld>
-    <p:spTree>
-      <p:nvGrpSpPr>
-        <p:cNvPr id="1" name=""/>
-        <p:cNvGrpSpPr/>
-        <p:nvPr/>
-      </p:nvGrpSpPr>
-      <p:grpSpPr>
-        <a:xfrm>
-          <a:off x="0" y="0"/>
-          <a:ext cx="0" cy="0"/>
-          <a:chOff x="0" y="0"/>
-          <a:chExt cx="0" cy="0"/>
-        </a:xfrm>
-      </p:grpSpPr>
-      <p:sp>
-        <p:nvSpPr>
-          <p:cNvPr id="5" name="Slide Number">
-            <a:extLst>
-              <a:ext uri="{FF2B5EF4-FFF2-40B4-BE49-F238E27FC236}">
-                <a16:creationId xmlns:a16="http://schemas.microsoft.com/office/drawing/2014/main" id="{6A760D59-0056-4F39-B077-DBDBE3D2927E}"/>
-              </a:ext>
-            </a:extLst>
-          </p:cNvPr>
-          <p:cNvSpPr txBox="1">
-            <a:spLocks/>
-          </p:cNvSpPr>
-          <p:nvPr/>
-        </p:nvSpPr>
-        <p:spPr>
-          <a:xfrm>
-            <a:off x="11753030" y="6507000"/>
-            <a:ext cx="367414" cy="297000"/>
-          </a:xfrm>
-          <a:prstGeom prst="rect">
-            <a:avLst/>
-          </a:prstGeom>
-        </p:spPr>
-        <p:txBody>
-          <a:bodyPr vert="horz" lIns="91440" tIns="45720" rIns="91440" bIns="45720" rtlCol="0" anchor="b"/>
-          <a:lstStyle>
-            <a:defPPr>
-              <a:defRPr lang="en-US"/>
-            </a:defPPr>
-            <a:lvl1pPr marL="0" algn="r" defTabSz="914400" rtl="0" eaLnBrk="1" latinLnBrk="0" hangingPunct="1">
-              <a:defRPr sz="1000" kern="1200">
-                <a:solidFill>
-                  <a:schemeClr val="tx1"/>
-                </a:solidFill>
-                <a:latin typeface="+mn-lt"/>
-                <a:ea typeface="+mn-ea"/>
-                <a:cs typeface="+mn-cs"/>
-              </a:defRPr>
-            </a:lvl1pPr>
-            <a:lvl2pPr marL="457200" algn="l" defTabSz="914400" rtl="0" eaLnBrk="1" latinLnBrk="0" hangingPunct="1">
-              <a:defRPr sz="1800" kern="1200">
-                <a:solidFill>
-                  <a:schemeClr val="tx1"/>
-                </a:solidFill>
-                <a:latin typeface="+mn-lt"/>
-                <a:ea typeface="+mn-ea"/>
-                <a:cs typeface="+mn-cs"/>
-              </a:defRPr>
-            </a:lvl2pPr>
-            <a:lvl3pPr marL="914400" algn="l" defTabSz="914400" rtl="0" eaLnBrk="1" latinLnBrk="0" hangingPunct="1">
-              <a:defRPr sz="1800" kern="1200">
-                <a:solidFill>
-                  <a:schemeClr val="tx1"/>
-                </a:solidFill>
-                <a:latin typeface="+mn-lt"/>
-                <a:ea typeface="+mn-ea"/>
-                <a:cs typeface="+mn-cs"/>
-              </a:defRPr>
-            </a:lvl3pPr>
-            <a:lvl4pPr marL="1371600" algn="l" defTabSz="914400" rtl="0" eaLnBrk="1" latinLnBrk="0" hangingPunct="1">
-              <a:defRPr sz="1800" kern="1200">
-                <a:solidFill>
-                  <a:schemeClr val="tx1"/>
-                </a:solidFill>
-                <a:latin typeface="+mn-lt"/>
-                <a:ea typeface="+mn-ea"/>
-                <a:cs typeface="+mn-cs"/>
-              </a:defRPr>
-            </a:lvl4pPr>
-            <a:lvl5pPr marL="1828800" algn="l" defTabSz="914400" rtl="0" eaLnBrk="1" latinLnBrk="0" hangingPunct="1">
-              <a:defRPr sz="1800" kern="1200">
-                <a:solidFill>
-                  <a:schemeClr val="tx1"/>
-                </a:solidFill>
-                <a:latin typeface="+mn-lt"/>
-                <a:ea typeface="+mn-ea"/>
-                <a:cs typeface="+mn-cs"/>
-              </a:defRPr>
-            </a:lvl5pPr>
-            <a:lvl6pPr marL="2286000" algn="l" defTabSz="914400" rtl="0" eaLnBrk="1" latinLnBrk="0" hangingPunct="1">
-              <a:defRPr sz="1800" kern="1200">
-                <a:solidFill>
-                  <a:schemeClr val="tx1"/>
-                </a:solidFill>
-                <a:latin typeface="+mn-lt"/>
-                <a:ea typeface="+mn-ea"/>
-                <a:cs typeface="+mn-cs"/>
-              </a:defRPr>
-            </a:lvl6pPr>
-            <a:lvl7pPr marL="2743200" algn="l" defTabSz="914400" rtl="0" eaLnBrk="1" latinLnBrk="0" hangingPunct="1">
-              <a:defRPr sz="1800" kern="1200">
-                <a:solidFill>
-                  <a:schemeClr val="tx1"/>
-                </a:solidFill>
-                <a:latin typeface="+mn-lt"/>
-                <a:ea typeface="+mn-ea"/>
-                <a:cs typeface="+mn-cs"/>
-              </a:defRPr>
-            </a:lvl7pPr>
-            <a:lvl8pPr marL="3200400" algn="l" defTabSz="914400" rtl="0" eaLnBrk="1" latinLnBrk="0" hangingPunct="1">
-              <a:defRPr sz="1800" kern="1200">
-                <a:solidFill>
-                  <a:schemeClr val="tx1"/>
-                </a:solidFill>
-                <a:latin typeface="+mn-lt"/>
-                <a:ea typeface="+mn-ea"/>
-                <a:cs typeface="+mn-cs"/>
-              </a:defRPr>
-            </a:lvl8pPr>
-            <a:lvl9pPr marL="3657600" algn="l" defTabSz="914400" rtl="0" eaLnBrk="1" latinLnBrk="0" hangingPunct="1">
-              <a:defRPr sz="1800" kern="1200">
-                <a:solidFill>
-                  <a:schemeClr val="tx1"/>
-                </a:solidFill>
-                <a:latin typeface="+mn-lt"/>
-                <a:ea typeface="+mn-ea"/>
-                <a:cs typeface="+mn-cs"/>
-              </a:defRPr>
-            </a:lvl9pPr>
-          </a:lstStyle>
-          <a:p>
-            <a:fld id="{2BF067CD-8E6B-4360-9AA8-C5DF2A48A6D1}" type="slidenum">
-              <a:rPr lang="en-US" smtClean="0"/>
-              <a:pPr/>
-              <a:t>2</a:t>
-            </a:fld>
-            <a:endParaRPr lang="en-US" dirty="0"/>
-          </a:p>
-        </p:txBody>
-      </p:sp>
-      <p:sp>
-        <p:nvSpPr>
-          <p:cNvPr id="444419" name="Slide Body"/>
-          <p:cNvSpPr>
-            <a:spLocks noGrp="1" noChangeArrowheads="1"/>
-          </p:cNvSpPr>
-          <p:nvPr>
-            <p:ph type="body" sz="quarter" idx="13"/>
-          </p:nvPr>
-        </p:nvSpPr>
-        <p:spPr>
-          <a:xfrm>
-            <a:off x="196766" y="1371604"/>
-            <a:ext cx="9679234" cy="5207396"/>
-          </a:xfrm>
-        </p:spPr>
-        <p:txBody>
-          <a:bodyPr/>
-          <a:lstStyle/>
-          <a:p>
-            <a:r>
-              <a:rPr lang="bg-BG" dirty="0" smtClean="0"/>
-              <a:t>͏͏</a:t>
-            </a:r>
-            <a:r>
-              <a:rPr lang="bg-BG" b="1" dirty="0" smtClean="0"/>
-              <a:t>Анимационни ефекти </a:t>
-            </a:r>
-            <a:r>
-              <a:rPr lang="bg-BG" dirty="0" smtClean="0"/>
-              <a:t>на </a:t>
-            </a:r>
-            <a:r>
-              <a:rPr lang="bg-BG" b="1" dirty="0" smtClean="0"/>
-              <a:t>елемент</a:t>
-            </a:r>
-            <a:r>
-              <a:rPr lang="bg-BG" dirty="0" smtClean="0"/>
-              <a:t> от слайд</a:t>
-            </a:r>
-          </a:p>
-          <a:p>
-            <a:r>
-              <a:rPr lang="ru-RU" dirty="0"/>
-              <a:t>͏</a:t>
-            </a:r>
-            <a:r>
-              <a:rPr lang="ru-RU" b="1" dirty="0"/>
-              <a:t>Анимационни ефекти </a:t>
-            </a:r>
-            <a:r>
-              <a:rPr lang="ru-RU" dirty="0"/>
-              <a:t>при </a:t>
-            </a:r>
-            <a:r>
-              <a:rPr lang="ru-RU" b="1" dirty="0"/>
-              <a:t>преход</a:t>
-            </a:r>
-            <a:r>
-              <a:rPr lang="ru-RU" dirty="0"/>
-              <a:t> между слайдове</a:t>
-            </a:r>
-            <a:endParaRPr lang="bg-BG" dirty="0"/>
-          </a:p>
-        </p:txBody>
-      </p:sp>
-      <p:sp>
-        <p:nvSpPr>
-          <p:cNvPr id="444418" name="Slide Title"/>
-          <p:cNvSpPr>
-            <a:spLocks noGrp="1" noChangeArrowheads="1"/>
-          </p:cNvSpPr>
-          <p:nvPr>
-            <p:ph type="title"/>
-          </p:nvPr>
-        </p:nvSpPr>
-        <p:spPr>
-          <a:xfrm>
-            <a:off x="190406" y="100750"/>
-            <a:ext cx="10270594" cy="882654"/>
-          </a:xfrm>
-        </p:spPr>
-        <p:txBody>
-          <a:bodyPr/>
-          <a:lstStyle/>
-          <a:p>
-            <a:r>
-              <a:rPr lang="bg-BG"/>
-              <a:t>Съдържание</a:t>
-            </a:r>
-            <a:endParaRPr lang="bg-BG" dirty="0"/>
-          </a:p>
-        </p:txBody>
-      </p:sp>
-      <p:pic>
-        <p:nvPicPr>
-          <p:cNvPr id="4" name="Picture 3">
-            <a:extLst>
-              <a:ext uri="{FF2B5EF4-FFF2-40B4-BE49-F238E27FC236}">
-                <a16:creationId xmlns:a16="http://schemas.microsoft.com/office/drawing/2014/main" id="{8835CDFB-0E94-0132-177D-CD4B4F85BF89}"/>
-              </a:ext>
-            </a:extLst>
-          </p:cNvPr>
-          <p:cNvPicPr>
-            <a:picLocks noChangeAspect="1"/>
-          </p:cNvPicPr>
-          <p:nvPr/>
-        </p:nvPicPr>
-        <p:blipFill>
-          <a:blip r:embed="rId3">
-            <a:duotone>
-              <a:prstClr val="black"/>
-              <a:schemeClr val="accent1">
-                <a:tint val="45000"/>
-                <a:satMod val="400000"/>
-              </a:schemeClr>
-            </a:duotone>
-            <a:extLst>
-              <a:ext uri="{BEBA8EAE-BF5A-486C-A8C5-ECC9F3942E4B}">
-                <a14:imgProps xmlns:a14="http://schemas.microsoft.com/office/drawing/2010/main">
-                  <a14:imgLayer r:embed="rId4">
-                    <a14:imgEffect>
-                      <a14:brightnessContrast bright="30000"/>
-                    </a14:imgEffect>
-                  </a14:imgLayer>
-                </a14:imgProps>
-              </a:ext>
-            </a:extLst>
-          </a:blip>
-          <a:stretch>
-            <a:fillRect/>
-          </a:stretch>
-        </p:blipFill>
-        <p:spPr>
-          <a:xfrm>
-            <a:off x="10011000" y="1584000"/>
-            <a:ext cx="1581246" cy="2115000"/>
-          </a:xfrm>
-          <a:prstGeom prst="rect">
-            <a:avLst/>
-          </a:prstGeom>
-        </p:spPr>
-      </p:pic>
-    </p:spTree>
-    <p:extLst>
-      <p:ext uri="{BB962C8B-B14F-4D97-AF65-F5344CB8AC3E}">
-        <p14:creationId xmlns:p14="http://schemas.microsoft.com/office/powerpoint/2010/main" val="1646986932"/>
       </p:ext>
     </p:extLst>
   </p:cSld>

--- a/Courses/Computer-Modeling-and-IT/Computer-Modeling-and-IT-6-Class/18-Animation-Effects-and-Slide-Duration/18-Animation-Effects-and-Slide-Duration.pptx
+++ b/Courses/Computer-Modeling-and-IT/Computer-Modeling-and-IT-6-Class/18-Animation-Effects-and-Slide-Duration/18-Animation-Effects-and-Slide-Duration.pptx
@@ -291,7 +291,7 @@
           <a:p>
             <a:fld id="{4E087215-0C8F-4762-A664-737A353EC9A4}" type="datetimeFigureOut">
               <a:rPr lang="bg-BG" smtClean="0"/>
-              <a:t>18.7.2024 г.</a:t>
+              <a:t>18.8.2025 г.</a:t>
             </a:fld>
             <a:endParaRPr lang="bg-BG"/>
           </a:p>
@@ -487,7 +487,7 @@
           <a:p>
             <a:fld id="{72D84649-876A-46C9-8472-14CB09C070D8}" type="datetimeFigureOut">
               <a:rPr lang="en-US" smtClean="0"/>
-              <a:t>7/18/2024</a:t>
+              <a:t>8/18/2025</a:t>
             </a:fld>
             <a:endParaRPr lang="en-US"/>
           </a:p>
@@ -915,6 +915,236 @@
 </p:notes>
 </file>
 
+<file path=ppt/notesSlides/notesSlide10.xml><?xml version="1.0" encoding="utf-8"?>
+<p:notes xmlns:a="http://schemas.openxmlformats.org/drawingml/2006/main" xmlns:r="http://schemas.openxmlformats.org/officeDocument/2006/relationships" xmlns:p="http://schemas.openxmlformats.org/presentationml/2006/main">
+  <p:cSld>
+    <p:spTree>
+      <p:nvGrpSpPr>
+        <p:cNvPr id="1" name=""/>
+        <p:cNvGrpSpPr/>
+        <p:nvPr/>
+      </p:nvGrpSpPr>
+      <p:grpSpPr>
+        <a:xfrm>
+          <a:off x="0" y="0"/>
+          <a:ext cx="0" cy="0"/>
+          <a:chOff x="0" y="0"/>
+          <a:chExt cx="0" cy="0"/>
+        </a:xfrm>
+      </p:grpSpPr>
+      <p:sp>
+        <p:nvSpPr>
+          <p:cNvPr id="2" name="Slide Image Placeholder 1"/>
+          <p:cNvSpPr>
+            <a:spLocks noGrp="1" noRot="1" noChangeAspect="1"/>
+          </p:cNvSpPr>
+          <p:nvPr>
+            <p:ph type="sldImg"/>
+          </p:nvPr>
+        </p:nvSpPr>
+        <p:spPr/>
+      </p:sp>
+      <p:sp>
+        <p:nvSpPr>
+          <p:cNvPr id="3" name="Notes Placeholder 2"/>
+          <p:cNvSpPr>
+            <a:spLocks noGrp="1"/>
+          </p:cNvSpPr>
+          <p:nvPr>
+            <p:ph type="body" idx="1"/>
+          </p:nvPr>
+        </p:nvSpPr>
+        <p:spPr/>
+        <p:txBody>
+          <a:bodyPr/>
+          <a:lstStyle/>
+          <a:p>
+            <a:endParaRPr lang="en-US"/>
+          </a:p>
+        </p:txBody>
+      </p:sp>
+      <p:sp>
+        <p:nvSpPr>
+          <p:cNvPr id="6" name="Slide Number Placeholder 5">
+            <a:extLst>
+              <a:ext uri="{FF2B5EF4-FFF2-40B4-BE49-F238E27FC236}">
+                <a16:creationId xmlns:a16="http://schemas.microsoft.com/office/drawing/2014/main" id="{6627548A-4D3C-449B-81A5-FA4BE4628490}"/>
+              </a:ext>
+            </a:extLst>
+          </p:cNvPr>
+          <p:cNvSpPr txBox="1">
+            <a:spLocks/>
+          </p:cNvSpPr>
+          <p:nvPr/>
+        </p:nvSpPr>
+        <p:spPr>
+          <a:xfrm>
+            <a:off x="6488999" y="8847000"/>
+            <a:ext cx="367414" cy="297000"/>
+          </a:xfrm>
+          <a:prstGeom prst="rect">
+            <a:avLst/>
+          </a:prstGeom>
+        </p:spPr>
+        <p:txBody>
+          <a:bodyPr vert="horz" lIns="91440" tIns="45720" rIns="91440" bIns="45720" rtlCol="0" anchor="b"/>
+          <a:lstStyle>
+            <a:defPPr>
+              <a:defRPr lang="en-US"/>
+            </a:defPPr>
+            <a:lvl1pPr marL="0" algn="r" defTabSz="914400" rtl="0" eaLnBrk="1" latinLnBrk="0" hangingPunct="1">
+              <a:defRPr sz="1200" kern="1200">
+                <a:solidFill>
+                  <a:schemeClr val="tx1"/>
+                </a:solidFill>
+                <a:latin typeface="+mn-lt"/>
+                <a:ea typeface="+mn-ea"/>
+                <a:cs typeface="+mn-cs"/>
+              </a:defRPr>
+            </a:lvl1pPr>
+            <a:lvl2pPr marL="457200" algn="l" defTabSz="914400" rtl="0" eaLnBrk="1" latinLnBrk="0" hangingPunct="1">
+              <a:defRPr sz="1800" kern="1200">
+                <a:solidFill>
+                  <a:schemeClr val="tx1"/>
+                </a:solidFill>
+                <a:latin typeface="+mn-lt"/>
+                <a:ea typeface="+mn-ea"/>
+                <a:cs typeface="+mn-cs"/>
+              </a:defRPr>
+            </a:lvl2pPr>
+            <a:lvl3pPr marL="914400" algn="l" defTabSz="914400" rtl="0" eaLnBrk="1" latinLnBrk="0" hangingPunct="1">
+              <a:defRPr sz="1800" kern="1200">
+                <a:solidFill>
+                  <a:schemeClr val="tx1"/>
+                </a:solidFill>
+                <a:latin typeface="+mn-lt"/>
+                <a:ea typeface="+mn-ea"/>
+                <a:cs typeface="+mn-cs"/>
+              </a:defRPr>
+            </a:lvl3pPr>
+            <a:lvl4pPr marL="1371600" algn="l" defTabSz="914400" rtl="0" eaLnBrk="1" latinLnBrk="0" hangingPunct="1">
+              <a:defRPr sz="1800" kern="1200">
+                <a:solidFill>
+                  <a:schemeClr val="tx1"/>
+                </a:solidFill>
+                <a:latin typeface="+mn-lt"/>
+                <a:ea typeface="+mn-ea"/>
+                <a:cs typeface="+mn-cs"/>
+              </a:defRPr>
+            </a:lvl4pPr>
+            <a:lvl5pPr marL="1828800" algn="l" defTabSz="914400" rtl="0" eaLnBrk="1" latinLnBrk="0" hangingPunct="1">
+              <a:defRPr sz="1800" kern="1200">
+                <a:solidFill>
+                  <a:schemeClr val="tx1"/>
+                </a:solidFill>
+                <a:latin typeface="+mn-lt"/>
+                <a:ea typeface="+mn-ea"/>
+                <a:cs typeface="+mn-cs"/>
+              </a:defRPr>
+            </a:lvl5pPr>
+            <a:lvl6pPr marL="2286000" algn="l" defTabSz="914400" rtl="0" eaLnBrk="1" latinLnBrk="0" hangingPunct="1">
+              <a:defRPr sz="1800" kern="1200">
+                <a:solidFill>
+                  <a:schemeClr val="tx1"/>
+                </a:solidFill>
+                <a:latin typeface="+mn-lt"/>
+                <a:ea typeface="+mn-ea"/>
+                <a:cs typeface="+mn-cs"/>
+              </a:defRPr>
+            </a:lvl6pPr>
+            <a:lvl7pPr marL="2743200" algn="l" defTabSz="914400" rtl="0" eaLnBrk="1" latinLnBrk="0" hangingPunct="1">
+              <a:defRPr sz="1800" kern="1200">
+                <a:solidFill>
+                  <a:schemeClr val="tx1"/>
+                </a:solidFill>
+                <a:latin typeface="+mn-lt"/>
+                <a:ea typeface="+mn-ea"/>
+                <a:cs typeface="+mn-cs"/>
+              </a:defRPr>
+            </a:lvl7pPr>
+            <a:lvl8pPr marL="3200400" algn="l" defTabSz="914400" rtl="0" eaLnBrk="1" latinLnBrk="0" hangingPunct="1">
+              <a:defRPr sz="1800" kern="1200">
+                <a:solidFill>
+                  <a:schemeClr val="tx1"/>
+                </a:solidFill>
+                <a:latin typeface="+mn-lt"/>
+                <a:ea typeface="+mn-ea"/>
+                <a:cs typeface="+mn-cs"/>
+              </a:defRPr>
+            </a:lvl8pPr>
+            <a:lvl9pPr marL="3657600" algn="l" defTabSz="914400" rtl="0" eaLnBrk="1" latinLnBrk="0" hangingPunct="1">
+              <a:defRPr sz="1800" kern="1200">
+                <a:solidFill>
+                  <a:schemeClr val="tx1"/>
+                </a:solidFill>
+                <a:latin typeface="+mn-lt"/>
+                <a:ea typeface="+mn-ea"/>
+                <a:cs typeface="+mn-cs"/>
+              </a:defRPr>
+            </a:lvl9pPr>
+          </a:lstStyle>
+          <a:p>
+            <a:fld id="{3EBA5BD7-F043-4D1B-AA17-CD412FC534DE}" type="slidenum">
+              <a:rPr lang="en-US" smtClean="0"/>
+              <a:pPr/>
+              <a:t>23</a:t>
+            </a:fld>
+            <a:endParaRPr lang="en-US" dirty="0"/>
+          </a:p>
+        </p:txBody>
+      </p:sp>
+      <p:sp>
+        <p:nvSpPr>
+          <p:cNvPr id="4" name="Footer Placeholder 3">
+            <a:extLst>
+              <a:ext uri="{FF2B5EF4-FFF2-40B4-BE49-F238E27FC236}">
+                <a16:creationId xmlns:a16="http://schemas.microsoft.com/office/drawing/2014/main" id="{D2472CE7-61C1-4B7B-B0C8-5A45F0178717}"/>
+              </a:ext>
+            </a:extLst>
+          </p:cNvPr>
+          <p:cNvSpPr>
+            <a:spLocks noGrp="1"/>
+          </p:cNvSpPr>
+          <p:nvPr>
+            <p:ph type="ftr" sz="quarter" idx="4"/>
+          </p:nvPr>
+        </p:nvSpPr>
+        <p:spPr/>
+        <p:txBody>
+          <a:bodyPr/>
+          <a:lstStyle/>
+          <a:p>
+            <a:r>
+              <a:rPr lang="en-US"/>
+              <a:t>© SoftUni – </a:t>
+            </a:r>
+            <a:r>
+              <a:rPr lang="en-US" u="sng">
+                <a:hlinkClick r:id="rId3"/>
+              </a:rPr>
+              <a:t>https://softuni.org</a:t>
+            </a:r>
+            <a:r>
+              <a:rPr lang="en-US"/>
+              <a:t>. Copyrighted document. Unauthorized copy or reproduction is not permitted.</a:t>
+            </a:r>
+            <a:endParaRPr lang="en-US" dirty="0"/>
+          </a:p>
+        </p:txBody>
+      </p:sp>
+    </p:spTree>
+    <p:extLst>
+      <p:ext uri="{BB962C8B-B14F-4D97-AF65-F5344CB8AC3E}">
+        <p14:creationId xmlns:p14="http://schemas.microsoft.com/office/powerpoint/2010/main" val="3648844402"/>
+      </p:ext>
+    </p:extLst>
+  </p:cSld>
+  <p:clrMapOvr>
+    <a:masterClrMapping/>
+  </p:clrMapOvr>
+</p:notes>
+</file>
+
 <file path=ppt/notesSlides/notesSlide2.xml><?xml version="1.0" encoding="utf-8"?>
 <p:notes xmlns:a="http://schemas.openxmlformats.org/drawingml/2006/main" xmlns:r="http://schemas.openxmlformats.org/officeDocument/2006/relationships" xmlns:p="http://schemas.openxmlformats.org/presentationml/2006/main">
   <p:cSld>
@@ -1244,19 +1474,19 @@
           <a:lstStyle/>
           <a:p>
             <a:r>
-              <a:rPr lang="bg-BG" sz="1100" smtClean="0"/>
+              <a:rPr lang="bg-BG" sz="1100"/>
               <a:t>Работна група </a:t>
             </a:r>
             <a:r>
-              <a:rPr lang="bg-BG" smtClean="0"/>
+              <a:rPr lang="bg-BG"/>
               <a:t>"Образование по програмиране и ИТ"</a:t>
             </a:r>
             <a:r>
-              <a:rPr lang="bg-BG" sz="1100" smtClean="0"/>
+              <a:rPr lang="bg-BG" sz="1100"/>
               <a:t>, с подкрепата на </a:t>
             </a:r>
             <a:r>
-              <a:rPr lang="en-US" sz="1100" smtClean="0">
+              <a:rPr lang="en-US" sz="1100">
                 <a:hlinkClick r:id="rId3"/>
               </a:rPr>
               <a:t>SoftUni</a:t>
@@ -1322,7 +1552,7 @@
           <a:bodyPr/>
           <a:lstStyle/>
           <a:p>
-            <a:endParaRPr lang="en-US" dirty="0"/>
+            <a:endParaRPr lang="en-GB" dirty="0"/>
           </a:p>
         </p:txBody>
       </p:sp>
@@ -1333,7 +1563,7 @@
             <a:spLocks noGrp="1"/>
           </p:cNvSpPr>
           <p:nvPr>
-            <p:ph type="sldNum" sz="quarter" idx="10"/>
+            <p:ph type="sldNum" sz="quarter" idx="5"/>
           </p:nvPr>
         </p:nvSpPr>
         <p:spPr/>
@@ -1343,7 +1573,7 @@
           <a:p>
             <a:fld id="{2BF067CD-8E6B-4360-9AA8-C5DF2A48A6D1}" type="slidenum">
               <a:rPr lang="en-US" smtClean="0"/>
-              <a:t>7</a:t>
+              <a:t>5</a:t>
             </a:fld>
             <a:endParaRPr lang="en-US" dirty="0"/>
           </a:p>
@@ -1356,7 +1586,7 @@
             <a:spLocks noGrp="1"/>
           </p:cNvSpPr>
           <p:nvPr>
-            <p:ph type="ftr" sz="quarter" idx="11"/>
+            <p:ph type="ftr" sz="quarter" idx="4"/>
           </p:nvPr>
         </p:nvSpPr>
         <p:spPr/>
@@ -1365,19 +1595,19 @@
           <a:lstStyle/>
           <a:p>
             <a:r>
-              <a:rPr lang="bg-BG" sz="1100" smtClean="0"/>
+              <a:rPr lang="bg-BG" sz="1100"/>
               <a:t>Работна група </a:t>
             </a:r>
             <a:r>
-              <a:rPr lang="bg-BG" smtClean="0"/>
+              <a:rPr lang="bg-BG"/>
               <a:t>"Образование по програмиране и ИТ"</a:t>
             </a:r>
             <a:r>
-              <a:rPr lang="bg-BG" sz="1100" smtClean="0"/>
+              <a:rPr lang="bg-BG" sz="1100"/>
               <a:t>, с подкрепата на </a:t>
             </a:r>
             <a:r>
-              <a:rPr lang="en-US" sz="1100" smtClean="0">
+              <a:rPr lang="en-US" sz="1100">
                 <a:hlinkClick r:id="rId3"/>
               </a:rPr>
               <a:t>SoftUni</a:t>
@@ -1389,7 +1619,7 @@
     </p:spTree>
     <p:extLst>
       <p:ext uri="{BB962C8B-B14F-4D97-AF65-F5344CB8AC3E}">
-        <p14:creationId xmlns:p14="http://schemas.microsoft.com/office/powerpoint/2010/main" val="493844413"/>
+        <p14:creationId xmlns:p14="http://schemas.microsoft.com/office/powerpoint/2010/main" val="4032321041"/>
       </p:ext>
     </p:extLst>
   </p:cSld>
@@ -1443,6 +1673,369 @@
           <a:bodyPr/>
           <a:lstStyle/>
           <a:p>
+            <a:endParaRPr lang="en-GB" dirty="0"/>
+          </a:p>
+        </p:txBody>
+      </p:sp>
+      <p:sp>
+        <p:nvSpPr>
+          <p:cNvPr id="4" name="Slide Number Placeholder 3"/>
+          <p:cNvSpPr>
+            <a:spLocks noGrp="1"/>
+          </p:cNvSpPr>
+          <p:nvPr>
+            <p:ph type="sldNum" sz="quarter" idx="5"/>
+          </p:nvPr>
+        </p:nvSpPr>
+        <p:spPr/>
+        <p:txBody>
+          <a:bodyPr/>
+          <a:lstStyle/>
+          <a:p>
+            <a:fld id="{2BF067CD-8E6B-4360-9AA8-C5DF2A48A6D1}" type="slidenum">
+              <a:rPr lang="en-US" smtClean="0"/>
+              <a:t>6</a:t>
+            </a:fld>
+            <a:endParaRPr lang="en-US" dirty="0"/>
+          </a:p>
+        </p:txBody>
+      </p:sp>
+      <p:sp>
+        <p:nvSpPr>
+          <p:cNvPr id="5" name="Footer Placeholder 4"/>
+          <p:cNvSpPr>
+            <a:spLocks noGrp="1"/>
+          </p:cNvSpPr>
+          <p:nvPr>
+            <p:ph type="ftr" sz="quarter" idx="4"/>
+          </p:nvPr>
+        </p:nvSpPr>
+        <p:spPr/>
+        <p:txBody>
+          <a:bodyPr/>
+          <a:lstStyle/>
+          <a:p>
+            <a:r>
+              <a:rPr lang="bg-BG" sz="1100"/>
+              <a:t>Работна група </a:t>
+            </a:r>
+            <a:r>
+              <a:rPr lang="bg-BG"/>
+              <a:t>"Образование по програмиране и ИТ"</a:t>
+            </a:r>
+            <a:r>
+              <a:rPr lang="bg-BG" sz="1100"/>
+              <a:t>, с подкрепата на </a:t>
+            </a:r>
+            <a:r>
+              <a:rPr lang="en-US" sz="1100">
+                <a:hlinkClick r:id="rId3"/>
+              </a:rPr>
+              <a:t>SoftUni</a:t>
+            </a:r>
+            <a:endParaRPr lang="en-US" sz="1100" dirty="0"/>
+          </a:p>
+        </p:txBody>
+      </p:sp>
+    </p:spTree>
+    <p:extLst>
+      <p:ext uri="{BB962C8B-B14F-4D97-AF65-F5344CB8AC3E}">
+        <p14:creationId xmlns:p14="http://schemas.microsoft.com/office/powerpoint/2010/main" val="1470576443"/>
+      </p:ext>
+    </p:extLst>
+  </p:cSld>
+  <p:clrMapOvr>
+    <a:masterClrMapping/>
+  </p:clrMapOvr>
+</p:notes>
+</file>
+
+<file path=ppt/notesSlides/notesSlide6.xml><?xml version="1.0" encoding="utf-8"?>
+<p:notes xmlns:a="http://schemas.openxmlformats.org/drawingml/2006/main" xmlns:r="http://schemas.openxmlformats.org/officeDocument/2006/relationships" xmlns:p="http://schemas.openxmlformats.org/presentationml/2006/main">
+  <p:cSld>
+    <p:spTree>
+      <p:nvGrpSpPr>
+        <p:cNvPr id="1" name=""/>
+        <p:cNvGrpSpPr/>
+        <p:nvPr/>
+      </p:nvGrpSpPr>
+      <p:grpSpPr>
+        <a:xfrm>
+          <a:off x="0" y="0"/>
+          <a:ext cx="0" cy="0"/>
+          <a:chOff x="0" y="0"/>
+          <a:chExt cx="0" cy="0"/>
+        </a:xfrm>
+      </p:grpSpPr>
+      <p:sp>
+        <p:nvSpPr>
+          <p:cNvPr id="2" name="Slide Image Placeholder 1"/>
+          <p:cNvSpPr>
+            <a:spLocks noGrp="1" noRot="1" noChangeAspect="1"/>
+          </p:cNvSpPr>
+          <p:nvPr>
+            <p:ph type="sldImg"/>
+          </p:nvPr>
+        </p:nvSpPr>
+        <p:spPr/>
+      </p:sp>
+      <p:sp>
+        <p:nvSpPr>
+          <p:cNvPr id="3" name="Notes Placeholder 2"/>
+          <p:cNvSpPr>
+            <a:spLocks noGrp="1"/>
+          </p:cNvSpPr>
+          <p:nvPr>
+            <p:ph type="body" idx="1"/>
+          </p:nvPr>
+        </p:nvSpPr>
+        <p:spPr/>
+        <p:txBody>
+          <a:bodyPr/>
+          <a:lstStyle/>
+          <a:p>
+            <a:endParaRPr lang="en-US" dirty="0"/>
+          </a:p>
+        </p:txBody>
+      </p:sp>
+      <p:sp>
+        <p:nvSpPr>
+          <p:cNvPr id="4" name="Slide Number Placeholder 3"/>
+          <p:cNvSpPr>
+            <a:spLocks noGrp="1"/>
+          </p:cNvSpPr>
+          <p:nvPr>
+            <p:ph type="sldNum" sz="quarter" idx="10"/>
+          </p:nvPr>
+        </p:nvSpPr>
+        <p:spPr/>
+        <p:txBody>
+          <a:bodyPr/>
+          <a:lstStyle/>
+          <a:p>
+            <a:fld id="{2BF067CD-8E6B-4360-9AA8-C5DF2A48A6D1}" type="slidenum">
+              <a:rPr lang="en-US" smtClean="0"/>
+              <a:t>7</a:t>
+            </a:fld>
+            <a:endParaRPr lang="en-US" dirty="0"/>
+          </a:p>
+        </p:txBody>
+      </p:sp>
+      <p:sp>
+        <p:nvSpPr>
+          <p:cNvPr id="5" name="Footer Placeholder 4"/>
+          <p:cNvSpPr>
+            <a:spLocks noGrp="1"/>
+          </p:cNvSpPr>
+          <p:nvPr>
+            <p:ph type="ftr" sz="quarter" idx="11"/>
+          </p:nvPr>
+        </p:nvSpPr>
+        <p:spPr/>
+        <p:txBody>
+          <a:bodyPr/>
+          <a:lstStyle/>
+          <a:p>
+            <a:r>
+              <a:rPr lang="bg-BG" sz="1100"/>
+              <a:t>Работна група </a:t>
+            </a:r>
+            <a:r>
+              <a:rPr lang="bg-BG"/>
+              <a:t>"Образование по програмиране и ИТ"</a:t>
+            </a:r>
+            <a:r>
+              <a:rPr lang="bg-BG" sz="1100"/>
+              <a:t>, с подкрепата на </a:t>
+            </a:r>
+            <a:r>
+              <a:rPr lang="en-US" sz="1100">
+                <a:hlinkClick r:id="rId3"/>
+              </a:rPr>
+              <a:t>SoftUni</a:t>
+            </a:r>
+            <a:endParaRPr lang="en-US" sz="1100" dirty="0"/>
+          </a:p>
+        </p:txBody>
+      </p:sp>
+    </p:spTree>
+    <p:extLst>
+      <p:ext uri="{BB962C8B-B14F-4D97-AF65-F5344CB8AC3E}">
+        <p14:creationId xmlns:p14="http://schemas.microsoft.com/office/powerpoint/2010/main" val="493844413"/>
+      </p:ext>
+    </p:extLst>
+  </p:cSld>
+  <p:clrMapOvr>
+    <a:masterClrMapping/>
+  </p:clrMapOvr>
+</p:notes>
+</file>
+
+<file path=ppt/notesSlides/notesSlide7.xml><?xml version="1.0" encoding="utf-8"?>
+<p:notes xmlns:a="http://schemas.openxmlformats.org/drawingml/2006/main" xmlns:r="http://schemas.openxmlformats.org/officeDocument/2006/relationships" xmlns:p="http://schemas.openxmlformats.org/presentationml/2006/main">
+  <p:cSld>
+    <p:spTree>
+      <p:nvGrpSpPr>
+        <p:cNvPr id="1" name=""/>
+        <p:cNvGrpSpPr/>
+        <p:nvPr/>
+      </p:nvGrpSpPr>
+      <p:grpSpPr>
+        <a:xfrm>
+          <a:off x="0" y="0"/>
+          <a:ext cx="0" cy="0"/>
+          <a:chOff x="0" y="0"/>
+          <a:chExt cx="0" cy="0"/>
+        </a:xfrm>
+      </p:grpSpPr>
+      <p:sp>
+        <p:nvSpPr>
+          <p:cNvPr id="2" name="Slide Image Placeholder 1"/>
+          <p:cNvSpPr>
+            <a:spLocks noGrp="1" noRot="1" noChangeAspect="1"/>
+          </p:cNvSpPr>
+          <p:nvPr>
+            <p:ph type="sldImg"/>
+          </p:nvPr>
+        </p:nvSpPr>
+        <p:spPr/>
+      </p:sp>
+      <p:sp>
+        <p:nvSpPr>
+          <p:cNvPr id="3" name="Notes Placeholder 2"/>
+          <p:cNvSpPr>
+            <a:spLocks noGrp="1"/>
+          </p:cNvSpPr>
+          <p:nvPr>
+            <p:ph type="body" idx="1"/>
+          </p:nvPr>
+        </p:nvSpPr>
+        <p:spPr/>
+        <p:txBody>
+          <a:bodyPr/>
+          <a:lstStyle/>
+          <a:p>
+            <a:endParaRPr lang="en-GB" dirty="0"/>
+          </a:p>
+        </p:txBody>
+      </p:sp>
+      <p:sp>
+        <p:nvSpPr>
+          <p:cNvPr id="4" name="Slide Number Placeholder 3"/>
+          <p:cNvSpPr>
+            <a:spLocks noGrp="1"/>
+          </p:cNvSpPr>
+          <p:nvPr>
+            <p:ph type="sldNum" sz="quarter" idx="5"/>
+          </p:nvPr>
+        </p:nvSpPr>
+        <p:spPr/>
+        <p:txBody>
+          <a:bodyPr/>
+          <a:lstStyle/>
+          <a:p>
+            <a:fld id="{2BF067CD-8E6B-4360-9AA8-C5DF2A48A6D1}" type="slidenum">
+              <a:rPr lang="en-US" smtClean="0"/>
+              <a:t>17</a:t>
+            </a:fld>
+            <a:endParaRPr lang="en-US" dirty="0"/>
+          </a:p>
+        </p:txBody>
+      </p:sp>
+      <p:sp>
+        <p:nvSpPr>
+          <p:cNvPr id="5" name="Footer Placeholder 4"/>
+          <p:cNvSpPr>
+            <a:spLocks noGrp="1"/>
+          </p:cNvSpPr>
+          <p:nvPr>
+            <p:ph type="ftr" sz="quarter" idx="4"/>
+          </p:nvPr>
+        </p:nvSpPr>
+        <p:spPr/>
+        <p:txBody>
+          <a:bodyPr/>
+          <a:lstStyle/>
+          <a:p>
+            <a:r>
+              <a:rPr lang="bg-BG" sz="1100"/>
+              <a:t>Работна група </a:t>
+            </a:r>
+            <a:r>
+              <a:rPr lang="bg-BG"/>
+              <a:t>"Образование по програмиране и ИТ"</a:t>
+            </a:r>
+            <a:r>
+              <a:rPr lang="bg-BG" sz="1100"/>
+              <a:t>, с подкрепата на </a:t>
+            </a:r>
+            <a:r>
+              <a:rPr lang="en-US" sz="1100">
+                <a:hlinkClick r:id="rId3"/>
+              </a:rPr>
+              <a:t>SoftUni</a:t>
+            </a:r>
+            <a:endParaRPr lang="en-US" sz="1100" dirty="0"/>
+          </a:p>
+        </p:txBody>
+      </p:sp>
+    </p:spTree>
+    <p:extLst>
+      <p:ext uri="{BB962C8B-B14F-4D97-AF65-F5344CB8AC3E}">
+        <p14:creationId xmlns:p14="http://schemas.microsoft.com/office/powerpoint/2010/main" val="1117267882"/>
+      </p:ext>
+    </p:extLst>
+  </p:cSld>
+  <p:clrMapOvr>
+    <a:masterClrMapping/>
+  </p:clrMapOvr>
+</p:notes>
+</file>
+
+<file path=ppt/notesSlides/notesSlide8.xml><?xml version="1.0" encoding="utf-8"?>
+<p:notes xmlns:a="http://schemas.openxmlformats.org/drawingml/2006/main" xmlns:r="http://schemas.openxmlformats.org/officeDocument/2006/relationships" xmlns:p="http://schemas.openxmlformats.org/presentationml/2006/main">
+  <p:cSld>
+    <p:spTree>
+      <p:nvGrpSpPr>
+        <p:cNvPr id="1" name=""/>
+        <p:cNvGrpSpPr/>
+        <p:nvPr/>
+      </p:nvGrpSpPr>
+      <p:grpSpPr>
+        <a:xfrm>
+          <a:off x="0" y="0"/>
+          <a:ext cx="0" cy="0"/>
+          <a:chOff x="0" y="0"/>
+          <a:chExt cx="0" cy="0"/>
+        </a:xfrm>
+      </p:grpSpPr>
+      <p:sp>
+        <p:nvSpPr>
+          <p:cNvPr id="2" name="Slide Image Placeholder 1"/>
+          <p:cNvSpPr>
+            <a:spLocks noGrp="1" noRot="1" noChangeAspect="1"/>
+          </p:cNvSpPr>
+          <p:nvPr>
+            <p:ph type="sldImg"/>
+          </p:nvPr>
+        </p:nvSpPr>
+        <p:spPr/>
+      </p:sp>
+      <p:sp>
+        <p:nvSpPr>
+          <p:cNvPr id="3" name="Notes Placeholder 2"/>
+          <p:cNvSpPr>
+            <a:spLocks noGrp="1"/>
+          </p:cNvSpPr>
+          <p:nvPr>
+            <p:ph type="body" idx="1"/>
+          </p:nvPr>
+        </p:nvSpPr>
+        <p:spPr/>
+        <p:txBody>
+          <a:bodyPr/>
+          <a:lstStyle/>
+          <a:p>
             <a:endParaRPr lang="en-US" dirty="0"/>
           </a:p>
         </p:txBody>
@@ -1533,7 +2126,7 @@
 </p:notes>
 </file>
 
-<file path=ppt/notesSlides/notesSlide6.xml><?xml version="1.0" encoding="utf-8"?>
+<file path=ppt/notesSlides/notesSlide9.xml><?xml version="1.0" encoding="utf-8"?>
 <p:notes xmlns:a="http://schemas.openxmlformats.org/drawingml/2006/main" xmlns:r="http://schemas.openxmlformats.org/officeDocument/2006/relationships" xmlns:p="http://schemas.openxmlformats.org/presentationml/2006/main">
   <p:cSld>
     <p:spTree>
@@ -1754,236 +2347,6 @@
     <p:extLst>
       <p:ext uri="{BB962C8B-B14F-4D97-AF65-F5344CB8AC3E}">
         <p14:creationId xmlns:p14="http://schemas.microsoft.com/office/powerpoint/2010/main" val="3466590374"/>
-      </p:ext>
-    </p:extLst>
-  </p:cSld>
-  <p:clrMapOvr>
-    <a:masterClrMapping/>
-  </p:clrMapOvr>
-</p:notes>
-</file>
-
-<file path=ppt/notesSlides/notesSlide7.xml><?xml version="1.0" encoding="utf-8"?>
-<p:notes xmlns:a="http://schemas.openxmlformats.org/drawingml/2006/main" xmlns:r="http://schemas.openxmlformats.org/officeDocument/2006/relationships" xmlns:p="http://schemas.openxmlformats.org/presentationml/2006/main">
-  <p:cSld>
-    <p:spTree>
-      <p:nvGrpSpPr>
-        <p:cNvPr id="1" name=""/>
-        <p:cNvGrpSpPr/>
-        <p:nvPr/>
-      </p:nvGrpSpPr>
-      <p:grpSpPr>
-        <a:xfrm>
-          <a:off x="0" y="0"/>
-          <a:ext cx="0" cy="0"/>
-          <a:chOff x="0" y="0"/>
-          <a:chExt cx="0" cy="0"/>
-        </a:xfrm>
-      </p:grpSpPr>
-      <p:sp>
-        <p:nvSpPr>
-          <p:cNvPr id="2" name="Slide Image Placeholder 1"/>
-          <p:cNvSpPr>
-            <a:spLocks noGrp="1" noRot="1" noChangeAspect="1"/>
-          </p:cNvSpPr>
-          <p:nvPr>
-            <p:ph type="sldImg"/>
-          </p:nvPr>
-        </p:nvSpPr>
-        <p:spPr/>
-      </p:sp>
-      <p:sp>
-        <p:nvSpPr>
-          <p:cNvPr id="3" name="Notes Placeholder 2"/>
-          <p:cNvSpPr>
-            <a:spLocks noGrp="1"/>
-          </p:cNvSpPr>
-          <p:nvPr>
-            <p:ph type="body" idx="1"/>
-          </p:nvPr>
-        </p:nvSpPr>
-        <p:spPr/>
-        <p:txBody>
-          <a:bodyPr/>
-          <a:lstStyle/>
-          <a:p>
-            <a:endParaRPr lang="en-US"/>
-          </a:p>
-        </p:txBody>
-      </p:sp>
-      <p:sp>
-        <p:nvSpPr>
-          <p:cNvPr id="6" name="Slide Number Placeholder 5">
-            <a:extLst>
-              <a:ext uri="{FF2B5EF4-FFF2-40B4-BE49-F238E27FC236}">
-                <a16:creationId xmlns:a16="http://schemas.microsoft.com/office/drawing/2014/main" id="{6627548A-4D3C-449B-81A5-FA4BE4628490}"/>
-              </a:ext>
-            </a:extLst>
-          </p:cNvPr>
-          <p:cNvSpPr txBox="1">
-            <a:spLocks/>
-          </p:cNvSpPr>
-          <p:nvPr/>
-        </p:nvSpPr>
-        <p:spPr>
-          <a:xfrm>
-            <a:off x="6488999" y="8847000"/>
-            <a:ext cx="367414" cy="297000"/>
-          </a:xfrm>
-          <a:prstGeom prst="rect">
-            <a:avLst/>
-          </a:prstGeom>
-        </p:spPr>
-        <p:txBody>
-          <a:bodyPr vert="horz" lIns="91440" tIns="45720" rIns="91440" bIns="45720" rtlCol="0" anchor="b"/>
-          <a:lstStyle>
-            <a:defPPr>
-              <a:defRPr lang="en-US"/>
-            </a:defPPr>
-            <a:lvl1pPr marL="0" algn="r" defTabSz="914400" rtl="0" eaLnBrk="1" latinLnBrk="0" hangingPunct="1">
-              <a:defRPr sz="1200" kern="1200">
-                <a:solidFill>
-                  <a:schemeClr val="tx1"/>
-                </a:solidFill>
-                <a:latin typeface="+mn-lt"/>
-                <a:ea typeface="+mn-ea"/>
-                <a:cs typeface="+mn-cs"/>
-              </a:defRPr>
-            </a:lvl1pPr>
-            <a:lvl2pPr marL="457200" algn="l" defTabSz="914400" rtl="0" eaLnBrk="1" latinLnBrk="0" hangingPunct="1">
-              <a:defRPr sz="1800" kern="1200">
-                <a:solidFill>
-                  <a:schemeClr val="tx1"/>
-                </a:solidFill>
-                <a:latin typeface="+mn-lt"/>
-                <a:ea typeface="+mn-ea"/>
-                <a:cs typeface="+mn-cs"/>
-              </a:defRPr>
-            </a:lvl2pPr>
-            <a:lvl3pPr marL="914400" algn="l" defTabSz="914400" rtl="0" eaLnBrk="1" latinLnBrk="0" hangingPunct="1">
-              <a:defRPr sz="1800" kern="1200">
-                <a:solidFill>
-                  <a:schemeClr val="tx1"/>
-                </a:solidFill>
-                <a:latin typeface="+mn-lt"/>
-                <a:ea typeface="+mn-ea"/>
-                <a:cs typeface="+mn-cs"/>
-              </a:defRPr>
-            </a:lvl3pPr>
-            <a:lvl4pPr marL="1371600" algn="l" defTabSz="914400" rtl="0" eaLnBrk="1" latinLnBrk="0" hangingPunct="1">
-              <a:defRPr sz="1800" kern="1200">
-                <a:solidFill>
-                  <a:schemeClr val="tx1"/>
-                </a:solidFill>
-                <a:latin typeface="+mn-lt"/>
-                <a:ea typeface="+mn-ea"/>
-                <a:cs typeface="+mn-cs"/>
-              </a:defRPr>
-            </a:lvl4pPr>
-            <a:lvl5pPr marL="1828800" algn="l" defTabSz="914400" rtl="0" eaLnBrk="1" latinLnBrk="0" hangingPunct="1">
-              <a:defRPr sz="1800" kern="1200">
-                <a:solidFill>
-                  <a:schemeClr val="tx1"/>
-                </a:solidFill>
-                <a:latin typeface="+mn-lt"/>
-                <a:ea typeface="+mn-ea"/>
-                <a:cs typeface="+mn-cs"/>
-              </a:defRPr>
-            </a:lvl5pPr>
-            <a:lvl6pPr marL="2286000" algn="l" defTabSz="914400" rtl="0" eaLnBrk="1" latinLnBrk="0" hangingPunct="1">
-              <a:defRPr sz="1800" kern="1200">
-                <a:solidFill>
-                  <a:schemeClr val="tx1"/>
-                </a:solidFill>
-                <a:latin typeface="+mn-lt"/>
-                <a:ea typeface="+mn-ea"/>
-                <a:cs typeface="+mn-cs"/>
-              </a:defRPr>
-            </a:lvl6pPr>
-            <a:lvl7pPr marL="2743200" algn="l" defTabSz="914400" rtl="0" eaLnBrk="1" latinLnBrk="0" hangingPunct="1">
-              <a:defRPr sz="1800" kern="1200">
-                <a:solidFill>
-                  <a:schemeClr val="tx1"/>
-                </a:solidFill>
-                <a:latin typeface="+mn-lt"/>
-                <a:ea typeface="+mn-ea"/>
-                <a:cs typeface="+mn-cs"/>
-              </a:defRPr>
-            </a:lvl7pPr>
-            <a:lvl8pPr marL="3200400" algn="l" defTabSz="914400" rtl="0" eaLnBrk="1" latinLnBrk="0" hangingPunct="1">
-              <a:defRPr sz="1800" kern="1200">
-                <a:solidFill>
-                  <a:schemeClr val="tx1"/>
-                </a:solidFill>
-                <a:latin typeface="+mn-lt"/>
-                <a:ea typeface="+mn-ea"/>
-                <a:cs typeface="+mn-cs"/>
-              </a:defRPr>
-            </a:lvl8pPr>
-            <a:lvl9pPr marL="3657600" algn="l" defTabSz="914400" rtl="0" eaLnBrk="1" latinLnBrk="0" hangingPunct="1">
-              <a:defRPr sz="1800" kern="1200">
-                <a:solidFill>
-                  <a:schemeClr val="tx1"/>
-                </a:solidFill>
-                <a:latin typeface="+mn-lt"/>
-                <a:ea typeface="+mn-ea"/>
-                <a:cs typeface="+mn-cs"/>
-              </a:defRPr>
-            </a:lvl9pPr>
-          </a:lstStyle>
-          <a:p>
-            <a:fld id="{3EBA5BD7-F043-4D1B-AA17-CD412FC534DE}" type="slidenum">
-              <a:rPr lang="en-US" smtClean="0"/>
-              <a:pPr/>
-              <a:t>23</a:t>
-            </a:fld>
-            <a:endParaRPr lang="en-US" dirty="0"/>
-          </a:p>
-        </p:txBody>
-      </p:sp>
-      <p:sp>
-        <p:nvSpPr>
-          <p:cNvPr id="4" name="Footer Placeholder 3">
-            <a:extLst>
-              <a:ext uri="{FF2B5EF4-FFF2-40B4-BE49-F238E27FC236}">
-                <a16:creationId xmlns:a16="http://schemas.microsoft.com/office/drawing/2014/main" id="{D2472CE7-61C1-4B7B-B0C8-5A45F0178717}"/>
-              </a:ext>
-            </a:extLst>
-          </p:cNvPr>
-          <p:cNvSpPr>
-            <a:spLocks noGrp="1"/>
-          </p:cNvSpPr>
-          <p:nvPr>
-            <p:ph type="ftr" sz="quarter" idx="4"/>
-          </p:nvPr>
-        </p:nvSpPr>
-        <p:spPr/>
-        <p:txBody>
-          <a:bodyPr/>
-          <a:lstStyle/>
-          <a:p>
-            <a:r>
-              <a:rPr lang="en-US"/>
-              <a:t>© SoftUni – </a:t>
-            </a:r>
-            <a:r>
-              <a:rPr lang="en-US" u="sng">
-                <a:hlinkClick r:id="rId3"/>
-              </a:rPr>
-              <a:t>https://softuni.org</a:t>
-            </a:r>
-            <a:r>
-              <a:rPr lang="en-US"/>
-              <a:t>. Copyrighted document. Unauthorized copy or reproduction is not permitted.</a:t>
-            </a:r>
-            <a:endParaRPr lang="en-US" dirty="0"/>
-          </a:p>
-        </p:txBody>
-      </p:sp>
-    </p:spTree>
-    <p:extLst>
-      <p:ext uri="{BB962C8B-B14F-4D97-AF65-F5344CB8AC3E}">
-        <p14:creationId xmlns:p14="http://schemas.microsoft.com/office/powerpoint/2010/main" val="3648844402"/>
       </p:ext>
     </p:extLst>
   </p:cSld>
@@ -7295,13 +7658,6 @@
       <p:transition spd="slow" advClick="0" advTm="5000"/>
     </mc:Fallback>
   </mc:AlternateContent>
-  <p:timing>
-    <p:tnLst>
-      <p:par>
-        <p:cTn id="1" dur="indefinite" restart="never" nodeType="tmRoot"/>
-      </p:par>
-    </p:tnLst>
-  </p:timing>
 </p:sld>
 </file>
 
@@ -7362,35 +7718,35 @@
           <a:lstStyle/>
           <a:p>
             <a:r>
-              <a:rPr lang="bg-BG" dirty="0" smtClean="0"/>
+              <a:rPr lang="bg-BG" dirty="0"/>
               <a:t>Анимираните </a:t>
             </a:r>
             <a:r>
-              <a:rPr lang="bg-BG" b="1" dirty="0" smtClean="0"/>
+              <a:rPr lang="bg-BG" b="1" dirty="0"/>
               <a:t>обекти</a:t>
             </a:r>
             <a:r>
-              <a:rPr lang="bg-BG" dirty="0" smtClean="0"/>
+              <a:rPr lang="bg-BG" dirty="0"/>
               <a:t> се </a:t>
             </a:r>
             <a:r>
-              <a:rPr lang="bg-BG" b="1" dirty="0" smtClean="0"/>
+              <a:rPr lang="bg-BG" b="1" dirty="0"/>
               <a:t>движат</a:t>
             </a:r>
             <a:r>
-              <a:rPr lang="bg-BG" dirty="0" smtClean="0"/>
+              <a:rPr lang="bg-BG" dirty="0"/>
               <a:t> по предварително </a:t>
             </a:r>
             <a:r>
-              <a:rPr lang="bg-BG" b="1" dirty="0" smtClean="0"/>
+              <a:rPr lang="bg-BG" b="1" dirty="0"/>
               <a:t>зададена</a:t>
             </a:r>
             <a:r>
-              <a:rPr lang="bg-BG" dirty="0" smtClean="0"/>
+              <a:rPr lang="bg-BG" dirty="0"/>
               <a:t> </a:t>
             </a:r>
             <a:r>
-              <a:rPr lang="bg-BG" b="1" dirty="0" smtClean="0"/>
+              <a:rPr lang="bg-BG" b="1" dirty="0"/>
               <a:t>траектория</a:t>
             </a:r>
             <a:endParaRPr lang="en-US" b="1" dirty="0"/>
@@ -7413,10 +7769,9 @@
           <a:lstStyle/>
           <a:p>
             <a:r>
-              <a:rPr lang="en-US" dirty="0" smtClean="0"/>
+              <a:rPr lang="en-US" dirty="0"/>
               <a:t>Motion paths</a:t>
             </a:r>
-            <a:endParaRPr lang="en-US" dirty="0"/>
           </a:p>
         </p:txBody>
       </p:sp>
@@ -7459,15 +7814,20 @@
           <p:nvPr/>
         </p:nvPicPr>
         <p:blipFill>
-          <a:blip r:embed="rId3"/>
-          <a:stretch>
-            <a:fillRect/>
-          </a:stretch>
+          <a:blip r:embed="rId3">
+            <a:extLst>
+              <a:ext uri="{28A0092B-C50C-407E-A947-70E740481C1C}">
+                <a14:useLocalDpi xmlns:a14="http://schemas.microsoft.com/office/drawing/2010/main" val="0"/>
+              </a:ext>
+            </a:extLst>
+          </a:blip>
+          <a:srcRect/>
+          <a:stretch/>
         </p:blipFill>
         <p:spPr>
           <a:xfrm>
-            <a:off x="5714241" y="3564000"/>
-            <a:ext cx="5994845" cy="1890000"/>
+            <a:off x="5655618" y="3429000"/>
+            <a:ext cx="5730084" cy="2025000"/>
           </a:xfrm>
           <a:prstGeom prst="rect">
             <a:avLst/>
@@ -7681,50 +8041,50 @@
           <a:lstStyle/>
           <a:p>
             <a:r>
-              <a:rPr lang="bg-BG" sz="3200" dirty="0" smtClean="0"/>
+              <a:rPr lang="bg-BG" sz="3200" dirty="0"/>
               <a:t>Анимационните ефекти на отделните елементи се </a:t>
             </a:r>
             <a:r>
-              <a:rPr lang="bg-BG" sz="3200" b="1" dirty="0" smtClean="0"/>
+              <a:rPr lang="bg-BG" sz="3200" b="1" dirty="0"/>
               <a:t>номерират</a:t>
             </a:r>
             <a:r>
-              <a:rPr lang="bg-BG" sz="3200" dirty="0" smtClean="0"/>
+              <a:rPr lang="bg-BG" sz="3200" dirty="0"/>
               <a:t> в </a:t>
             </a:r>
             <a:r>
-              <a:rPr lang="bg-BG" sz="3200" b="1" dirty="0" smtClean="0"/>
+              <a:rPr lang="bg-BG" sz="3200" b="1" dirty="0"/>
               <a:t>реда</a:t>
             </a:r>
             <a:r>
-              <a:rPr lang="bg-BG" sz="3200" dirty="0" smtClean="0"/>
+              <a:rPr lang="bg-BG" sz="3200" dirty="0"/>
               <a:t> на </a:t>
             </a:r>
             <a:r>
-              <a:rPr lang="bg-BG" sz="3200" b="1" dirty="0" smtClean="0"/>
+              <a:rPr lang="bg-BG" sz="3200" b="1" dirty="0"/>
               <a:t>поставянето</a:t>
             </a:r>
             <a:r>
-              <a:rPr lang="bg-BG" sz="3200" dirty="0" smtClean="0"/>
+              <a:rPr lang="bg-BG" sz="3200" dirty="0"/>
               <a:t> им в </a:t>
             </a:r>
             <a:r>
-              <a:rPr lang="bg-BG" sz="3200" b="1" dirty="0" smtClean="0"/>
+              <a:rPr lang="bg-BG" sz="3200" b="1" dirty="0"/>
               <a:t>слайда</a:t>
             </a:r>
           </a:p>
           <a:p>
             <a:pPr lvl="1"/>
             <a:r>
-              <a:rPr lang="bg-BG" sz="2800" dirty="0" smtClean="0"/>
+              <a:rPr lang="bg-BG" sz="2800" dirty="0"/>
               <a:t>Може да видите техния </a:t>
             </a:r>
             <a:r>
-              <a:rPr lang="bg-BG" sz="2800" b="1" dirty="0" smtClean="0"/>
+              <a:rPr lang="bg-BG" sz="2800" b="1" dirty="0"/>
               <a:t>ред</a:t>
             </a:r>
             <a:r>
-              <a:rPr lang="bg-BG" sz="2800" dirty="0" smtClean="0"/>
+              <a:rPr lang="bg-BG" sz="2800" dirty="0"/>
               <a:t> от </a:t>
             </a:r>
             <a:r>
@@ -7732,15 +8092,15 @@
               <a:t>бутона</a:t>
             </a:r>
             <a:r>
-              <a:rPr lang="bg-BG" sz="2800" dirty="0" smtClean="0"/>
+              <a:rPr lang="bg-BG" sz="2800" dirty="0"/>
               <a:t> </a:t>
             </a:r>
             <a:r>
-              <a:rPr lang="en-US" sz="2800" dirty="0" smtClean="0"/>
+              <a:rPr lang="en-US" sz="2800" dirty="0"/>
               <a:t>[</a:t>
             </a:r>
             <a:r>
-              <a:rPr lang="en-US" sz="2800" b="1" dirty="0" smtClean="0">
+              <a:rPr lang="en-US" sz="2800" b="1" dirty="0">
                 <a:solidFill>
                   <a:schemeClr val="bg1"/>
                 </a:solidFill>
@@ -7748,34 +8108,30 @@
               <a:t>Animation Pane</a:t>
             </a:r>
             <a:r>
-              <a:rPr lang="en-US" sz="2800" dirty="0" smtClean="0"/>
+              <a:rPr lang="en-US" sz="2800" dirty="0"/>
               <a:t>] (</a:t>
             </a:r>
             <a:r>
-              <a:rPr lang="bg-BG" sz="2800" b="1" dirty="0" smtClean="0"/>
-              <a:t>Панел </a:t>
-            </a:r>
-            <a:r>
               <a:rPr lang="bg-BG" sz="2800" b="1" dirty="0"/>
-              <a:t>за анимация</a:t>
-            </a:r>
-            <a:r>
-              <a:rPr lang="en-US" sz="2800" dirty="0" smtClean="0"/>
+              <a:t>Панел за анимация</a:t>
+            </a:r>
+            <a:r>
+              <a:rPr lang="en-US" sz="2800" dirty="0"/>
               <a:t>)</a:t>
             </a:r>
-            <a:endParaRPr lang="bg-BG" sz="2800" dirty="0" smtClean="0"/>
-          </a:p>
-          <a:p>
-            <a:r>
-              <a:rPr lang="bg-BG" sz="3200" dirty="0" smtClean="0"/>
+            <a:endParaRPr lang="bg-BG" sz="2800" dirty="0"/>
+          </a:p>
+          <a:p>
+            <a:r>
+              <a:rPr lang="bg-BG" sz="3200" dirty="0"/>
               <a:t>С бутоните </a:t>
             </a:r>
             <a:r>
-              <a:rPr lang="en-US" sz="3200" dirty="0" smtClean="0"/>
+              <a:rPr lang="en-US" sz="3200" dirty="0"/>
               <a:t>[</a:t>
             </a:r>
             <a:r>
-              <a:rPr lang="en-US" sz="3200" b="1" dirty="0" smtClean="0">
+              <a:rPr lang="en-US" sz="3200" b="1" dirty="0">
                 <a:solidFill>
                   <a:schemeClr val="bg1"/>
                 </a:solidFill>
@@ -7783,31 +8139,27 @@
               <a:t>Move Earlier</a:t>
             </a:r>
             <a:r>
-              <a:rPr lang="en-US" sz="3200" dirty="0" smtClean="0"/>
+              <a:rPr lang="en-US" sz="3200" dirty="0"/>
               <a:t>] (</a:t>
             </a:r>
             <a:r>
               <a:rPr lang="bg-BG" sz="3200" b="1" dirty="0"/>
-              <a:t>П</a:t>
-            </a:r>
-            <a:r>
-              <a:rPr lang="bg-BG" sz="3200" b="1" dirty="0" smtClean="0"/>
-              <a:t>ремести по-рано</a:t>
-            </a:r>
-            <a:r>
-              <a:rPr lang="en-US" sz="3200" dirty="0" smtClean="0"/>
+              <a:t>Премести по-рано</a:t>
+            </a:r>
+            <a:r>
+              <a:rPr lang="en-US" sz="3200" dirty="0"/>
               <a:t>) </a:t>
             </a:r>
             <a:r>
-              <a:rPr lang="bg-BG" sz="3200" dirty="0" smtClean="0"/>
+              <a:rPr lang="bg-BG" sz="3200" dirty="0"/>
               <a:t>и </a:t>
             </a:r>
             <a:r>
-              <a:rPr lang="en-US" sz="3200" dirty="0" smtClean="0"/>
+              <a:rPr lang="en-US" sz="3200" dirty="0"/>
               <a:t>[</a:t>
             </a:r>
             <a:r>
-              <a:rPr lang="en-US" sz="3200" b="1" dirty="0" smtClean="0">
+              <a:rPr lang="en-US" sz="3200" b="1" dirty="0">
                 <a:solidFill>
                   <a:schemeClr val="bg1"/>
                 </a:solidFill>
@@ -7815,23 +8167,19 @@
               <a:t>Move Later</a:t>
             </a:r>
             <a:r>
-              <a:rPr lang="en-US" sz="3200" dirty="0" smtClean="0"/>
+              <a:rPr lang="en-US" sz="3200" dirty="0"/>
               <a:t>] (</a:t>
             </a:r>
             <a:r>
               <a:rPr lang="bg-BG" sz="3200" b="1" dirty="0"/>
-              <a:t>П</a:t>
-            </a:r>
-            <a:r>
-              <a:rPr lang="bg-BG" sz="3200" b="1" dirty="0" smtClean="0"/>
-              <a:t>ремести по-късно</a:t>
-            </a:r>
-            <a:r>
-              <a:rPr lang="en-US" sz="3200" dirty="0" smtClean="0"/>
+              <a:t>Премести по-късно</a:t>
+            </a:r>
+            <a:r>
+              <a:rPr lang="en-US" sz="3200" dirty="0"/>
               <a:t>)</a:t>
             </a:r>
             <a:r>
-              <a:rPr lang="bg-BG" sz="3200" dirty="0" smtClean="0"/>
+              <a:rPr lang="bg-BG" sz="3200" dirty="0"/>
               <a:t> може да променяте реда на показване на различните анимации</a:t>
             </a:r>
             <a:endParaRPr lang="en-US" sz="3200" dirty="0"/>
@@ -7854,7 +8202,7 @@
           <a:lstStyle/>
           <a:p>
             <a:r>
-              <a:rPr lang="bg-BG" dirty="0" smtClean="0"/>
+              <a:rPr lang="bg-BG" dirty="0"/>
               <a:t>Ред на анимационните ефекти</a:t>
             </a:r>
             <a:endParaRPr lang="en-US" dirty="0"/>
@@ -7870,15 +8218,20 @@
           <p:nvPr/>
         </p:nvPicPr>
         <p:blipFill>
-          <a:blip r:embed="rId2"/>
-          <a:stretch>
-            <a:fillRect/>
-          </a:stretch>
+          <a:blip r:embed="rId2">
+            <a:extLst>
+              <a:ext uri="{28A0092B-C50C-407E-A947-70E740481C1C}">
+                <a14:useLocalDpi xmlns:a14="http://schemas.microsoft.com/office/drawing/2010/main" val="0"/>
+              </a:ext>
+            </a:extLst>
+          </a:blip>
+          <a:srcRect/>
+          <a:stretch/>
         </p:blipFill>
         <p:spPr>
           <a:xfrm>
-            <a:off x="8775953" y="5261199"/>
-            <a:ext cx="1892527" cy="1349301"/>
+            <a:off x="8877384" y="5261199"/>
+            <a:ext cx="1689665" cy="1349301"/>
           </a:xfrm>
           <a:prstGeom prst="rect">
             <a:avLst/>
@@ -7901,15 +8254,20 @@
           <p:nvPr/>
         </p:nvPicPr>
         <p:blipFill>
-          <a:blip r:embed="rId3"/>
-          <a:stretch>
-            <a:fillRect/>
-          </a:stretch>
+          <a:blip r:embed="rId3">
+            <a:extLst>
+              <a:ext uri="{28A0092B-C50C-407E-A947-70E740481C1C}">
+                <a14:useLocalDpi xmlns:a14="http://schemas.microsoft.com/office/drawing/2010/main" val="0"/>
+              </a:ext>
+            </a:extLst>
+          </a:blip>
+          <a:srcRect/>
+          <a:stretch/>
         </p:blipFill>
         <p:spPr>
           <a:xfrm>
-            <a:off x="7941000" y="1359000"/>
-            <a:ext cx="2970000" cy="1337970"/>
+            <a:off x="7958730" y="1359000"/>
+            <a:ext cx="2934539" cy="1337970"/>
           </a:xfrm>
           <a:prstGeom prst="rect">
             <a:avLst/>
@@ -7931,7 +8289,7 @@
         </p:nvSpPr>
         <p:spPr bwMode="auto">
           <a:xfrm>
-            <a:off x="8935346" y="1359000"/>
+            <a:off x="8955666" y="1369160"/>
             <a:ext cx="1755000" cy="341634"/>
           </a:xfrm>
           <a:prstGeom prst="rect">
@@ -7998,15 +8356,20 @@
           <p:nvPr/>
         </p:nvPicPr>
         <p:blipFill>
-          <a:blip r:embed="rId4"/>
-          <a:stretch>
-            <a:fillRect/>
-          </a:stretch>
+          <a:blip r:embed="rId4">
+            <a:extLst>
+              <a:ext uri="{28A0092B-C50C-407E-A947-70E740481C1C}">
+                <a14:useLocalDpi xmlns:a14="http://schemas.microsoft.com/office/drawing/2010/main" val="0"/>
+              </a:ext>
+            </a:extLst>
+          </a:blip>
+          <a:srcRect/>
+          <a:stretch/>
         </p:blipFill>
         <p:spPr>
           <a:xfrm>
-            <a:off x="8350346" y="1700634"/>
-            <a:ext cx="2743743" cy="3233238"/>
+            <a:off x="8461294" y="1705776"/>
+            <a:ext cx="2743743" cy="2733580"/>
           </a:xfrm>
           <a:prstGeom prst="rect">
             <a:avLst/>
@@ -8378,15 +8741,15 @@
           <a:lstStyle/>
           <a:p>
             <a:r>
-              <a:rPr lang="bg-BG" dirty="0" smtClean="0"/>
+              <a:rPr lang="bg-BG" dirty="0"/>
               <a:t>От </a:t>
             </a:r>
             <a:r>
-              <a:rPr lang="bg-BG" b="1" dirty="0" smtClean="0"/>
+              <a:rPr lang="bg-BG" b="1" dirty="0"/>
               <a:t>падащото менюто </a:t>
             </a:r>
             <a:r>
-              <a:rPr lang="en-US" b="1" dirty="0" smtClean="0">
+              <a:rPr lang="en-US" b="1" dirty="0">
                 <a:solidFill>
                   <a:schemeClr val="bg1"/>
                 </a:solidFill>
@@ -8394,58 +8757,54 @@
               <a:t>Effect Options </a:t>
             </a:r>
             <a:r>
-              <a:rPr lang="bg-BG" dirty="0" smtClean="0"/>
+              <a:rPr lang="bg-BG" dirty="0"/>
               <a:t>(</a:t>
             </a:r>
             <a:r>
               <a:rPr lang="bg-BG" b="1" dirty="0"/>
-              <a:t>О</a:t>
-            </a:r>
-            <a:r>
-              <a:rPr lang="bg-BG" b="1" dirty="0" smtClean="0"/>
-              <a:t>пции за ефект</a:t>
-            </a:r>
-            <a:r>
-              <a:rPr lang="bg-BG" dirty="0" smtClean="0"/>
+              <a:t>Опции за ефект</a:t>
+            </a:r>
+            <a:r>
+              <a:rPr lang="bg-BG" dirty="0"/>
               <a:t>) може да </a:t>
             </a:r>
             <a:r>
-              <a:rPr lang="bg-BG" b="1" dirty="0" smtClean="0"/>
+              <a:rPr lang="bg-BG" b="1" dirty="0"/>
               <a:t>настройвате</a:t>
             </a:r>
             <a:r>
-              <a:rPr lang="bg-BG" dirty="0" smtClean="0"/>
+              <a:rPr lang="bg-BG" dirty="0"/>
               <a:t> допълнителни </a:t>
             </a:r>
             <a:r>
-              <a:rPr lang="bg-BG" b="1" dirty="0" smtClean="0"/>
+              <a:rPr lang="bg-BG" b="1" dirty="0"/>
               <a:t>характеристики</a:t>
             </a:r>
             <a:r>
-              <a:rPr lang="bg-BG" dirty="0" smtClean="0"/>
+              <a:rPr lang="bg-BG" dirty="0"/>
               <a:t> на анамационния ефект</a:t>
             </a:r>
           </a:p>
           <a:p>
             <a:pPr lvl="1"/>
             <a:r>
-              <a:rPr lang="bg-BG" b="1" dirty="0" smtClean="0"/>
+              <a:rPr lang="bg-BG" b="1" dirty="0"/>
               <a:t>Характеристиките</a:t>
             </a:r>
             <a:r>
-              <a:rPr lang="bg-BG" dirty="0" smtClean="0"/>
+              <a:rPr lang="bg-BG" dirty="0"/>
               <a:t> зависят от </a:t>
             </a:r>
             <a:r>
-              <a:rPr lang="bg-BG" b="1" dirty="0" smtClean="0"/>
+              <a:rPr lang="bg-BG" b="1" dirty="0"/>
               <a:t>избрания ефект</a:t>
             </a:r>
           </a:p>
           <a:p>
-            <a:endParaRPr lang="bg-BG" dirty="0" smtClean="0"/>
-          </a:p>
-          <a:p>
-            <a:endParaRPr lang="bg-BG" b="1" dirty="0" smtClean="0"/>
+            <a:endParaRPr lang="bg-BG" dirty="0"/>
+          </a:p>
+          <a:p>
+            <a:endParaRPr lang="bg-BG" b="1" dirty="0"/>
           </a:p>
         </p:txBody>
       </p:sp>
@@ -8465,10 +8824,9 @@
           <a:lstStyle/>
           <a:p>
             <a:r>
-              <a:rPr lang="en-US" dirty="0" smtClean="0"/>
+              <a:rPr lang="en-US" dirty="0"/>
               <a:t>Effect Options</a:t>
             </a:r>
-            <a:endParaRPr lang="en-US" dirty="0"/>
           </a:p>
         </p:txBody>
       </p:sp>
@@ -8481,15 +8839,20 @@
           <p:nvPr/>
         </p:nvPicPr>
         <p:blipFill>
-          <a:blip r:embed="rId2"/>
-          <a:stretch>
-            <a:fillRect/>
-          </a:stretch>
+          <a:blip r:embed="rId2">
+            <a:extLst>
+              <a:ext uri="{28A0092B-C50C-407E-A947-70E740481C1C}">
+                <a14:useLocalDpi xmlns:a14="http://schemas.microsoft.com/office/drawing/2010/main" val="0"/>
+              </a:ext>
+            </a:extLst>
+          </a:blip>
+          <a:srcRect/>
+          <a:stretch/>
         </p:blipFill>
         <p:spPr>
           <a:xfrm>
-            <a:off x="9459896" y="1539000"/>
-            <a:ext cx="1158039" cy="1486148"/>
+            <a:off x="9474465" y="1539000"/>
+            <a:ext cx="1128901" cy="1486148"/>
           </a:xfrm>
           <a:prstGeom prst="rect">
             <a:avLst/>
@@ -8512,14 +8875,20 @@
           <p:nvPr/>
         </p:nvPicPr>
         <p:blipFill rotWithShape="1">
-          <a:blip r:embed="rId3"/>
-          <a:srcRect b="34205"/>
+          <a:blip r:embed="rId3">
+            <a:extLst>
+              <a:ext uri="{28A0092B-C50C-407E-A947-70E740481C1C}">
+                <a14:useLocalDpi xmlns:a14="http://schemas.microsoft.com/office/drawing/2010/main" val="0"/>
+              </a:ext>
+            </a:extLst>
+          </a:blip>
+          <a:srcRect t="19542" b="23279"/>
           <a:stretch/>
         </p:blipFill>
         <p:spPr>
           <a:xfrm>
-            <a:off x="8959914" y="2938350"/>
-            <a:ext cx="2200415" cy="3672150"/>
+            <a:off x="8959914" y="2934000"/>
+            <a:ext cx="2200415" cy="3283852"/>
           </a:xfrm>
           <a:prstGeom prst="rect">
             <a:avLst/>
@@ -8543,11 +8912,11 @@
   <p:clrMapOvr>
     <a:masterClrMapping/>
   </p:clrMapOvr>
-  <mc:AlternateContent xmlns:mc="http://schemas.openxmlformats.org/markup-compatibility/2006">
-    <mc:Choice xmlns:p14="http://schemas.microsoft.com/office/powerpoint/2010/main" Requires="p14">
+  <mc:AlternateContent xmlns:mc="http://schemas.openxmlformats.org/markup-compatibility/2006" xmlns:p14="http://schemas.microsoft.com/office/powerpoint/2010/main">
+    <mc:Choice Requires="p14">
       <p:transition p14:dur="0" advClick="0" advTm="5000"/>
     </mc:Choice>
-    <mc:Fallback>
+    <mc:Fallback xmlns="">
       <p:transition advClick="0" advTm="5000"/>
     </mc:Fallback>
   </mc:AlternateContent>
@@ -8811,11 +9180,11 @@
               <a:t> </a:t>
             </a:r>
             <a:r>
-              <a:rPr lang="bg-BG" dirty="0" smtClean="0"/>
+              <a:rPr lang="bg-BG" dirty="0"/>
               <a:t>(</a:t>
             </a:r>
             <a:r>
-              <a:rPr lang="bg-BG" b="1" dirty="0" smtClean="0"/>
+              <a:rPr lang="bg-BG" b="1" dirty="0"/>
               <a:t>Време</a:t>
             </a:r>
             <a:r>
@@ -8836,21 +9205,17 @@
             </a:r>
             <a:r>
               <a:rPr lang="bg-BG" dirty="0"/>
-              <a:t> на </a:t>
-            </a:r>
-            <a:r>
-              <a:rPr lang="bg-BG" dirty="0" smtClean="0"/>
-              <a:t>анимирането:</a:t>
+              <a:t> на анимирането:</a:t>
             </a:r>
           </a:p>
           <a:p>
             <a:pPr lvl="1"/>
             <a:r>
-              <a:rPr lang="en-US" b="1" dirty="0" smtClean="0"/>
+              <a:rPr lang="en-US" b="1" dirty="0"/>
               <a:t>͏</a:t>
             </a:r>
             <a:r>
-              <a:rPr lang="en-US" b="1" dirty="0" smtClean="0">
+              <a:rPr lang="en-US" b="1" dirty="0">
                 <a:solidFill>
                   <a:schemeClr val="bg1"/>
                 </a:solidFill>
@@ -8858,59 +9223,59 @@
               <a:t>Start</a:t>
             </a:r>
             <a:r>
-              <a:rPr lang="en-US" dirty="0" smtClean="0"/>
+              <a:rPr lang="en-US" dirty="0"/>
               <a:t> (</a:t>
             </a:r>
             <a:r>
-              <a:rPr lang="bg-BG" b="1" dirty="0" smtClean="0"/>
+              <a:rPr lang="bg-BG" b="1" dirty="0"/>
               <a:t>Начало</a:t>
             </a:r>
             <a:r>
-              <a:rPr lang="en-US" dirty="0" smtClean="0"/>
+              <a:rPr lang="en-US" dirty="0"/>
               <a:t>)</a:t>
             </a:r>
-            <a:endParaRPr lang="bg-BG" dirty="0" smtClean="0"/>
+            <a:endParaRPr lang="bg-BG" dirty="0"/>
           </a:p>
           <a:p>
             <a:pPr lvl="2"/>
             <a:r>
-              <a:rPr lang="bg-BG" dirty="0" smtClean="0"/>
+              <a:rPr lang="bg-BG" dirty="0"/>
               <a:t>От </a:t>
             </a:r>
             <a:r>
-              <a:rPr lang="bg-BG" b="1" dirty="0" smtClean="0"/>
+              <a:rPr lang="bg-BG" b="1" dirty="0"/>
               <a:t>падащата кутия</a:t>
             </a:r>
             <a:r>
-              <a:rPr lang="bg-BG" dirty="0" smtClean="0"/>
+              <a:rPr lang="bg-BG" dirty="0"/>
               <a:t> се избира </a:t>
             </a:r>
             <a:r>
-              <a:rPr lang="bg-BG" b="1" dirty="0" smtClean="0"/>
+              <a:rPr lang="bg-BG" b="1" dirty="0"/>
               <a:t>начинът</a:t>
             </a:r>
             <a:r>
-              <a:rPr lang="bg-BG" dirty="0" smtClean="0"/>
+              <a:rPr lang="bg-BG" dirty="0"/>
               <a:t> на </a:t>
             </a:r>
             <a:r>
-              <a:rPr lang="bg-BG" b="1" dirty="0" smtClean="0"/>
+              <a:rPr lang="bg-BG" b="1" dirty="0"/>
               <a:t>стартиране</a:t>
             </a:r>
             <a:r>
-              <a:rPr lang="bg-BG" dirty="0" smtClean="0"/>
+              <a:rPr lang="bg-BG" dirty="0"/>
               <a:t> на анимационните ефекти</a:t>
             </a:r>
-            <a:endParaRPr lang="en-US" dirty="0" smtClean="0"/>
+            <a:endParaRPr lang="en-US" dirty="0"/>
           </a:p>
           <a:p>
             <a:pPr lvl="1"/>
             <a:r>
-              <a:rPr lang="en-US" dirty="0" smtClean="0"/>
+              <a:rPr lang="en-US" dirty="0"/>
               <a:t>͏</a:t>
             </a:r>
             <a:r>
-              <a:rPr lang="en-US" b="1" dirty="0" smtClean="0">
+              <a:rPr lang="en-US" b="1" dirty="0">
                 <a:solidFill>
                   <a:schemeClr val="bg1"/>
                 </a:solidFill>
@@ -8918,31 +9283,31 @@
               <a:t>Duration</a:t>
             </a:r>
             <a:r>
-              <a:rPr lang="en-US" dirty="0" smtClean="0"/>
+              <a:rPr lang="en-US" dirty="0"/>
               <a:t> (</a:t>
             </a:r>
             <a:r>
-              <a:rPr lang="bg-BG" b="1" dirty="0" smtClean="0"/>
+              <a:rPr lang="bg-BG" b="1" dirty="0"/>
               <a:t>Времетраене</a:t>
             </a:r>
             <a:r>
-              <a:rPr lang="en-US" dirty="0" smtClean="0"/>
+              <a:rPr lang="en-US" dirty="0"/>
               <a:t>)</a:t>
             </a:r>
-            <a:endParaRPr lang="bg-BG" dirty="0" smtClean="0"/>
+            <a:endParaRPr lang="bg-BG" dirty="0"/>
           </a:p>
           <a:p>
             <a:pPr lvl="2"/>
             <a:r>
-              <a:rPr lang="bg-BG" dirty="0" smtClean="0"/>
+              <a:rPr lang="bg-BG" dirty="0"/>
               <a:t>От </a:t>
             </a:r>
             <a:r>
-              <a:rPr lang="bg-BG" b="1" dirty="0" smtClean="0"/>
+              <a:rPr lang="bg-BG" b="1" dirty="0"/>
               <a:t>числовата кутия </a:t>
             </a:r>
             <a:r>
-              <a:rPr lang="bg-BG" dirty="0" smtClean="0"/>
+              <a:rPr lang="bg-BG" dirty="0"/>
               <a:t>се задава </a:t>
             </a:r>
           </a:p>
@@ -8954,22 +9319,22 @@
               <a:buNone/>
             </a:pPr>
             <a:r>
-              <a:rPr lang="bg-BG" b="1" dirty="0" smtClean="0"/>
+              <a:rPr lang="bg-BG" b="1" dirty="0"/>
               <a:t>времетраенето</a:t>
             </a:r>
             <a:r>
-              <a:rPr lang="bg-BG" dirty="0" smtClean="0"/>
+              <a:rPr lang="bg-BG" dirty="0"/>
               <a:t> на анимационния ефект</a:t>
             </a:r>
           </a:p>
           <a:p>
             <a:pPr lvl="1"/>
             <a:r>
-              <a:rPr lang="en-US" dirty="0" smtClean="0"/>
+              <a:rPr lang="en-US" dirty="0"/>
               <a:t>͏</a:t>
             </a:r>
             <a:r>
-              <a:rPr lang="en-US" b="1" dirty="0" smtClean="0">
+              <a:rPr lang="en-US" b="1" dirty="0">
                 <a:solidFill>
                   <a:schemeClr val="bg1"/>
                 </a:solidFill>
@@ -8977,47 +9342,47 @@
               <a:t>Delay</a:t>
             </a:r>
             <a:r>
-              <a:rPr lang="en-US" dirty="0" smtClean="0"/>
+              <a:rPr lang="en-US" dirty="0"/>
               <a:t> (</a:t>
             </a:r>
             <a:r>
-              <a:rPr lang="bg-BG" b="1" dirty="0" smtClean="0"/>
+              <a:rPr lang="bg-BG" b="1" dirty="0"/>
               <a:t>Закъснение</a:t>
             </a:r>
             <a:r>
-              <a:rPr lang="en-US" dirty="0" smtClean="0"/>
+              <a:rPr lang="en-US" dirty="0"/>
               <a:t>)</a:t>
             </a:r>
-            <a:endParaRPr lang="bg-BG" dirty="0" smtClean="0"/>
+            <a:endParaRPr lang="bg-BG" dirty="0"/>
           </a:p>
           <a:p>
             <a:pPr lvl="2"/>
             <a:r>
-              <a:rPr lang="bg-BG" dirty="0" smtClean="0"/>
+              <a:rPr lang="bg-BG" dirty="0"/>
               <a:t>От </a:t>
             </a:r>
             <a:r>
-              <a:rPr lang="bg-BG" b="1" dirty="0" smtClean="0"/>
+              <a:rPr lang="bg-BG" b="1" dirty="0"/>
               <a:t>числовата кутия</a:t>
             </a:r>
             <a:r>
-              <a:rPr lang="bg-BG" dirty="0" smtClean="0"/>
+              <a:rPr lang="bg-BG" dirty="0"/>
               <a:t> се задава </a:t>
             </a:r>
             <a:r>
-              <a:rPr lang="bg-BG" b="1" dirty="0" smtClean="0"/>
+              <a:rPr lang="bg-BG" b="1" dirty="0"/>
               <a:t>закъснението</a:t>
             </a:r>
             <a:r>
-              <a:rPr lang="bg-BG" dirty="0" smtClean="0"/>
+              <a:rPr lang="bg-BG" dirty="0"/>
               <a:t>, с което да се </a:t>
             </a:r>
             <a:r>
-              <a:rPr lang="bg-BG" b="1" dirty="0" smtClean="0"/>
+              <a:rPr lang="bg-BG" b="1" dirty="0"/>
               <a:t>появи</a:t>
             </a:r>
             <a:r>
-              <a:rPr lang="bg-BG" dirty="0" smtClean="0"/>
+              <a:rPr lang="bg-BG" dirty="0"/>
               <a:t> следващият ефект</a:t>
             </a:r>
             <a:endParaRPr lang="en-US" dirty="0"/>
@@ -9040,10 +9405,9 @@
           <a:lstStyle/>
           <a:p>
             <a:r>
-              <a:rPr lang="en-US" dirty="0" smtClean="0"/>
+              <a:rPr lang="en-US" dirty="0"/>
               <a:t>Timing</a:t>
             </a:r>
-            <a:endParaRPr lang="en-US" dirty="0"/>
           </a:p>
         </p:txBody>
       </p:sp>
@@ -9056,15 +9420,20 @@
           <p:nvPr/>
         </p:nvPicPr>
         <p:blipFill>
-          <a:blip r:embed="rId2"/>
-          <a:stretch>
-            <a:fillRect/>
-          </a:stretch>
+          <a:blip r:embed="rId2">
+            <a:extLst>
+              <a:ext uri="{28A0092B-C50C-407E-A947-70E740481C1C}">
+                <a14:useLocalDpi xmlns:a14="http://schemas.microsoft.com/office/drawing/2010/main" val="0"/>
+              </a:ext>
+            </a:extLst>
+          </a:blip>
+          <a:srcRect/>
+          <a:stretch/>
         </p:blipFill>
         <p:spPr>
           <a:xfrm>
-            <a:off x="7601405" y="3609000"/>
-            <a:ext cx="4319507" cy="1423658"/>
+            <a:off x="7661708" y="3564000"/>
+            <a:ext cx="4149292" cy="1423658"/>
           </a:xfrm>
           <a:prstGeom prst="rect">
             <a:avLst/>
@@ -9086,8 +9455,8 @@
         </p:nvSpPr>
         <p:spPr bwMode="auto">
           <a:xfrm>
-            <a:off x="7671000" y="3609000"/>
-            <a:ext cx="2430000" cy="351508"/>
+            <a:off x="7671000" y="3564000"/>
+            <a:ext cx="2430000" cy="396508"/>
           </a:xfrm>
           <a:prstGeom prst="rect">
             <a:avLst/>
@@ -9847,15 +10216,15 @@
           <a:lstStyle/>
           <a:p>
             <a:r>
-              <a:rPr lang="bg-BG" dirty="0" smtClean="0"/>
+              <a:rPr lang="bg-BG" dirty="0"/>
               <a:t>Опциите на </a:t>
             </a:r>
             <a:r>
-              <a:rPr lang="bg-BG" b="1" dirty="0" smtClean="0"/>
+              <a:rPr lang="bg-BG" b="1" dirty="0"/>
               <a:t>падащта кутия </a:t>
             </a:r>
             <a:r>
-              <a:rPr lang="en-US" b="1" dirty="0" smtClean="0">
+              <a:rPr lang="en-US" b="1" dirty="0">
                 <a:solidFill>
                   <a:schemeClr val="bg1"/>
                 </a:solidFill>
@@ -9863,28 +10232,20 @@
               <a:t>Start</a:t>
             </a:r>
             <a:r>
-              <a:rPr lang="en-US" b="1" dirty="0" smtClean="0"/>
+              <a:rPr lang="en-US" b="1" dirty="0"/>
               <a:t> </a:t>
             </a:r>
             <a:r>
-              <a:rPr lang="bg-BG" dirty="0" smtClean="0"/>
+              <a:rPr lang="bg-BG" dirty="0"/>
               <a:t>са:</a:t>
             </a:r>
-            <a:endParaRPr lang="en-US" dirty="0" smtClean="0"/>
+            <a:endParaRPr lang="en-US" dirty="0"/>
           </a:p>
           <a:p>
             <a:pPr lvl="1"/>
             <a:r>
-              <a:rPr lang="en-US" dirty="0" smtClean="0"/>
+              <a:rPr lang="en-US" dirty="0"/>
               <a:t>͏</a:t>
-            </a:r>
-            <a:r>
-              <a:rPr lang="en-US" b="1" dirty="0" smtClean="0">
-                <a:solidFill>
-                  <a:schemeClr val="bg1"/>
-                </a:solidFill>
-              </a:rPr>
-              <a:t>On </a:t>
             </a:r>
             <a:r>
               <a:rPr lang="en-US" b="1" dirty="0">
@@ -9892,7 +10253,7 @@
                   <a:schemeClr val="bg1"/>
                 </a:solidFill>
               </a:rPr>
-              <a:t>Click </a:t>
+              <a:t>On Click </a:t>
             </a:r>
             <a:r>
               <a:rPr lang="bg-BG" dirty="0"/>
@@ -9929,16 +10290,8 @@
           <a:p>
             <a:pPr lvl="1"/>
             <a:r>
-              <a:rPr lang="en-US" dirty="0" smtClean="0"/>
+              <a:rPr lang="en-US" dirty="0"/>
               <a:t>͏</a:t>
-            </a:r>
-            <a:r>
-              <a:rPr lang="en-US" b="1" dirty="0" smtClean="0">
-                <a:solidFill>
-                  <a:schemeClr val="bg1"/>
-                </a:solidFill>
-              </a:rPr>
-              <a:t>With </a:t>
             </a:r>
             <a:r>
               <a:rPr lang="en-US" b="1" dirty="0">
@@ -9946,7 +10299,7 @@
                   <a:schemeClr val="bg1"/>
                 </a:solidFill>
               </a:rPr>
-              <a:t>Previous</a:t>
+              <a:t>With Previous</a:t>
             </a:r>
             <a:r>
               <a:rPr lang="bg-BG" b="1" dirty="0">
@@ -9984,16 +10337,8 @@
           <a:p>
             <a:pPr lvl="1"/>
             <a:r>
-              <a:rPr lang="en-US" dirty="0" smtClean="0"/>
+              <a:rPr lang="en-US" dirty="0"/>
               <a:t>͏</a:t>
-            </a:r>
-            <a:r>
-              <a:rPr lang="en-US" b="1" dirty="0" smtClean="0">
-                <a:solidFill>
-                  <a:schemeClr val="bg1"/>
-                </a:solidFill>
-              </a:rPr>
-              <a:t>After </a:t>
             </a:r>
             <a:r>
               <a:rPr lang="en-US" b="1" dirty="0">
@@ -10001,7 +10346,7 @@
                   <a:schemeClr val="bg1"/>
                 </a:solidFill>
               </a:rPr>
-              <a:t>Previous </a:t>
+              <a:t>After Previous </a:t>
             </a:r>
             <a:r>
               <a:rPr lang="en-US" dirty="0"/>
@@ -10049,10 +10394,9 @@
           <a:lstStyle/>
           <a:p>
             <a:r>
-              <a:rPr lang="en-US" dirty="0" smtClean="0"/>
+              <a:rPr lang="en-US" dirty="0"/>
               <a:t>Start</a:t>
             </a:r>
-            <a:endParaRPr lang="en-US" dirty="0"/>
           </a:p>
         </p:txBody>
       </p:sp>
@@ -10065,14 +10409,20 @@
           <p:nvPr/>
         </p:nvPicPr>
         <p:blipFill rotWithShape="1">
-          <a:blip r:embed="rId2"/>
-          <a:srcRect r="41660"/>
+          <a:blip r:embed="rId2">
+            <a:extLst>
+              <a:ext uri="{28A0092B-C50C-407E-A947-70E740481C1C}">
+                <a14:useLocalDpi xmlns:a14="http://schemas.microsoft.com/office/drawing/2010/main" val="0"/>
+              </a:ext>
+            </a:extLst>
+          </a:blip>
+          <a:srcRect t="-912" b="2451"/>
           <a:stretch/>
         </p:blipFill>
         <p:spPr>
           <a:xfrm>
-            <a:off x="7895810" y="3312075"/>
-            <a:ext cx="3157232" cy="1783658"/>
+            <a:off x="7895810" y="3249000"/>
+            <a:ext cx="3157232" cy="1846733"/>
           </a:xfrm>
           <a:prstGeom prst="rect">
             <a:avLst/>
@@ -10095,15 +10445,20 @@
           <p:nvPr/>
         </p:nvPicPr>
         <p:blipFill>
-          <a:blip r:embed="rId3"/>
-          <a:stretch>
-            <a:fillRect/>
-          </a:stretch>
+          <a:blip r:embed="rId3">
+            <a:extLst>
+              <a:ext uri="{28A0092B-C50C-407E-A947-70E740481C1C}">
+                <a14:useLocalDpi xmlns:a14="http://schemas.microsoft.com/office/drawing/2010/main" val="0"/>
+              </a:ext>
+            </a:extLst>
+          </a:blip>
+          <a:srcRect/>
+          <a:stretch/>
         </p:blipFill>
         <p:spPr>
           <a:xfrm>
-            <a:off x="8880795" y="3735418"/>
-            <a:ext cx="2248979" cy="1444081"/>
+            <a:off x="9091212" y="3735418"/>
+            <a:ext cx="1828144" cy="1444081"/>
           </a:xfrm>
           <a:prstGeom prst="rect">
             <a:avLst/>
@@ -10875,21 +11230,14 @@
   <p:clrMapOvr>
     <a:masterClrMapping/>
   </p:clrMapOvr>
-  <mc:AlternateContent xmlns:mc="http://schemas.openxmlformats.org/markup-compatibility/2006" xmlns:p14="http://schemas.microsoft.com/office/powerpoint/2010/main">
-    <mc:Choice Requires="p14">
-      <p:transition spd="slow" p14:dur="2000" advClick="0" advTm="5000"/>
+  <mc:AlternateContent xmlns:mc="http://schemas.openxmlformats.org/markup-compatibility/2006">
+    <mc:Choice xmlns:p14="http://schemas.microsoft.com/office/powerpoint/2010/main" Requires="p14">
+      <p:transition p14:dur="0" advClick="0" advTm="5000"/>
     </mc:Choice>
-    <mc:Fallback xmlns="">
-      <p:transition spd="slow" advClick="0" advTm="5000"/>
+    <mc:Fallback>
+      <p:transition advClick="0" advTm="5000"/>
     </mc:Fallback>
   </mc:AlternateContent>
-  <p:timing>
-    <p:tnLst>
-      <p:par>
-        <p:cTn id="1" dur="indefinite" restart="never" nodeType="tmRoot"/>
-      </p:par>
-    </p:tnLst>
-  </p:timing>
 </p:sld>
 </file>
 
@@ -10931,118 +11279,113 @@
           <a:lstStyle/>
           <a:p>
             <a:r>
-              <a:rPr lang="bg-BG" b="1" dirty="0" smtClean="0"/>
+              <a:rPr lang="bg-BG" b="1" dirty="0"/>
               <a:t>Преходите</a:t>
             </a:r>
             <a:r>
-              <a:rPr lang="bg-BG" dirty="0" smtClean="0"/>
+              <a:rPr lang="bg-BG" dirty="0"/>
               <a:t> между </a:t>
             </a:r>
             <a:r>
-              <a:rPr lang="bg-BG" b="1" dirty="0" smtClean="0"/>
+              <a:rPr lang="bg-BG" b="1" dirty="0"/>
               <a:t>слайдовете</a:t>
             </a:r>
             <a:r>
-              <a:rPr lang="bg-BG" dirty="0" smtClean="0"/>
+              <a:rPr lang="bg-BG" dirty="0"/>
               <a:t> са </a:t>
             </a:r>
             <a:r>
-              <a:rPr lang="bg-BG" b="1" dirty="0" smtClean="0"/>
+              <a:rPr lang="bg-BG" b="1" dirty="0"/>
               <a:t>подобни</a:t>
             </a:r>
             <a:r>
-              <a:rPr lang="bg-BG" dirty="0" smtClean="0"/>
+              <a:rPr lang="bg-BG" dirty="0"/>
               <a:t> на </a:t>
             </a:r>
             <a:r>
-              <a:rPr lang="bg-BG" b="1" dirty="0" smtClean="0"/>
+              <a:rPr lang="bg-BG" b="1" dirty="0"/>
               <a:t>анимационните</a:t>
             </a:r>
             <a:r>
-              <a:rPr lang="bg-BG" dirty="0" smtClean="0"/>
+              <a:rPr lang="bg-BG" dirty="0"/>
               <a:t> </a:t>
             </a:r>
             <a:r>
-              <a:rPr lang="bg-BG" b="1" dirty="0" smtClean="0"/>
+              <a:rPr lang="bg-BG" b="1" dirty="0"/>
               <a:t>ефекти</a:t>
             </a:r>
             <a:r>
-              <a:rPr lang="bg-BG" dirty="0" smtClean="0"/>
+              <a:rPr lang="bg-BG" dirty="0"/>
               <a:t> на елементи от слайд</a:t>
             </a:r>
           </a:p>
           <a:p>
             <a:r>
-              <a:rPr lang="bg-BG" b="1" dirty="0" smtClean="0"/>
+              <a:rPr lang="bg-BG" b="1" dirty="0"/>
               <a:t>Анимациите</a:t>
             </a:r>
             <a:r>
-              <a:rPr lang="bg-BG" dirty="0" smtClean="0"/>
+              <a:rPr lang="bg-BG" dirty="0"/>
               <a:t> между слайдовете са начина на </a:t>
             </a:r>
             <a:r>
-              <a:rPr lang="bg-BG" b="1" dirty="0" smtClean="0"/>
+              <a:rPr lang="bg-BG" b="1" dirty="0"/>
               <a:t>появяване</a:t>
             </a:r>
             <a:r>
-              <a:rPr lang="bg-BG" dirty="0" smtClean="0"/>
+              <a:rPr lang="bg-BG" dirty="0"/>
               <a:t> на </a:t>
             </a:r>
             <a:r>
-              <a:rPr lang="bg-BG" b="1" dirty="0" smtClean="0"/>
+              <a:rPr lang="bg-BG" b="1" dirty="0"/>
               <a:t>слайд</a:t>
             </a:r>
             <a:r>
-              <a:rPr lang="bg-BG" dirty="0" smtClean="0"/>
+              <a:rPr lang="bg-BG" dirty="0"/>
               <a:t> в </a:t>
             </a:r>
             <a:r>
-              <a:rPr lang="bg-BG" b="1" dirty="0" smtClean="0"/>
+              <a:rPr lang="bg-BG" b="1" dirty="0"/>
               <a:t>презентация</a:t>
             </a:r>
           </a:p>
           <a:p>
             <a:r>
-              <a:rPr lang="bg-BG" b="1" dirty="0" smtClean="0"/>
+              <a:rPr lang="bg-BG" b="1" dirty="0"/>
               <a:t>Преходите</a:t>
             </a:r>
             <a:r>
-              <a:rPr lang="bg-BG" dirty="0" smtClean="0"/>
+              <a:rPr lang="bg-BG" dirty="0"/>
               <a:t> се </a:t>
             </a:r>
             <a:r>
-              <a:rPr lang="bg-BG" b="1" dirty="0" smtClean="0"/>
+              <a:rPr lang="bg-BG" b="1" dirty="0"/>
               <a:t>задават</a:t>
             </a:r>
             <a:r>
-              <a:rPr lang="bg-BG" dirty="0" smtClean="0"/>
+              <a:rPr lang="bg-BG" dirty="0"/>
               <a:t> и </a:t>
             </a:r>
             <a:r>
-              <a:rPr lang="bg-BG" b="1" dirty="0" smtClean="0"/>
+              <a:rPr lang="bg-BG" b="1" dirty="0"/>
               <a:t>настройват</a:t>
             </a:r>
             <a:r>
-              <a:rPr lang="bg-BG" dirty="0" smtClean="0"/>
+              <a:rPr lang="bg-BG" dirty="0"/>
               <a:t> от </a:t>
             </a:r>
             <a:r>
-              <a:rPr lang="bg-BG" b="1" dirty="0" smtClean="0"/>
+              <a:rPr lang="bg-BG" b="1" dirty="0"/>
               <a:t>менюто </a:t>
             </a:r>
             <a:r>
-              <a:rPr lang="en-US" b="1" dirty="0" smtClean="0">
+              <a:rPr lang="en-US" b="1" dirty="0">
                 <a:solidFill>
                   <a:schemeClr val="bg1"/>
                 </a:solidFill>
               </a:rPr>
               <a:t>Transition</a:t>
             </a:r>
-            <a:endParaRPr lang="en-US" b="1" dirty="0">
-              <a:solidFill>
-                <a:schemeClr val="bg1"/>
-              </a:solidFill>
-            </a:endParaRPr>
           </a:p>
         </p:txBody>
       </p:sp>
@@ -11065,15 +11408,7 @@
           <a:p>
             <a:r>
               <a:rPr lang="ru-RU" dirty="0"/>
-              <a:t>͏Анимационни ефекти </a:t>
-            </a:r>
-            <a:r>
-              <a:rPr lang="ru-RU" dirty="0" smtClean="0"/>
-              <a:t>между </a:t>
-            </a:r>
-            <a:r>
-              <a:rPr lang="ru-RU" dirty="0"/>
-              <a:t>слайдове</a:t>
+              <a:t>͏Анимационни ефекти между слайдове</a:t>
             </a:r>
             <a:endParaRPr lang="en-US" dirty="0"/>
           </a:p>
@@ -11088,15 +11423,20 @@
           <p:nvPr/>
         </p:nvPicPr>
         <p:blipFill>
-          <a:blip r:embed="rId2"/>
-          <a:stretch>
-            <a:fillRect/>
-          </a:stretch>
+          <a:blip r:embed="rId2">
+            <a:extLst>
+              <a:ext uri="{28A0092B-C50C-407E-A947-70E740481C1C}">
+                <a14:useLocalDpi xmlns:a14="http://schemas.microsoft.com/office/drawing/2010/main" val="0"/>
+              </a:ext>
+            </a:extLst>
+          </a:blip>
+          <a:srcRect/>
+          <a:stretch/>
         </p:blipFill>
         <p:spPr>
           <a:xfrm>
-            <a:off x="1133213" y="4914000"/>
-            <a:ext cx="9925574" cy="1406896"/>
+            <a:off x="462246" y="4869000"/>
+            <a:ext cx="11267508" cy="1337591"/>
           </a:xfrm>
           <a:prstGeom prst="rect">
             <a:avLst/>
@@ -11120,13 +11460,13 @@
   <p:clrMapOvr>
     <a:masterClrMapping/>
   </p:clrMapOvr>
-  <mc:AlternateContent xmlns:mc="http://schemas.openxmlformats.org/markup-compatibility/2006">
-    <mc:Choice xmlns:p15="http://schemas.microsoft.com/office/powerpoint/2012/main" Requires="p15">
+  <mc:AlternateContent xmlns:mc="http://schemas.openxmlformats.org/markup-compatibility/2006" xmlns:p15="http://schemas.microsoft.com/office/powerpoint/2012/main">
+    <mc:Choice Requires="p15">
       <p:transition xmlns:p14="http://schemas.microsoft.com/office/powerpoint/2010/main" spd="slow" p14:dur="6000" advClick="0" advTm="5000">
         <p15:prstTrans prst="curtains"/>
       </p:transition>
     </mc:Choice>
-    <mc:Fallback>
+    <mc:Fallback xmlns="">
       <p:transition spd="slow" advClick="0" advTm="5000">
         <p:fade/>
       </p:transition>
@@ -11370,38 +11710,33 @@
           <a:lstStyle/>
           <a:p>
             <a:r>
-              <a:rPr lang="bg-BG" b="1" dirty="0" smtClean="0"/>
+              <a:rPr lang="bg-BG" b="1" dirty="0"/>
               <a:t>Преходите</a:t>
             </a:r>
             <a:r>
-              <a:rPr lang="bg-BG" dirty="0" smtClean="0"/>
+              <a:rPr lang="bg-BG" dirty="0"/>
               <a:t> между слайдовете се </a:t>
             </a:r>
             <a:r>
-              <a:rPr lang="bg-BG" b="1" dirty="0" smtClean="0"/>
+              <a:rPr lang="bg-BG" b="1" dirty="0"/>
               <a:t>задават</a:t>
             </a:r>
             <a:r>
-              <a:rPr lang="bg-BG" dirty="0" smtClean="0"/>
+              <a:rPr lang="bg-BG" dirty="0"/>
               <a:t> от </a:t>
             </a:r>
             <a:r>
-              <a:rPr lang="bg-BG" b="1" dirty="0" smtClean="0"/>
+              <a:rPr lang="bg-BG" b="1" dirty="0"/>
               <a:t>панела </a:t>
             </a:r>
             <a:r>
-              <a:rPr lang="en-US" b="1" dirty="0" smtClean="0">
+              <a:rPr lang="en-US" b="1" dirty="0">
                 <a:solidFill>
                   <a:schemeClr val="bg1"/>
                 </a:solidFill>
               </a:rPr>
               <a:t>Transition to This Slide</a:t>
             </a:r>
-            <a:endParaRPr lang="en-US" b="1" dirty="0">
-              <a:solidFill>
-                <a:schemeClr val="bg1"/>
-              </a:solidFill>
-            </a:endParaRPr>
           </a:p>
         </p:txBody>
       </p:sp>
@@ -11421,7 +11756,7 @@
           <a:lstStyle/>
           <a:p>
             <a:r>
-              <a:rPr lang="bg-BG" dirty="0" smtClean="0"/>
+              <a:rPr lang="bg-BG" dirty="0"/>
               <a:t>Преходи между слайдове</a:t>
             </a:r>
             <a:endParaRPr lang="en-US" dirty="0"/>
@@ -11437,14 +11772,20 @@
           <p:nvPr/>
         </p:nvPicPr>
         <p:blipFill rotWithShape="1">
-          <a:blip r:embed="rId2"/>
-          <a:srcRect l="8335" r="40386"/>
+          <a:blip r:embed="rId3">
+            <a:extLst>
+              <a:ext uri="{28A0092B-C50C-407E-A947-70E740481C1C}">
+                <a14:useLocalDpi xmlns:a14="http://schemas.microsoft.com/office/drawing/2010/main" val="0"/>
+              </a:ext>
+            </a:extLst>
+          </a:blip>
+          <a:srcRect l="-16" r="137"/>
           <a:stretch/>
         </p:blipFill>
         <p:spPr>
           <a:xfrm>
-            <a:off x="3939450" y="2463019"/>
-            <a:ext cx="4320000" cy="1194104"/>
+            <a:off x="3846000" y="2463019"/>
+            <a:ext cx="4500000" cy="1194104"/>
           </a:xfrm>
           <a:prstGeom prst="rect">
             <a:avLst/>
@@ -11467,14 +11808,20 @@
           <p:nvPr/>
         </p:nvPicPr>
         <p:blipFill rotWithShape="1">
-          <a:blip r:embed="rId3"/>
-          <a:srcRect b="29951"/>
+          <a:blip r:embed="rId4">
+            <a:extLst>
+              <a:ext uri="{28A0092B-C50C-407E-A947-70E740481C1C}">
+                <a14:useLocalDpi xmlns:a14="http://schemas.microsoft.com/office/drawing/2010/main" val="0"/>
+              </a:ext>
+            </a:extLst>
+          </a:blip>
+          <a:srcRect t="29389" b="21173"/>
           <a:stretch/>
         </p:blipFill>
         <p:spPr>
           <a:xfrm>
-            <a:off x="2621355" y="3319670"/>
-            <a:ext cx="6894645" cy="3317236"/>
+            <a:off x="2766000" y="3339000"/>
+            <a:ext cx="7494673" cy="2849877"/>
           </a:xfrm>
           <a:prstGeom prst="rect">
             <a:avLst/>
@@ -11691,15 +12038,15 @@
           <a:lstStyle/>
           <a:p>
             <a:r>
-              <a:rPr lang="bg-BG" dirty="0" smtClean="0"/>
+              <a:rPr lang="bg-BG" dirty="0"/>
               <a:t>Както и при анимациите при елементи, можете да настройвате </a:t>
             </a:r>
             <a:r>
-              <a:rPr lang="bg-BG" b="1" dirty="0" smtClean="0"/>
+              <a:rPr lang="bg-BG" b="1" dirty="0"/>
               <a:t>допълнителни характеристики </a:t>
             </a:r>
             <a:r>
-              <a:rPr lang="bg-BG" dirty="0" smtClean="0"/>
+              <a:rPr lang="bg-BG" dirty="0"/>
               <a:t>на прехода от </a:t>
             </a:r>
             <a:r>
@@ -11726,7 +12073,6 @@
               <a:rPr lang="bg-BG" dirty="0"/>
               <a:t>)</a:t>
             </a:r>
-            <a:endParaRPr lang="bg-BG" dirty="0" smtClean="0"/>
           </a:p>
           <a:p>
             <a:pPr lvl="1"/>
@@ -11740,13 +12086,8 @@
             </a:r>
             <a:r>
               <a:rPr lang="bg-BG" b="1" dirty="0"/>
-              <a:t>избрания </a:t>
-            </a:r>
-            <a:r>
-              <a:rPr lang="bg-BG" b="1" dirty="0" smtClean="0"/>
-              <a:t>ефект</a:t>
-            </a:r>
-            <a:endParaRPr lang="bg-BG" b="1" dirty="0"/>
+              <a:t>избрания ефект</a:t>
+            </a:r>
           </a:p>
           <a:p>
             <a:pPr lvl="1"/>
@@ -11770,10 +12111,9 @@
           <a:lstStyle/>
           <a:p>
             <a:r>
-              <a:rPr lang="en-US" dirty="0" smtClean="0"/>
+              <a:rPr lang="en-US" dirty="0"/>
               <a:t>Effect Options</a:t>
             </a:r>
-            <a:endParaRPr lang="en-US" dirty="0"/>
           </a:p>
         </p:txBody>
       </p:sp>
@@ -11786,15 +12126,20 @@
           <p:nvPr/>
         </p:nvPicPr>
         <p:blipFill>
-          <a:blip r:embed="rId2"/>
-          <a:stretch>
-            <a:fillRect/>
-          </a:stretch>
+          <a:blip r:embed="rId2">
+            <a:extLst>
+              <a:ext uri="{28A0092B-C50C-407E-A947-70E740481C1C}">
+                <a14:useLocalDpi xmlns:a14="http://schemas.microsoft.com/office/drawing/2010/main" val="0"/>
+              </a:ext>
+            </a:extLst>
+          </a:blip>
+          <a:srcRect/>
+          <a:stretch/>
         </p:blipFill>
         <p:spPr>
           <a:xfrm>
-            <a:off x="8742122" y="2034000"/>
-            <a:ext cx="987574" cy="1472993"/>
+            <a:off x="8706000" y="1854000"/>
+            <a:ext cx="1203696" cy="1740479"/>
           </a:xfrm>
           <a:prstGeom prst="rect">
             <a:avLst/>
@@ -11817,19 +12162,31 @@
           <p:nvPr/>
         </p:nvPicPr>
         <p:blipFill>
-          <a:blip r:embed="rId3"/>
-          <a:stretch>
-            <a:fillRect/>
-          </a:stretch>
+          <a:blip r:embed="rId3">
+            <a:extLst>
+              <a:ext uri="{28A0092B-C50C-407E-A947-70E740481C1C}">
+                <a14:useLocalDpi xmlns:a14="http://schemas.microsoft.com/office/drawing/2010/main" val="0"/>
+              </a:ext>
+            </a:extLst>
+          </a:blip>
+          <a:srcRect l="2293" t="47320" r="4853" b="1993"/>
+          <a:stretch/>
         </p:blipFill>
         <p:spPr>
           <a:xfrm>
-            <a:off x="7986000" y="3294000"/>
-            <a:ext cx="2475000" cy="2947930"/>
+            <a:off x="8076000" y="3370404"/>
+            <a:ext cx="2610000" cy="2945252"/>
           </a:xfrm>
           <a:prstGeom prst="rect">
             <a:avLst/>
           </a:prstGeom>
+          <a:ln>
+            <a:solidFill>
+              <a:schemeClr val="bg2">
+                <a:lumMod val="75000"/>
+              </a:schemeClr>
+            </a:solidFill>
+          </a:ln>
         </p:spPr>
       </p:pic>
     </p:spTree>
@@ -12122,19 +12479,19 @@
               <a:t>) се задават </a:t>
             </a:r>
             <a:r>
-              <a:rPr lang="bg-BG" b="1" dirty="0" smtClean="0"/>
+              <a:rPr lang="bg-BG" b="1" dirty="0"/>
               <a:t>времеви </a:t>
             </a:r>
             <a:r>
-              <a:rPr lang="bg-BG" dirty="0" smtClean="0"/>
+              <a:rPr lang="bg-BG" dirty="0"/>
               <a:t>и</a:t>
             </a:r>
             <a:r>
-              <a:rPr lang="bg-BG" b="1" dirty="0" smtClean="0"/>
+              <a:rPr lang="bg-BG" b="1" dirty="0"/>
               <a:t> звукови</a:t>
             </a:r>
             <a:r>
-              <a:rPr lang="bg-BG" dirty="0" smtClean="0"/>
+              <a:rPr lang="bg-BG" dirty="0"/>
               <a:t> </a:t>
             </a:r>
             <a:r>
@@ -12143,22 +12500,17 @@
             </a:r>
             <a:r>
               <a:rPr lang="bg-BG" dirty="0"/>
-              <a:t> на </a:t>
-            </a:r>
-            <a:r>
-              <a:rPr lang="bg-BG" dirty="0" smtClean="0"/>
-              <a:t>прехода:</a:t>
-            </a:r>
-            <a:endParaRPr lang="bg-BG" dirty="0"/>
+              <a:t> на прехода:</a:t>
+            </a:r>
           </a:p>
           <a:p>
             <a:pPr lvl="1"/>
             <a:r>
-              <a:rPr lang="en-US" dirty="0" smtClean="0"/>
+              <a:rPr lang="en-US" dirty="0"/>
               <a:t>͏</a:t>
             </a:r>
             <a:r>
-              <a:rPr lang="en-US" b="1" dirty="0" smtClean="0">
+              <a:rPr lang="en-US" b="1" dirty="0">
                 <a:solidFill>
                   <a:schemeClr val="bg1"/>
                 </a:solidFill>
@@ -12166,19 +12518,19 @@
               <a:t>Sound</a:t>
             </a:r>
             <a:r>
-              <a:rPr lang="bg-BG" dirty="0" smtClean="0"/>
+              <a:rPr lang="bg-BG" dirty="0"/>
               <a:t> </a:t>
             </a:r>
             <a:r>
-              <a:rPr lang="en-US" dirty="0" smtClean="0"/>
+              <a:rPr lang="en-US" dirty="0"/>
               <a:t>(</a:t>
             </a:r>
             <a:r>
-              <a:rPr lang="bg-BG" b="1" dirty="0" smtClean="0"/>
+              <a:rPr lang="bg-BG" b="1" dirty="0"/>
               <a:t>Звук</a:t>
             </a:r>
             <a:r>
-              <a:rPr lang="en-US" dirty="0" smtClean="0"/>
+              <a:rPr lang="en-US" dirty="0"/>
               <a:t>)</a:t>
             </a:r>
           </a:p>
@@ -12198,11 +12550,7 @@
             </a:r>
             <a:r>
               <a:rPr lang="bg-BG" dirty="0"/>
-              <a:t> </a:t>
-            </a:r>
-            <a:r>
-              <a:rPr lang="bg-BG" dirty="0" smtClean="0"/>
-              <a:t>може да</a:t>
+              <a:t> може да</a:t>
             </a:r>
           </a:p>
           <a:p>
@@ -12213,26 +12561,26 @@
               <a:buNone/>
             </a:pPr>
             <a:r>
-              <a:rPr lang="bg-BG" dirty="0" smtClean="0"/>
+              <a:rPr lang="bg-BG" dirty="0"/>
               <a:t>изберете </a:t>
             </a:r>
             <a:r>
-              <a:rPr lang="bg-BG" b="1" dirty="0" smtClean="0"/>
+              <a:rPr lang="bg-BG" b="1" dirty="0"/>
               <a:t>звук</a:t>
             </a:r>
             <a:r>
-              <a:rPr lang="bg-BG" dirty="0" smtClean="0"/>
+              <a:rPr lang="bg-BG" dirty="0"/>
               <a:t> при прехода</a:t>
             </a:r>
           </a:p>
           <a:p>
             <a:pPr lvl="1"/>
             <a:r>
-              <a:rPr lang="en-US" dirty="0" smtClean="0"/>
+              <a:rPr lang="en-US" dirty="0"/>
               <a:t>͏</a:t>
             </a:r>
             <a:r>
-              <a:rPr lang="en-US" b="1" dirty="0" smtClean="0">
+              <a:rPr lang="en-US" b="1" dirty="0">
                 <a:solidFill>
                   <a:schemeClr val="bg1"/>
                 </a:solidFill>
@@ -12240,12 +12588,8 @@
               <a:t>Duration</a:t>
             </a:r>
             <a:r>
-              <a:rPr lang="en-US" dirty="0" smtClean="0"/>
-              <a:t> </a:t>
-            </a:r>
-            <a:r>
               <a:rPr lang="en-US" dirty="0"/>
-              <a:t>(</a:t>
+              <a:t> (</a:t>
             </a:r>
             <a:r>
               <a:rPr lang="bg-BG" b="1" dirty="0"/>
@@ -12272,30 +12616,30 @@
               <a:t>се задава </a:t>
             </a:r>
             <a:r>
-              <a:rPr lang="bg-BG" b="1" dirty="0" smtClean="0"/>
+              <a:rPr lang="bg-BG" b="1" dirty="0"/>
               <a:t>времетраенето</a:t>
             </a:r>
             <a:r>
-              <a:rPr lang="bg-BG" dirty="0" smtClean="0"/>
+              <a:rPr lang="bg-BG" dirty="0"/>
               <a:t> на</a:t>
             </a:r>
             <a:r>
-              <a:rPr lang="en-US" dirty="0" smtClean="0"/>
+              <a:rPr lang="en-US" dirty="0"/>
               <a:t> </a:t>
             </a:r>
             <a:r>
-              <a:rPr lang="bg-BG" dirty="0" smtClean="0"/>
+              <a:rPr lang="bg-BG" dirty="0"/>
               <a:t>прехода</a:t>
             </a:r>
           </a:p>
           <a:p>
             <a:pPr lvl="1"/>
             <a:r>
-              <a:rPr lang="en-US" dirty="0" smtClean="0"/>
+              <a:rPr lang="en-US" dirty="0"/>
               <a:t>͏</a:t>
             </a:r>
             <a:r>
-              <a:rPr lang="en-US" b="1" dirty="0" smtClean="0">
+              <a:rPr lang="en-US" b="1" dirty="0">
                 <a:solidFill>
                   <a:schemeClr val="bg1"/>
                 </a:solidFill>
@@ -12303,47 +12647,47 @@
               <a:t>Advance Slide </a:t>
             </a:r>
             <a:r>
-              <a:rPr lang="en-US" dirty="0" smtClean="0"/>
+              <a:rPr lang="en-US" dirty="0"/>
               <a:t>(</a:t>
             </a:r>
             <a:r>
-              <a:rPr lang="bg-BG" b="1" dirty="0" smtClean="0"/>
+              <a:rPr lang="bg-BG" b="1" dirty="0"/>
               <a:t>Премини към следващ слайд</a:t>
             </a:r>
             <a:r>
-              <a:rPr lang="en-US" dirty="0" smtClean="0"/>
+              <a:rPr lang="en-US" dirty="0"/>
               <a:t>)</a:t>
             </a:r>
-            <a:endParaRPr lang="bg-BG" dirty="0" smtClean="0"/>
+            <a:endParaRPr lang="bg-BG" dirty="0"/>
           </a:p>
           <a:p>
             <a:pPr lvl="2"/>
             <a:r>
-              <a:rPr lang="bg-BG" dirty="0" smtClean="0"/>
+              <a:rPr lang="bg-BG" dirty="0"/>
               <a:t>От </a:t>
             </a:r>
             <a:r>
-              <a:rPr lang="bg-BG" b="1" dirty="0" smtClean="0"/>
+              <a:rPr lang="bg-BG" b="1" dirty="0"/>
               <a:t>опциите</a:t>
             </a:r>
             <a:r>
-              <a:rPr lang="bg-BG" dirty="0" smtClean="0"/>
+              <a:rPr lang="bg-BG" dirty="0"/>
               <a:t> се задава </a:t>
             </a:r>
             <a:r>
-              <a:rPr lang="bg-BG" b="1" dirty="0" smtClean="0"/>
+              <a:rPr lang="bg-BG" b="1" dirty="0"/>
               <a:t>начина</a:t>
             </a:r>
             <a:r>
-              <a:rPr lang="bg-BG" dirty="0" smtClean="0"/>
+              <a:rPr lang="bg-BG" dirty="0"/>
               <a:t> за </a:t>
             </a:r>
             <a:r>
-              <a:rPr lang="bg-BG" b="1" dirty="0" smtClean="0"/>
+              <a:rPr lang="bg-BG" b="1" dirty="0"/>
               <a:t>преминаване</a:t>
             </a:r>
             <a:r>
-              <a:rPr lang="bg-BG" dirty="0" smtClean="0"/>
+              <a:rPr lang="bg-BG" dirty="0"/>
               <a:t> към следващ слайд</a:t>
             </a:r>
           </a:p>
@@ -12377,10 +12721,9 @@
           <a:lstStyle/>
           <a:p>
             <a:r>
-              <a:rPr lang="en-US" dirty="0" smtClean="0"/>
+              <a:rPr lang="en-US" dirty="0"/>
               <a:t>Timing</a:t>
             </a:r>
-            <a:endParaRPr lang="en-US" dirty="0"/>
           </a:p>
         </p:txBody>
       </p:sp>
@@ -12393,15 +12736,20 @@
           <p:nvPr/>
         </p:nvPicPr>
         <p:blipFill>
-          <a:blip r:embed="rId2"/>
-          <a:stretch>
-            <a:fillRect/>
-          </a:stretch>
+          <a:blip r:embed="rId2">
+            <a:extLst>
+              <a:ext uri="{28A0092B-C50C-407E-A947-70E740481C1C}">
+                <a14:useLocalDpi xmlns:a14="http://schemas.microsoft.com/office/drawing/2010/main" val="0"/>
+              </a:ext>
+            </a:extLst>
+          </a:blip>
+          <a:srcRect/>
+          <a:stretch/>
         </p:blipFill>
         <p:spPr>
           <a:xfrm>
-            <a:off x="6591000" y="2558761"/>
-            <a:ext cx="4875266" cy="1487370"/>
+            <a:off x="6591000" y="2551256"/>
+            <a:ext cx="4875265" cy="1535516"/>
           </a:xfrm>
           <a:prstGeom prst="rect">
             <a:avLst/>
@@ -12423,8 +12771,8 @@
         </p:nvSpPr>
         <p:spPr bwMode="auto">
           <a:xfrm>
-            <a:off x="6591000" y="2574000"/>
-            <a:ext cx="2655000" cy="405000"/>
+            <a:off x="6590999" y="2574000"/>
+            <a:ext cx="2744999" cy="405000"/>
           </a:xfrm>
           <a:prstGeom prst="rect">
             <a:avLst/>
@@ -12489,8 +12837,8 @@
         </p:nvSpPr>
         <p:spPr bwMode="auto">
           <a:xfrm>
-            <a:off x="6591000" y="2979000"/>
-            <a:ext cx="2655000" cy="405000"/>
+            <a:off x="6590999" y="2979000"/>
+            <a:ext cx="2744999" cy="405000"/>
           </a:xfrm>
           <a:prstGeom prst="rect">
             <a:avLst/>
@@ -12555,8 +12903,8 @@
         </p:nvSpPr>
         <p:spPr bwMode="auto">
           <a:xfrm>
-            <a:off x="9246000" y="2574000"/>
-            <a:ext cx="2220266" cy="1215000"/>
+            <a:off x="9336000" y="2574000"/>
+            <a:ext cx="2130266" cy="1215000"/>
           </a:xfrm>
           <a:prstGeom prst="rect">
             <a:avLst/>
@@ -13243,23 +13591,23 @@
           <a:lstStyle/>
           <a:p>
             <a:r>
-              <a:rPr lang="bg-BG" dirty="0" smtClean="0"/>
+              <a:rPr lang="bg-BG" dirty="0"/>
               <a:t>͏͏</a:t>
             </a:r>
             <a:r>
-              <a:rPr lang="bg-BG" b="1" dirty="0" smtClean="0"/>
+              <a:rPr lang="bg-BG" b="1" dirty="0"/>
               <a:t>Анимационни ефекти </a:t>
             </a:r>
             <a:r>
-              <a:rPr lang="bg-BG" dirty="0" smtClean="0"/>
+              <a:rPr lang="bg-BG" dirty="0"/>
               <a:t>на </a:t>
             </a:r>
             <a:r>
-              <a:rPr lang="bg-BG" b="1" dirty="0" smtClean="0"/>
+              <a:rPr lang="bg-BG" b="1" dirty="0"/>
               <a:t>елемент</a:t>
             </a:r>
             <a:r>
-              <a:rPr lang="bg-BG" dirty="0" smtClean="0"/>
+              <a:rPr lang="bg-BG" dirty="0"/>
               <a:t> от слайд</a:t>
             </a:r>
           </a:p>
@@ -13383,13 +13731,6 @@
       <p:transition spd="slow" advClick="0" advTm="5000"/>
     </mc:Fallback>
   </mc:AlternateContent>
-  <p:timing>
-    <p:tnLst>
-      <p:par>
-        <p:cTn id="1" dur="indefinite" restart="never" nodeType="tmRoot"/>
-      </p:par>
-    </p:tnLst>
-  </p:timing>
 </p:sld>
 </file>
 
@@ -13468,37 +13809,25 @@
                   <a:schemeClr val="bg1"/>
                 </a:solidFill>
               </a:rPr>
-              <a:t>Advance </a:t>
-            </a:r>
-            <a:r>
-              <a:rPr lang="en-US" b="1" dirty="0" smtClean="0">
-                <a:solidFill>
-                  <a:schemeClr val="bg1"/>
-                </a:solidFill>
-              </a:rPr>
-              <a:t>Slide</a:t>
-            </a:r>
-            <a:r>
-              <a:rPr lang="en-US" b="1" dirty="0" smtClean="0"/>
+              <a:t>Advance Slide</a:t>
+            </a:r>
+            <a:r>
+              <a:rPr lang="en-US" b="1" dirty="0"/>
               <a:t> </a:t>
             </a:r>
             <a:r>
               <a:rPr lang="bg-BG" dirty="0"/>
-              <a:t>са</a:t>
-            </a:r>
-            <a:r>
-              <a:rPr lang="bg-BG" dirty="0" smtClean="0"/>
-              <a:t>:</a:t>
+              <a:t>са:</a:t>
             </a:r>
           </a:p>
           <a:p>
             <a:pPr lvl="1"/>
             <a:r>
-              <a:rPr lang="en-US" dirty="0" smtClean="0"/>
+              <a:rPr lang="en-US" dirty="0"/>
               <a:t>͏</a:t>
             </a:r>
             <a:r>
-              <a:rPr lang="en-US" b="1" dirty="0" smtClean="0">
+              <a:rPr lang="en-US" b="1" dirty="0">
                 <a:solidFill>
                   <a:schemeClr val="bg1"/>
                 </a:solidFill>
@@ -13506,50 +13835,49 @@
               <a:t>On Mouse Click </a:t>
             </a:r>
             <a:r>
-              <a:rPr lang="en-US" dirty="0" smtClean="0"/>
+              <a:rPr lang="en-US" dirty="0"/>
               <a:t>(</a:t>
             </a:r>
             <a:r>
-              <a:rPr lang="bg-BG" b="1" dirty="0" smtClean="0"/>
+              <a:rPr lang="bg-BG" b="1" dirty="0"/>
               <a:t>При щракване с мишката</a:t>
             </a:r>
             <a:r>
-              <a:rPr lang="en-US" dirty="0" smtClean="0"/>
+              <a:rPr lang="en-US" dirty="0"/>
               <a:t>)</a:t>
             </a:r>
-            <a:endParaRPr lang="en-US" dirty="0"/>
           </a:p>
           <a:p>
             <a:pPr lvl="2"/>
             <a:r>
-              <a:rPr lang="bg-BG" b="1" dirty="0" smtClean="0"/>
+              <a:rPr lang="bg-BG" b="1" dirty="0"/>
               <a:t>Слайдът преминава </a:t>
             </a:r>
             <a:r>
-              <a:rPr lang="bg-BG" dirty="0" smtClean="0"/>
+              <a:rPr lang="bg-BG" dirty="0"/>
               <a:t>към следващия, когато </a:t>
             </a:r>
             <a:r>
-              <a:rPr lang="bg-BG" b="1" dirty="0" smtClean="0"/>
+              <a:rPr lang="bg-BG" b="1" dirty="0"/>
               <a:t>щракнем</a:t>
             </a:r>
             <a:r>
-              <a:rPr lang="bg-BG" dirty="0" smtClean="0"/>
+              <a:rPr lang="bg-BG" dirty="0"/>
               <a:t> с </a:t>
             </a:r>
             <a:r>
-              <a:rPr lang="bg-BG" b="1" dirty="0" smtClean="0"/>
+              <a:rPr lang="bg-BG" b="1" dirty="0"/>
               <a:t>мишката</a:t>
             </a:r>
           </a:p>
           <a:p>
             <a:pPr lvl="1"/>
             <a:r>
-              <a:rPr lang="en-US" dirty="0" smtClean="0"/>
+              <a:rPr lang="en-US" dirty="0"/>
               <a:t>͏</a:t>
             </a:r>
             <a:r>
-              <a:rPr lang="en-US" b="1" dirty="0" smtClean="0">
+              <a:rPr lang="en-US" b="1" dirty="0">
                 <a:solidFill>
                   <a:schemeClr val="bg1"/>
                 </a:solidFill>
@@ -13557,15 +13885,15 @@
               <a:t>After</a:t>
             </a:r>
             <a:r>
-              <a:rPr lang="en-US" dirty="0" smtClean="0"/>
+              <a:rPr lang="en-US" dirty="0"/>
               <a:t> (</a:t>
             </a:r>
             <a:r>
-              <a:rPr lang="bg-BG" b="1" dirty="0" smtClean="0"/>
+              <a:rPr lang="bg-BG" b="1" dirty="0"/>
               <a:t>След</a:t>
             </a:r>
             <a:r>
-              <a:rPr lang="en-US" dirty="0" smtClean="0"/>
+              <a:rPr lang="en-US" dirty="0"/>
               <a:t>)</a:t>
             </a:r>
             <a:endParaRPr lang="bg-BG" dirty="0"/>
@@ -13573,35 +13901,35 @@
           <a:p>
             <a:pPr lvl="2"/>
             <a:r>
-              <a:rPr lang="bg-BG" dirty="0" smtClean="0"/>
+              <a:rPr lang="bg-BG" dirty="0"/>
               <a:t>Преминава към следващия слайд </a:t>
             </a:r>
             <a:r>
-              <a:rPr lang="bg-BG" b="1" dirty="0" smtClean="0"/>
+              <a:rPr lang="bg-BG" b="1" dirty="0"/>
               <a:t>след</a:t>
             </a:r>
             <a:r>
-              <a:rPr lang="bg-BG" dirty="0" smtClean="0"/>
+              <a:rPr lang="bg-BG" dirty="0"/>
               <a:t> толкова </a:t>
             </a:r>
             <a:r>
-              <a:rPr lang="bg-BG" b="1" dirty="0" smtClean="0"/>
+              <a:rPr lang="bg-BG" b="1" dirty="0"/>
               <a:t>време</a:t>
             </a:r>
             <a:r>
-              <a:rPr lang="bg-BG" dirty="0" smtClean="0"/>
+              <a:rPr lang="bg-BG" dirty="0"/>
               <a:t>, колкото </a:t>
             </a:r>
             <a:r>
-              <a:rPr lang="bg-BG" b="1" dirty="0" smtClean="0"/>
+              <a:rPr lang="bg-BG" b="1" dirty="0"/>
               <a:t>изпишем</a:t>
             </a:r>
             <a:r>
-              <a:rPr lang="bg-BG" dirty="0" smtClean="0"/>
+              <a:rPr lang="bg-BG" dirty="0"/>
               <a:t> в </a:t>
             </a:r>
             <a:r>
-              <a:rPr lang="bg-BG" b="1" dirty="0" smtClean="0"/>
+              <a:rPr lang="bg-BG" b="1" dirty="0"/>
               <a:t>числовата кутия</a:t>
             </a:r>
             <a:endParaRPr lang="en-US" b="1" dirty="0"/>
@@ -13639,15 +13967,20 @@
           <p:nvPr/>
         </p:nvPicPr>
         <p:blipFill>
-          <a:blip r:embed="rId2"/>
-          <a:stretch>
-            <a:fillRect/>
-          </a:stretch>
+          <a:blip r:embed="rId2">
+            <a:extLst>
+              <a:ext uri="{28A0092B-C50C-407E-A947-70E740481C1C}">
+                <a14:useLocalDpi xmlns:a14="http://schemas.microsoft.com/office/drawing/2010/main" val="0"/>
+              </a:ext>
+            </a:extLst>
+          </a:blip>
+          <a:srcRect/>
+          <a:stretch/>
         </p:blipFill>
         <p:spPr>
           <a:xfrm>
-            <a:off x="3658367" y="5166068"/>
-            <a:ext cx="4875266" cy="1487370"/>
+            <a:off x="3734800" y="5166068"/>
+            <a:ext cx="4722399" cy="1487370"/>
           </a:xfrm>
           <a:prstGeom prst="rect">
             <a:avLst/>
@@ -14768,7 +15101,7 @@
               </a:buClr>
             </a:pPr>
             <a:r>
-              <a:rPr lang="bg-BG" sz="2800" b="1" dirty="0" smtClean="0">
+              <a:rPr lang="bg-BG" sz="2800" b="1" dirty="0">
                 <a:solidFill>
                   <a:schemeClr val="bg1">
                     <a:lumMod val="60000"/>
@@ -14779,7 +15112,7 @@
               <a:t>Анимационен ефект </a:t>
             </a:r>
             <a:r>
-              <a:rPr lang="bg-BG" sz="2800" dirty="0" smtClean="0">
+              <a:rPr lang="bg-BG" sz="2800" dirty="0">
                 <a:solidFill>
                   <a:schemeClr val="bg2"/>
                 </a:solidFill>
@@ -14787,7 +15120,7 @@
               <a:t>– </a:t>
             </a:r>
             <a:r>
-              <a:rPr lang="bg-BG" sz="2800" b="1" dirty="0" smtClean="0">
+              <a:rPr lang="bg-BG" sz="2800" b="1" dirty="0">
                 <a:solidFill>
                   <a:schemeClr val="bg2"/>
                 </a:solidFill>
@@ -14795,7 +15128,7 @@
               <a:t>поява</a:t>
             </a:r>
             <a:r>
-              <a:rPr lang="bg-BG" sz="2800" dirty="0" smtClean="0">
+              <a:rPr lang="bg-BG" sz="2800" dirty="0">
                 <a:solidFill>
                   <a:schemeClr val="bg2"/>
                 </a:solidFill>
@@ -14803,7 +15136,7 @@
               <a:t> по </a:t>
             </a:r>
             <a:r>
-              <a:rPr lang="bg-BG" sz="2800" b="1" dirty="0" smtClean="0">
+              <a:rPr lang="bg-BG" sz="2800" b="1" dirty="0">
                 <a:solidFill>
                   <a:schemeClr val="bg2"/>
                 </a:solidFill>
@@ -14811,7 +15144,7 @@
               <a:t>различно време </a:t>
             </a:r>
             <a:r>
-              <a:rPr lang="bg-BG" sz="2800" dirty="0" smtClean="0">
+              <a:rPr lang="bg-BG" sz="2800" dirty="0">
                 <a:solidFill>
                   <a:schemeClr val="bg2"/>
                 </a:solidFill>
@@ -14819,7 +15152,7 @@
               <a:t>или </a:t>
             </a:r>
             <a:r>
-              <a:rPr lang="bg-BG" sz="2800" b="1" dirty="0" smtClean="0">
+              <a:rPr lang="bg-BG" sz="2800" b="1" dirty="0">
                 <a:solidFill>
                   <a:schemeClr val="bg2"/>
                 </a:solidFill>
@@ -14827,7 +15160,7 @@
               <a:t>изменение</a:t>
             </a:r>
             <a:r>
-              <a:rPr lang="bg-BG" sz="2800" dirty="0" smtClean="0">
+              <a:rPr lang="bg-BG" sz="2800" dirty="0">
                 <a:solidFill>
                   <a:schemeClr val="bg2"/>
                 </a:solidFill>
@@ -14835,7 +15168,7 @@
               <a:t> на </a:t>
             </a:r>
             <a:r>
-              <a:rPr lang="bg-BG" sz="2800" b="1" dirty="0" smtClean="0">
+              <a:rPr lang="bg-BG" sz="2800" b="1" dirty="0">
                 <a:solidFill>
                   <a:schemeClr val="bg2"/>
                 </a:solidFill>
@@ -14843,7 +15176,7 @@
               <a:t>обектите</a:t>
             </a:r>
             <a:r>
-              <a:rPr lang="bg-BG" sz="2800" dirty="0" smtClean="0">
+              <a:rPr lang="bg-BG" sz="2800" dirty="0">
                 <a:solidFill>
                   <a:schemeClr val="bg2"/>
                 </a:solidFill>
@@ -14851,7 +15184,7 @@
               <a:t>, които се съдържат в един слайд, или при </a:t>
             </a:r>
             <a:r>
-              <a:rPr lang="bg-BG" sz="2800" b="1" dirty="0" smtClean="0">
+              <a:rPr lang="bg-BG" sz="2800" b="1" dirty="0">
                 <a:solidFill>
                   <a:schemeClr val="bg2"/>
                 </a:solidFill>
@@ -14859,7 +15192,7 @@
               <a:t>преход</a:t>
             </a:r>
             <a:r>
-              <a:rPr lang="bg-BG" sz="2800" dirty="0" smtClean="0">
+              <a:rPr lang="bg-BG" sz="2800" dirty="0">
                 <a:solidFill>
                   <a:schemeClr val="bg2"/>
                 </a:solidFill>
@@ -14867,7 +15200,7 @@
               <a:t> </a:t>
             </a:r>
             <a:r>
-              <a:rPr lang="bg-BG" sz="2800" b="1" dirty="0" smtClean="0">
+              <a:rPr lang="bg-BG" sz="2800" b="1" dirty="0">
                 <a:solidFill>
                   <a:schemeClr val="bg2"/>
                 </a:solidFill>
@@ -14946,7 +15279,7 @@
               <a:buSzPct val="70000"/>
             </a:pPr>
             <a:r>
-              <a:rPr lang="bg-BG" sz="5400" dirty="0" smtClean="0">
+              <a:rPr lang="bg-BG" sz="5400" dirty="0">
                 <a:solidFill>
                   <a:schemeClr val="bg2"/>
                 </a:solidFill>
@@ -14979,13 +15312,6 @@
       <p:transition spd="slow" advClick="0" advTm="5000"/>
     </mc:Fallback>
   </mc:AlternateContent>
-  <p:timing>
-    <p:tnLst>
-      <p:par>
-        <p:cTn id="1" dur="indefinite" restart="never" nodeType="tmRoot"/>
-      </p:par>
-    </p:tnLst>
-  </p:timing>
 </p:sld>
 </file>
 
@@ -15103,7 +15429,7 @@
                 <a:hlinkClick r:id="rId3">
                   <a:extLst>
                     <a:ext uri="{A12FA001-AC4F-418D-AE19-62706E023703}">
-                      <ahyp:hlinkClr xmlns:ahyp="http://schemas.microsoft.com/office/drawing/2018/hyperlinkcolor" xmlns="" val="tx"/>
+                      <ahyp:hlinkClr xmlns:ahyp="http://schemas.microsoft.com/office/drawing/2018/hyperlinkcolor" val="tx"/>
                     </a:ext>
                   </a:extLst>
                 </a:hlinkClick>
@@ -15176,13 +15502,6 @@
       <p:transition spd="slow" advClick="0" advTm="5000"/>
     </mc:Fallback>
   </mc:AlternateContent>
-  <p:timing>
-    <p:tnLst>
-      <p:par>
-        <p:cTn id="1" dur="indefinite" restart="never" nodeType="tmRoot"/>
-      </p:par>
-    </p:tnLst>
-  </p:timing>
 </p:sld>
 </file>
 
@@ -15566,13 +15885,6 @@
       <p:transition spd="slow" advClick="0" advTm="5000"/>
     </mc:Fallback>
   </mc:AlternateContent>
-  <p:timing>
-    <p:tnLst>
-      <p:par>
-        <p:cTn id="1" dur="indefinite" restart="never" nodeType="tmRoot"/>
-      </p:par>
-    </p:tnLst>
-  </p:timing>
 </p:sld>
 </file>
 
@@ -15617,20 +15929,12 @@
               <a:rPr lang="ru-RU" dirty="0"/>
               <a:t>͏͏Анимационни ефекти на </a:t>
             </a:r>
-            <a:r>
-              <a:rPr lang="en-US" dirty="0" smtClean="0"/>
-              <a:t/>
-            </a:r>
             <a:br>
-              <a:rPr lang="en-US" dirty="0" smtClean="0"/>
+              <a:rPr lang="en-US" dirty="0"/>
             </a:br>
             <a:r>
-              <a:rPr lang="ru-RU" dirty="0" smtClean="0"/>
-              <a:t>елемент </a:t>
-            </a:r>
-            <a:r>
               <a:rPr lang="ru-RU" dirty="0"/>
-              <a:t>от слайд</a:t>
+              <a:t>елемент от слайд</a:t>
             </a:r>
             <a:endParaRPr lang="en-US" dirty="0"/>
           </a:p>
@@ -15695,13 +15999,6 @@
       <p:transition spd="slow" advClick="0" advTm="5000"/>
     </mc:Fallback>
   </mc:AlternateContent>
-  <p:timing>
-    <p:tnLst>
-      <p:par>
-        <p:cTn id="1" dur="indefinite" restart="never" nodeType="tmRoot"/>
-      </p:par>
-    </p:tnLst>
-  </p:timing>
 </p:sld>
 </file>
 
@@ -15843,53 +16140,53 @@
           <a:lstStyle/>
           <a:p>
             <a:r>
-              <a:rPr lang="bg-BG" b="1" dirty="0" smtClean="0"/>
+              <a:rPr lang="bg-BG" b="1" dirty="0"/>
               <a:t>Обектите</a:t>
             </a:r>
             <a:r>
-              <a:rPr lang="bg-BG" dirty="0" smtClean="0"/>
+              <a:rPr lang="bg-BG" dirty="0"/>
               <a:t> на един слай могат да се </a:t>
             </a:r>
             <a:r>
-              <a:rPr lang="bg-BG" b="1" dirty="0" smtClean="0"/>
+              <a:rPr lang="bg-BG" b="1" dirty="0"/>
               <a:t>появяват</a:t>
             </a:r>
             <a:r>
-              <a:rPr lang="bg-BG" dirty="0" smtClean="0"/>
+              <a:rPr lang="bg-BG" dirty="0"/>
               <a:t> по </a:t>
             </a:r>
             <a:r>
-              <a:rPr lang="bg-BG" b="1" dirty="0" smtClean="0"/>
+              <a:rPr lang="bg-BG" b="1" dirty="0"/>
               <a:t>различно време </a:t>
             </a:r>
             <a:r>
-              <a:rPr lang="bg-BG" dirty="0" smtClean="0"/>
+              <a:rPr lang="bg-BG" dirty="0"/>
               <a:t>в него или да </a:t>
             </a:r>
             <a:r>
-              <a:rPr lang="bg-BG" b="1" dirty="0" smtClean="0"/>
+              <a:rPr lang="bg-BG" b="1" dirty="0"/>
               <a:t>изменят положението </a:t>
             </a:r>
             <a:r>
-              <a:rPr lang="bg-BG" dirty="0" smtClean="0"/>
+              <a:rPr lang="bg-BG" dirty="0"/>
               <a:t>си</a:t>
             </a:r>
           </a:p>
           <a:p>
             <a:r>
-              <a:rPr lang="bg-BG" dirty="0" smtClean="0"/>
+              <a:rPr lang="bg-BG" dirty="0"/>
               <a:t>Тези </a:t>
             </a:r>
             <a:r>
-              <a:rPr lang="bg-BG" b="1" dirty="0" smtClean="0"/>
+              <a:rPr lang="bg-BG" b="1" dirty="0"/>
               <a:t>движения</a:t>
             </a:r>
             <a:r>
-              <a:rPr lang="bg-BG" dirty="0" smtClean="0"/>
+              <a:rPr lang="bg-BG" dirty="0"/>
               <a:t> се означават като използване на </a:t>
             </a:r>
             <a:r>
-              <a:rPr lang="bg-BG" b="1" dirty="0" smtClean="0">
+              <a:rPr lang="bg-BG" b="1" dirty="0">
                 <a:solidFill>
                   <a:schemeClr val="bg1"/>
                 </a:solidFill>
@@ -15920,7 +16217,7 @@
           <a:lstStyle/>
           <a:p>
             <a:r>
-              <a:rPr lang="bg-BG" dirty="0" smtClean="0"/>
+              <a:rPr lang="bg-BG" dirty="0"/>
               <a:t>Анимационни ефекти на елементи от слайд</a:t>
             </a:r>
             <a:endParaRPr lang="en-US" dirty="0"/>
@@ -16361,33 +16658,33 @@
           <a:lstStyle/>
           <a:p>
             <a:r>
-              <a:rPr lang="bg-BG" dirty="0" smtClean="0"/>
+              <a:rPr lang="bg-BG" dirty="0"/>
               <a:t>За да </a:t>
             </a:r>
             <a:r>
-              <a:rPr lang="bg-BG" b="1" dirty="0" smtClean="0"/>
+              <a:rPr lang="bg-BG" b="1" dirty="0"/>
               <a:t>използвате анимация </a:t>
             </a:r>
             <a:r>
-              <a:rPr lang="bg-BG" dirty="0" smtClean="0"/>
+              <a:rPr lang="bg-BG" dirty="0"/>
               <a:t>върху даден елемент от слайда, е необходимо той да бъде </a:t>
             </a:r>
             <a:r>
-              <a:rPr lang="bg-BG" b="1" dirty="0" smtClean="0"/>
+              <a:rPr lang="bg-BG" b="1" dirty="0"/>
               <a:t>маркиран</a:t>
             </a:r>
           </a:p>
           <a:p>
             <a:r>
-              <a:rPr lang="bg-BG" dirty="0" smtClean="0"/>
+              <a:rPr lang="bg-BG" dirty="0"/>
               <a:t>Анимационните ефекти се избират от </a:t>
             </a:r>
             <a:r>
-              <a:rPr lang="bg-BG" b="1" dirty="0" smtClean="0"/>
+              <a:rPr lang="bg-BG" b="1" dirty="0"/>
               <a:t>панела </a:t>
             </a:r>
             <a:r>
-              <a:rPr lang="en-US" b="1" dirty="0" smtClean="0">
+              <a:rPr lang="en-US" b="1" dirty="0">
                 <a:solidFill>
                   <a:schemeClr val="bg1"/>
                 </a:solidFill>
@@ -16395,27 +16692,27 @@
               <a:t>Animation</a:t>
             </a:r>
             <a:r>
-              <a:rPr lang="en-US" dirty="0" smtClean="0"/>
+              <a:rPr lang="en-US" dirty="0"/>
               <a:t> </a:t>
             </a:r>
             <a:r>
-              <a:rPr lang="bg-BG" dirty="0" smtClean="0"/>
+              <a:rPr lang="bg-BG" dirty="0"/>
               <a:t>(</a:t>
             </a:r>
             <a:r>
-              <a:rPr lang="bg-BG" b="1" dirty="0" smtClean="0"/>
+              <a:rPr lang="bg-BG" b="1" dirty="0"/>
               <a:t>Анимация</a:t>
             </a:r>
             <a:r>
-              <a:rPr lang="bg-BG" dirty="0" smtClean="0"/>
+              <a:rPr lang="bg-BG" dirty="0"/>
               <a:t>) от </a:t>
             </a:r>
             <a:r>
-              <a:rPr lang="bg-BG" b="1" dirty="0" smtClean="0"/>
+              <a:rPr lang="bg-BG" b="1" dirty="0"/>
               <a:t>менюто </a:t>
             </a:r>
             <a:r>
-              <a:rPr lang="en-US" b="1" dirty="0" smtClean="0">
+              <a:rPr lang="en-US" b="1" dirty="0">
                 <a:solidFill>
                   <a:schemeClr val="bg1"/>
                 </a:solidFill>
@@ -16423,54 +16720,54 @@
               <a:t>Animations</a:t>
             </a:r>
             <a:r>
-              <a:rPr lang="en-US" b="1" dirty="0" smtClean="0"/>
+              <a:rPr lang="en-US" b="1" dirty="0"/>
               <a:t> </a:t>
             </a:r>
             <a:r>
-              <a:rPr lang="en-US" dirty="0" smtClean="0"/>
+              <a:rPr lang="en-US" dirty="0"/>
               <a:t>(</a:t>
             </a:r>
             <a:r>
-              <a:rPr lang="bg-BG" b="1" dirty="0" smtClean="0"/>
+              <a:rPr lang="bg-BG" b="1" dirty="0"/>
               <a:t>Анимации</a:t>
             </a:r>
             <a:r>
-              <a:rPr lang="en-US" dirty="0" smtClean="0"/>
+              <a:rPr lang="en-US" dirty="0"/>
               <a:t>)</a:t>
             </a:r>
-            <a:endParaRPr lang="bg-BG" dirty="0" smtClean="0"/>
-          </a:p>
-          <a:p>
-            <a:r>
-              <a:rPr lang="bg-BG" b="1" dirty="0" smtClean="0"/>
+            <a:endParaRPr lang="bg-BG" dirty="0"/>
+          </a:p>
+          <a:p>
+            <a:r>
+              <a:rPr lang="bg-BG" b="1" dirty="0"/>
               <a:t>Повече</a:t>
             </a:r>
             <a:r>
-              <a:rPr lang="bg-BG" dirty="0" smtClean="0"/>
+              <a:rPr lang="bg-BG" dirty="0"/>
               <a:t> анимационни</a:t>
             </a:r>
             <a:r>
-              <a:rPr lang="bg-BG" b="1" dirty="0" smtClean="0"/>
+              <a:rPr lang="bg-BG" b="1" dirty="0"/>
               <a:t> ефекти </a:t>
             </a:r>
             <a:r>
-              <a:rPr lang="bg-BG" dirty="0" smtClean="0"/>
+              <a:rPr lang="bg-BG" dirty="0"/>
               <a:t>може да намерите от </a:t>
             </a:r>
             <a:r>
-              <a:rPr lang="bg-BG" b="1" dirty="0" smtClean="0"/>
+              <a:rPr lang="bg-BG" b="1" dirty="0"/>
               <a:t>бутона</a:t>
             </a:r>
             <a:r>
-              <a:rPr lang="bg-BG" dirty="0" smtClean="0"/>
+              <a:rPr lang="bg-BG" dirty="0"/>
               <a:t> </a:t>
             </a:r>
             <a:r>
-              <a:rPr lang="en-US" dirty="0" smtClean="0"/>
+              <a:rPr lang="en-US" dirty="0"/>
               <a:t>[</a:t>
             </a:r>
             <a:r>
-              <a:rPr lang="en-US" b="1" dirty="0" smtClean="0">
+              <a:rPr lang="en-US" b="1" dirty="0">
                 <a:solidFill>
                   <a:schemeClr val="bg1"/>
                 </a:solidFill>
@@ -16478,19 +16775,19 @@
               <a:t>Add Animation</a:t>
             </a:r>
             <a:r>
-              <a:rPr lang="en-US" dirty="0" smtClean="0"/>
+              <a:rPr lang="en-US" dirty="0"/>
               <a:t>] </a:t>
             </a:r>
             <a:r>
-              <a:rPr lang="bg-BG" dirty="0" smtClean="0"/>
+              <a:rPr lang="bg-BG" dirty="0"/>
               <a:t>(</a:t>
             </a:r>
             <a:r>
-              <a:rPr lang="bg-BG" b="1" dirty="0" smtClean="0"/>
+              <a:rPr lang="bg-BG" b="1" dirty="0"/>
               <a:t>Добавяне на анимации</a:t>
             </a:r>
             <a:r>
-              <a:rPr lang="bg-BG" dirty="0" smtClean="0"/>
+              <a:rPr lang="bg-BG" dirty="0"/>
               <a:t>)</a:t>
             </a:r>
             <a:endParaRPr lang="en-US" dirty="0"/>
@@ -16513,7 +16810,7 @@
           <a:lstStyle/>
           <a:p>
             <a:r>
-              <a:rPr lang="bg-BG" dirty="0" smtClean="0"/>
+              <a:rPr lang="bg-BG" dirty="0"/>
               <a:t>Използване на анимация</a:t>
             </a:r>
             <a:endParaRPr lang="en-US" dirty="0"/>
@@ -16529,15 +16826,20 @@
           <p:nvPr/>
         </p:nvPicPr>
         <p:blipFill>
-          <a:blip r:embed="rId2"/>
-          <a:stretch>
-            <a:fillRect/>
-          </a:stretch>
+          <a:blip r:embed="rId3">
+            <a:extLst>
+              <a:ext uri="{28A0092B-C50C-407E-A947-70E740481C1C}">
+                <a14:useLocalDpi xmlns:a14="http://schemas.microsoft.com/office/drawing/2010/main" val="0"/>
+              </a:ext>
+            </a:extLst>
+          </a:blip>
+          <a:srcRect/>
+          <a:stretch/>
         </p:blipFill>
         <p:spPr>
           <a:xfrm>
-            <a:off x="350668" y="5252578"/>
-            <a:ext cx="11490665" cy="1236422"/>
+            <a:off x="358390" y="5252578"/>
+            <a:ext cx="11475221" cy="1236422"/>
           </a:xfrm>
           <a:prstGeom prst="rect">
             <a:avLst/>
@@ -16559,7 +16861,7 @@
         </p:nvSpPr>
         <p:spPr bwMode="auto">
           <a:xfrm>
-            <a:off x="1056000" y="5252578"/>
+            <a:off x="1101000" y="5252578"/>
             <a:ext cx="4455000" cy="1236422"/>
           </a:xfrm>
           <a:prstGeom prst="rect">
@@ -16625,7 +16927,7 @@
         </p:nvSpPr>
         <p:spPr bwMode="auto">
           <a:xfrm>
-            <a:off x="5511000" y="5252578"/>
+            <a:off x="5556000" y="5252578"/>
             <a:ext cx="990000" cy="1236422"/>
           </a:xfrm>
           <a:prstGeom prst="rect">
@@ -16907,6 +17209,94 @@
           <a:chExt cx="0" cy="0"/>
         </a:xfrm>
       </p:grpSpPr>
+      <p:grpSp>
+        <p:nvGrpSpPr>
+          <p:cNvPr id="14" name="Group 13">
+            <a:extLst>
+              <a:ext uri="{FF2B5EF4-FFF2-40B4-BE49-F238E27FC236}">
+                <a16:creationId xmlns:a16="http://schemas.microsoft.com/office/drawing/2014/main" id="{0BC71B3E-F01D-D076-45C8-B66423C57A8D}"/>
+              </a:ext>
+            </a:extLst>
+          </p:cNvPr>
+          <p:cNvGrpSpPr/>
+          <p:nvPr/>
+        </p:nvGrpSpPr>
+        <p:grpSpPr>
+          <a:xfrm>
+            <a:off x="7941000" y="1259853"/>
+            <a:ext cx="3375000" cy="5457463"/>
+            <a:chOff x="3551654" y="-54000"/>
+            <a:chExt cx="3952316" cy="6858000"/>
+          </a:xfrm>
+        </p:grpSpPr>
+        <p:pic>
+          <p:nvPicPr>
+            <p:cNvPr id="11" name="Picture 10">
+              <a:extLst>
+                <a:ext uri="{FF2B5EF4-FFF2-40B4-BE49-F238E27FC236}">
+                  <a16:creationId xmlns:a16="http://schemas.microsoft.com/office/drawing/2014/main" id="{92897880-3747-9070-A03B-05529EF90385}"/>
+                </a:ext>
+              </a:extLst>
+            </p:cNvPr>
+            <p:cNvPicPr>
+              <a:picLocks noChangeAspect="1"/>
+            </p:cNvPicPr>
+            <p:nvPr/>
+          </p:nvPicPr>
+          <p:blipFill>
+            <a:blip r:embed="rId3"/>
+            <a:stretch>
+              <a:fillRect/>
+            </a:stretch>
+          </p:blipFill>
+          <p:spPr>
+            <a:xfrm>
+              <a:off x="3551654" y="-54000"/>
+              <a:ext cx="3952316" cy="6858000"/>
+            </a:xfrm>
+            <a:prstGeom prst="rect">
+              <a:avLst/>
+            </a:prstGeom>
+          </p:spPr>
+        </p:pic>
+        <p:pic>
+          <p:nvPicPr>
+            <p:cNvPr id="13" name="Picture 12">
+              <a:extLst>
+                <a:ext uri="{FF2B5EF4-FFF2-40B4-BE49-F238E27FC236}">
+                  <a16:creationId xmlns:a16="http://schemas.microsoft.com/office/drawing/2014/main" id="{D24D543C-7013-B56A-37A3-0BEF4E344737}"/>
+                </a:ext>
+              </a:extLst>
+            </p:cNvPr>
+            <p:cNvPicPr>
+              <a:picLocks noChangeAspect="1"/>
+            </p:cNvPicPr>
+            <p:nvPr/>
+          </p:nvPicPr>
+          <p:blipFill>
+            <a:blip r:embed="rId4"/>
+            <a:stretch>
+              <a:fillRect/>
+            </a:stretch>
+          </p:blipFill>
+          <p:spPr>
+            <a:xfrm>
+              <a:off x="3561814" y="5385816"/>
+              <a:ext cx="3942156" cy="1418184"/>
+            </a:xfrm>
+            <a:prstGeom prst="rect">
+              <a:avLst/>
+            </a:prstGeom>
+            <a:ln>
+              <a:solidFill>
+                <a:schemeClr val="bg2">
+                  <a:lumMod val="75000"/>
+                </a:schemeClr>
+              </a:solidFill>
+            </a:ln>
+          </p:spPr>
+        </p:pic>
+      </p:grpSp>
       <p:sp>
         <p:nvSpPr>
           <p:cNvPr id="2" name="Slide Number Placeholder 1"/>
@@ -16952,23 +17342,23 @@
           <a:lstStyle/>
           <a:p>
             <a:r>
-              <a:rPr lang="bg-BG" dirty="0" smtClean="0"/>
+              <a:rPr lang="bg-BG" dirty="0"/>
               <a:t>Като изберете </a:t>
             </a:r>
             <a:r>
-              <a:rPr lang="bg-BG" b="1" dirty="0" smtClean="0"/>
+              <a:rPr lang="bg-BG" b="1" dirty="0"/>
               <a:t>бутона</a:t>
             </a:r>
             <a:r>
-              <a:rPr lang="bg-BG" dirty="0" smtClean="0"/>
+              <a:rPr lang="bg-BG" dirty="0"/>
               <a:t> </a:t>
             </a:r>
             <a:r>
-              <a:rPr lang="en-US" dirty="0" smtClean="0"/>
+              <a:rPr lang="en-US" dirty="0"/>
               <a:t>[</a:t>
             </a:r>
             <a:r>
-              <a:rPr lang="en-US" b="1" dirty="0" smtClean="0">
+              <a:rPr lang="en-US" b="1" dirty="0">
                 <a:solidFill>
                   <a:schemeClr val="bg1"/>
                 </a:solidFill>
@@ -16976,46 +17366,46 @@
               <a:t>Add Animation</a:t>
             </a:r>
             <a:r>
-              <a:rPr lang="en-US" dirty="0" smtClean="0"/>
+              <a:rPr lang="en-US" dirty="0"/>
               <a:t>] </a:t>
             </a:r>
             <a:r>
-              <a:rPr lang="bg-BG" dirty="0" smtClean="0"/>
+              <a:rPr lang="bg-BG" dirty="0"/>
               <a:t>се отваря </a:t>
             </a:r>
             <a:r>
-              <a:rPr lang="bg-BG" b="1" dirty="0" smtClean="0"/>
+              <a:rPr lang="bg-BG" b="1" dirty="0"/>
               <a:t>меню</a:t>
             </a:r>
             <a:r>
-              <a:rPr lang="bg-BG" dirty="0" smtClean="0"/>
+              <a:rPr lang="bg-BG" dirty="0"/>
               <a:t>, в което </a:t>
             </a:r>
             <a:r>
-              <a:rPr lang="bg-BG" b="1" dirty="0" smtClean="0"/>
+              <a:rPr lang="bg-BG" b="1" dirty="0"/>
               <a:t>ефектите</a:t>
             </a:r>
             <a:r>
-              <a:rPr lang="bg-BG" dirty="0" smtClean="0"/>
+              <a:rPr lang="bg-BG" dirty="0"/>
               <a:t> са събрани в </a:t>
             </a:r>
             <a:r>
-              <a:rPr lang="bg-BG" b="1" dirty="0" smtClean="0"/>
+              <a:rPr lang="bg-BG" b="1" dirty="0"/>
               <a:t>четири групи</a:t>
             </a:r>
             <a:r>
-              <a:rPr lang="bg-BG" dirty="0" smtClean="0"/>
+              <a:rPr lang="bg-BG" dirty="0"/>
               <a:t>:</a:t>
             </a:r>
           </a:p>
           <a:p>
             <a:pPr lvl="1"/>
             <a:r>
-              <a:rPr lang="en-US" b="1" dirty="0" smtClean="0"/>
+              <a:rPr lang="en-US" b="1" dirty="0"/>
               <a:t>͏</a:t>
             </a:r>
             <a:r>
-              <a:rPr lang="en-US" b="1" dirty="0" smtClean="0">
+              <a:rPr lang="en-US" b="1" dirty="0">
                 <a:solidFill>
                   <a:schemeClr val="bg1"/>
                 </a:solidFill>
@@ -17023,26 +17413,26 @@
               <a:t>Entrance</a:t>
             </a:r>
             <a:r>
-              <a:rPr lang="en-US" dirty="0" smtClean="0"/>
+              <a:rPr lang="en-US" dirty="0"/>
               <a:t> (</a:t>
             </a:r>
             <a:r>
-              <a:rPr lang="bg-BG" b="1" dirty="0" smtClean="0"/>
+              <a:rPr lang="bg-BG" b="1" dirty="0"/>
               <a:t>въвеждащи</a:t>
             </a:r>
             <a:r>
-              <a:rPr lang="en-US" dirty="0" smtClean="0"/>
+              <a:rPr lang="en-US" dirty="0"/>
               <a:t>)</a:t>
             </a:r>
           </a:p>
           <a:p>
             <a:pPr lvl="1"/>
             <a:r>
-              <a:rPr lang="en-US" b="1" dirty="0" smtClean="0"/>
+              <a:rPr lang="en-US" b="1" dirty="0"/>
               <a:t>͏</a:t>
             </a:r>
             <a:r>
-              <a:rPr lang="en-US" b="1" dirty="0" smtClean="0">
+              <a:rPr lang="en-US" b="1" dirty="0">
                 <a:solidFill>
                   <a:schemeClr val="bg1"/>
                 </a:solidFill>
@@ -17050,26 +17440,26 @@
               <a:t>Emphasis</a:t>
             </a:r>
             <a:r>
-              <a:rPr lang="en-US" dirty="0" smtClean="0"/>
+              <a:rPr lang="en-US" dirty="0"/>
               <a:t> (</a:t>
             </a:r>
             <a:r>
-              <a:rPr lang="bg-BG" b="1" dirty="0" smtClean="0"/>
+              <a:rPr lang="bg-BG" b="1" dirty="0"/>
               <a:t>акцентиращи</a:t>
             </a:r>
             <a:r>
-              <a:rPr lang="en-US" dirty="0" smtClean="0"/>
+              <a:rPr lang="en-US" dirty="0"/>
               <a:t>)</a:t>
             </a:r>
           </a:p>
           <a:p>
             <a:pPr lvl="1"/>
             <a:r>
-              <a:rPr lang="en-US" b="1" dirty="0" smtClean="0"/>
+              <a:rPr lang="en-US" b="1" dirty="0"/>
               <a:t>͏</a:t>
             </a:r>
             <a:r>
-              <a:rPr lang="en-US" b="1" dirty="0" smtClean="0">
+              <a:rPr lang="en-US" b="1" dirty="0">
                 <a:solidFill>
                   <a:schemeClr val="bg1"/>
                 </a:solidFill>
@@ -17077,26 +17467,26 @@
               <a:t>Exit</a:t>
             </a:r>
             <a:r>
-              <a:rPr lang="en-US" dirty="0" smtClean="0"/>
+              <a:rPr lang="en-US" dirty="0"/>
               <a:t> (</a:t>
             </a:r>
             <a:r>
-              <a:rPr lang="bg-BG" b="1" dirty="0" smtClean="0"/>
+              <a:rPr lang="bg-BG" b="1" dirty="0"/>
               <a:t>завършващи</a:t>
             </a:r>
             <a:r>
-              <a:rPr lang="en-US" dirty="0" smtClean="0"/>
+              <a:rPr lang="en-US" dirty="0"/>
               <a:t>)</a:t>
             </a:r>
           </a:p>
           <a:p>
             <a:pPr lvl="1"/>
             <a:r>
-              <a:rPr lang="en-US" b="1" dirty="0" smtClean="0"/>
+              <a:rPr lang="en-US" b="1" dirty="0"/>
               <a:t>͏</a:t>
             </a:r>
             <a:r>
-              <a:rPr lang="en-US" b="1" dirty="0" smtClean="0">
+              <a:rPr lang="en-US" b="1" dirty="0">
                 <a:solidFill>
                   <a:schemeClr val="bg1"/>
                 </a:solidFill>
@@ -17104,7 +17494,7 @@
               <a:t>Motion paths</a:t>
             </a:r>
             <a:r>
-              <a:rPr lang="en-US" dirty="0" smtClean="0">
+              <a:rPr lang="en-US" dirty="0">
                 <a:solidFill>
                   <a:schemeClr val="bg1"/>
                 </a:solidFill>
@@ -17112,15 +17502,15 @@
               <a:t> </a:t>
             </a:r>
             <a:r>
-              <a:rPr lang="en-US" dirty="0" smtClean="0"/>
+              <a:rPr lang="en-US" dirty="0"/>
               <a:t>(</a:t>
             </a:r>
             <a:r>
-              <a:rPr lang="bg-BG" b="1" dirty="0" smtClean="0"/>
+              <a:rPr lang="bg-BG" b="1" dirty="0"/>
               <a:t>траектории на движение</a:t>
             </a:r>
             <a:r>
-              <a:rPr lang="en-US" dirty="0" smtClean="0"/>
+              <a:rPr lang="en-US" dirty="0"/>
               <a:t>)</a:t>
             </a:r>
           </a:p>
@@ -17146,43 +17536,12 @@
           <a:lstStyle/>
           <a:p>
             <a:r>
-              <a:rPr lang="en-US" dirty="0" smtClean="0"/>
+              <a:rPr lang="en-US" dirty="0"/>
               <a:t>Add Animation</a:t>
             </a:r>
-            <a:endParaRPr lang="en-US" dirty="0"/>
           </a:p>
         </p:txBody>
       </p:sp>
-      <p:pic>
-        <p:nvPicPr>
-          <p:cNvPr id="5" name="Picture 4"/>
-          <p:cNvPicPr>
-            <a:picLocks noChangeAspect="1"/>
-          </p:cNvPicPr>
-          <p:nvPr/>
-        </p:nvPicPr>
-        <p:blipFill rotWithShape="1">
-          <a:blip r:embed="rId2"/>
-          <a:srcRect b="15930"/>
-          <a:stretch/>
-        </p:blipFill>
-        <p:spPr>
-          <a:xfrm>
-            <a:off x="7941000" y="1259853"/>
-            <a:ext cx="3375000" cy="5457463"/>
-          </a:xfrm>
-          <a:prstGeom prst="rect">
-            <a:avLst/>
-          </a:prstGeom>
-          <a:ln>
-            <a:solidFill>
-              <a:schemeClr val="bg2">
-                <a:lumMod val="75000"/>
-              </a:schemeClr>
-            </a:solidFill>
-          </a:ln>
-        </p:spPr>
-      </p:pic>
       <p:sp>
         <p:nvSpPr>
           <p:cNvPr id="6" name="Rectangle 5"/>
@@ -17258,7 +17617,7 @@
         <p:spPr bwMode="auto">
           <a:xfrm>
             <a:off x="7941000" y="2754000"/>
-            <a:ext cx="3240000" cy="1890000"/>
+            <a:ext cx="3240000" cy="1935000"/>
           </a:xfrm>
           <a:prstGeom prst="rect">
             <a:avLst/>
@@ -17323,8 +17682,8 @@
         </p:nvSpPr>
         <p:spPr bwMode="auto">
           <a:xfrm>
-            <a:off x="7941000" y="4644000"/>
-            <a:ext cx="3240000" cy="1440000"/>
+            <a:off x="7941000" y="4689000"/>
+            <a:ext cx="3240000" cy="907329"/>
           </a:xfrm>
           <a:prstGeom prst="rect">
             <a:avLst/>
@@ -17389,8 +17748,8 @@
         </p:nvSpPr>
         <p:spPr bwMode="auto">
           <a:xfrm>
-            <a:off x="7941000" y="6084000"/>
-            <a:ext cx="3240000" cy="640892"/>
+            <a:off x="7941000" y="5596329"/>
+            <a:ext cx="3240000" cy="1128563"/>
           </a:xfrm>
           <a:prstGeom prst="rect">
             <a:avLst/>
@@ -17865,47 +18224,47 @@
           <a:lstStyle/>
           <a:p>
             <a:r>
-              <a:rPr lang="bg-BG" dirty="0" smtClean="0"/>
+              <a:rPr lang="bg-BG" dirty="0"/>
               <a:t>При въвеждащите ефекти </a:t>
             </a:r>
             <a:r>
-              <a:rPr lang="bg-BG" b="1" dirty="0" smtClean="0"/>
+              <a:rPr lang="bg-BG" b="1" dirty="0"/>
               <a:t>обектите</a:t>
             </a:r>
             <a:r>
-              <a:rPr lang="bg-BG" dirty="0" smtClean="0"/>
+              <a:rPr lang="bg-BG" dirty="0"/>
               <a:t> се </a:t>
             </a:r>
             <a:r>
-              <a:rPr lang="bg-BG" b="1" dirty="0" smtClean="0"/>
+              <a:rPr lang="bg-BG" b="1" dirty="0"/>
               <a:t>появяват отвън </a:t>
             </a:r>
             <a:r>
-              <a:rPr lang="bg-BG" dirty="0" smtClean="0"/>
+              <a:rPr lang="bg-BG" dirty="0"/>
               <a:t>на </a:t>
             </a:r>
             <a:r>
-              <a:rPr lang="bg-BG" b="1" dirty="0" smtClean="0"/>
+              <a:rPr lang="bg-BG" b="1" dirty="0"/>
               <a:t>слайда</a:t>
             </a:r>
             <a:r>
-              <a:rPr lang="bg-BG" dirty="0" smtClean="0"/>
+              <a:rPr lang="bg-BG" dirty="0"/>
               <a:t> и се </a:t>
             </a:r>
             <a:r>
-              <a:rPr lang="bg-BG" b="1" dirty="0" smtClean="0"/>
+              <a:rPr lang="bg-BG" b="1" dirty="0"/>
               <a:t>движат</a:t>
             </a:r>
             <a:r>
-              <a:rPr lang="bg-BG" dirty="0" smtClean="0"/>
+              <a:rPr lang="bg-BG" dirty="0"/>
               <a:t> към </a:t>
             </a:r>
             <a:r>
-              <a:rPr lang="bg-BG" b="1" dirty="0" smtClean="0"/>
+              <a:rPr lang="bg-BG" b="1" dirty="0"/>
               <a:t>мястото</a:t>
             </a:r>
             <a:r>
-              <a:rPr lang="bg-BG" dirty="0" smtClean="0"/>
+              <a:rPr lang="bg-BG" dirty="0"/>
               <a:t> си в него</a:t>
             </a:r>
             <a:endParaRPr lang="en-US" dirty="0"/>
@@ -17928,10 +18287,9 @@
           <a:lstStyle/>
           <a:p>
             <a:r>
-              <a:rPr lang="en-US" dirty="0" smtClean="0"/>
+              <a:rPr lang="en-US" dirty="0"/>
               <a:t>Entrance</a:t>
             </a:r>
-            <a:endParaRPr lang="en-US" dirty="0"/>
           </a:p>
         </p:txBody>
       </p:sp>
@@ -17973,14 +18331,20 @@
           <p:nvPr/>
         </p:nvPicPr>
         <p:blipFill rotWithShape="1">
-          <a:blip r:embed="rId4"/>
-          <a:srcRect r="4648" b="77351"/>
+          <a:blip r:embed="rId4">
+            <a:extLst>
+              <a:ext uri="{28A0092B-C50C-407E-A947-70E740481C1C}">
+                <a14:useLocalDpi xmlns:a14="http://schemas.microsoft.com/office/drawing/2010/main" val="0"/>
+              </a:ext>
+            </a:extLst>
+          </a:blip>
+          <a:srcRect t="-205" b="-1581"/>
           <a:stretch/>
         </p:blipFill>
         <p:spPr>
           <a:xfrm>
-            <a:off x="5961000" y="3699000"/>
-            <a:ext cx="4950000" cy="2261529"/>
+            <a:off x="5961000" y="3609000"/>
+            <a:ext cx="4950000" cy="2475000"/>
           </a:xfrm>
           <a:prstGeom prst="rect">
             <a:avLst/>
@@ -18444,15 +18808,7 @@
           <a:p>
             <a:r>
               <a:rPr lang="bg-BG" dirty="0"/>
-              <a:t>При </a:t>
-            </a:r>
-            <a:r>
-              <a:rPr lang="bg-BG" dirty="0" smtClean="0"/>
-              <a:t>акцентиращите </a:t>
-            </a:r>
-            <a:r>
-              <a:rPr lang="bg-BG" dirty="0"/>
-              <a:t>ефекти </a:t>
+              <a:t>При акцентиращите ефекти </a:t>
             </a:r>
             <a:r>
               <a:rPr lang="bg-BG" b="1" dirty="0"/>
@@ -18463,23 +18819,23 @@
               <a:t> се </a:t>
             </a:r>
             <a:r>
-              <a:rPr lang="bg-BG" b="1" dirty="0" smtClean="0"/>
+              <a:rPr lang="bg-BG" b="1" dirty="0"/>
               <a:t>акцентират </a:t>
             </a:r>
             <a:r>
-              <a:rPr lang="bg-BG" dirty="0" smtClean="0"/>
+              <a:rPr lang="bg-BG" dirty="0"/>
               <a:t>с цел </a:t>
             </a:r>
             <a:r>
-              <a:rPr lang="bg-BG" b="1" dirty="0" smtClean="0"/>
+              <a:rPr lang="bg-BG" b="1" dirty="0"/>
               <a:t>привличане</a:t>
             </a:r>
             <a:r>
-              <a:rPr lang="bg-BG" dirty="0" smtClean="0"/>
+              <a:rPr lang="bg-BG" dirty="0"/>
               <a:t> на </a:t>
             </a:r>
             <a:r>
-              <a:rPr lang="bg-BG" b="1" dirty="0" smtClean="0"/>
+              <a:rPr lang="bg-BG" b="1" dirty="0"/>
               <a:t>вниманието </a:t>
             </a:r>
             <a:endParaRPr lang="en-US" b="1" dirty="0"/>
@@ -18505,10 +18861,9 @@
           <a:lstStyle/>
           <a:p>
             <a:r>
-              <a:rPr lang="en-US" dirty="0" smtClean="0"/>
+              <a:rPr lang="en-US" dirty="0"/>
               <a:t>Emphasis</a:t>
             </a:r>
-            <a:endParaRPr lang="en-US" dirty="0"/>
           </a:p>
         </p:txBody>
       </p:sp>
@@ -18580,14 +18935,20 @@
           <p:nvPr/>
         </p:nvPicPr>
         <p:blipFill rotWithShape="1">
-          <a:blip r:embed="rId4"/>
-          <a:srcRect t="22793" r="4255" b="48147"/>
+          <a:blip r:embed="rId4">
+            <a:extLst>
+              <a:ext uri="{28A0092B-C50C-407E-A947-70E740481C1C}">
+                <a14:useLocalDpi xmlns:a14="http://schemas.microsoft.com/office/drawing/2010/main" val="0"/>
+              </a:ext>
+            </a:extLst>
+          </a:blip>
+          <a:srcRect t="112" b="375"/>
           <a:stretch/>
         </p:blipFill>
         <p:spPr>
           <a:xfrm>
-            <a:off x="6305701" y="3090144"/>
-            <a:ext cx="5029146" cy="2935999"/>
+            <a:off x="6305701" y="2979000"/>
+            <a:ext cx="5029146" cy="3150000"/>
           </a:xfrm>
           <a:prstGeom prst="rect">
             <a:avLst/>
@@ -18857,15 +19218,7 @@
           <a:p>
             <a:r>
               <a:rPr lang="bg-BG" dirty="0"/>
-              <a:t>При </a:t>
-            </a:r>
-            <a:r>
-              <a:rPr lang="bg-BG" dirty="0" smtClean="0"/>
-              <a:t>завършващите </a:t>
-            </a:r>
-            <a:r>
-              <a:rPr lang="bg-BG" dirty="0"/>
-              <a:t>ефекти </a:t>
+              <a:t>При завършващите ефекти </a:t>
             </a:r>
             <a:r>
               <a:rPr lang="bg-BG" b="1" dirty="0"/>
@@ -18876,39 +19229,39 @@
               <a:t> се </a:t>
             </a:r>
             <a:r>
-              <a:rPr lang="bg-BG" b="1" dirty="0" smtClean="0"/>
+              <a:rPr lang="bg-BG" b="1" dirty="0"/>
               <a:t>движат </a:t>
             </a:r>
             <a:r>
-              <a:rPr lang="bg-BG" dirty="0" smtClean="0"/>
+              <a:rPr lang="bg-BG" dirty="0"/>
               <a:t>от </a:t>
             </a:r>
             <a:r>
-              <a:rPr lang="bg-BG" b="1" dirty="0" smtClean="0"/>
+              <a:rPr lang="bg-BG" b="1" dirty="0"/>
               <a:t>мястото</a:t>
             </a:r>
             <a:r>
-              <a:rPr lang="bg-BG" dirty="0" smtClean="0"/>
+              <a:rPr lang="bg-BG" dirty="0"/>
               <a:t> </a:t>
             </a:r>
             <a:r>
-              <a:rPr lang="bg-BG" b="1" dirty="0" smtClean="0"/>
+              <a:rPr lang="bg-BG" b="1" dirty="0"/>
               <a:t>си</a:t>
             </a:r>
             <a:r>
-              <a:rPr lang="bg-BG" dirty="0" smtClean="0"/>
+              <a:rPr lang="bg-BG" dirty="0"/>
               <a:t> в слайда към </a:t>
             </a:r>
             <a:r>
-              <a:rPr lang="bg-BG" b="1" dirty="0" smtClean="0"/>
+              <a:rPr lang="bg-BG" b="1" dirty="0"/>
               <a:t>външната</a:t>
             </a:r>
             <a:r>
-              <a:rPr lang="bg-BG" dirty="0" smtClean="0"/>
+              <a:rPr lang="bg-BG" dirty="0"/>
               <a:t> му </a:t>
             </a:r>
             <a:r>
-              <a:rPr lang="bg-BG" b="1" dirty="0" smtClean="0"/>
+              <a:rPr lang="bg-BG" b="1" dirty="0"/>
               <a:t>част</a:t>
             </a:r>
             <a:endParaRPr lang="en-US" b="1" dirty="0"/>
@@ -18934,10 +19287,9 @@
           <a:lstStyle/>
           <a:p>
             <a:r>
-              <a:rPr lang="en-US" dirty="0" smtClean="0"/>
+              <a:rPr lang="en-US" dirty="0"/>
               <a:t>Exit</a:t>
             </a:r>
-            <a:endParaRPr lang="en-US" dirty="0"/>
           </a:p>
         </p:txBody>
       </p:sp>
@@ -18979,14 +19331,20 @@
           <p:nvPr/>
         </p:nvPicPr>
         <p:blipFill rotWithShape="1">
-          <a:blip r:embed="rId3"/>
-          <a:srcRect l="242" t="51918" r="4546" b="25618"/>
+          <a:blip r:embed="rId3">
+            <a:extLst>
+              <a:ext uri="{28A0092B-C50C-407E-A947-70E740481C1C}">
+                <a14:useLocalDpi xmlns:a14="http://schemas.microsoft.com/office/drawing/2010/main" val="0"/>
+              </a:ext>
+            </a:extLst>
+          </a:blip>
+          <a:srcRect t="-1198" b="879"/>
           <a:stretch/>
         </p:blipFill>
         <p:spPr>
           <a:xfrm>
-            <a:off x="6049345" y="3339000"/>
-            <a:ext cx="5275377" cy="2394050"/>
+            <a:off x="6049345" y="3204000"/>
+            <a:ext cx="5275377" cy="2610000"/>
           </a:xfrm>
           <a:prstGeom prst="rect">
             <a:avLst/>

--- a/Courses/Computer-Modeling-and-IT/Computer-Modeling-and-IT-6-Class/18-Animation-Effects-and-Slide-Duration/18-Animation-Effects-and-Slide-Duration.pptx
+++ b/Courses/Computer-Modeling-and-IT/Computer-Modeling-and-IT-6-Class/18-Animation-Effects-and-Slide-Duration/18-Animation-Effects-and-Slide-Duration.pptx
@@ -291,7 +291,7 @@
           <a:p>
             <a:fld id="{4E087215-0C8F-4762-A664-737A353EC9A4}" type="datetimeFigureOut">
               <a:rPr lang="bg-BG" smtClean="0"/>
-              <a:t>18.8.2025 г.</a:t>
+              <a:t>30.8.2025 г.</a:t>
             </a:fld>
             <a:endParaRPr lang="bg-BG"/>
           </a:p>
@@ -487,7 +487,7 @@
           <a:p>
             <a:fld id="{72D84649-876A-46C9-8472-14CB09C070D8}" type="datetimeFigureOut">
               <a:rPr lang="en-US" smtClean="0"/>
-              <a:t>8/18/2025</a:t>
+              <a:t>8/30/2025</a:t>
             </a:fld>
             <a:endParaRPr lang="en-US"/>
           </a:p>
@@ -11230,11 +11230,11 @@
   <p:clrMapOvr>
     <a:masterClrMapping/>
   </p:clrMapOvr>
-  <mc:AlternateContent xmlns:mc="http://schemas.openxmlformats.org/markup-compatibility/2006">
-    <mc:Choice xmlns:p14="http://schemas.microsoft.com/office/powerpoint/2010/main" Requires="p14">
+  <mc:AlternateContent xmlns:mc="http://schemas.openxmlformats.org/markup-compatibility/2006" xmlns:p14="http://schemas.microsoft.com/office/powerpoint/2010/main">
+    <mc:Choice Requires="p14">
       <p:transition p14:dur="0" advClick="0" advTm="5000"/>
     </mc:Choice>
-    <mc:Fallback>
+    <mc:Fallback xmlns="">
       <p:transition advClick="0" advTm="5000"/>
     </mc:Fallback>
   </mc:AlternateContent>
@@ -15103,7 +15103,7 @@
             <a:r>
               <a:rPr lang="bg-BG" sz="2800" b="1" dirty="0">
                 <a:solidFill>
-                  <a:schemeClr val="bg1">
+                  <a:schemeClr val="accent1">
                     <a:lumMod val="60000"/>
                     <a:lumOff val="40000"/>
                   </a:schemeClr>
@@ -15222,71 +15222,176 @@
                 <a:schemeClr val="bg2"/>
               </a:buClr>
             </a:pPr>
-            <a:endParaRPr lang="en-US" sz="2400" b="1" dirty="0">
-              <a:solidFill>
-                <a:schemeClr val="bg2"/>
-              </a:solidFill>
-            </a:endParaRPr>
-          </a:p>
-        </p:txBody>
-      </p:sp>
-      <p:sp>
-        <p:nvSpPr>
-          <p:cNvPr id="2" name="TextBox 1"/>
-          <p:cNvSpPr txBox="1"/>
-          <p:nvPr/>
-        </p:nvSpPr>
-        <p:spPr>
-          <a:xfrm>
-            <a:off x="3981000" y="3609000"/>
-            <a:ext cx="4680000" cy="2046302"/>
-          </a:xfrm>
-          <a:prstGeom prst="rect">
-            <a:avLst/>
-          </a:prstGeom>
-          <a:ln/>
-        </p:spPr>
-        <p:style>
-          <a:lnRef idx="2">
-            <a:schemeClr val="accent1"/>
-          </a:lnRef>
-          <a:fillRef idx="1">
-            <a:schemeClr val="lt1"/>
-          </a:fillRef>
-          <a:effectRef idx="0">
-            <a:schemeClr val="accent1"/>
-          </a:effectRef>
-          <a:fontRef idx="minor">
-            <a:schemeClr val="dk1"/>
-          </a:fontRef>
-        </p:style>
-        <p:txBody>
-          <a:bodyPr vert="horz" wrap="square" lIns="144000" tIns="108000" rIns="144000" bIns="108000" rtlCol="0">
-            <a:spAutoFit/>
-          </a:bodyPr>
-          <a:lstStyle/>
-          <a:p>
-            <a:pPr algn="l" eaLnBrk="0" hangingPunct="0">
-              <a:lnSpc>
-                <a:spcPct val="110000"/>
-              </a:lnSpc>
-              <a:buClr>
-                <a:schemeClr val="accent5">
-                  <a:lumMod val="40000"/>
-                  <a:lumOff val="60000"/>
-                </a:schemeClr>
-              </a:buClr>
-              <a:buSzPct val="70000"/>
-            </a:pPr>
-            <a:r>
-              <a:rPr lang="bg-BG" sz="5400" dirty="0">
+            <a:r>
+              <a:rPr lang="bg-BG" sz="2800" b="1" dirty="0">
+                <a:solidFill>
+                  <a:schemeClr val="accent1">
+                    <a:lumMod val="60000"/>
+                    <a:lumOff val="40000"/>
+                  </a:schemeClr>
+                </a:solidFill>
+              </a:rPr>
+              <a:t>Видове анимационни ефекти</a:t>
+            </a:r>
+            <a:r>
+              <a:rPr lang="bg-BG" sz="2800" b="1" dirty="0">
                 <a:solidFill>
                   <a:schemeClr val="bg2"/>
                 </a:solidFill>
               </a:rPr>
-              <a:t>По-добро обобщение</a:t>
-            </a:r>
-            <a:endParaRPr lang="en-US" sz="5400" dirty="0">
+              <a:t>:</a:t>
+            </a:r>
+          </a:p>
+          <a:p>
+            <a:pPr lvl="1"/>
+            <a:r>
+              <a:rPr lang="en-US" sz="2400" b="1" dirty="0">
+                <a:solidFill>
+                  <a:schemeClr val="bg2"/>
+                </a:solidFill>
+              </a:rPr>
+              <a:t>Entrance</a:t>
+            </a:r>
+            <a:r>
+              <a:rPr lang="en-US" sz="2400" dirty="0">
+                <a:solidFill>
+                  <a:schemeClr val="bg2"/>
+                </a:solidFill>
+              </a:rPr>
+              <a:t> (</a:t>
+            </a:r>
+            <a:r>
+              <a:rPr lang="bg-BG" sz="2400" b="1" dirty="0">
+                <a:solidFill>
+                  <a:schemeClr val="bg2"/>
+                </a:solidFill>
+              </a:rPr>
+              <a:t>въвеждащи</a:t>
+            </a:r>
+            <a:r>
+              <a:rPr lang="en-US" sz="2400" dirty="0">
+                <a:solidFill>
+                  <a:schemeClr val="bg2"/>
+                </a:solidFill>
+              </a:rPr>
+              <a:t>)</a:t>
+            </a:r>
+          </a:p>
+          <a:p>
+            <a:pPr lvl="1"/>
+            <a:r>
+              <a:rPr lang="en-US" sz="2400" b="1" dirty="0">
+                <a:solidFill>
+                  <a:schemeClr val="bg2"/>
+                </a:solidFill>
+              </a:rPr>
+              <a:t>͏Emphasis</a:t>
+            </a:r>
+            <a:r>
+              <a:rPr lang="en-US" sz="2400" dirty="0">
+                <a:solidFill>
+                  <a:schemeClr val="bg2"/>
+                </a:solidFill>
+              </a:rPr>
+              <a:t> (</a:t>
+            </a:r>
+            <a:r>
+              <a:rPr lang="bg-BG" sz="2400" b="1" dirty="0">
+                <a:solidFill>
+                  <a:schemeClr val="bg2"/>
+                </a:solidFill>
+              </a:rPr>
+              <a:t>акцентиращи</a:t>
+            </a:r>
+            <a:r>
+              <a:rPr lang="en-US" sz="2400" dirty="0">
+                <a:solidFill>
+                  <a:schemeClr val="bg2"/>
+                </a:solidFill>
+              </a:rPr>
+              <a:t>)</a:t>
+            </a:r>
+          </a:p>
+          <a:p>
+            <a:pPr lvl="1"/>
+            <a:r>
+              <a:rPr lang="en-US" sz="2400" b="1" dirty="0">
+                <a:solidFill>
+                  <a:schemeClr val="bg2"/>
+                </a:solidFill>
+              </a:rPr>
+              <a:t>͏Exit</a:t>
+            </a:r>
+            <a:r>
+              <a:rPr lang="en-US" sz="2400" dirty="0">
+                <a:solidFill>
+                  <a:schemeClr val="bg2"/>
+                </a:solidFill>
+              </a:rPr>
+              <a:t> (</a:t>
+            </a:r>
+            <a:r>
+              <a:rPr lang="bg-BG" sz="2400" b="1" dirty="0">
+                <a:solidFill>
+                  <a:schemeClr val="bg2"/>
+                </a:solidFill>
+              </a:rPr>
+              <a:t>завършващи</a:t>
+            </a:r>
+            <a:r>
+              <a:rPr lang="en-US" sz="2400" dirty="0">
+                <a:solidFill>
+                  <a:schemeClr val="bg2"/>
+                </a:solidFill>
+              </a:rPr>
+              <a:t>)</a:t>
+            </a:r>
+          </a:p>
+          <a:p>
+            <a:pPr lvl="1"/>
+            <a:r>
+              <a:rPr lang="en-US" sz="2400" b="1" dirty="0">
+                <a:solidFill>
+                  <a:schemeClr val="bg2"/>
+                </a:solidFill>
+              </a:rPr>
+              <a:t>͏Motion paths</a:t>
+            </a:r>
+            <a:r>
+              <a:rPr lang="en-US" sz="2400" dirty="0">
+                <a:solidFill>
+                  <a:schemeClr val="bg2"/>
+                </a:solidFill>
+              </a:rPr>
+              <a:t> (</a:t>
+            </a:r>
+            <a:r>
+              <a:rPr lang="bg-BG" sz="2400" b="1" dirty="0">
+                <a:solidFill>
+                  <a:schemeClr val="bg2"/>
+                </a:solidFill>
+              </a:rPr>
+              <a:t>траектории на движение</a:t>
+            </a:r>
+            <a:r>
+              <a:rPr lang="en-US" sz="2400" dirty="0">
+                <a:solidFill>
+                  <a:schemeClr val="bg2"/>
+                </a:solidFill>
+              </a:rPr>
+              <a:t>)</a:t>
+            </a:r>
+          </a:p>
+          <a:p>
+            <a:pPr lvl="1">
+              <a:lnSpc>
+                <a:spcPct val="100000"/>
+              </a:lnSpc>
+              <a:buClr>
+                <a:schemeClr val="bg2"/>
+              </a:buClr>
+            </a:pPr>
+            <a:endParaRPr lang="en-US" sz="2200" b="1" dirty="0">
               <a:solidFill>
                 <a:schemeClr val="bg2"/>
               </a:solidFill>

--- a/Courses/Computer-Modeling-and-IT/Computer-Modeling-and-IT-6-Class/18-Animation-Effects-and-Slide-Duration/18-Animation-Effects-and-Slide-Duration.pptx
+++ b/Courses/Computer-Modeling-and-IT/Computer-Modeling-and-IT-6-Class/18-Animation-Effects-and-Slide-Duration/18-Animation-Effects-and-Slide-Duration.pptx
@@ -14914,7 +14914,7 @@
         <p:spPr>
           <a:xfrm>
             <a:off x="741000" y="1504870"/>
-            <a:ext cx="11040744" cy="4894130"/>
+            <a:ext cx="10342617" cy="4894130"/>
           </a:xfrm>
           <a:prstGeom prst="rect">
             <a:avLst/>
